--- a/2017/python/B Done - ish/Python Programming Concepts I.pptx
+++ b/2017/python/B Done - ish/Python Programming Concepts I.pptx
@@ -683,6 +683,11 @@
         </p:txBody>
       </p:sp>
     </p:spTree>
+    <p:extLst>
+      <p:ext uri="{BB962C8B-B14F-4D97-AF65-F5344CB8AC3E}">
+        <p14:creationId xmlns:p14="http://schemas.microsoft.com/office/powerpoint/2010/main" val="2734941971"/>
+      </p:ext>
+    </p:extLst>
   </p:cSld>
   <p:clrMapOvr>
     <a:masterClrMapping/>
@@ -794,6 +799,11 @@
         </p:txBody>
       </p:sp>
     </p:spTree>
+    <p:extLst>
+      <p:ext uri="{BB962C8B-B14F-4D97-AF65-F5344CB8AC3E}">
+        <p14:creationId xmlns:p14="http://schemas.microsoft.com/office/powerpoint/2010/main" val="2985967496"/>
+      </p:ext>
+    </p:extLst>
   </p:cSld>
   <p:clrMapOvr>
     <a:masterClrMapping/>
@@ -905,6 +915,11 @@
         </p:txBody>
       </p:sp>
     </p:spTree>
+    <p:extLst>
+      <p:ext uri="{BB962C8B-B14F-4D97-AF65-F5344CB8AC3E}">
+        <p14:creationId xmlns:p14="http://schemas.microsoft.com/office/powerpoint/2010/main" val="3647429584"/>
+      </p:ext>
+    </p:extLst>
   </p:cSld>
   <p:clrMapOvr>
     <a:masterClrMapping/>
@@ -1027,7 +1042,6 @@
               <a:rPr lang="en-US" baseline="0" dirty="0" smtClean="0"/>
               <a:t> </a:t>
             </a:r>
-            <a:endParaRPr lang="en-US" baseline="0" dirty="0" smtClean="0"/>
           </a:p>
           <a:p>
             <a:pPr>
@@ -1050,11 +1064,7 @@
             </a:pPr>
             <a:r>
               <a:rPr lang="en-US" baseline="0" dirty="0" smtClean="0"/>
-              <a:t>Syntax </a:t>
-            </a:r>
-            <a:r>
-              <a:rPr lang="en-US" baseline="0" dirty="0" smtClean="0"/>
-              <a:t>matters</a:t>
+              <a:t>Syntax matters</a:t>
             </a:r>
           </a:p>
           <a:p>
@@ -1109,6 +1119,11 @@
         </p:txBody>
       </p:sp>
     </p:spTree>
+    <p:extLst>
+      <p:ext uri="{BB962C8B-B14F-4D97-AF65-F5344CB8AC3E}">
+        <p14:creationId xmlns:p14="http://schemas.microsoft.com/office/powerpoint/2010/main" val="2462382892"/>
+      </p:ext>
+    </p:extLst>
   </p:cSld>
   <p:clrMapOvr>
     <a:masterClrMapping/>
@@ -1220,6 +1235,11 @@
         </p:txBody>
       </p:sp>
     </p:spTree>
+    <p:extLst>
+      <p:ext uri="{BB962C8B-B14F-4D97-AF65-F5344CB8AC3E}">
+        <p14:creationId xmlns:p14="http://schemas.microsoft.com/office/powerpoint/2010/main" val="1306675248"/>
+      </p:ext>
+    </p:extLst>
   </p:cSld>
   <p:clrMapOvr>
     <a:masterClrMapping/>
@@ -1442,11 +1462,16 @@
               </a:spcBef>
               <a:buNone/>
             </a:pPr>
-            <a:endParaRPr/>
+            <a:endParaRPr dirty="0"/>
           </a:p>
         </p:txBody>
       </p:sp>
     </p:spTree>
+    <p:extLst>
+      <p:ext uri="{BB962C8B-B14F-4D97-AF65-F5344CB8AC3E}">
+        <p14:creationId xmlns:p14="http://schemas.microsoft.com/office/powerpoint/2010/main" val="2310673960"/>
+      </p:ext>
+    </p:extLst>
   </p:cSld>
   <p:clrMapOvr>
     <a:masterClrMapping/>
@@ -1558,6 +1583,11 @@
         </p:txBody>
       </p:sp>
     </p:spTree>
+    <p:extLst>
+      <p:ext uri="{BB962C8B-B14F-4D97-AF65-F5344CB8AC3E}">
+        <p14:creationId xmlns:p14="http://schemas.microsoft.com/office/powerpoint/2010/main" val="1141039600"/>
+      </p:ext>
+    </p:extLst>
   </p:cSld>
   <p:clrMapOvr>
     <a:masterClrMapping/>
@@ -1680,7 +1710,6 @@
               <a:rPr lang="en-US" baseline="0" dirty="0" smtClean="0"/>
               <a:t> </a:t>
             </a:r>
-            <a:endParaRPr lang="en-US" baseline="0" dirty="0" smtClean="0"/>
           </a:p>
           <a:p>
             <a:pPr>
@@ -1703,11 +1732,7 @@
             </a:pPr>
             <a:r>
               <a:rPr lang="en-US" baseline="0" dirty="0" smtClean="0"/>
-              <a:t>Syntax </a:t>
-            </a:r>
-            <a:r>
-              <a:rPr lang="en-US" baseline="0" dirty="0" smtClean="0"/>
-              <a:t>matters</a:t>
+              <a:t>Syntax matters</a:t>
             </a:r>
           </a:p>
           <a:p>
@@ -1889,7 +1914,6 @@
               <a:rPr lang="en-US" baseline="0" dirty="0" smtClean="0"/>
               <a:t> </a:t>
             </a:r>
-            <a:endParaRPr lang="en-US" baseline="0" dirty="0" smtClean="0"/>
           </a:p>
           <a:p>
             <a:pPr>
@@ -1912,11 +1936,7 @@
             </a:pPr>
             <a:r>
               <a:rPr lang="en-US" baseline="0" dirty="0" smtClean="0"/>
-              <a:t>Syntax </a:t>
-            </a:r>
-            <a:r>
-              <a:rPr lang="en-US" baseline="0" dirty="0" smtClean="0"/>
-              <a:t>matters</a:t>
+              <a:t>Syntax matters</a:t>
             </a:r>
           </a:p>
           <a:p>
@@ -2211,6 +2231,11 @@
         </p:txBody>
       </p:sp>
     </p:spTree>
+    <p:extLst>
+      <p:ext uri="{BB962C8B-B14F-4D97-AF65-F5344CB8AC3E}">
+        <p14:creationId xmlns:p14="http://schemas.microsoft.com/office/powerpoint/2010/main" val="56169726"/>
+      </p:ext>
+    </p:extLst>
   </p:cSld>
   <p:clrMapOvr>
     <a:masterClrMapping/>
@@ -2446,6 +2471,11 @@
         </p:txBody>
       </p:sp>
     </p:spTree>
+    <p:extLst>
+      <p:ext uri="{BB962C8B-B14F-4D97-AF65-F5344CB8AC3E}">
+        <p14:creationId xmlns:p14="http://schemas.microsoft.com/office/powerpoint/2010/main" val="1162442166"/>
+      </p:ext>
+    </p:extLst>
   </p:cSld>
   <p:clrMapOvr>
     <a:masterClrMapping/>
@@ -2557,6 +2587,11 @@
         </p:txBody>
       </p:sp>
     </p:spTree>
+    <p:extLst>
+      <p:ext uri="{BB962C8B-B14F-4D97-AF65-F5344CB8AC3E}">
+        <p14:creationId xmlns:p14="http://schemas.microsoft.com/office/powerpoint/2010/main" val="2387237288"/>
+      </p:ext>
+    </p:extLst>
   </p:cSld>
   <p:clrMapOvr>
     <a:masterClrMapping/>
@@ -2668,6 +2703,11 @@
         </p:txBody>
       </p:sp>
     </p:spTree>
+    <p:extLst>
+      <p:ext uri="{BB962C8B-B14F-4D97-AF65-F5344CB8AC3E}">
+        <p14:creationId xmlns:p14="http://schemas.microsoft.com/office/powerpoint/2010/main" val="3398458716"/>
+      </p:ext>
+    </p:extLst>
   </p:cSld>
   <p:clrMapOvr>
     <a:masterClrMapping/>
@@ -2779,6 +2819,11 @@
         </p:txBody>
       </p:sp>
     </p:spTree>
+    <p:extLst>
+      <p:ext uri="{BB962C8B-B14F-4D97-AF65-F5344CB8AC3E}">
+        <p14:creationId xmlns:p14="http://schemas.microsoft.com/office/powerpoint/2010/main" val="4254039682"/>
+      </p:ext>
+    </p:extLst>
   </p:cSld>
   <p:clrMapOvr>
     <a:masterClrMapping/>
@@ -2885,11 +2930,16 @@
               </a:spcBef>
               <a:buNone/>
             </a:pPr>
-            <a:endParaRPr/>
+            <a:endParaRPr dirty="0"/>
           </a:p>
         </p:txBody>
       </p:sp>
     </p:spTree>
+    <p:extLst>
+      <p:ext uri="{BB962C8B-B14F-4D97-AF65-F5344CB8AC3E}">
+        <p14:creationId xmlns:p14="http://schemas.microsoft.com/office/powerpoint/2010/main" val="3221044125"/>
+      </p:ext>
+    </p:extLst>
   </p:cSld>
   <p:clrMapOvr>
     <a:masterClrMapping/>
@@ -3001,6 +3051,11 @@
         </p:txBody>
       </p:sp>
     </p:spTree>
+    <p:extLst>
+      <p:ext uri="{BB962C8B-B14F-4D97-AF65-F5344CB8AC3E}">
+        <p14:creationId xmlns:p14="http://schemas.microsoft.com/office/powerpoint/2010/main" val="2276868081"/>
+      </p:ext>
+    </p:extLst>
   </p:cSld>
   <p:clrMapOvr>
     <a:masterClrMapping/>
@@ -3107,11 +3162,16 @@
               </a:spcBef>
               <a:buNone/>
             </a:pPr>
-            <a:endParaRPr sz="1466"/>
+            <a:endParaRPr sz="1466" dirty="0"/>
           </a:p>
         </p:txBody>
       </p:sp>
     </p:spTree>
+    <p:extLst>
+      <p:ext uri="{BB962C8B-B14F-4D97-AF65-F5344CB8AC3E}">
+        <p14:creationId xmlns:p14="http://schemas.microsoft.com/office/powerpoint/2010/main" val="3482312363"/>
+      </p:ext>
+    </p:extLst>
   </p:cSld>
   <p:clrMapOvr>
     <a:masterClrMapping/>
@@ -3223,6 +3283,11 @@
         </p:txBody>
       </p:sp>
     </p:spTree>
+    <p:extLst>
+      <p:ext uri="{BB962C8B-B14F-4D97-AF65-F5344CB8AC3E}">
+        <p14:creationId xmlns:p14="http://schemas.microsoft.com/office/powerpoint/2010/main" val="3712202239"/>
+      </p:ext>
+    </p:extLst>
   </p:cSld>
   <p:clrMapOvr>
     <a:masterClrMapping/>
@@ -3334,6 +3399,11 @@
         </p:txBody>
       </p:sp>
     </p:spTree>
+    <p:extLst>
+      <p:ext uri="{BB962C8B-B14F-4D97-AF65-F5344CB8AC3E}">
+        <p14:creationId xmlns:p14="http://schemas.microsoft.com/office/powerpoint/2010/main" val="4057383805"/>
+      </p:ext>
+    </p:extLst>
   </p:cSld>
   <p:clrMapOvr>
     <a:masterClrMapping/>
@@ -3445,6 +3515,11 @@
         </p:txBody>
       </p:sp>
     </p:spTree>
+    <p:extLst>
+      <p:ext uri="{BB962C8B-B14F-4D97-AF65-F5344CB8AC3E}">
+        <p14:creationId xmlns:p14="http://schemas.microsoft.com/office/powerpoint/2010/main" val="2386284435"/>
+      </p:ext>
+    </p:extLst>
   </p:cSld>
   <p:clrMapOvr>
     <a:masterClrMapping/>
@@ -3556,6 +3631,11 @@
         </p:txBody>
       </p:sp>
     </p:spTree>
+    <p:extLst>
+      <p:ext uri="{BB962C8B-B14F-4D97-AF65-F5344CB8AC3E}">
+        <p14:creationId xmlns:p14="http://schemas.microsoft.com/office/powerpoint/2010/main" val="2297559270"/>
+      </p:ext>
+    </p:extLst>
   </p:cSld>
   <p:clrMapOvr>
     <a:masterClrMapping/>
@@ -3675,6 +3755,11 @@
         </p:txBody>
       </p:sp>
     </p:spTree>
+    <p:extLst>
+      <p:ext uri="{BB962C8B-B14F-4D97-AF65-F5344CB8AC3E}">
+        <p14:creationId xmlns:p14="http://schemas.microsoft.com/office/powerpoint/2010/main" val="755894318"/>
+      </p:ext>
+    </p:extLst>
   </p:cSld>
   <p:clrMapOvr>
     <a:masterClrMapping/>
@@ -3790,6 +3875,11 @@
         </p:txBody>
       </p:sp>
     </p:spTree>
+    <p:extLst>
+      <p:ext uri="{BB962C8B-B14F-4D97-AF65-F5344CB8AC3E}">
+        <p14:creationId xmlns:p14="http://schemas.microsoft.com/office/powerpoint/2010/main" val="89219362"/>
+      </p:ext>
+    </p:extLst>
   </p:cSld>
   <p:clrMapOvr>
     <a:masterClrMapping/>
@@ -3901,6 +3991,11 @@
         </p:txBody>
       </p:sp>
     </p:spTree>
+    <p:extLst>
+      <p:ext uri="{BB962C8B-B14F-4D97-AF65-F5344CB8AC3E}">
+        <p14:creationId xmlns:p14="http://schemas.microsoft.com/office/powerpoint/2010/main" val="1473849162"/>
+      </p:ext>
+    </p:extLst>
   </p:cSld>
   <p:clrMapOvr>
     <a:masterClrMapping/>
@@ -4020,6 +4115,11 @@
         </p:txBody>
       </p:sp>
     </p:spTree>
+    <p:extLst>
+      <p:ext uri="{BB962C8B-B14F-4D97-AF65-F5344CB8AC3E}">
+        <p14:creationId xmlns:p14="http://schemas.microsoft.com/office/powerpoint/2010/main" val="3550045998"/>
+      </p:ext>
+    </p:extLst>
   </p:cSld>
   <p:clrMapOvr>
     <a:masterClrMapping/>
@@ -4144,6 +4244,11 @@
         </p:txBody>
       </p:sp>
     </p:spTree>
+    <p:extLst>
+      <p:ext uri="{BB962C8B-B14F-4D97-AF65-F5344CB8AC3E}">
+        <p14:creationId xmlns:p14="http://schemas.microsoft.com/office/powerpoint/2010/main" val="3691497375"/>
+      </p:ext>
+    </p:extLst>
   </p:cSld>
   <p:clrMapOvr>
     <a:masterClrMapping/>
@@ -4268,6 +4373,11 @@
         </p:txBody>
       </p:sp>
     </p:spTree>
+    <p:extLst>
+      <p:ext uri="{BB962C8B-B14F-4D97-AF65-F5344CB8AC3E}">
+        <p14:creationId xmlns:p14="http://schemas.microsoft.com/office/powerpoint/2010/main" val="944549382"/>
+      </p:ext>
+    </p:extLst>
   </p:cSld>
   <p:clrMapOvr>
     <a:masterClrMapping/>
@@ -4374,11 +4484,16 @@
               </a:spcBef>
               <a:buNone/>
             </a:pPr>
-            <a:endParaRPr/>
+            <a:endParaRPr dirty="0"/>
           </a:p>
         </p:txBody>
       </p:sp>
     </p:spTree>
+    <p:extLst>
+      <p:ext uri="{BB962C8B-B14F-4D97-AF65-F5344CB8AC3E}">
+        <p14:creationId xmlns:p14="http://schemas.microsoft.com/office/powerpoint/2010/main" val="457853569"/>
+      </p:ext>
+    </p:extLst>
   </p:cSld>
   <p:clrMapOvr>
     <a:masterClrMapping/>
@@ -4490,6 +4605,11 @@
         </p:txBody>
       </p:sp>
     </p:spTree>
+    <p:extLst>
+      <p:ext uri="{BB962C8B-B14F-4D97-AF65-F5344CB8AC3E}">
+        <p14:creationId xmlns:p14="http://schemas.microsoft.com/office/powerpoint/2010/main" val="3839682464"/>
+      </p:ext>
+    </p:extLst>
   </p:cSld>
   <p:clrMapOvr>
     <a:masterClrMapping/>
@@ -4601,6 +4721,11 @@
         </p:txBody>
       </p:sp>
     </p:spTree>
+    <p:extLst>
+      <p:ext uri="{BB962C8B-B14F-4D97-AF65-F5344CB8AC3E}">
+        <p14:creationId xmlns:p14="http://schemas.microsoft.com/office/powerpoint/2010/main" val="769301286"/>
+      </p:ext>
+    </p:extLst>
   </p:cSld>
   <p:clrMapOvr>
     <a:masterClrMapping/>
@@ -4782,6 +4907,11 @@
         </p:txBody>
       </p:sp>
     </p:spTree>
+    <p:extLst>
+      <p:ext uri="{BB962C8B-B14F-4D97-AF65-F5344CB8AC3E}">
+        <p14:creationId xmlns:p14="http://schemas.microsoft.com/office/powerpoint/2010/main" val="2929450193"/>
+      </p:ext>
+    </p:extLst>
   </p:cSld>
   <p:clrMapOvr>
     <a:masterClrMapping/>
@@ -4893,6 +5023,11 @@
         </p:txBody>
       </p:sp>
     </p:spTree>
+    <p:extLst>
+      <p:ext uri="{BB962C8B-B14F-4D97-AF65-F5344CB8AC3E}">
+        <p14:creationId xmlns:p14="http://schemas.microsoft.com/office/powerpoint/2010/main" val="1707018444"/>
+      </p:ext>
+    </p:extLst>
   </p:cSld>
   <p:clrMapOvr>
     <a:masterClrMapping/>
@@ -5004,6 +5139,11 @@
         </p:txBody>
       </p:sp>
     </p:spTree>
+    <p:extLst>
+      <p:ext uri="{BB962C8B-B14F-4D97-AF65-F5344CB8AC3E}">
+        <p14:creationId xmlns:p14="http://schemas.microsoft.com/office/powerpoint/2010/main" val="4023004644"/>
+      </p:ext>
+    </p:extLst>
   </p:cSld>
   <p:clrMapOvr>
     <a:masterClrMapping/>
@@ -5115,6 +5255,11 @@
         </p:txBody>
       </p:sp>
     </p:spTree>
+    <p:extLst>
+      <p:ext uri="{BB962C8B-B14F-4D97-AF65-F5344CB8AC3E}">
+        <p14:creationId xmlns:p14="http://schemas.microsoft.com/office/powerpoint/2010/main" val="1373079876"/>
+      </p:ext>
+    </p:extLst>
   </p:cSld>
   <p:clrMapOvr>
     <a:masterClrMapping/>
@@ -5234,6 +5379,11 @@
         </p:txBody>
       </p:sp>
     </p:spTree>
+    <p:extLst>
+      <p:ext uri="{BB962C8B-B14F-4D97-AF65-F5344CB8AC3E}">
+        <p14:creationId xmlns:p14="http://schemas.microsoft.com/office/powerpoint/2010/main" val="1942427298"/>
+      </p:ext>
+    </p:extLst>
   </p:cSld>
   <p:clrMapOvr>
     <a:masterClrMapping/>
@@ -5345,6 +5495,11 @@
         </p:txBody>
       </p:sp>
     </p:spTree>
+    <p:extLst>
+      <p:ext uri="{BB962C8B-B14F-4D97-AF65-F5344CB8AC3E}">
+        <p14:creationId xmlns:p14="http://schemas.microsoft.com/office/powerpoint/2010/main" val="308112379"/>
+      </p:ext>
+    </p:extLst>
   </p:cSld>
   <p:clrMapOvr>
     <a:masterClrMapping/>
@@ -5456,6 +5611,11 @@
         </p:txBody>
       </p:sp>
     </p:spTree>
+    <p:extLst>
+      <p:ext uri="{BB962C8B-B14F-4D97-AF65-F5344CB8AC3E}">
+        <p14:creationId xmlns:p14="http://schemas.microsoft.com/office/powerpoint/2010/main" val="4186826530"/>
+      </p:ext>
+    </p:extLst>
   </p:cSld>
   <p:clrMapOvr>
     <a:masterClrMapping/>
@@ -5567,6 +5727,11 @@
         </p:txBody>
       </p:sp>
     </p:spTree>
+    <p:extLst>
+      <p:ext uri="{BB962C8B-B14F-4D97-AF65-F5344CB8AC3E}">
+        <p14:creationId xmlns:p14="http://schemas.microsoft.com/office/powerpoint/2010/main" val="1235628145"/>
+      </p:ext>
+    </p:extLst>
   </p:cSld>
   <p:clrMapOvr>
     <a:masterClrMapping/>
@@ -5698,6 +5863,11 @@
         </p:txBody>
       </p:sp>
     </p:spTree>
+    <p:extLst>
+      <p:ext uri="{BB962C8B-B14F-4D97-AF65-F5344CB8AC3E}">
+        <p14:creationId xmlns:p14="http://schemas.microsoft.com/office/powerpoint/2010/main" val="2127983397"/>
+      </p:ext>
+    </p:extLst>
   </p:cSld>
   <p:clrMapOvr>
     <a:masterClrMapping/>
@@ -5809,6 +5979,11 @@
         </p:txBody>
       </p:sp>
     </p:spTree>
+    <p:extLst>
+      <p:ext uri="{BB962C8B-B14F-4D97-AF65-F5344CB8AC3E}">
+        <p14:creationId xmlns:p14="http://schemas.microsoft.com/office/powerpoint/2010/main" val="1222805649"/>
+      </p:ext>
+    </p:extLst>
   </p:cSld>
   <p:clrMapOvr>
     <a:masterClrMapping/>
@@ -5920,6 +6095,11 @@
         </p:txBody>
       </p:sp>
     </p:spTree>
+    <p:extLst>
+      <p:ext uri="{BB962C8B-B14F-4D97-AF65-F5344CB8AC3E}">
+        <p14:creationId xmlns:p14="http://schemas.microsoft.com/office/powerpoint/2010/main" val="1867234754"/>
+      </p:ext>
+    </p:extLst>
   </p:cSld>
   <p:clrMapOvr>
     <a:masterClrMapping/>
@@ -6031,6 +6211,11 @@
         </p:txBody>
       </p:sp>
     </p:spTree>
+    <p:extLst>
+      <p:ext uri="{BB962C8B-B14F-4D97-AF65-F5344CB8AC3E}">
+        <p14:creationId xmlns:p14="http://schemas.microsoft.com/office/powerpoint/2010/main" val="3735406561"/>
+      </p:ext>
+    </p:extLst>
   </p:cSld>
   <p:clrMapOvr>
     <a:masterClrMapping/>
@@ -6142,6 +6327,11 @@
         </p:txBody>
       </p:sp>
     </p:spTree>
+    <p:extLst>
+      <p:ext uri="{BB962C8B-B14F-4D97-AF65-F5344CB8AC3E}">
+        <p14:creationId xmlns:p14="http://schemas.microsoft.com/office/powerpoint/2010/main" val="2096684067"/>
+      </p:ext>
+    </p:extLst>
   </p:cSld>
   <p:clrMapOvr>
     <a:masterClrMapping/>
@@ -6253,6 +6443,11 @@
         </p:txBody>
       </p:sp>
     </p:spTree>
+    <p:extLst>
+      <p:ext uri="{BB962C8B-B14F-4D97-AF65-F5344CB8AC3E}">
+        <p14:creationId xmlns:p14="http://schemas.microsoft.com/office/powerpoint/2010/main" val="2448910593"/>
+      </p:ext>
+    </p:extLst>
   </p:cSld>
   <p:clrMapOvr>
     <a:masterClrMapping/>
@@ -6364,6 +6559,11 @@
         </p:txBody>
       </p:sp>
     </p:spTree>
+    <p:extLst>
+      <p:ext uri="{BB962C8B-B14F-4D97-AF65-F5344CB8AC3E}">
+        <p14:creationId xmlns:p14="http://schemas.microsoft.com/office/powerpoint/2010/main" val="3381811668"/>
+      </p:ext>
+    </p:extLst>
   </p:cSld>
   <p:clrMapOvr>
     <a:masterClrMapping/>
@@ -6475,6 +6675,11 @@
         </p:txBody>
       </p:sp>
     </p:spTree>
+    <p:extLst>
+      <p:ext uri="{BB962C8B-B14F-4D97-AF65-F5344CB8AC3E}">
+        <p14:creationId xmlns:p14="http://schemas.microsoft.com/office/powerpoint/2010/main" val="3216253560"/>
+      </p:ext>
+    </p:extLst>
   </p:cSld>
   <p:clrMapOvr>
     <a:masterClrMapping/>
@@ -6606,6 +6811,11 @@
         </p:txBody>
       </p:sp>
     </p:spTree>
+    <p:extLst>
+      <p:ext uri="{BB962C8B-B14F-4D97-AF65-F5344CB8AC3E}">
+        <p14:creationId xmlns:p14="http://schemas.microsoft.com/office/powerpoint/2010/main" val="3362233115"/>
+      </p:ext>
+    </p:extLst>
   </p:cSld>
   <p:clrMapOvr>
     <a:masterClrMapping/>
@@ -6717,6 +6927,11 @@
         </p:txBody>
       </p:sp>
     </p:spTree>
+    <p:extLst>
+      <p:ext uri="{BB962C8B-B14F-4D97-AF65-F5344CB8AC3E}">
+        <p14:creationId xmlns:p14="http://schemas.microsoft.com/office/powerpoint/2010/main" val="2620209041"/>
+      </p:ext>
+    </p:extLst>
   </p:cSld>
   <p:clrMapOvr>
     <a:masterClrMapping/>
@@ -6828,6 +7043,11 @@
         </p:txBody>
       </p:sp>
     </p:spTree>
+    <p:extLst>
+      <p:ext uri="{BB962C8B-B14F-4D97-AF65-F5344CB8AC3E}">
+        <p14:creationId xmlns:p14="http://schemas.microsoft.com/office/powerpoint/2010/main" val="3294095350"/>
+      </p:ext>
+    </p:extLst>
   </p:cSld>
   <p:clrMapOvr>
     <a:masterClrMapping/>
@@ -6939,6 +7159,11 @@
         </p:txBody>
       </p:sp>
     </p:spTree>
+    <p:extLst>
+      <p:ext uri="{BB962C8B-B14F-4D97-AF65-F5344CB8AC3E}">
+        <p14:creationId xmlns:p14="http://schemas.microsoft.com/office/powerpoint/2010/main" val="1021881323"/>
+      </p:ext>
+    </p:extLst>
   </p:cSld>
   <p:clrMapOvr>
     <a:masterClrMapping/>
@@ -7050,6 +7275,11 @@
         </p:txBody>
       </p:sp>
     </p:spTree>
+    <p:extLst>
+      <p:ext uri="{BB962C8B-B14F-4D97-AF65-F5344CB8AC3E}">
+        <p14:creationId xmlns:p14="http://schemas.microsoft.com/office/powerpoint/2010/main" val="11105553"/>
+      </p:ext>
+    </p:extLst>
   </p:cSld>
   <p:clrMapOvr>
     <a:masterClrMapping/>
@@ -7161,6 +7391,11 @@
         </p:txBody>
       </p:sp>
     </p:spTree>
+    <p:extLst>
+      <p:ext uri="{BB962C8B-B14F-4D97-AF65-F5344CB8AC3E}">
+        <p14:creationId xmlns:p14="http://schemas.microsoft.com/office/powerpoint/2010/main" val="827295620"/>
+      </p:ext>
+    </p:extLst>
   </p:cSld>
   <p:clrMapOvr>
     <a:masterClrMapping/>
@@ -7280,6 +7515,11 @@
         </p:txBody>
       </p:sp>
     </p:spTree>
+    <p:extLst>
+      <p:ext uri="{BB962C8B-B14F-4D97-AF65-F5344CB8AC3E}">
+        <p14:creationId xmlns:p14="http://schemas.microsoft.com/office/powerpoint/2010/main" val="1129408962"/>
+      </p:ext>
+    </p:extLst>
   </p:cSld>
   <p:clrMapOvr>
     <a:masterClrMapping/>
@@ -7391,6 +7631,11 @@
         </p:txBody>
       </p:sp>
     </p:spTree>
+    <p:extLst>
+      <p:ext uri="{BB962C8B-B14F-4D97-AF65-F5344CB8AC3E}">
+        <p14:creationId xmlns:p14="http://schemas.microsoft.com/office/powerpoint/2010/main" val="3970685505"/>
+      </p:ext>
+    </p:extLst>
   </p:cSld>
   <p:clrMapOvr>
     <a:masterClrMapping/>
@@ -7603,6 +7848,11 @@
         </p:txBody>
       </p:sp>
     </p:spTree>
+    <p:extLst>
+      <p:ext uri="{BB962C8B-B14F-4D97-AF65-F5344CB8AC3E}">
+        <p14:creationId xmlns:p14="http://schemas.microsoft.com/office/powerpoint/2010/main" val="1831977768"/>
+      </p:ext>
+    </p:extLst>
   </p:cSld>
   <p:clrMapOvr>
     <a:masterClrMapping/>
@@ -7748,6 +7998,11 @@
         </p:txBody>
       </p:sp>
     </p:spTree>
+    <p:extLst>
+      <p:ext uri="{BB962C8B-B14F-4D97-AF65-F5344CB8AC3E}">
+        <p14:creationId xmlns:p14="http://schemas.microsoft.com/office/powerpoint/2010/main" val="3786313585"/>
+      </p:ext>
+    </p:extLst>
   </p:cSld>
   <p:clrMapOvr>
     <a:masterClrMapping/>
@@ -7859,6 +8114,11 @@
         </p:txBody>
       </p:sp>
     </p:spTree>
+    <p:extLst>
+      <p:ext uri="{BB962C8B-B14F-4D97-AF65-F5344CB8AC3E}">
+        <p14:creationId xmlns:p14="http://schemas.microsoft.com/office/powerpoint/2010/main" val="2156981726"/>
+      </p:ext>
+    </p:extLst>
   </p:cSld>
   <p:clrMapOvr>
     <a:masterClrMapping/>
@@ -7970,6 +8230,11 @@
         </p:txBody>
       </p:sp>
     </p:spTree>
+    <p:extLst>
+      <p:ext uri="{BB962C8B-B14F-4D97-AF65-F5344CB8AC3E}">
+        <p14:creationId xmlns:p14="http://schemas.microsoft.com/office/powerpoint/2010/main" val="1928756273"/>
+      </p:ext>
+    </p:extLst>
   </p:cSld>
   <p:clrMapOvr>
     <a:masterClrMapping/>
@@ -8081,6 +8346,11 @@
         </p:txBody>
       </p:sp>
     </p:spTree>
+    <p:extLst>
+      <p:ext uri="{BB962C8B-B14F-4D97-AF65-F5344CB8AC3E}">
+        <p14:creationId xmlns:p14="http://schemas.microsoft.com/office/powerpoint/2010/main" val="3952562702"/>
+      </p:ext>
+    </p:extLst>
   </p:cSld>
   <p:clrMapOvr>
     <a:masterClrMapping/>
@@ -8196,6 +8466,11 @@
         </p:txBody>
       </p:sp>
     </p:spTree>
+    <p:extLst>
+      <p:ext uri="{BB962C8B-B14F-4D97-AF65-F5344CB8AC3E}">
+        <p14:creationId xmlns:p14="http://schemas.microsoft.com/office/powerpoint/2010/main" val="3203268403"/>
+      </p:ext>
+    </p:extLst>
   </p:cSld>
   <p:clrMapOvr>
     <a:masterClrMapping/>
@@ -8307,6 +8582,11 @@
         </p:txBody>
       </p:sp>
     </p:spTree>
+    <p:extLst>
+      <p:ext uri="{BB962C8B-B14F-4D97-AF65-F5344CB8AC3E}">
+        <p14:creationId xmlns:p14="http://schemas.microsoft.com/office/powerpoint/2010/main" val="3486686223"/>
+      </p:ext>
+    </p:extLst>
   </p:cSld>
   <p:clrMapOvr>
     <a:masterClrMapping/>
@@ -8418,6 +8698,11 @@
         </p:txBody>
       </p:sp>
     </p:spTree>
+    <p:extLst>
+      <p:ext uri="{BB962C8B-B14F-4D97-AF65-F5344CB8AC3E}">
+        <p14:creationId xmlns:p14="http://schemas.microsoft.com/office/powerpoint/2010/main" val="3545221516"/>
+      </p:ext>
+    </p:extLst>
   </p:cSld>
   <p:clrMapOvr>
     <a:masterClrMapping/>
@@ -8529,6 +8814,11 @@
         </p:txBody>
       </p:sp>
     </p:spTree>
+    <p:extLst>
+      <p:ext uri="{BB962C8B-B14F-4D97-AF65-F5344CB8AC3E}">
+        <p14:creationId xmlns:p14="http://schemas.microsoft.com/office/powerpoint/2010/main" val="1947182166"/>
+      </p:ext>
+    </p:extLst>
   </p:cSld>
   <p:clrMapOvr>
     <a:masterClrMapping/>
@@ -8640,6 +8930,11 @@
         </p:txBody>
       </p:sp>
     </p:spTree>
+    <p:extLst>
+      <p:ext uri="{BB962C8B-B14F-4D97-AF65-F5344CB8AC3E}">
+        <p14:creationId xmlns:p14="http://schemas.microsoft.com/office/powerpoint/2010/main" val="3500301873"/>
+      </p:ext>
+    </p:extLst>
   </p:cSld>
   <p:clrMapOvr>
     <a:masterClrMapping/>
@@ -8751,6 +9046,11 @@
         </p:txBody>
       </p:sp>
     </p:spTree>
+    <p:extLst>
+      <p:ext uri="{BB962C8B-B14F-4D97-AF65-F5344CB8AC3E}">
+        <p14:creationId xmlns:p14="http://schemas.microsoft.com/office/powerpoint/2010/main" val="2746122897"/>
+      </p:ext>
+    </p:extLst>
   </p:cSld>
   <p:clrMapOvr>
     <a:masterClrMapping/>
@@ -8874,6 +9174,11 @@
         </p:txBody>
       </p:sp>
     </p:spTree>
+    <p:extLst>
+      <p:ext uri="{BB962C8B-B14F-4D97-AF65-F5344CB8AC3E}">
+        <p14:creationId xmlns:p14="http://schemas.microsoft.com/office/powerpoint/2010/main" val="1840043650"/>
+      </p:ext>
+    </p:extLst>
   </p:cSld>
   <p:clrMapOvr>
     <a:masterClrMapping/>
@@ -8985,6 +9290,11 @@
         </p:txBody>
       </p:sp>
     </p:spTree>
+    <p:extLst>
+      <p:ext uri="{BB962C8B-B14F-4D97-AF65-F5344CB8AC3E}">
+        <p14:creationId xmlns:p14="http://schemas.microsoft.com/office/powerpoint/2010/main" val="2333427870"/>
+      </p:ext>
+    </p:extLst>
   </p:cSld>
   <p:clrMapOvr>
     <a:masterClrMapping/>
@@ -13968,17 +14278,7 @@
                 <a:latin typeface="Yanone Kaffeesatz Bold"/>
                 <a:cs typeface="Yanone Kaffeesatz Bold"/>
               </a:rPr>
-              <a:t>Python Philosophy</a:t>
-            </a:r>
-            <a:r>
-              <a:rPr lang="en-US" sz="7200" b="0" dirty="0" smtClean="0">
-                <a:solidFill>
-                  <a:srgbClr val="FF0000"/>
-                </a:solidFill>
-                <a:latin typeface="Yanone Kaffeesatz Bold"/>
-                <a:cs typeface="Yanone Kaffeesatz Bold"/>
-              </a:rPr>
-              <a:t>:</a:t>
+              <a:t>Python Philosophy:</a:t>
             </a:r>
             <a:endParaRPr lang="en" sz="6000" b="0" dirty="0">
               <a:solidFill>
@@ -14178,17 +14478,7 @@
                 <a:latin typeface="Yanone Kaffeesatz Bold"/>
                 <a:cs typeface="Yanone Kaffeesatz Bold"/>
               </a:rPr>
-              <a:t>Python Philosophy</a:t>
-            </a:r>
-            <a:r>
-              <a:rPr lang="en-US" sz="7200" b="0" dirty="0" smtClean="0">
-                <a:solidFill>
-                  <a:srgbClr val="FF0000"/>
-                </a:solidFill>
-                <a:latin typeface="Yanone Kaffeesatz Bold"/>
-                <a:cs typeface="Yanone Kaffeesatz Bold"/>
-              </a:rPr>
-              <a:t>:</a:t>
+              <a:t>Python Philosophy:</a:t>
             </a:r>
             <a:endParaRPr lang="en" sz="6000" b="0" dirty="0">
               <a:solidFill>
@@ -14212,7 +14502,7 @@
         </p:nvSpPr>
         <p:spPr>
           <a:xfrm>
-            <a:off x="457200" y="1600200"/>
+            <a:off x="457200" y="1417637"/>
             <a:ext cx="8229600" cy="4967700"/>
           </a:xfrm>
           <a:prstGeom prst="rect">
@@ -14379,7 +14669,7 @@
         </p:nvSpPr>
         <p:spPr>
           <a:xfrm>
-            <a:off x="457200" y="274637"/>
+            <a:off x="457200" y="583556"/>
             <a:ext cx="8229600" cy="1143000"/>
           </a:xfrm>
           <a:prstGeom prst="rect">
@@ -14406,17 +14696,7 @@
                 <a:latin typeface="Yanone Kaffeesatz Bold"/>
                 <a:cs typeface="Yanone Kaffeesatz Bold"/>
               </a:rPr>
-              <a:t>Python Philosophy</a:t>
-            </a:r>
-            <a:r>
-              <a:rPr lang="en-US" sz="5500" b="0" dirty="0" smtClean="0">
-                <a:solidFill>
-                  <a:srgbClr val="FF0000"/>
-                </a:solidFill>
-                <a:latin typeface="Yanone Kaffeesatz Bold"/>
-                <a:cs typeface="Yanone Kaffeesatz Bold"/>
-              </a:rPr>
-              <a:t>: </a:t>
+              <a:t>Python Philosophy: </a:t>
             </a:r>
             <a:r>
               <a:rPr lang="en-US" sz="5500" b="0" dirty="0" smtClean="0">
@@ -14450,7 +14730,7 @@
         </p:nvSpPr>
         <p:spPr>
           <a:xfrm>
-            <a:off x="457200" y="1600200"/>
+            <a:off x="457200" y="1726556"/>
             <a:ext cx="8229600" cy="4967700"/>
           </a:xfrm>
           <a:prstGeom prst="rect">
@@ -14470,11 +14750,7 @@
             </a:pPr>
             <a:r>
               <a:rPr lang="en-US" sz="2800" dirty="0" smtClean="0"/>
-              <a:t>Python is </a:t>
-            </a:r>
-            <a:r>
-              <a:rPr lang="en-US" sz="2800" dirty="0" smtClean="0"/>
-              <a:t>a </a:t>
+              <a:t>Python is a </a:t>
             </a:r>
             <a:r>
               <a:rPr lang="en-US" sz="2800" i="1" dirty="0" smtClean="0">
@@ -14497,11 +14773,7 @@
             </a:pPr>
             <a:r>
               <a:rPr lang="en-US" sz="2800" dirty="0" smtClean="0"/>
-              <a:t>Favors readability and variety over concision and </a:t>
-            </a:r>
-            <a:r>
-              <a:rPr lang="en-US" sz="2800" dirty="0" smtClean="0"/>
-              <a:t>perfection</a:t>
+              <a:t>Favors readability and variety over concision and perfection</a:t>
             </a:r>
           </a:p>
           <a:p>
@@ -14514,7 +14786,6 @@
               <a:rPr lang="en-US" sz="2800" dirty="0" smtClean="0"/>
               <a:t>But it still has clear rules for what good style is</a:t>
             </a:r>
-            <a:endParaRPr lang="en-US" sz="2800" dirty="0" smtClean="0"/>
           </a:p>
           <a:p>
             <a:pPr marL="495300" indent="-457200">
@@ -15191,7 +15462,6 @@
               <a:rPr lang="en-US" sz="2500" dirty="0" smtClean="0"/>
               <a:t>Makes code very legible</a:t>
             </a:r>
-            <a:endParaRPr lang="en-US" sz="2500" dirty="0" smtClean="0"/>
           </a:p>
           <a:p>
             <a:pPr marL="457200" lvl="0" indent="-419100" rtl="0">
@@ -15820,7 +16090,7 @@
         </p:nvSpPr>
         <p:spPr>
           <a:xfrm>
-            <a:off x="457200" y="1600200"/>
+            <a:off x="457200" y="1423815"/>
             <a:ext cx="8229600" cy="4967700"/>
           </a:xfrm>
           <a:prstGeom prst="rect">
@@ -15923,17 +16193,8 @@
             </a:pPr>
             <a:r>
               <a:rPr lang="en-US" sz="2200" dirty="0" smtClean="0"/>
-              <a:t>Mostly just need to know </a:t>
-            </a:r>
-            <a:r>
-              <a:rPr lang="en-US" sz="2200" dirty="0" smtClean="0"/>
-              <a:t>one the packages you’re using require. </a:t>
-            </a:r>
-            <a:r>
-              <a:rPr lang="en-US" sz="2200" dirty="0" smtClean="0"/>
-              <a:t>We’re using 3, but important to have both installed and know how to get between them.</a:t>
-            </a:r>
-            <a:endParaRPr lang="en-US" sz="2200" dirty="0" smtClean="0"/>
+              <a:t>Mostly just need to know one the packages you’re using require. We’re using 3, but important to have both installed and know how to get between them.</a:t>
+            </a:r>
           </a:p>
         </p:txBody>
       </p:sp>
@@ -16137,7 +16398,6 @@
               <a:rPr lang="en-US" sz="2200" dirty="0" smtClean="0"/>
               <a:t> on my laptop I have those switched because I tend to use Python3 more.</a:t>
             </a:r>
-            <a:endParaRPr lang="en-US" sz="2200" dirty="0" smtClean="0"/>
           </a:p>
         </p:txBody>
       </p:sp>
@@ -16569,7 +16829,7 @@
         </p:nvSpPr>
         <p:spPr>
           <a:xfrm>
-            <a:off x="274319" y="1645919"/>
+            <a:off x="274318" y="2636519"/>
             <a:ext cx="8663939" cy="5006339"/>
           </a:xfrm>
           <a:prstGeom prst="rect">
@@ -16757,6 +17017,87 @@
           </a:bodyPr>
           <a:lstStyle/>
           <a:p>
+            <a:pPr marL="38100" lvl="0" rtl="0">
+              <a:spcBef>
+                <a:spcPts val="0"/>
+              </a:spcBef>
+              <a:buClr>
+                <a:schemeClr val="dk1"/>
+              </a:buClr>
+              <a:buSzPct val="100000"/>
+              <a:buNone/>
+            </a:pPr>
+            <a:endParaRPr lang="en" dirty="0" smtClean="0"/>
+          </a:p>
+          <a:p>
+            <a:pPr marL="38100" lvl="0" rtl="0">
+              <a:spcBef>
+                <a:spcPts val="0"/>
+              </a:spcBef>
+              <a:buClr>
+                <a:schemeClr val="dk1"/>
+              </a:buClr>
+              <a:buSzPct val="100000"/>
+              <a:buNone/>
+            </a:pPr>
+            <a:r>
+              <a:rPr lang="en" dirty="0" smtClean="0"/>
+              <a:t>For us right now on VirtualBox:</a:t>
+            </a:r>
+          </a:p>
+          <a:p>
+            <a:pPr marL="38100" lvl="0" rtl="0">
+              <a:spcBef>
+                <a:spcPts val="0"/>
+              </a:spcBef>
+              <a:buClr>
+                <a:schemeClr val="dk1"/>
+              </a:buClr>
+              <a:buSzPct val="100000"/>
+              <a:buNone/>
+            </a:pPr>
+            <a:endParaRPr lang="en" dirty="0" smtClean="0"/>
+          </a:p>
+          <a:p>
+            <a:pPr marL="495300" indent="-457200"/>
+            <a:r>
+              <a:rPr lang="en" dirty="0" smtClean="0"/>
+              <a:t>Mint (Ubuntu): </a:t>
+            </a:r>
+            <a:r>
+              <a:rPr lang="en" dirty="0" smtClean="0">
+                <a:latin typeface="Courier New"/>
+                <a:ea typeface="Courier New"/>
+                <a:cs typeface="Courier New"/>
+                <a:sym typeface="Courier New"/>
+              </a:rPr>
+              <a:t>Terminal</a:t>
+            </a:r>
+          </a:p>
+          <a:p>
+            <a:pPr marL="495300" indent="-457200"/>
+            <a:endParaRPr lang="en" dirty="0">
+              <a:latin typeface="Courier New"/>
+              <a:cs typeface="Courier New"/>
+              <a:sym typeface="Courier New"/>
+            </a:endParaRPr>
+          </a:p>
+          <a:p>
+            <a:pPr marL="38100">
+              <a:buNone/>
+            </a:pPr>
+            <a:r>
+              <a:rPr lang="en" dirty="0" smtClean="0"/>
+              <a:t>Elsewhere:</a:t>
+            </a:r>
+          </a:p>
+          <a:p>
+            <a:pPr marL="38100">
+              <a:buNone/>
+            </a:pPr>
+            <a:endParaRPr lang="en" dirty="0" smtClean="0"/>
+          </a:p>
+          <a:p>
             <a:pPr marL="457200" lvl="0" indent="-419100" rtl="0">
               <a:spcBef>
                 <a:spcPts val="0"/>
@@ -16769,8 +17110,12 @@
               <a:buChar char="●"/>
             </a:pPr>
             <a:r>
+              <a:rPr lang="en" dirty="0" smtClean="0"/>
+              <a:t>Windows</a:t>
+            </a:r>
+            <a:r>
               <a:rPr lang="en" dirty="0"/>
-              <a:t>Windows: </a:t>
+              <a:t>: </a:t>
             </a:r>
             <a:r>
               <a:rPr lang="en" dirty="0">
@@ -16779,8 +17124,23 @@
                 <a:cs typeface="Courier New"/>
                 <a:sym typeface="Courier New"/>
               </a:rPr>
-              <a:t>git bash</a:t>
-            </a:r>
+              <a:t>git </a:t>
+            </a:r>
+            <a:r>
+              <a:rPr lang="en" dirty="0" smtClean="0">
+                <a:latin typeface="Courier New"/>
+                <a:ea typeface="Courier New"/>
+                <a:cs typeface="Courier New"/>
+                <a:sym typeface="Courier New"/>
+              </a:rPr>
+              <a:t>bash</a:t>
+            </a:r>
+            <a:endParaRPr lang="en" dirty="0">
+              <a:latin typeface="Courier New"/>
+              <a:ea typeface="Courier New"/>
+              <a:cs typeface="Courier New"/>
+              <a:sym typeface="Courier New"/>
+            </a:endParaRPr>
           </a:p>
           <a:p>
             <a:pPr marL="457200" lvl="0" indent="-419100">
@@ -16799,7 +17159,7 @@
               <a:t>OS X: </a:t>
             </a:r>
             <a:r>
-              <a:rPr lang="en" dirty="0">
+              <a:rPr lang="en" dirty="0" smtClean="0">
                 <a:latin typeface="Courier New"/>
                 <a:ea typeface="Courier New"/>
                 <a:cs typeface="Courier New"/>
@@ -16997,8 +17357,13 @@
             </a:r>
             <a:r>
               <a:rPr lang="en" dirty="0"/>
-              <a:t> to open Interactive Ruby (IRB)</a:t>
-            </a:r>
+              <a:t> to open </a:t>
+            </a:r>
+            <a:r>
+              <a:rPr lang="en" dirty="0" smtClean="0"/>
+              <a:t>Python 3.3 (python3)</a:t>
+            </a:r>
+            <a:endParaRPr lang="en" dirty="0"/>
           </a:p>
           <a:p>
             <a:pPr lvl="0" rtl="0">
@@ -17026,8 +17391,29 @@
                 <a:cs typeface="Courier New"/>
                 <a:sym typeface="Courier New"/>
               </a:rPr>
-              <a:t>$ irb</a:t>
-            </a:r>
+              <a:t>$ </a:t>
+            </a:r>
+            <a:r>
+              <a:rPr lang="en" sz="3600" b="1" dirty="0" smtClean="0">
+                <a:solidFill>
+                  <a:srgbClr val="4A86E8"/>
+                </a:solidFill>
+                <a:latin typeface="Courier New"/>
+                <a:ea typeface="Courier New"/>
+                <a:cs typeface="Courier New"/>
+                <a:sym typeface="Courier New"/>
+              </a:rPr>
+              <a:t>python3</a:t>
+            </a:r>
+            <a:endParaRPr lang="en" sz="3600" b="1" dirty="0">
+              <a:solidFill>
+                <a:srgbClr val="4A86E8"/>
+              </a:solidFill>
+              <a:latin typeface="Courier New"/>
+              <a:ea typeface="Courier New"/>
+              <a:cs typeface="Courier New"/>
+              <a:sym typeface="Courier New"/>
+            </a:endParaRPr>
           </a:p>
         </p:txBody>
       </p:sp>
@@ -17098,7 +17484,7 @@
               <a:buNone/>
             </a:pPr>
             <a:r>
-              <a:rPr lang="en" sz="7200" b="0" dirty="0">
+              <a:rPr lang="en" sz="7200" b="0" dirty="0" smtClean="0">
                 <a:solidFill>
                   <a:srgbClr val="FF0000"/>
                 </a:solidFill>
@@ -17106,19 +17492,16 @@
                 <a:ea typeface="Ubuntu"/>
                 <a:cs typeface="Yanone Kaffeesatz Bold"/>
               </a:rPr>
-              <a:t>irb: </a:t>
-            </a:r>
-            <a:r>
-              <a:rPr lang="en" sz="6000" b="0" dirty="0">
-                <a:solidFill>
-                  <a:schemeClr val="bg1">
-                    <a:lumMod val="50000"/>
-                  </a:schemeClr>
-                </a:solidFill>
-                <a:ea typeface="Ubuntu"/>
-              </a:rPr>
-              <a:t>Interactive Ruby</a:t>
-            </a:r>
+              <a:t>python3</a:t>
+            </a:r>
+            <a:endParaRPr lang="en" sz="6000" b="0" dirty="0">
+              <a:solidFill>
+                <a:schemeClr val="bg1">
+                  <a:lumMod val="50000"/>
+                </a:schemeClr>
+              </a:solidFill>
+              <a:ea typeface="Ubuntu"/>
+            </a:endParaRPr>
           </a:p>
         </p:txBody>
       </p:sp>
@@ -17154,11 +17537,23 @@
               <a:buNone/>
             </a:pPr>
             <a:r>
+              <a:rPr lang="en" dirty="0" smtClean="0"/>
+              <a:t>Python has </a:t>
+            </a:r>
+            <a:r>
               <a:rPr lang="en" dirty="0"/>
-              <a:t>IRB has its own prompt with ends with </a:t>
-            </a:r>
-            <a:r>
-              <a:rPr lang="en" dirty="0">
+              <a:t>its own prompt </a:t>
+            </a:r>
+            <a:r>
+              <a:rPr lang="en" dirty="0" smtClean="0"/>
+              <a:t>that ends </a:t>
+            </a:r>
+            <a:r>
+              <a:rPr lang="en" dirty="0"/>
+              <a:t>with </a:t>
+            </a:r>
+            <a:r>
+              <a:rPr lang="en" dirty="0" smtClean="0">
                 <a:solidFill>
                   <a:srgbClr val="0E72A4"/>
                 </a:solidFill>
@@ -17167,8 +17562,17 @@
                 <a:cs typeface="Courier New"/>
                 <a:sym typeface="Courier New"/>
               </a:rPr>
-              <a:t>&gt;</a:t>
-            </a:r>
+              <a:t>&gt;&gt;&gt;</a:t>
+            </a:r>
+            <a:endParaRPr lang="en" dirty="0">
+              <a:solidFill>
+                <a:srgbClr val="0E72A4"/>
+              </a:solidFill>
+              <a:latin typeface="Courier New"/>
+              <a:ea typeface="Courier New"/>
+              <a:cs typeface="Courier New"/>
+              <a:sym typeface="Courier New"/>
+            </a:endParaRPr>
           </a:p>
           <a:p>
             <a:pPr lvl="0" rtl="0">
@@ -17195,7 +17599,7 @@
                 <a:latin typeface="Menlo Regular"/>
                 <a:cs typeface="Menlo Regular"/>
               </a:rPr>
-              <a:t>irb</a:t>
+              <a:t>python3</a:t>
             </a:r>
             <a:endParaRPr lang="en" dirty="0">
               <a:latin typeface="Menlo Regular"/>
@@ -17210,12 +17614,16 @@
               <a:buNone/>
             </a:pPr>
             <a:r>
-              <a:rPr lang="en" dirty="0">
-                <a:latin typeface="Menlo Regular"/>
-                <a:cs typeface="Menlo Regular"/>
-              </a:rPr>
-              <a:t>&gt;</a:t>
-            </a:r>
+              <a:rPr lang="en" dirty="0" smtClean="0">
+                <a:latin typeface="Menlo Regular"/>
+                <a:cs typeface="Menlo Regular"/>
+              </a:rPr>
+              <a:t>&gt;&gt;&gt;</a:t>
+            </a:r>
+            <a:endParaRPr lang="en" dirty="0">
+              <a:latin typeface="Menlo Regular"/>
+              <a:cs typeface="Menlo Regular"/>
+            </a:endParaRPr>
           </a:p>
           <a:p>
             <a:pPr lvl="0" rtl="0">
@@ -17261,10 +17669,18 @@
             </a:r>
             <a:r>
               <a:rPr lang="en" dirty="0"/>
-              <a:t>to exit IRB at any time or type </a:t>
-            </a:r>
-            <a:r>
-              <a:rPr lang="en" sz="2400" dirty="0">
+              <a:t>to exit </a:t>
+            </a:r>
+            <a:r>
+              <a:rPr lang="en" dirty="0" smtClean="0"/>
+              <a:t>Python at </a:t>
+            </a:r>
+            <a:r>
+              <a:rPr lang="en" dirty="0"/>
+              <a:t>any time or type </a:t>
+            </a:r>
+            <a:r>
+              <a:rPr lang="en" sz="2400" dirty="0" smtClean="0">
                 <a:solidFill>
                   <a:srgbClr val="0E72A4"/>
                 </a:solidFill>
@@ -17273,10 +17689,10 @@
                 <a:cs typeface="Menlo Regular"/>
                 <a:sym typeface="Courier New"/>
               </a:rPr>
-              <a:t>exit</a:t>
-            </a:r>
-            <a:r>
-              <a:rPr lang="en" dirty="0">
+              <a:t>exit()</a:t>
+            </a:r>
+            <a:r>
+              <a:rPr lang="en" dirty="0" smtClean="0">
                 <a:solidFill>
                   <a:srgbClr val="0E72A4"/>
                 </a:solidFill>
@@ -17311,7 +17727,11 @@
             </a:pPr>
             <a:r>
               <a:rPr lang="en-US" dirty="0" smtClean="0"/>
-              <a:t>When in IRB, terminal commands won’t work</a:t>
+              <a:t>When running Python in terminal, </a:t>
+            </a:r>
+            <a:r>
+              <a:rPr lang="en-US" dirty="0" smtClean="0"/>
+              <a:t>terminal commands won’t work</a:t>
             </a:r>
             <a:endParaRPr lang="en" dirty="0"/>
           </a:p>
@@ -17426,7 +17846,6 @@
           </a:bodyPr>
           <a:lstStyle/>
           <a:p>
-            <a:pPr algn="r"/>
             <a:r>
               <a:rPr lang="en" sz="7000" dirty="0" smtClean="0">
                 <a:latin typeface="Yanone Kaffeesatz Regular"/>
@@ -17613,7 +18032,7 @@
         </p:nvSpPr>
         <p:spPr>
           <a:xfrm>
-            <a:off x="274319" y="1645919"/>
+            <a:off x="281182" y="1424247"/>
             <a:ext cx="8663939" cy="5006339"/>
           </a:xfrm>
           <a:prstGeom prst="rect">
@@ -17693,8 +18112,23 @@
                 <a:cs typeface="Menlo Regular"/>
                 <a:sym typeface="Courier New"/>
               </a:rPr>
-              <a:t>$ irb</a:t>
-            </a:r>
+              <a:t>$ </a:t>
+            </a:r>
+            <a:r>
+              <a:rPr lang="en" dirty="0" smtClean="0">
+                <a:latin typeface="Menlo Regular"/>
+                <a:ea typeface="Courier New"/>
+                <a:cs typeface="Menlo Regular"/>
+                <a:sym typeface="Courier New"/>
+              </a:rPr>
+              <a:t>python3</a:t>
+            </a:r>
+            <a:endParaRPr lang="en" dirty="0">
+              <a:latin typeface="Menlo Regular"/>
+              <a:ea typeface="Courier New"/>
+              <a:cs typeface="Menlo Regular"/>
+              <a:sym typeface="Courier New"/>
+            </a:endParaRPr>
           </a:p>
           <a:p>
             <a:pPr rtl="0">
@@ -17707,6 +18141,18 @@
               <a:buNone/>
             </a:pPr>
             <a:r>
+              <a:rPr lang="en" sz="2666" dirty="0" smtClean="0">
+                <a:solidFill>
+                  <a:srgbClr val="000000"/>
+                </a:solidFill>
+                <a:latin typeface="Menlo Regular"/>
+                <a:ea typeface="Menlo Regular"/>
+                <a:cs typeface="Menlo Regular"/>
+                <a:sym typeface="courier new"/>
+              </a:rPr>
+              <a:t>&gt;&gt;&gt;</a:t>
+            </a:r>
+            <a:r>
               <a:rPr lang="en" sz="2666" dirty="0">
                 <a:solidFill>
                   <a:srgbClr val="000000"/>
@@ -17716,7 +18162,7 @@
                 <a:cs typeface="Menlo Regular"/>
                 <a:sym typeface="courier new"/>
               </a:rPr>
-              <a:t>&gt;  </a:t>
+              <a:t>  </a:t>
             </a:r>
             <a:r>
               <a:rPr lang="en" sz="2666" dirty="0">
@@ -17730,6 +18176,49 @@
               </a:rPr>
               <a:t>my_variable = 5</a:t>
             </a:r>
+          </a:p>
+          <a:p>
+            <a:r>
+              <a:rPr lang="en" dirty="0" smtClean="0">
+                <a:latin typeface="Menlo Regular"/>
+                <a:ea typeface="Menlo Regular"/>
+                <a:cs typeface="Menlo Regular"/>
+                <a:sym typeface="courier new"/>
+              </a:rPr>
+              <a:t>&gt;&gt;&gt;  </a:t>
+            </a:r>
+            <a:r>
+              <a:rPr lang="en" dirty="0" smtClean="0">
+                <a:solidFill>
+                  <a:srgbClr val="0E72A4"/>
+                </a:solidFill>
+                <a:latin typeface="Menlo Regular"/>
+                <a:ea typeface="Menlo Regular"/>
+                <a:cs typeface="Menlo Regular"/>
+                <a:sym typeface="courier new"/>
+              </a:rPr>
+              <a:t>print(my_variable)</a:t>
+            </a:r>
+          </a:p>
+          <a:p>
+            <a:r>
+              <a:rPr lang="en" dirty="0">
+                <a:latin typeface="Menlo Regular"/>
+                <a:ea typeface="Menlo Regular"/>
+                <a:cs typeface="Menlo Regular"/>
+                <a:sym typeface="courier new"/>
+              </a:rPr>
+              <a:t>5</a:t>
+            </a:r>
+            <a:endParaRPr lang="en" sz="2666" dirty="0" smtClean="0">
+              <a:solidFill>
+                <a:srgbClr val="000000"/>
+              </a:solidFill>
+              <a:latin typeface="Menlo Regular"/>
+              <a:ea typeface="Menlo Regular"/>
+              <a:cs typeface="Menlo Regular"/>
+              <a:sym typeface="courier new"/>
+            </a:endParaRPr>
           </a:p>
           <a:p>
             <a:pPr rtl="0">
@@ -17742,8 +18231,88 @@
               <a:buNone/>
             </a:pPr>
             <a:r>
+              <a:rPr lang="en" dirty="0" smtClean="0">
+                <a:latin typeface="Menlo Regular"/>
+                <a:ea typeface="Menlo Regular"/>
+                <a:cs typeface="Menlo Regular"/>
+                <a:sym typeface="courier new"/>
+              </a:rPr>
+              <a:t>&gt;&gt;&gt;</a:t>
+            </a:r>
+            <a:r>
+              <a:rPr lang="en" sz="2666" dirty="0" smtClean="0">
+                <a:solidFill>
+                  <a:srgbClr val="000000"/>
+                </a:solidFill>
+                <a:latin typeface="Menlo Regular"/>
+                <a:ea typeface="Menlo Regular"/>
+                <a:cs typeface="Menlo Regular"/>
+                <a:sym typeface="courier new"/>
+              </a:rPr>
+              <a:t> </a:t>
+            </a:r>
+            <a:r>
               <a:rPr lang="en" sz="2666" dirty="0">
                 <a:solidFill>
+                  <a:srgbClr val="0E72A4"/>
+                </a:solidFill>
+                <a:latin typeface="Menlo Regular"/>
+                <a:ea typeface="Menlo Regular"/>
+                <a:cs typeface="Menlo Regular"/>
+                <a:sym typeface="courier new"/>
+              </a:rPr>
+              <a:t>my_other_variable = "</a:t>
+            </a:r>
+            <a:r>
+              <a:rPr lang="en" sz="2666" dirty="0" smtClean="0">
+                <a:solidFill>
+                  <a:srgbClr val="0E72A4"/>
+                </a:solidFill>
+                <a:latin typeface="Menlo Regular"/>
+                <a:ea typeface="Menlo Regular"/>
+                <a:cs typeface="Menlo Regular"/>
+                <a:sym typeface="courier new"/>
+              </a:rPr>
+              <a:t>Hi“</a:t>
+            </a:r>
+            <a:endParaRPr lang="en" sz="2666" dirty="0">
+              <a:solidFill>
+                <a:srgbClr val="0E72A4"/>
+              </a:solidFill>
+              <a:latin typeface="Menlo Regular"/>
+              <a:ea typeface="Menlo Regular"/>
+              <a:cs typeface="Menlo Regular"/>
+              <a:sym typeface="courier new"/>
+            </a:endParaRPr>
+          </a:p>
+          <a:p>
+            <a:r>
+              <a:rPr lang="en" dirty="0">
+                <a:latin typeface="Menlo Regular"/>
+                <a:ea typeface="Menlo Regular"/>
+                <a:cs typeface="Menlo Regular"/>
+                <a:sym typeface="courier new"/>
+              </a:rPr>
+              <a:t>&gt;&gt;&gt; </a:t>
+            </a:r>
+            <a:r>
+              <a:rPr lang="en" dirty="0">
+                <a:solidFill>
+                  <a:srgbClr val="0E72A4"/>
+                </a:solidFill>
+                <a:latin typeface="Menlo Regular"/>
+                <a:ea typeface="Menlo Regular"/>
+                <a:cs typeface="Menlo Regular"/>
+                <a:sym typeface="courier new"/>
+              </a:rPr>
+              <a:t>my_variable = 10</a:t>
+            </a:r>
+          </a:p>
+          <a:p>
+            <a:pPr lvl="0"/>
+            <a:r>
+              <a:rPr lang="en" sz="2666" dirty="0" smtClean="0">
+                <a:solidFill>
                   <a:srgbClr val="000000"/>
                 </a:solidFill>
                 <a:latin typeface="Menlo Regular"/>
@@ -17751,8 +18320,29 @@
                 <a:cs typeface="Menlo Regular"/>
                 <a:sym typeface="courier new"/>
               </a:rPr>
-              <a:t>=&gt; 5</a:t>
-            </a:r>
+              <a:t>&gt;&gt;&gt; </a:t>
+            </a:r>
+            <a:r>
+              <a:rPr lang="en" dirty="0" smtClean="0">
+                <a:solidFill>
+                  <a:srgbClr val="0E72A4"/>
+                </a:solidFill>
+                <a:latin typeface="Menlo Regular"/>
+                <a:ea typeface="Menlo Regular"/>
+                <a:cs typeface="Menlo Regular"/>
+                <a:sym typeface="courier new"/>
+              </a:rPr>
+              <a:t>my_other_variable</a:t>
+            </a:r>
+            <a:endParaRPr lang="en" sz="2666" dirty="0" smtClean="0">
+              <a:solidFill>
+                <a:srgbClr val="000000"/>
+              </a:solidFill>
+              <a:latin typeface="Menlo Regular"/>
+              <a:ea typeface="Menlo Regular"/>
+              <a:cs typeface="Menlo Regular"/>
+              <a:sym typeface="courier new"/>
+            </a:endParaRPr>
           </a:p>
           <a:p>
             <a:pPr lvl="0" rtl="0">
@@ -17765,7 +18355,7 @@
               <a:buNone/>
             </a:pPr>
             <a:r>
-              <a:rPr lang="en" sz="2666" dirty="0">
+              <a:rPr lang="en" sz="2666" dirty="0" smtClean="0">
                 <a:solidFill>
                   <a:srgbClr val="000000"/>
                 </a:solidFill>
@@ -17774,10 +18364,28 @@
                 <a:cs typeface="Menlo Regular"/>
                 <a:sym typeface="courier new"/>
               </a:rPr>
-              <a:t>&gt; </a:t>
-            </a:r>
-            <a:r>
-              <a:rPr lang="en" sz="2666" dirty="0">
+              <a:t>Hi</a:t>
+            </a:r>
+            <a:endParaRPr lang="en" dirty="0">
+              <a:latin typeface="Menlo Regular"/>
+              <a:ea typeface="Menlo Regular"/>
+              <a:cs typeface="Menlo Regular"/>
+              <a:sym typeface="courier new"/>
+            </a:endParaRPr>
+          </a:p>
+          <a:p>
+            <a:pPr lvl="0"/>
+            <a:r>
+              <a:rPr lang="en" dirty="0" smtClean="0">
+                <a:latin typeface="Menlo Regular"/>
+                <a:ea typeface="Menlo Regular"/>
+                <a:cs typeface="Menlo Regular"/>
+                <a:sym typeface="courier new"/>
+              </a:rPr>
+              <a:t>&gt;&gt;&gt; </a:t>
+            </a:r>
+            <a:r>
+              <a:rPr lang="en" dirty="0" smtClean="0">
                 <a:solidFill>
                   <a:srgbClr val="0E72A4"/>
                 </a:solidFill>
@@ -17786,83 +18394,26 @@
                 <a:cs typeface="Menlo Regular"/>
                 <a:sym typeface="courier new"/>
               </a:rPr>
-              <a:t>my_other_variable = "Hi"</a:t>
-            </a:r>
-          </a:p>
-          <a:p>
-            <a:pPr lvl="0" rtl="0">
-              <a:lnSpc>
-                <a:spcPct val="100000"/>
-              </a:lnSpc>
-              <a:spcBef>
-                <a:spcPts val="0"/>
-              </a:spcBef>
-              <a:buNone/>
-            </a:pPr>
-            <a:r>
-              <a:rPr lang="en" sz="2666" dirty="0">
-                <a:solidFill>
-                  <a:srgbClr val="000000"/>
-                </a:solidFill>
+              <a:t>my_variable</a:t>
+            </a:r>
+          </a:p>
+          <a:p>
+            <a:pPr lvl="0"/>
+            <a:r>
+              <a:rPr lang="en" dirty="0" smtClean="0">
                 <a:latin typeface="Menlo Regular"/>
                 <a:ea typeface="Menlo Regular"/>
                 <a:cs typeface="Menlo Regular"/>
                 <a:sym typeface="courier new"/>
               </a:rPr>
-              <a:t>=&gt; "Hi"</a:t>
-            </a:r>
-          </a:p>
-          <a:p>
-            <a:pPr lvl="0" rtl="0">
-              <a:lnSpc>
-                <a:spcPct val="100000"/>
-              </a:lnSpc>
-              <a:spcBef>
-                <a:spcPts val="0"/>
-              </a:spcBef>
-              <a:buNone/>
-            </a:pPr>
-            <a:r>
-              <a:rPr lang="en" dirty="0">
-                <a:latin typeface="Menlo Regular"/>
-                <a:ea typeface="Menlo Regular"/>
-                <a:cs typeface="Menlo Regular"/>
-                <a:sym typeface="courier new"/>
-              </a:rPr>
-              <a:t>&gt; </a:t>
-            </a:r>
-            <a:r>
-              <a:rPr lang="en" dirty="0">
-                <a:solidFill>
-                  <a:srgbClr val="0E72A4"/>
-                </a:solidFill>
-                <a:latin typeface="Menlo Regular"/>
-                <a:ea typeface="Menlo Regular"/>
-                <a:cs typeface="Menlo Regular"/>
-                <a:sym typeface="courier new"/>
-              </a:rPr>
-              <a:t>my_variable = 10</a:t>
-            </a:r>
-          </a:p>
-          <a:p>
-            <a:pPr lvl="0" rtl="0">
-              <a:lnSpc>
-                <a:spcPct val="100000"/>
-              </a:lnSpc>
-              <a:spcBef>
-                <a:spcPts val="0"/>
-              </a:spcBef>
-              <a:buNone/>
-            </a:pPr>
-            <a:r>
-              <a:rPr lang="en" dirty="0">
-                <a:latin typeface="Menlo Regular"/>
-                <a:ea typeface="Menlo Regular"/>
-                <a:cs typeface="Menlo Regular"/>
-                <a:sym typeface="courier new"/>
-              </a:rPr>
-              <a:t>=&gt; 10</a:t>
-            </a:r>
+              <a:t>10</a:t>
+            </a:r>
+            <a:endParaRPr lang="en" dirty="0">
+              <a:latin typeface="Menlo Regular"/>
+              <a:ea typeface="Menlo Regular"/>
+              <a:cs typeface="Menlo Regular"/>
+              <a:sym typeface="courier new"/>
+            </a:endParaRPr>
           </a:p>
           <a:p>
             <a:pPr rtl="0">
@@ -17998,7 +18549,7 @@
               <a:t>What's with </a:t>
             </a:r>
             <a:r>
-              <a:rPr lang="en" sz="7200" b="0" dirty="0">
+              <a:rPr lang="en" sz="7200" b="0" dirty="0" smtClean="0">
                 <a:solidFill>
                   <a:srgbClr val="0E72A4"/>
                 </a:solidFill>
@@ -18007,10 +18558,10 @@
                 <a:cs typeface="Menlo Regular"/>
                 <a:sym typeface="Courier New"/>
               </a:rPr>
-              <a:t>=&gt;</a:t>
-            </a:r>
-            <a:r>
-              <a:rPr lang="en" sz="7200" b="0" dirty="0">
+              <a:t>=</a:t>
+            </a:r>
+            <a:r>
+              <a:rPr lang="en" sz="7200" b="0" dirty="0" smtClean="0">
                 <a:solidFill>
                   <a:srgbClr val="FF0000"/>
                 </a:solidFill>
@@ -18018,7 +18569,18 @@
                 <a:ea typeface="Ubuntu"/>
                 <a:cs typeface="Yanone Kaffeesatz Bold"/>
               </a:rPr>
-              <a:t> ?</a:t>
+              <a:t> </a:t>
+            </a:r>
+            <a:r>
+              <a:rPr lang="en" sz="7200" b="0" dirty="0">
+                <a:solidFill>
+                  <a:srgbClr val="FF0000"/>
+                </a:solidFill>
+                <a:latin typeface="Yanone Kaffeesatz Bold"/>
+                <a:ea typeface="Ubuntu"/>
+                <a:cs typeface="Yanone Kaffeesatz Bold"/>
+              </a:rPr>
+              <a:t>?</a:t>
             </a:r>
           </a:p>
         </p:txBody>
@@ -18874,8 +19436,49 @@
               <a:t> + </a:t>
             </a:r>
             <a:r>
+              <a:rPr lang="en" dirty="0" smtClean="0">
+                <a:solidFill>
+                  <a:srgbClr val="D20035"/>
+                </a:solidFill>
+                <a:latin typeface="Menlo Regular"/>
+                <a:ea typeface="Courier New"/>
+                <a:cs typeface="Menlo Regular"/>
+                <a:sym typeface="Courier New"/>
+              </a:rPr>
+              <a:t>bananas</a:t>
+            </a:r>
+            <a:endParaRPr lang="en" dirty="0">
+              <a:solidFill>
+                <a:srgbClr val="D20035"/>
+              </a:solidFill>
+              <a:latin typeface="Menlo Regular"/>
+              <a:ea typeface="Courier New"/>
+              <a:cs typeface="Menlo Regular"/>
+              <a:sym typeface="Courier New"/>
+            </a:endParaRPr>
+          </a:p>
+          <a:p>
+            <a:pPr lvl="0">
+              <a:spcBef>
+                <a:spcPts val="0"/>
+              </a:spcBef>
+              <a:buNone/>
+            </a:pPr>
+            <a:r>
               <a:rPr lang="en" dirty="0">
                 <a:solidFill>
+                  <a:srgbClr val="0E72A4"/>
+                </a:solidFill>
+                <a:latin typeface="Menlo Regular"/>
+                <a:ea typeface="Courier New"/>
+                <a:cs typeface="Menlo Regular"/>
+                <a:sym typeface="Courier New"/>
+              </a:rPr>
+              <a:t>bananas = </a:t>
+            </a:r>
+            <a:r>
+              <a:rPr lang="en" dirty="0">
+                <a:solidFill>
                   <a:srgbClr val="D20035"/>
                 </a:solidFill>
                 <a:latin typeface="Menlo Regular"/>
@@ -18883,30 +19486,164 @@
                 <a:cs typeface="Menlo Regular"/>
                 <a:sym typeface="Courier New"/>
               </a:rPr>
+              <a:t>fruits</a:t>
+            </a:r>
+            <a:r>
+              <a:rPr lang="en" dirty="0">
+                <a:solidFill>
+                  <a:srgbClr val="0E72A4"/>
+                </a:solidFill>
+                <a:latin typeface="Menlo Regular"/>
+                <a:ea typeface="Courier New"/>
+                <a:cs typeface="Menlo Regular"/>
+                <a:sym typeface="Courier New"/>
+              </a:rPr>
+              <a:t> </a:t>
+            </a:r>
+            <a:r>
+              <a:rPr lang="en" dirty="0" smtClean="0">
+                <a:solidFill>
+                  <a:srgbClr val="0E72A4"/>
+                </a:solidFill>
+                <a:latin typeface="Menlo Regular"/>
+                <a:ea typeface="Courier New"/>
+                <a:cs typeface="Menlo Regular"/>
+                <a:sym typeface="Courier New"/>
+              </a:rPr>
+              <a:t>– </a:t>
+            </a:r>
+            <a:r>
+              <a:rPr lang="en" dirty="0" smtClean="0">
+                <a:solidFill>
+                  <a:srgbClr val="D20035"/>
+                </a:solidFill>
+                <a:latin typeface="Menlo Regular"/>
+                <a:ea typeface="Courier New"/>
+                <a:cs typeface="Menlo Regular"/>
+                <a:sym typeface="Courier New"/>
+              </a:rPr>
+              <a:t>apples</a:t>
+            </a:r>
+          </a:p>
+          <a:p>
+            <a:pPr lvl="0">
+              <a:spcBef>
+                <a:spcPts val="0"/>
+              </a:spcBef>
+              <a:buNone/>
+            </a:pPr>
+            <a:endParaRPr lang="en" dirty="0">
+              <a:solidFill>
+                <a:srgbClr val="D20035"/>
+              </a:solidFill>
+              <a:latin typeface="Menlo Regular"/>
+              <a:ea typeface="Courier New"/>
+              <a:cs typeface="Menlo Regular"/>
+              <a:sym typeface="Courier New"/>
+            </a:endParaRPr>
+          </a:p>
+          <a:p>
+            <a:pPr lvl="0">
+              <a:buNone/>
+            </a:pPr>
+            <a:r>
+              <a:rPr lang="en" dirty="0" smtClean="0">
+                <a:solidFill>
+                  <a:srgbClr val="D20035"/>
+                </a:solidFill>
+                <a:latin typeface="Menlo Regular"/>
+                <a:ea typeface="Courier New"/>
+                <a:cs typeface="Menlo Regular"/>
+                <a:sym typeface="Courier New"/>
+              </a:rPr>
+              <a:t>Try printing </a:t>
+            </a:r>
+            <a:r>
+              <a:rPr lang="en" dirty="0" smtClean="0">
+                <a:solidFill>
+                  <a:srgbClr val="0E72A4"/>
+                </a:solidFill>
+                <a:latin typeface="Menlo Regular"/>
+                <a:ea typeface="Courier New"/>
+                <a:cs typeface="Menlo Regular"/>
+                <a:sym typeface="Courier New"/>
+              </a:rPr>
               <a:t>bananas</a:t>
             </a:r>
-          </a:p>
-          <a:p>
-            <a:pPr lvl="0">
-              <a:spcBef>
-                <a:spcPts val="0"/>
-              </a:spcBef>
-              <a:buNone/>
-            </a:pPr>
+            <a:r>
+              <a:rPr lang="en" dirty="0" smtClean="0">
+                <a:solidFill>
+                  <a:srgbClr val="D20035"/>
+                </a:solidFill>
+                <a:latin typeface="Menlo Regular"/>
+                <a:ea typeface="Courier New"/>
+                <a:cs typeface="Menlo Regular"/>
+                <a:sym typeface="Courier New"/>
+              </a:rPr>
+              <a:t>, </a:t>
+            </a:r>
+            <a:r>
+              <a:rPr lang="en" dirty="0" smtClean="0">
+                <a:solidFill>
+                  <a:srgbClr val="0E72A4"/>
+                </a:solidFill>
+                <a:latin typeface="Menlo Regular"/>
+                <a:ea typeface="Courier New"/>
+                <a:cs typeface="Menlo Regular"/>
+                <a:sym typeface="Courier New"/>
+              </a:rPr>
+              <a:t>apples</a:t>
+            </a:r>
+            <a:r>
+              <a:rPr lang="en" dirty="0" smtClean="0">
+                <a:solidFill>
+                  <a:srgbClr val="D20035"/>
+                </a:solidFill>
+                <a:latin typeface="Menlo Regular"/>
+                <a:ea typeface="Courier New"/>
+                <a:cs typeface="Menlo Regular"/>
+                <a:sym typeface="Courier New"/>
+              </a:rPr>
+              <a:t>, and</a:t>
+            </a:r>
+            <a:r>
+              <a:rPr lang="en" dirty="0" smtClean="0">
+                <a:solidFill>
+                  <a:srgbClr val="FF0000"/>
+                </a:solidFill>
+                <a:latin typeface="Menlo Regular"/>
+                <a:ea typeface="Courier New"/>
+                <a:cs typeface="Menlo Regular"/>
+                <a:sym typeface="Courier New"/>
+              </a:rPr>
+              <a:t> </a:t>
+            </a:r>
+            <a:r>
+              <a:rPr lang="en" dirty="0" smtClean="0">
+                <a:solidFill>
+                  <a:srgbClr val="0E72A4"/>
+                </a:solidFill>
+                <a:latin typeface="Menlo Regular"/>
+                <a:ea typeface="Courier New"/>
+                <a:cs typeface="Menlo Regular"/>
+                <a:sym typeface="Courier New"/>
+              </a:rPr>
+              <a:t>fruits</a:t>
+            </a:r>
             <a:r>
               <a:rPr lang="en" dirty="0">
                 <a:solidFill>
-                  <a:srgbClr val="0E72A4"/>
+                  <a:srgbClr val="D20035"/>
                 </a:solidFill>
                 <a:latin typeface="Menlo Regular"/>
                 <a:ea typeface="Courier New"/>
                 <a:cs typeface="Menlo Regular"/>
                 <a:sym typeface="Courier New"/>
               </a:rPr>
-              <a:t>bananas = </a:t>
-            </a:r>
-            <a:r>
-              <a:rPr lang="en" dirty="0">
+              <a:t> </a:t>
+            </a:r>
+            <a:r>
+              <a:rPr lang="en" dirty="0" smtClean="0">
                 <a:solidFill>
                   <a:srgbClr val="D20035"/>
                 </a:solidFill>
@@ -18915,32 +19652,17 @@
                 <a:cs typeface="Menlo Regular"/>
                 <a:sym typeface="Courier New"/>
               </a:rPr>
-              <a:t>fruits</a:t>
-            </a:r>
-            <a:r>
-              <a:rPr lang="en" dirty="0">
-                <a:solidFill>
-                  <a:srgbClr val="0E72A4"/>
-                </a:solidFill>
-                <a:latin typeface="Menlo Regular"/>
-                <a:ea typeface="Courier New"/>
-                <a:cs typeface="Menlo Regular"/>
-                <a:sym typeface="Courier New"/>
-              </a:rPr>
-              <a:t> - </a:t>
-            </a:r>
-            <a:r>
-              <a:rPr lang="en" dirty="0">
-                <a:solidFill>
-                  <a:srgbClr val="D20035"/>
-                </a:solidFill>
-                <a:latin typeface="Menlo Regular"/>
-                <a:ea typeface="Courier New"/>
-                <a:cs typeface="Menlo Regular"/>
-                <a:sym typeface="Courier New"/>
-              </a:rPr>
-              <a:t>apples</a:t>
-            </a:r>
+              <a:t>to the terminal before and after!</a:t>
+            </a:r>
+            <a:endParaRPr lang="en" dirty="0">
+              <a:solidFill>
+                <a:srgbClr val="D20035"/>
+              </a:solidFill>
+              <a:latin typeface="Menlo Regular"/>
+              <a:ea typeface="Courier New"/>
+              <a:cs typeface="Menlo Regular"/>
+              <a:sym typeface="Courier New"/>
+            </a:endParaRPr>
           </a:p>
         </p:txBody>
       </p:sp>
@@ -19549,28 +20271,22 @@
       </p:sp>
       <p:pic>
         <p:nvPicPr>
-          <p:cNvPr id="4" name="Picture 3" descr="Screen Shot 2016-06-03 at 2.07.19 PM.png"/>
+          <p:cNvPr id="5" name="Picture 4"/>
           <p:cNvPicPr>
             <a:picLocks noChangeAspect="1"/>
           </p:cNvPicPr>
           <p:nvPr/>
         </p:nvPicPr>
         <p:blipFill>
-          <a:blip r:embed="rId2">
-            <a:extLst>
-              <a:ext uri="{28A0092B-C50C-407E-A947-70E740481C1C}">
-                <a14:useLocalDpi xmlns:a14="http://schemas.microsoft.com/office/drawing/2010/main" val="0"/>
-              </a:ext>
-            </a:extLst>
-          </a:blip>
+          <a:blip r:embed="rId2"/>
           <a:stretch>
             <a:fillRect/>
           </a:stretch>
         </p:blipFill>
         <p:spPr>
           <a:xfrm>
-            <a:off x="0" y="1417637"/>
-            <a:ext cx="9144000" cy="2025053"/>
+            <a:off x="749928" y="1417637"/>
+            <a:ext cx="7644144" cy="2348201"/>
           </a:xfrm>
           <a:prstGeom prst="rect">
             <a:avLst/>
@@ -20572,7 +21288,51 @@
                 <a:cs typeface="Menlo Regular"/>
                 <a:sym typeface="Open Sans"/>
               </a:rPr>
-              <a:t>true, false, 0, 1</a:t>
+              <a:t>T</a:t>
+            </a:r>
+            <a:r>
+              <a:rPr lang="en" sz="2200" dirty="0" smtClean="0">
+                <a:solidFill>
+                  <a:srgbClr val="0E72A4"/>
+                </a:solidFill>
+                <a:latin typeface="Menlo Regular"/>
+                <a:cs typeface="Menlo Regular"/>
+                <a:sym typeface="Open Sans"/>
+              </a:rPr>
+              <a:t>rue</a:t>
+            </a:r>
+            <a:r>
+              <a:rPr lang="en" sz="2200" dirty="0">
+                <a:solidFill>
+                  <a:srgbClr val="0E72A4"/>
+                </a:solidFill>
+                <a:latin typeface="Menlo Regular"/>
+                <a:cs typeface="Menlo Regular"/>
+                <a:sym typeface="Open Sans"/>
+              </a:rPr>
+              <a:t>, </a:t>
+            </a:r>
+            <a:r>
+              <a:rPr lang="en" sz="2200" dirty="0" smtClean="0">
+                <a:solidFill>
+                  <a:srgbClr val="0E72A4"/>
+                </a:solidFill>
+                <a:latin typeface="Menlo Regular"/>
+                <a:cs typeface="Menlo Regular"/>
+                <a:sym typeface="Open Sans"/>
+              </a:rPr>
+              <a:t>False</a:t>
+            </a:r>
+            <a:r>
+              <a:rPr lang="en" sz="2200" dirty="0">
+                <a:solidFill>
+                  <a:srgbClr val="0E72A4"/>
+                </a:solidFill>
+                <a:latin typeface="Menlo Regular"/>
+                <a:cs typeface="Menlo Regular"/>
+                <a:sym typeface="Open Sans"/>
+              </a:rPr>
+              <a:t>, 0, 1</a:t>
             </a:r>
           </a:p>
         </p:txBody>
@@ -20783,6 +21543,10 @@
           </p:nvPr>
         </p:nvSpPr>
         <p:spPr>
+          <a:xfrm>
+            <a:off x="274319" y="1493519"/>
+            <a:ext cx="8595359" cy="4937760"/>
+          </a:xfrm>
           <a:prstGeom prst="rect">
             <a:avLst/>
           </a:prstGeom>
@@ -20838,8 +21602,29 @@
                 <a:cs typeface="Menlo Regular"/>
                 <a:sym typeface="Courier New"/>
               </a:rPr>
-              <a:t>$ irb</a:t>
-            </a:r>
+              <a:t>$ </a:t>
+            </a:r>
+            <a:r>
+              <a:rPr lang="en" dirty="0" smtClean="0">
+                <a:solidFill>
+                  <a:schemeClr val="tx1"/>
+                </a:solidFill>
+                <a:latin typeface="Menlo Regular"/>
+                <a:ea typeface="Courier New"/>
+                <a:cs typeface="Menlo Regular"/>
+                <a:sym typeface="Courier New"/>
+              </a:rPr>
+              <a:t>python3</a:t>
+            </a:r>
+            <a:endParaRPr lang="en" dirty="0">
+              <a:solidFill>
+                <a:schemeClr val="tx1"/>
+              </a:solidFill>
+              <a:latin typeface="Menlo Regular"/>
+              <a:ea typeface="Courier New"/>
+              <a:cs typeface="Menlo Regular"/>
+              <a:sym typeface="Courier New"/>
+            </a:endParaRPr>
           </a:p>
           <a:p>
             <a:pPr lvl="0" rtl="0">
@@ -20849,16 +21634,107 @@
               <a:buNone/>
             </a:pPr>
             <a:r>
+              <a:rPr lang="en" dirty="0" smtClean="0">
+                <a:latin typeface="Menlo Regular"/>
+                <a:ea typeface="Courier New"/>
+                <a:cs typeface="Menlo Regular"/>
+                <a:sym typeface="Courier New"/>
+              </a:rPr>
+              <a:t>&gt;&gt;&gt;</a:t>
+            </a:r>
+            <a:r>
+              <a:rPr lang="en" dirty="0" smtClean="0">
+                <a:solidFill>
+                  <a:srgbClr val="4A86E8"/>
+                </a:solidFill>
+                <a:latin typeface="Menlo Regular"/>
+                <a:ea typeface="Courier New"/>
+                <a:cs typeface="Menlo Regular"/>
+                <a:sym typeface="Courier New"/>
+              </a:rPr>
+              <a:t> </a:t>
+            </a:r>
+            <a:r>
               <a:rPr lang="en" dirty="0">
+                <a:solidFill>
+                  <a:srgbClr val="0E72A4"/>
+                </a:solidFill>
                 <a:latin typeface="Menlo Regular"/>
                 <a:ea typeface="Courier New"/>
                 <a:cs typeface="Menlo Regular"/>
                 <a:sym typeface="Courier New"/>
               </a:rPr>
-              <a:t>&gt;</a:t>
+              <a:t>'Single quotes work'</a:t>
+            </a:r>
+          </a:p>
+          <a:p>
+            <a:pPr lvl="0" rtl="0">
+              <a:spcBef>
+                <a:spcPts val="0"/>
+              </a:spcBef>
+              <a:buNone/>
+            </a:pPr>
+            <a:r>
+              <a:rPr lang="en" dirty="0" smtClean="0">
+                <a:latin typeface="Menlo Regular"/>
+                <a:ea typeface="Courier New"/>
+                <a:cs typeface="Menlo Regular"/>
+                <a:sym typeface="Courier New"/>
+              </a:rPr>
+              <a:t>‘</a:t>
+            </a:r>
+            <a:r>
+              <a:rPr lang="en" dirty="0" smtClean="0">
+                <a:latin typeface="Menlo Regular"/>
+                <a:ea typeface="Courier New"/>
+                <a:cs typeface="Menlo Regular"/>
+                <a:sym typeface="Courier New"/>
+              </a:rPr>
+              <a:t>Single </a:t>
             </a:r>
             <a:r>
               <a:rPr lang="en" dirty="0">
+                <a:latin typeface="Menlo Regular"/>
+                <a:ea typeface="Courier New"/>
+                <a:cs typeface="Menlo Regular"/>
+                <a:sym typeface="Courier New"/>
+              </a:rPr>
+              <a:t>quotes </a:t>
+            </a:r>
+            <a:r>
+              <a:rPr lang="en" dirty="0" smtClean="0">
+                <a:latin typeface="Menlo Regular"/>
+                <a:ea typeface="Courier New"/>
+                <a:cs typeface="Menlo Regular"/>
+                <a:sym typeface="Courier New"/>
+              </a:rPr>
+              <a:t>work’</a:t>
+            </a:r>
+            <a:endParaRPr lang="en" dirty="0">
+              <a:latin typeface="Menlo Regular"/>
+              <a:ea typeface="Courier New"/>
+              <a:cs typeface="Menlo Regular"/>
+              <a:sym typeface="Courier New"/>
+            </a:endParaRPr>
+          </a:p>
+          <a:p>
+            <a:pPr lvl="0" rtl="0">
+              <a:spcBef>
+                <a:spcPts val="0"/>
+              </a:spcBef>
+              <a:buNone/>
+            </a:pPr>
+            <a:r>
+              <a:rPr lang="en" dirty="0" smtClean="0">
+                <a:latin typeface="Menlo Regular"/>
+                <a:ea typeface="Courier New"/>
+                <a:cs typeface="Menlo Regular"/>
+                <a:sym typeface="Courier New"/>
+              </a:rPr>
+              <a:t>&gt;&gt;&gt;</a:t>
+            </a:r>
+            <a:r>
+              <a:rPr lang="en" dirty="0" smtClean="0">
                 <a:solidFill>
                   <a:srgbClr val="4A86E8"/>
                 </a:solidFill>
@@ -20879,7 +21755,7 @@
                 <a:cs typeface="Menlo Regular"/>
                 <a:sym typeface="Courier New"/>
               </a:rPr>
-              <a:t>'Single quotes work'</a:t>
+              <a:t>"Double quotes work"</a:t>
             </a:r>
           </a:p>
           <a:p>
@@ -20890,14 +21766,38 @@
               <a:buNone/>
             </a:pPr>
             <a:r>
+              <a:rPr lang="en" dirty="0" smtClean="0">
+                <a:latin typeface="Menlo Regular"/>
+                <a:ea typeface="Courier New"/>
+                <a:cs typeface="Menlo Regular"/>
+                <a:sym typeface="Courier New"/>
+              </a:rPr>
+              <a:t>‘Double </a:t>
+            </a:r>
+            <a:r>
               <a:rPr lang="en" dirty="0">
                 <a:latin typeface="Menlo Regular"/>
                 <a:ea typeface="Courier New"/>
                 <a:cs typeface="Menlo Regular"/>
                 <a:sym typeface="Courier New"/>
               </a:rPr>
-              <a:t>=&gt; "Single quotes work"</a:t>
-            </a:r>
+              <a:t>quotes </a:t>
+            </a:r>
+            <a:r>
+              <a:rPr lang="en" dirty="0" smtClean="0">
+                <a:latin typeface="Menlo Regular"/>
+                <a:ea typeface="Courier New"/>
+                <a:cs typeface="Menlo Regular"/>
+                <a:sym typeface="Courier New"/>
+              </a:rPr>
+              <a:t>work’</a:t>
+            </a:r>
+            <a:endParaRPr lang="en" dirty="0">
+              <a:latin typeface="Menlo Regular"/>
+              <a:ea typeface="Courier New"/>
+              <a:cs typeface="Menlo Regular"/>
+              <a:sym typeface="Courier New"/>
+            </a:endParaRPr>
           </a:p>
           <a:p>
             <a:pPr lvl="0" rtl="0">
@@ -20907,113 +21807,121 @@
               <a:buNone/>
             </a:pPr>
             <a:r>
+              <a:rPr lang="en" dirty="0" smtClean="0">
+                <a:latin typeface="Menlo Regular"/>
+                <a:ea typeface="Courier New"/>
+                <a:cs typeface="Menlo Regular"/>
+                <a:sym typeface="Courier New"/>
+              </a:rPr>
+              <a:t>&gt;&gt;&gt;</a:t>
+            </a:r>
+            <a:r>
+              <a:rPr lang="en" dirty="0" smtClean="0">
+                <a:solidFill>
+                  <a:srgbClr val="4A86E8"/>
+                </a:solidFill>
+                <a:latin typeface="Menlo Regular"/>
+                <a:ea typeface="Courier New"/>
+                <a:cs typeface="Menlo Regular"/>
+                <a:sym typeface="Courier New"/>
+              </a:rPr>
+              <a:t> </a:t>
+            </a:r>
+            <a:r>
               <a:rPr lang="en" dirty="0">
+                <a:solidFill>
+                  <a:srgbClr val="0E72A4"/>
+                </a:solidFill>
                 <a:latin typeface="Menlo Regular"/>
                 <a:ea typeface="Courier New"/>
                 <a:cs typeface="Menlo Regular"/>
                 <a:sym typeface="Courier New"/>
               </a:rPr>
-              <a:t>&gt;</a:t>
-            </a:r>
+              <a:t>"Start and end have to match'</a:t>
+            </a:r>
+          </a:p>
+          <a:p>
+            <a:pPr>
+              <a:spcBef>
+                <a:spcPts val="0"/>
+              </a:spcBef>
+              <a:buNone/>
+            </a:pPr>
+            <a:r>
+              <a:rPr lang="en" dirty="0" smtClean="0">
+                <a:latin typeface="Menlo Regular"/>
+                <a:ea typeface="Courier New"/>
+                <a:cs typeface="Menlo Regular"/>
+                <a:sym typeface="Courier New"/>
+              </a:rPr>
+              <a:t>   File “&lt;stdin&gt;”, line 1</a:t>
+            </a:r>
+          </a:p>
+          <a:p>
+            <a:pPr>
+              <a:spcBef>
+                <a:spcPts val="0"/>
+              </a:spcBef>
+              <a:buNone/>
+            </a:pPr>
+            <a:r>
+              <a:rPr lang="en" dirty="0" smtClean="0">
+                <a:latin typeface="Menlo Regular"/>
+                <a:ea typeface="Courier New"/>
+                <a:cs typeface="Menlo Regular"/>
+                <a:sym typeface="Courier New"/>
+              </a:rPr>
+              <a:t>      “Start and end have to match’</a:t>
+            </a:r>
+          </a:p>
+          <a:p>
+            <a:pPr>
+              <a:spcBef>
+                <a:spcPts val="0"/>
+              </a:spcBef>
+              <a:buNone/>
+            </a:pPr>
             <a:r>
               <a:rPr lang="en" dirty="0">
-                <a:solidFill>
-                  <a:srgbClr val="4A86E8"/>
-                </a:solidFill>
                 <a:latin typeface="Menlo Regular"/>
                 <a:ea typeface="Courier New"/>
                 <a:cs typeface="Menlo Regular"/>
                 <a:sym typeface="Courier New"/>
               </a:rPr>
-              <a:t> </a:t>
-            </a:r>
-            <a:r>
-              <a:rPr lang="en" dirty="0">
-                <a:solidFill>
-                  <a:srgbClr val="0E72A4"/>
-                </a:solidFill>
+              <a:t>	</a:t>
+            </a:r>
+            <a:r>
+              <a:rPr lang="en" dirty="0" smtClean="0">
                 <a:latin typeface="Menlo Regular"/>
                 <a:ea typeface="Courier New"/>
                 <a:cs typeface="Menlo Regular"/>
                 <a:sym typeface="Courier New"/>
               </a:rPr>
-              <a:t>"Double quotes work"</a:t>
-            </a:r>
-          </a:p>
-          <a:p>
-            <a:pPr lvl="0" rtl="0">
-              <a:spcBef>
-                <a:spcPts val="0"/>
-              </a:spcBef>
-              <a:buNone/>
-            </a:pPr>
-            <a:r>
-              <a:rPr lang="en" dirty="0">
+              <a:t>				   ^</a:t>
+            </a:r>
+          </a:p>
+          <a:p>
+            <a:pPr>
+              <a:spcBef>
+                <a:spcPts val="0"/>
+              </a:spcBef>
+              <a:buNone/>
+            </a:pPr>
+            <a:r>
+              <a:rPr lang="en" dirty="0" smtClean="0">
                 <a:latin typeface="Menlo Regular"/>
                 <a:ea typeface="Courier New"/>
                 <a:cs typeface="Menlo Regular"/>
                 <a:sym typeface="Courier New"/>
               </a:rPr>
-              <a:t>=&gt; "Double quotes work"</a:t>
-            </a:r>
-          </a:p>
-          <a:p>
-            <a:pPr lvl="0" rtl="0">
-              <a:spcBef>
-                <a:spcPts val="0"/>
-              </a:spcBef>
-              <a:buNone/>
-            </a:pPr>
-            <a:r>
-              <a:rPr lang="en" dirty="0">
-                <a:latin typeface="Menlo Regular"/>
-                <a:ea typeface="Courier New"/>
-                <a:cs typeface="Menlo Regular"/>
-                <a:sym typeface="Courier New"/>
-              </a:rPr>
-              <a:t>&gt;</a:t>
-            </a:r>
-            <a:r>
-              <a:rPr lang="en" dirty="0">
-                <a:solidFill>
-                  <a:srgbClr val="4A86E8"/>
-                </a:solidFill>
-                <a:latin typeface="Menlo Regular"/>
-                <a:ea typeface="Courier New"/>
-                <a:cs typeface="Menlo Regular"/>
-                <a:sym typeface="Courier New"/>
-              </a:rPr>
-              <a:t> </a:t>
-            </a:r>
-            <a:r>
-              <a:rPr lang="en" dirty="0">
-                <a:solidFill>
-                  <a:srgbClr val="0E72A4"/>
-                </a:solidFill>
-                <a:latin typeface="Menlo Regular"/>
-                <a:ea typeface="Courier New"/>
-                <a:cs typeface="Menlo Regular"/>
-                <a:sym typeface="Courier New"/>
-              </a:rPr>
-              <a:t>"Start and end have to match'</a:t>
-            </a:r>
-          </a:p>
-          <a:p>
-            <a:pPr>
-              <a:spcBef>
-                <a:spcPts val="0"/>
-              </a:spcBef>
-              <a:buNone/>
-            </a:pPr>
-            <a:r>
-              <a:rPr lang="en" dirty="0">
-                <a:latin typeface="Menlo Regular"/>
-                <a:ea typeface="Courier New"/>
-                <a:cs typeface="Menlo Regular"/>
-                <a:sym typeface="Courier New"/>
-              </a:rPr>
-              <a:t>"&gt;</a:t>
-            </a:r>
+              <a:t>SyntaxError: EOL while scanning string literal</a:t>
+            </a:r>
+            <a:endParaRPr lang="en" dirty="0">
+              <a:latin typeface="Menlo Regular"/>
+              <a:ea typeface="Courier New"/>
+              <a:cs typeface="Menlo Regular"/>
+              <a:sym typeface="Courier New"/>
+            </a:endParaRPr>
           </a:p>
         </p:txBody>
       </p:sp>
@@ -22041,7 +22949,11 @@
             </a:pPr>
             <a:r>
               <a:rPr lang="en" dirty="0"/>
-              <a:t>Try dividing an integer by a float</a:t>
+              <a:t>Try dividing an integer by a </a:t>
+            </a:r>
+            <a:r>
+              <a:rPr lang="en" dirty="0" smtClean="0"/>
+              <a:t>float</a:t>
             </a:r>
           </a:p>
           <a:p>
@@ -22057,9 +22969,10 @@
               <a:buChar char="●"/>
             </a:pPr>
             <a:r>
-              <a:rPr lang="en" dirty="0"/>
-              <a:t>How are the results different?</a:t>
-            </a:r>
+              <a:rPr lang="en" dirty="0" smtClean="0"/>
+              <a:t>Now do the same in Python 2.7</a:t>
+            </a:r>
+            <a:endParaRPr lang="en" dirty="0"/>
           </a:p>
           <a:p>
             <a:pPr marL="457200" lvl="0" indent="-419100" rtl="0">
@@ -22075,7 +22988,33 @@
             </a:pPr>
             <a:r>
               <a:rPr lang="en" dirty="0"/>
-              <a:t>Create two integer variables named </a:t>
+              <a:t>How are the results </a:t>
+            </a:r>
+            <a:r>
+              <a:rPr lang="en" dirty="0" smtClean="0"/>
+              <a:t>different?</a:t>
+            </a:r>
+            <a:endParaRPr lang="en" dirty="0"/>
+          </a:p>
+          <a:p>
+            <a:pPr marL="457200" lvl="0" indent="-419100" rtl="0">
+              <a:spcBef>
+                <a:spcPts val="0"/>
+              </a:spcBef>
+              <a:buClr>
+                <a:schemeClr val="dk1"/>
+              </a:buClr>
+              <a:buSzPct val="100000"/>
+              <a:buFont typeface="Arial"/>
+              <a:buChar char="●"/>
+            </a:pPr>
+            <a:r>
+              <a:rPr lang="en" dirty="0" smtClean="0"/>
+              <a:t>Create </a:t>
+            </a:r>
+            <a:r>
+              <a:rPr lang="en" dirty="0"/>
+              <a:t>two integer variables named </a:t>
             </a:r>
             <a:r>
               <a:rPr lang="en" sz="2400" dirty="0">
@@ -22459,7 +23398,31 @@
                   <a:schemeClr val="bg2"/>
                 </a:solidFill>
               </a:rPr>
-              <a:t>Why does </a:t>
+              <a:t>If you tr</a:t>
+            </a:r>
+            <a:r>
+              <a:rPr lang="en-US" sz="3600" dirty="0" smtClean="0">
+                <a:solidFill>
+                  <a:schemeClr val="bg2"/>
+                </a:solidFill>
+              </a:rPr>
+              <a:t>y these </a:t>
+            </a:r>
+            <a:r>
+              <a:rPr lang="en-US" sz="3600" dirty="0" smtClean="0">
+                <a:solidFill>
+                  <a:schemeClr val="bg2"/>
+                </a:solidFill>
+              </a:rPr>
+              <a:t>in Python 2.7, why </a:t>
+            </a:r>
+            <a:r>
+              <a:rPr lang="en-US" sz="3600" dirty="0" smtClean="0">
+                <a:solidFill>
+                  <a:schemeClr val="bg2"/>
+                </a:solidFill>
+              </a:rPr>
+              <a:t>does </a:t>
             </a:r>
             <a:r>
               <a:rPr lang="en" sz="3600" dirty="0" smtClean="0">
@@ -22742,17 +23705,18 @@
               <a:t>Collection Types: </a:t>
             </a:r>
             <a:r>
-              <a:rPr lang="en" b="1" dirty="0"/>
-              <a:t>Array</a:t>
-            </a:r>
-            <a:r>
-              <a:rPr lang="en" dirty="0"/>
+              <a:rPr lang="en" b="1" dirty="0" smtClean="0"/>
+              <a:t>List</a:t>
+            </a:r>
+            <a:r>
+              <a:rPr lang="en" dirty="0" smtClean="0"/>
               <a:t>, </a:t>
             </a:r>
             <a:r>
-              <a:rPr lang="en" b="1" dirty="0"/>
-              <a:t>Hash</a:t>
-            </a:r>
+              <a:rPr lang="en" b="1" dirty="0" smtClean="0"/>
+              <a:t>Dictionary</a:t>
+            </a:r>
+            <a:endParaRPr lang="en" b="1" dirty="0"/>
           </a:p>
           <a:p>
             <a:pPr marL="914400" lvl="1" indent="-381000" rtl="0">
@@ -22770,13 +23734,18 @@
               <a:buChar char="o"/>
             </a:pPr>
             <a:r>
-              <a:rPr lang="en" dirty="0">
+              <a:rPr lang="en" dirty="0" smtClean="0">
                 <a:latin typeface="Open Sans"/>
                 <a:ea typeface="Open Sans"/>
                 <a:cs typeface="Open Sans"/>
               </a:rPr>
-              <a:t>Define an Array</a:t>
-            </a:r>
+              <a:t>Define a list</a:t>
+            </a:r>
+            <a:endParaRPr lang="en" dirty="0">
+              <a:latin typeface="Open Sans"/>
+              <a:ea typeface="Open Sans"/>
+              <a:cs typeface="Open Sans"/>
+            </a:endParaRPr>
           </a:p>
           <a:p>
             <a:pPr marL="914400" lvl="1" indent="-381000" rtl="0">
@@ -22794,13 +23763,18 @@
               <a:buChar char="o"/>
             </a:pPr>
             <a:r>
-              <a:rPr lang="en" dirty="0">
+              <a:rPr lang="en" dirty="0" smtClean="0">
                 <a:latin typeface="Open Sans"/>
                 <a:ea typeface="Open Sans"/>
                 <a:cs typeface="Open Sans"/>
               </a:rPr>
-              <a:t>Array syntax</a:t>
-            </a:r>
+              <a:t>List syntax</a:t>
+            </a:r>
+            <a:endParaRPr lang="en" dirty="0">
+              <a:latin typeface="Open Sans"/>
+              <a:ea typeface="Open Sans"/>
+              <a:cs typeface="Open Sans"/>
+            </a:endParaRPr>
           </a:p>
           <a:p>
             <a:pPr marL="914400" lvl="1" indent="-381000" rtl="0">
@@ -22818,13 +23792,18 @@
               <a:buChar char="o"/>
             </a:pPr>
             <a:r>
-              <a:rPr lang="en" dirty="0">
+              <a:rPr lang="en" dirty="0" smtClean="0">
                 <a:latin typeface="Open Sans"/>
                 <a:ea typeface="Open Sans"/>
                 <a:cs typeface="Open Sans"/>
               </a:rPr>
-              <a:t>Array indexing</a:t>
-            </a:r>
+              <a:t>List indexing</a:t>
+            </a:r>
+            <a:endParaRPr lang="en" dirty="0">
+              <a:latin typeface="Open Sans"/>
+              <a:ea typeface="Open Sans"/>
+              <a:cs typeface="Open Sans"/>
+            </a:endParaRPr>
           </a:p>
           <a:p>
             <a:pPr marL="914400" lvl="1" indent="-381000" rtl="0">
@@ -22842,13 +23821,34 @@
               <a:buChar char="o"/>
             </a:pPr>
             <a:r>
-              <a:rPr lang="en" dirty="0">
+              <a:rPr lang="en" dirty="0" smtClean="0">
                 <a:latin typeface="Open Sans"/>
                 <a:ea typeface="Open Sans"/>
                 <a:cs typeface="Open Sans"/>
               </a:rPr>
-              <a:t>Array methods</a:t>
-            </a:r>
+              <a:t>L</a:t>
+            </a:r>
+            <a:r>
+              <a:rPr lang="en-US" dirty="0" err="1">
+                <a:latin typeface="Open Sans"/>
+                <a:ea typeface="Open Sans"/>
+                <a:cs typeface="Open Sans"/>
+              </a:rPr>
+              <a:t>i</a:t>
+            </a:r>
+            <a:r>
+              <a:rPr lang="en" dirty="0" smtClean="0">
+                <a:latin typeface="Open Sans"/>
+                <a:ea typeface="Open Sans"/>
+                <a:cs typeface="Open Sans"/>
+              </a:rPr>
+              <a:t>st methods</a:t>
+            </a:r>
+            <a:endParaRPr lang="en" dirty="0">
+              <a:latin typeface="Open Sans"/>
+              <a:ea typeface="Open Sans"/>
+              <a:cs typeface="Open Sans"/>
+            </a:endParaRPr>
           </a:p>
           <a:p>
             <a:pPr marL="914400" lvl="1" indent="-381000" rtl="0">
@@ -22866,13 +23866,18 @@
               <a:buChar char="o"/>
             </a:pPr>
             <a:r>
-              <a:rPr lang="en" dirty="0">
+              <a:rPr lang="en" dirty="0" smtClean="0">
                 <a:latin typeface="Open Sans"/>
                 <a:ea typeface="Open Sans"/>
                 <a:cs typeface="Open Sans"/>
               </a:rPr>
-              <a:t>Definition of a hash</a:t>
-            </a:r>
+              <a:t>Define a dict</a:t>
+            </a:r>
+            <a:endParaRPr lang="en" dirty="0">
+              <a:latin typeface="Open Sans"/>
+              <a:ea typeface="Open Sans"/>
+              <a:cs typeface="Open Sans"/>
+            </a:endParaRPr>
           </a:p>
           <a:p>
             <a:pPr marL="914400" lvl="1" indent="-381000" rtl="0">
@@ -22890,13 +23895,18 @@
               <a:buChar char="o"/>
             </a:pPr>
             <a:r>
-              <a:rPr lang="en" dirty="0">
+              <a:rPr lang="en" dirty="0" smtClean="0">
                 <a:latin typeface="Open Sans"/>
                 <a:ea typeface="Open Sans"/>
                 <a:cs typeface="Open Sans"/>
               </a:rPr>
-              <a:t>Hash syntax</a:t>
-            </a:r>
+              <a:t>Dict syntax</a:t>
+            </a:r>
+            <a:endParaRPr lang="en" dirty="0">
+              <a:latin typeface="Open Sans"/>
+              <a:ea typeface="Open Sans"/>
+              <a:cs typeface="Open Sans"/>
+            </a:endParaRPr>
           </a:p>
           <a:p>
             <a:pPr marL="914400" lvl="1" indent="-381000" rtl="0">
@@ -22914,13 +23924,18 @@
               <a:buChar char="o"/>
             </a:pPr>
             <a:r>
-              <a:rPr lang="en" dirty="0">
+              <a:rPr lang="en" dirty="0" smtClean="0">
                 <a:latin typeface="Open Sans"/>
                 <a:ea typeface="Open Sans"/>
                 <a:cs typeface="Open Sans"/>
               </a:rPr>
-              <a:t>Hash indexing</a:t>
-            </a:r>
+              <a:t>Dict indexing</a:t>
+            </a:r>
+            <a:endParaRPr lang="en" dirty="0">
+              <a:latin typeface="Open Sans"/>
+              <a:ea typeface="Open Sans"/>
+              <a:cs typeface="Open Sans"/>
+            </a:endParaRPr>
           </a:p>
         </p:txBody>
       </p:sp>
@@ -22991,7 +24006,7 @@
               <a:buNone/>
             </a:pPr>
             <a:r>
-              <a:rPr lang="en" sz="6800" b="0" dirty="0">
+              <a:rPr lang="en" sz="6800" b="0" dirty="0" smtClean="0">
                 <a:solidFill>
                   <a:srgbClr val="FF0000"/>
                 </a:solidFill>
@@ -23000,8 +24015,17 @@
                 <a:cs typeface="Yanone Kaffeesatz Bold"/>
                 <a:sym typeface="Ubuntu"/>
               </a:rPr>
-              <a:t>Array</a:t>
-            </a:r>
+              <a:t>List</a:t>
+            </a:r>
+            <a:endParaRPr lang="en" sz="6800" b="0" dirty="0">
+              <a:solidFill>
+                <a:srgbClr val="FF0000"/>
+              </a:solidFill>
+              <a:latin typeface="Yanone Kaffeesatz Bold"/>
+              <a:ea typeface="Ubuntu"/>
+              <a:cs typeface="Yanone Kaffeesatz Bold"/>
+              <a:sym typeface="Ubuntu"/>
+            </a:endParaRPr>
           </a:p>
         </p:txBody>
       </p:sp>
@@ -23042,9 +24066,10 @@
               <a:buChar char="●"/>
             </a:pPr>
             <a:r>
-              <a:rPr lang="en" dirty="0"/>
-              <a:t>An array is a list</a:t>
-            </a:r>
+              <a:rPr lang="en" dirty="0" smtClean="0"/>
+              <a:t>A list is a collection of things</a:t>
+            </a:r>
+            <a:endParaRPr lang="en" dirty="0"/>
           </a:p>
           <a:p>
             <a:pPr marL="457200" lvl="0" indent="-419100" rtl="0">
@@ -23060,7 +24085,15 @@
             </a:pPr>
             <a:r>
               <a:rPr lang="en" dirty="0"/>
-              <a:t>Each array is surrounded by </a:t>
+              <a:t>Each </a:t>
+            </a:r>
+            <a:r>
+              <a:rPr lang="en" dirty="0" smtClean="0"/>
+              <a:t>list is </a:t>
+            </a:r>
+            <a:r>
+              <a:rPr lang="en" dirty="0"/>
+              <a:t>surrounded by </a:t>
             </a:r>
             <a:r>
               <a:rPr lang="en" dirty="0">
@@ -23113,7 +24146,7 @@
                 <a:latin typeface="Menlo Regular"/>
                 <a:cs typeface="Menlo Regular"/>
               </a:rPr>
-              <a:t>[]</a:t>
+              <a:t>[ ]</a:t>
             </a:r>
             <a:endParaRPr lang="en" dirty="0">
               <a:latin typeface="Menlo Regular"/>
@@ -23134,23 +24167,164 @@
             </a:pPr>
             <a:r>
               <a:rPr lang="en" dirty="0"/>
-              <a:t>Each element (</a:t>
-            </a:r>
-            <a:r>
-              <a:rPr lang="en" dirty="0">
-                <a:solidFill>
-                  <a:schemeClr val="bg2"/>
+              <a:t>Each </a:t>
+            </a:r>
+            <a:r>
+              <a:rPr lang="en" dirty="0" smtClean="0"/>
+              <a:t>item </a:t>
+            </a:r>
+            <a:r>
+              <a:rPr lang="en" dirty="0"/>
+              <a:t>is separated by a comma</a:t>
+            </a:r>
+          </a:p>
+          <a:p>
+            <a:pPr lvl="0" rtl="0">
+              <a:spcBef>
+                <a:spcPts val="0"/>
+              </a:spcBef>
+              <a:buNone/>
+            </a:pPr>
+            <a:endParaRPr dirty="0"/>
+          </a:p>
+          <a:p>
+            <a:pPr lvl="0" rtl="0">
+              <a:spcBef>
+                <a:spcPts val="0"/>
+              </a:spcBef>
+              <a:buNone/>
+            </a:pPr>
+            <a:r>
+              <a:rPr lang="en" sz="2400" dirty="0" smtClean="0">
+                <a:solidFill>
+                  <a:schemeClr val="tx1"/>
                 </a:solidFill>
                 <a:latin typeface="Menlo Regular"/>
                 <a:ea typeface="Courier New"/>
                 <a:cs typeface="Menlo Regular"/>
                 <a:sym typeface="Courier New"/>
               </a:rPr>
-              <a:t>member</a:t>
-            </a:r>
-            <a:r>
-              <a:rPr lang="en" dirty="0"/>
-              <a:t>) is separated by a comma</a:t>
+              <a:t>&gt;&gt;&gt; </a:t>
+            </a:r>
+            <a:r>
+              <a:rPr lang="en" sz="2400" dirty="0" smtClean="0">
+                <a:solidFill>
+                  <a:srgbClr val="0E72A4"/>
+                </a:solidFill>
+                <a:latin typeface="Menlo Regular"/>
+                <a:ea typeface="Courier New"/>
+                <a:cs typeface="Menlo Regular"/>
+                <a:sym typeface="Courier New"/>
+              </a:rPr>
+              <a:t>fruits = [</a:t>
+            </a:r>
+            <a:r>
+              <a:rPr lang="en" sz="2400" dirty="0" smtClean="0">
+                <a:solidFill>
+                  <a:srgbClr val="D80035"/>
+                </a:solidFill>
+                <a:latin typeface="Menlo Regular"/>
+                <a:ea typeface="Courier New"/>
+                <a:cs typeface="Menlo Regular"/>
+                <a:sym typeface="Courier New"/>
+              </a:rPr>
+              <a:t>"kiwi"</a:t>
+            </a:r>
+            <a:r>
+              <a:rPr lang="en" sz="2400" dirty="0" smtClean="0">
+                <a:solidFill>
+                  <a:srgbClr val="000000"/>
+                </a:solidFill>
+                <a:latin typeface="Menlo Regular"/>
+                <a:ea typeface="Courier New"/>
+                <a:cs typeface="Menlo Regular"/>
+                <a:sym typeface="Courier New"/>
+              </a:rPr>
+              <a:t>,</a:t>
+            </a:r>
+            <a:r>
+              <a:rPr lang="en" sz="2400" dirty="0" smtClean="0">
+                <a:solidFill>
+                  <a:srgbClr val="0E72A4"/>
+                </a:solidFill>
+                <a:latin typeface="Menlo Regular"/>
+                <a:ea typeface="Courier New"/>
+                <a:cs typeface="Menlo Regular"/>
+                <a:sym typeface="Courier New"/>
+              </a:rPr>
+              <a:t> </a:t>
+            </a:r>
+            <a:r>
+              <a:rPr lang="en" sz="2400" dirty="0" smtClean="0">
+                <a:solidFill>
+                  <a:srgbClr val="D80035"/>
+                </a:solidFill>
+                <a:latin typeface="Menlo Regular"/>
+                <a:ea typeface="Courier New"/>
+                <a:cs typeface="Menlo Regular"/>
+                <a:sym typeface="Courier New"/>
+              </a:rPr>
+              <a:t>"strawberry"</a:t>
+            </a:r>
+            <a:r>
+              <a:rPr lang="en" sz="2400" dirty="0" smtClean="0">
+                <a:solidFill>
+                  <a:srgbClr val="000000"/>
+                </a:solidFill>
+                <a:latin typeface="Menlo Regular"/>
+                <a:ea typeface="Courier New"/>
+                <a:cs typeface="Menlo Regular"/>
+                <a:sym typeface="Courier New"/>
+              </a:rPr>
+              <a:t>,</a:t>
+            </a:r>
+            <a:r>
+              <a:rPr lang="en" sz="2400" dirty="0" smtClean="0">
+                <a:solidFill>
+                  <a:srgbClr val="0E72A4"/>
+                </a:solidFill>
+                <a:latin typeface="Menlo Regular"/>
+                <a:ea typeface="Courier New"/>
+                <a:cs typeface="Menlo Regular"/>
+                <a:sym typeface="Courier New"/>
+              </a:rPr>
+              <a:t> </a:t>
+            </a:r>
+            <a:r>
+              <a:rPr lang="en" sz="2400" dirty="0" smtClean="0">
+                <a:solidFill>
+                  <a:srgbClr val="D80035"/>
+                </a:solidFill>
+                <a:latin typeface="Menlo Regular"/>
+                <a:ea typeface="Courier New"/>
+                <a:cs typeface="Menlo Regular"/>
+                <a:sym typeface="Courier New"/>
+              </a:rPr>
+              <a:t>"plum</a:t>
+            </a:r>
+            <a:r>
+              <a:rPr lang="en" sz="2400" dirty="0" smtClean="0">
+                <a:solidFill>
+                  <a:srgbClr val="D80035"/>
+                </a:solidFill>
+                <a:latin typeface="Menlo Regular"/>
+                <a:ea typeface="Courier New"/>
+                <a:cs typeface="Menlo Regular"/>
+                <a:sym typeface="Courier New"/>
+              </a:rPr>
+              <a:t>"</a:t>
+            </a:r>
+            <a:r>
+              <a:rPr lang="en" sz="2400" dirty="0" smtClean="0">
+                <a:solidFill>
+                  <a:srgbClr val="0E72A4"/>
+                </a:solidFill>
+                <a:latin typeface="Menlo Regular"/>
+                <a:ea typeface="Courier New"/>
+                <a:cs typeface="Menlo Regular"/>
+                <a:sym typeface="Courier New"/>
+              </a:rPr>
+              <a:t>]</a:t>
             </a:r>
           </a:p>
           <a:p>
@@ -23160,39 +24334,38 @@
               </a:spcBef>
               <a:buNone/>
             </a:pPr>
-            <a:endParaRPr dirty="0"/>
-          </a:p>
-          <a:p>
-            <a:pPr lvl="0" rtl="0">
-              <a:spcBef>
-                <a:spcPts val="0"/>
-              </a:spcBef>
-              <a:buNone/>
-            </a:pPr>
-            <a:r>
-              <a:rPr lang="en" sz="2400" dirty="0">
-                <a:solidFill>
-                  <a:schemeClr val="tx1"/>
+            <a:r>
+              <a:rPr lang="en" sz="2400" dirty="0" smtClean="0">
+                <a:solidFill>
+                  <a:srgbClr val="000000"/>
                 </a:solidFill>
                 <a:latin typeface="Menlo Regular"/>
                 <a:ea typeface="Courier New"/>
                 <a:cs typeface="Menlo Regular"/>
                 <a:sym typeface="Courier New"/>
               </a:rPr>
-              <a:t>&gt; </a:t>
+              <a:t>&gt;&gt;&gt; </a:t>
             </a:r>
             <a:r>
               <a:rPr lang="en" sz="2400" dirty="0" smtClean="0">
                 <a:solidFill>
-                  <a:schemeClr val="tx1"/>
+                  <a:srgbClr val="0E72A4"/>
                 </a:solidFill>
                 <a:latin typeface="Menlo Regular"/>
                 <a:ea typeface="Courier New"/>
                 <a:cs typeface="Menlo Regular"/>
                 <a:sym typeface="Courier New"/>
               </a:rPr>
-              <a:t>fruits = </a:t>
-            </a:r>
+              <a:t>fruits</a:t>
+            </a:r>
+          </a:p>
+          <a:p>
+            <a:pPr lvl="0">
+              <a:spcBef>
+                <a:spcPts val="0"/>
+              </a:spcBef>
+              <a:buNone/>
+            </a:pPr>
             <a:r>
               <a:rPr lang="en" sz="2400" dirty="0" smtClean="0">
                 <a:solidFill>
@@ -23203,19 +24376,19 @@
                 <a:cs typeface="Menlo Regular"/>
                 <a:sym typeface="Courier New"/>
               </a:rPr>
-              <a:t>[</a:t>
+              <a:t>[‘kiwi</a:t>
             </a:r>
             <a:r>
               <a:rPr lang="en" sz="2400" dirty="0" smtClean="0">
                 <a:solidFill>
-                  <a:srgbClr val="D80035"/>
+                  <a:srgbClr val="000000"/>
                 </a:solidFill>
                 <a:latin typeface="Menlo Regular"/>
                 <a:ea typeface="Courier New"/>
                 <a:cs typeface="Menlo Regular"/>
                 <a:sym typeface="Courier New"/>
               </a:rPr>
-              <a:t>"kiwi"</a:t>
+              <a:t>’</a:t>
             </a:r>
             <a:r>
               <a:rPr lang="en" sz="2400" dirty="0" smtClean="0">
@@ -23227,31 +24400,31 @@
                 <a:cs typeface="Menlo Regular"/>
                 <a:sym typeface="Courier New"/>
               </a:rPr>
-              <a:t>,</a:t>
+              <a:t>, </a:t>
             </a:r>
             <a:r>
               <a:rPr lang="en" sz="2400" dirty="0" smtClean="0">
                 <a:solidFill>
-                  <a:srgbClr val="0E72A4"/>
+                  <a:srgbClr val="000000"/>
                 </a:solidFill>
                 <a:latin typeface="Menlo Regular"/>
                 <a:ea typeface="Courier New"/>
                 <a:cs typeface="Menlo Regular"/>
                 <a:sym typeface="Courier New"/>
               </a:rPr>
-              <a:t> </a:t>
+              <a:t>‘</a:t>
             </a:r>
             <a:r>
               <a:rPr lang="en" sz="2400" dirty="0" smtClean="0">
                 <a:solidFill>
-                  <a:srgbClr val="D80035"/>
+                  <a:srgbClr val="000000"/>
                 </a:solidFill>
                 <a:latin typeface="Menlo Regular"/>
                 <a:ea typeface="Courier New"/>
                 <a:cs typeface="Menlo Regular"/>
                 <a:sym typeface="Courier New"/>
               </a:rPr>
-              <a:t>"strawberry"</a:t>
+              <a:t>strawberry</a:t>
             </a:r>
             <a:r>
               <a:rPr lang="en" sz="2400" dirty="0" smtClean="0">
@@ -23263,31 +24436,31 @@
                 <a:cs typeface="Menlo Regular"/>
                 <a:sym typeface="Courier New"/>
               </a:rPr>
-              <a:t>,</a:t>
+              <a:t>’</a:t>
             </a:r>
             <a:r>
               <a:rPr lang="en" sz="2400" dirty="0" smtClean="0">
                 <a:solidFill>
-                  <a:srgbClr val="0E72A4"/>
+                  <a:srgbClr val="000000"/>
                 </a:solidFill>
                 <a:latin typeface="Menlo Regular"/>
                 <a:ea typeface="Courier New"/>
                 <a:cs typeface="Menlo Regular"/>
                 <a:sym typeface="Courier New"/>
               </a:rPr>
-              <a:t> </a:t>
+              <a:t>, </a:t>
             </a:r>
             <a:r>
               <a:rPr lang="en" sz="2400" dirty="0" smtClean="0">
                 <a:solidFill>
-                  <a:srgbClr val="D80035"/>
+                  <a:srgbClr val="000000"/>
                 </a:solidFill>
                 <a:latin typeface="Menlo Regular"/>
                 <a:ea typeface="Courier New"/>
                 <a:cs typeface="Menlo Regular"/>
                 <a:sym typeface="Courier New"/>
               </a:rPr>
-              <a:t>"plum"</a:t>
+              <a:t>‘</a:t>
             </a:r>
             <a:r>
               <a:rPr lang="en" sz="2400" dirty="0" smtClean="0">
@@ -23299,27 +24472,31 @@
                 <a:cs typeface="Menlo Regular"/>
                 <a:sym typeface="Courier New"/>
               </a:rPr>
+              <a:t>plum</a:t>
+            </a:r>
+            <a:r>
+              <a:rPr lang="en" sz="2400" dirty="0" smtClean="0">
+                <a:solidFill>
+                  <a:srgbClr val="000000"/>
+                </a:solidFill>
+                <a:latin typeface="Menlo Regular"/>
+                <a:ea typeface="Courier New"/>
+                <a:cs typeface="Menlo Regular"/>
+                <a:sym typeface="Courier New"/>
+              </a:rPr>
+              <a:t>’</a:t>
+            </a:r>
+            <a:r>
+              <a:rPr lang="en" sz="2400" dirty="0" smtClean="0">
+                <a:solidFill>
+                  <a:srgbClr val="000000"/>
+                </a:solidFill>
+                <a:latin typeface="Menlo Regular"/>
+                <a:ea typeface="Courier New"/>
+                <a:cs typeface="Menlo Regular"/>
+                <a:sym typeface="Courier New"/>
+              </a:rPr>
               <a:t>]</a:t>
-            </a:r>
-          </a:p>
-          <a:p>
-            <a:pPr lvl="0">
-              <a:spcBef>
-                <a:spcPts val="0"/>
-              </a:spcBef>
-              <a:buNone/>
-            </a:pPr>
-            <a:r>
-              <a:rPr lang="en" sz="2400" dirty="0" smtClean="0">
-                <a:solidFill>
-                  <a:srgbClr val="000000"/>
-                </a:solidFill>
-                <a:latin typeface="Menlo Regular"/>
-                <a:ea typeface="Courier New"/>
-                <a:cs typeface="Menlo Regular"/>
-                <a:sym typeface="Courier New"/>
-              </a:rPr>
-              <a:t>=&gt; ["kiwi", "strawberry", "plum"]</a:t>
             </a:r>
             <a:endParaRPr lang="en" sz="2400" dirty="0">
               <a:solidFill>
@@ -23705,7 +24882,11 @@
             </a:pPr>
             <a:r>
               <a:rPr lang="en" dirty="0"/>
-              <a:t>Make your own array named </a:t>
+              <a:t>Make your own </a:t>
+            </a:r>
+            <a:r>
+              <a:rPr lang="en" dirty="0" smtClean="0"/>
+              <a:t>list named </a:t>
             </a:r>
             <a:r>
               <a:rPr lang="en" dirty="0">
@@ -23734,8 +24915,13 @@
             </a:pPr>
             <a:r>
               <a:rPr lang="en" dirty="0"/>
-              <a:t>Include at least 5 items in your grocery list in the array</a:t>
-            </a:r>
+              <a:t>Include at least 5 items in your grocery list in </a:t>
+            </a:r>
+            <a:r>
+              <a:rPr lang="en" dirty="0" smtClean="0"/>
+              <a:t>the list</a:t>
+            </a:r>
+            <a:endParaRPr lang="en" dirty="0"/>
           </a:p>
         </p:txBody>
       </p:sp>
@@ -23806,7 +24992,7 @@
               <a:buNone/>
             </a:pPr>
             <a:r>
-              <a:rPr lang="en" sz="6800" b="0" dirty="0">
+              <a:rPr lang="en" sz="6800" b="0" dirty="0" smtClean="0">
                 <a:solidFill>
                   <a:srgbClr val="FF0000"/>
                 </a:solidFill>
@@ -23815,8 +25001,17 @@
                 <a:cs typeface="Yanone Kaffeesatz Bold"/>
                 <a:sym typeface="Ubuntu"/>
               </a:rPr>
-              <a:t>Array</a:t>
-            </a:r>
+              <a:t>List</a:t>
+            </a:r>
+            <a:endParaRPr lang="en" sz="6800" b="0" dirty="0">
+              <a:solidFill>
+                <a:srgbClr val="FF0000"/>
+              </a:solidFill>
+              <a:latin typeface="Yanone Kaffeesatz Bold"/>
+              <a:ea typeface="Ubuntu"/>
+              <a:cs typeface="Yanone Kaffeesatz Bold"/>
+              <a:sym typeface="Ubuntu"/>
+            </a:endParaRPr>
           </a:p>
         </p:txBody>
       </p:sp>
@@ -23874,12 +25069,20 @@
               <a:buChar char="o"/>
             </a:pPr>
             <a:r>
+              <a:rPr lang="en" dirty="0" smtClean="0">
+                <a:latin typeface="Open Sans"/>
+                <a:ea typeface="Open Sans"/>
+                <a:cs typeface="Open Sans"/>
+              </a:rPr>
+              <a:t>Items are </a:t>
+            </a:r>
+            <a:r>
               <a:rPr lang="en" dirty="0">
                 <a:latin typeface="Open Sans"/>
                 <a:ea typeface="Open Sans"/>
                 <a:cs typeface="Open Sans"/>
               </a:rPr>
-              <a:t>Members are stored in order</a:t>
+              <a:t>stored in order</a:t>
             </a:r>
           </a:p>
           <a:p>
@@ -23900,7 +25103,23 @@
                 <a:ea typeface="Open Sans"/>
                 <a:cs typeface="Open Sans"/>
               </a:rPr>
-              <a:t>Each member can be accessed by its </a:t>
+              <a:t>Each </a:t>
+            </a:r>
+            <a:r>
+              <a:rPr lang="en" dirty="0" smtClean="0">
+                <a:latin typeface="Open Sans"/>
+                <a:ea typeface="Open Sans"/>
+                <a:cs typeface="Open Sans"/>
+              </a:rPr>
+              <a:t>item can </a:t>
+            </a:r>
+            <a:r>
+              <a:rPr lang="en" dirty="0">
+                <a:latin typeface="Open Sans"/>
+                <a:ea typeface="Open Sans"/>
+                <a:cs typeface="Open Sans"/>
+              </a:rPr>
+              <a:t>be accessed by its </a:t>
             </a:r>
             <a:r>
               <a:rPr lang="en" dirty="0">
@@ -23925,12 +25144,20 @@
               <a:buChar char="o"/>
             </a:pPr>
             <a:r>
+              <a:rPr lang="en" dirty="0" smtClean="0">
+                <a:latin typeface="Open Sans"/>
+                <a:ea typeface="Open Sans"/>
+                <a:cs typeface="Open Sans"/>
+              </a:rPr>
+              <a:t>Python starts </a:t>
+            </a:r>
+            <a:r>
               <a:rPr lang="en" dirty="0">
                 <a:latin typeface="Open Sans"/>
                 <a:ea typeface="Open Sans"/>
                 <a:cs typeface="Open Sans"/>
               </a:rPr>
-              <a:t>Ruby starts counting at </a:t>
+              <a:t>counting at </a:t>
             </a:r>
             <a:r>
               <a:rPr lang="en" b="1" i="1" dirty="0">
@@ -23957,6 +25184,18 @@
             <a:r>
               <a:rPr lang="en" dirty="0" smtClean="0">
                 <a:solidFill>
+                  <a:schemeClr val="tx1"/>
+                </a:solidFill>
+                <a:latin typeface="Menlo Regular"/>
+                <a:ea typeface="Courier New"/>
+                <a:cs typeface="Menlo Regular"/>
+                <a:sym typeface="Courier New"/>
+              </a:rPr>
+              <a:t>&gt;&gt;&gt;</a:t>
+            </a:r>
+            <a:r>
+              <a:rPr lang="en" dirty="0" smtClean="0">
+                <a:solidFill>
                   <a:srgbClr val="0E72A4"/>
                 </a:solidFill>
                 <a:latin typeface="Menlo Regular"/>
@@ -23964,10 +25203,10 @@
                 <a:cs typeface="Menlo Regular"/>
                 <a:sym typeface="Courier New"/>
               </a:rPr>
-              <a:t>&gt; fruits[0</a:t>
-            </a:r>
-            <a:r>
-              <a:rPr lang="en-US" smtClean="0">
+              <a:t> </a:t>
+            </a:r>
+            <a:r>
+              <a:rPr lang="en" dirty="0" smtClean="0">
                 <a:solidFill>
                   <a:srgbClr val="0E72A4"/>
                 </a:solidFill>
@@ -23976,11 +25215,64 @@
                 <a:cs typeface="Menlo Regular"/>
                 <a:sym typeface="Courier New"/>
               </a:rPr>
+              <a:t>fruits[0</a:t>
+            </a:r>
+            <a:r>
+              <a:rPr lang="en-US" dirty="0" smtClean="0">
+                <a:solidFill>
+                  <a:srgbClr val="0E72A4"/>
+                </a:solidFill>
+                <a:latin typeface="Menlo Regular"/>
+                <a:ea typeface="Courier New"/>
+                <a:cs typeface="Menlo Regular"/>
+                <a:sym typeface="Courier New"/>
+              </a:rPr>
               <a:t>]</a:t>
             </a:r>
-            <a:endParaRPr lang="en-US" dirty="0" smtClean="0">
+          </a:p>
+          <a:p>
+            <a:pPr lvl="0">
+              <a:buNone/>
+            </a:pPr>
+            <a:r>
+              <a:rPr lang="en" dirty="0" smtClean="0">
+                <a:solidFill>
+                  <a:schemeClr val="tx1"/>
+                </a:solidFill>
+                <a:latin typeface="Menlo Regular"/>
+                <a:ea typeface="Courier New"/>
+                <a:cs typeface="Menlo Regular"/>
+                <a:sym typeface="Courier New"/>
+              </a:rPr>
+              <a:t>‘</a:t>
+            </a:r>
+            <a:r>
+              <a:rPr lang="en" dirty="0" smtClean="0">
+                <a:solidFill>
+                  <a:schemeClr val="tx1"/>
+                </a:solidFill>
+                <a:latin typeface="Menlo Regular"/>
+                <a:ea typeface="Courier New"/>
+                <a:cs typeface="Menlo Regular"/>
+                <a:sym typeface="Courier New"/>
+              </a:rPr>
+              <a:t>kiwi</a:t>
+            </a:r>
+            <a:r>
+              <a:rPr lang="en" dirty="0" smtClean="0">
+                <a:solidFill>
+                  <a:schemeClr val="tx1"/>
+                </a:solidFill>
+                <a:latin typeface="Menlo Regular"/>
+                <a:ea typeface="Courier New"/>
+                <a:cs typeface="Menlo Regular"/>
+                <a:sym typeface="Courier New"/>
+              </a:rPr>
+              <a:t>’</a:t>
+            </a:r>
+            <a:endParaRPr lang="en" dirty="0">
               <a:solidFill>
-                <a:srgbClr val="0E72A4"/>
+                <a:schemeClr val="tx1"/>
               </a:solidFill>
               <a:latin typeface="Menlo Regular"/>
               <a:ea typeface="Courier New"/>
@@ -23989,113 +25281,198 @@
             </a:endParaRPr>
           </a:p>
           <a:p>
+            <a:pPr lvl="0" rtl="0">
+              <a:spcBef>
+                <a:spcPts val="0"/>
+              </a:spcBef>
+              <a:buNone/>
+            </a:pPr>
+            <a:r>
+              <a:rPr lang="en" dirty="0" smtClean="0">
+                <a:solidFill>
+                  <a:schemeClr val="tx1"/>
+                </a:solidFill>
+                <a:latin typeface="Menlo Regular"/>
+                <a:ea typeface="Courier New"/>
+                <a:cs typeface="Menlo Regular"/>
+                <a:sym typeface="Courier New"/>
+              </a:rPr>
+              <a:t>&gt;&gt;&gt;</a:t>
+            </a:r>
+            <a:r>
+              <a:rPr lang="en" dirty="0" smtClean="0">
+                <a:solidFill>
+                  <a:srgbClr val="0E72A4"/>
+                </a:solidFill>
+                <a:latin typeface="Menlo Regular"/>
+                <a:ea typeface="Courier New"/>
+                <a:cs typeface="Menlo Regular"/>
+                <a:sym typeface="Courier New"/>
+              </a:rPr>
+              <a:t> </a:t>
+            </a:r>
+            <a:r>
+              <a:rPr lang="en" dirty="0">
+                <a:solidFill>
+                  <a:srgbClr val="0E72A4"/>
+                </a:solidFill>
+                <a:latin typeface="Menlo Regular"/>
+                <a:ea typeface="Courier New"/>
+                <a:cs typeface="Menlo Regular"/>
+                <a:sym typeface="Courier New"/>
+              </a:rPr>
+              <a:t>fruits[1]</a:t>
+            </a:r>
+          </a:p>
+          <a:p>
+            <a:pPr lvl="0" rtl="0">
+              <a:spcBef>
+                <a:spcPts val="0"/>
+              </a:spcBef>
+              <a:buNone/>
+            </a:pPr>
+            <a:r>
+              <a:rPr lang="en" dirty="0" smtClean="0">
+                <a:solidFill>
+                  <a:schemeClr val="tx1"/>
+                </a:solidFill>
+                <a:latin typeface="Menlo Regular"/>
+                <a:ea typeface="Courier New"/>
+                <a:cs typeface="Menlo Regular"/>
+                <a:sym typeface="Courier New"/>
+              </a:rPr>
+              <a:t>‘</a:t>
+            </a:r>
+            <a:r>
+              <a:rPr lang="en" dirty="0" smtClean="0">
+                <a:solidFill>
+                  <a:schemeClr val="tx1"/>
+                </a:solidFill>
+                <a:latin typeface="Menlo Regular"/>
+                <a:ea typeface="Courier New"/>
+                <a:cs typeface="Menlo Regular"/>
+                <a:sym typeface="Courier New"/>
+              </a:rPr>
+              <a:t>strawberry</a:t>
+            </a:r>
+            <a:r>
+              <a:rPr lang="en" dirty="0" smtClean="0">
+                <a:solidFill>
+                  <a:schemeClr val="tx1"/>
+                </a:solidFill>
+                <a:latin typeface="Menlo Regular"/>
+                <a:ea typeface="Courier New"/>
+                <a:cs typeface="Menlo Regular"/>
+                <a:sym typeface="Courier New"/>
+              </a:rPr>
+              <a:t>’</a:t>
+            </a:r>
+            <a:endParaRPr lang="en" dirty="0">
+              <a:solidFill>
+                <a:schemeClr val="tx1"/>
+              </a:solidFill>
+              <a:latin typeface="Menlo Regular"/>
+              <a:ea typeface="Courier New"/>
+              <a:cs typeface="Menlo Regular"/>
+              <a:sym typeface="Courier New"/>
+            </a:endParaRPr>
+          </a:p>
+          <a:p>
+            <a:pPr lvl="0" rtl="0">
+              <a:spcBef>
+                <a:spcPts val="0"/>
+              </a:spcBef>
+              <a:buNone/>
+            </a:pPr>
+            <a:r>
+              <a:rPr lang="en" dirty="0" smtClean="0">
+                <a:solidFill>
+                  <a:schemeClr val="tx1"/>
+                </a:solidFill>
+                <a:latin typeface="Menlo Regular"/>
+                <a:ea typeface="Courier New"/>
+                <a:cs typeface="Menlo Regular"/>
+                <a:sym typeface="Courier New"/>
+              </a:rPr>
+              <a:t>&gt;&gt;&gt;</a:t>
+            </a:r>
+            <a:r>
+              <a:rPr lang="en" dirty="0" smtClean="0">
+                <a:solidFill>
+                  <a:srgbClr val="0E72A4"/>
+                </a:solidFill>
+                <a:latin typeface="Menlo Regular"/>
+                <a:ea typeface="Courier New"/>
+                <a:cs typeface="Menlo Regular"/>
+                <a:sym typeface="Courier New"/>
+              </a:rPr>
+              <a:t> </a:t>
+            </a:r>
+            <a:r>
+              <a:rPr lang="en" dirty="0">
+                <a:solidFill>
+                  <a:srgbClr val="0E72A4"/>
+                </a:solidFill>
+                <a:latin typeface="Menlo Regular"/>
+                <a:ea typeface="Courier New"/>
+                <a:cs typeface="Menlo Regular"/>
+                <a:sym typeface="Courier New"/>
+              </a:rPr>
+              <a:t>fruits[2]</a:t>
+            </a:r>
+          </a:p>
+          <a:p>
             <a:pPr lvl="0">
+              <a:spcBef>
+                <a:spcPts val="0"/>
+              </a:spcBef>
               <a:buNone/>
             </a:pPr>
             <a:r>
               <a:rPr lang="en" dirty="0" smtClean="0">
                 <a:solidFill>
-                  <a:srgbClr val="0E72A4"/>
+                  <a:schemeClr val="tx1"/>
                 </a:solidFill>
                 <a:latin typeface="Menlo Regular"/>
                 <a:ea typeface="Courier New"/>
                 <a:cs typeface="Menlo Regular"/>
                 <a:sym typeface="Courier New"/>
               </a:rPr>
-              <a:t>=&gt; </a:t>
-            </a:r>
-            <a:r>
-              <a:rPr lang="en" dirty="0">
-                <a:solidFill>
-                  <a:srgbClr val="0E72A4"/>
+              <a:t>‘</a:t>
+            </a:r>
+            <a:r>
+              <a:rPr lang="en" dirty="0" smtClean="0">
+                <a:solidFill>
+                  <a:schemeClr val="tx1"/>
                 </a:solidFill>
                 <a:latin typeface="Menlo Regular"/>
                 <a:ea typeface="Courier New"/>
                 <a:cs typeface="Menlo Regular"/>
                 <a:sym typeface="Courier New"/>
               </a:rPr>
-              <a:t>"kiwi"</a:t>
-            </a:r>
-          </a:p>
-          <a:p>
-            <a:pPr lvl="0" rtl="0">
-              <a:spcBef>
-                <a:spcPts val="0"/>
-              </a:spcBef>
-              <a:buNone/>
-            </a:pPr>
-            <a:r>
-              <a:rPr lang="en" dirty="0">
-                <a:solidFill>
-                  <a:srgbClr val="0E72A4"/>
+              <a:t>plum</a:t>
+            </a:r>
+            <a:r>
+              <a:rPr lang="en" dirty="0" smtClean="0">
+                <a:solidFill>
+                  <a:schemeClr val="tx1"/>
                 </a:solidFill>
                 <a:latin typeface="Menlo Regular"/>
                 <a:ea typeface="Courier New"/>
                 <a:cs typeface="Menlo Regular"/>
                 <a:sym typeface="Courier New"/>
               </a:rPr>
-              <a:t>&gt; fruits[1]</a:t>
-            </a:r>
-          </a:p>
-          <a:p>
-            <a:pPr lvl="0" rtl="0">
-              <a:spcBef>
-                <a:spcPts val="0"/>
-              </a:spcBef>
-              <a:buNone/>
-            </a:pPr>
-            <a:r>
-              <a:rPr lang="en" dirty="0">
-                <a:solidFill>
-                  <a:srgbClr val="0E72A4"/>
-                </a:solidFill>
-                <a:latin typeface="Menlo Regular"/>
-                <a:ea typeface="Courier New"/>
-                <a:cs typeface="Menlo Regular"/>
-                <a:sym typeface="Courier New"/>
-              </a:rPr>
-              <a:t>=&gt; "strawberry"</a:t>
-            </a:r>
-          </a:p>
-          <a:p>
-            <a:pPr lvl="0" rtl="0">
-              <a:spcBef>
-                <a:spcPts val="0"/>
-              </a:spcBef>
-              <a:buNone/>
-            </a:pPr>
-            <a:r>
-              <a:rPr lang="en" dirty="0">
-                <a:solidFill>
-                  <a:srgbClr val="0E72A4"/>
-                </a:solidFill>
-                <a:latin typeface="Menlo Regular"/>
-                <a:ea typeface="Courier New"/>
-                <a:cs typeface="Menlo Regular"/>
-                <a:sym typeface="Courier New"/>
-              </a:rPr>
-              <a:t>&gt; fruits[2]</a:t>
-            </a:r>
-          </a:p>
-          <a:p>
-            <a:pPr lvl="0">
-              <a:spcBef>
-                <a:spcPts val="0"/>
-              </a:spcBef>
-              <a:buNone/>
-            </a:pPr>
-            <a:r>
-              <a:rPr lang="en" dirty="0">
-                <a:solidFill>
-                  <a:srgbClr val="0E72A4"/>
-                </a:solidFill>
-                <a:latin typeface="Menlo Regular"/>
-                <a:ea typeface="Courier New"/>
-                <a:cs typeface="Menlo Regular"/>
-                <a:sym typeface="Courier New"/>
-              </a:rPr>
-              <a:t>=&gt; "plum"</a:t>
-            </a:r>
+              <a:t>’</a:t>
+            </a:r>
+            <a:endParaRPr lang="en" dirty="0">
+              <a:solidFill>
+                <a:schemeClr val="tx1"/>
+              </a:solidFill>
+              <a:latin typeface="Menlo Regular"/>
+              <a:ea typeface="Courier New"/>
+              <a:cs typeface="Menlo Regular"/>
+              <a:sym typeface="Courier New"/>
+            </a:endParaRPr>
           </a:p>
         </p:txBody>
       </p:sp>
@@ -24244,9 +25621,10 @@
               <a:t> </a:t>
             </a:r>
             <a:r>
-              <a:rPr lang="en" dirty="0"/>
-              <a:t>array?</a:t>
-            </a:r>
+              <a:rPr lang="en" dirty="0" smtClean="0"/>
+              <a:t>list?</a:t>
+            </a:r>
+            <a:endParaRPr lang="en" dirty="0"/>
           </a:p>
           <a:p>
             <a:pPr marL="457200" lvl="0" indent="-419100" rtl="0">
@@ -24265,8 +25643,13 @@
             </a:pPr>
             <a:r>
               <a:rPr lang="en" dirty="0"/>
-              <a:t>What is at index zero in your grocery list array?</a:t>
-            </a:r>
+              <a:t>What is at index zero in your grocery </a:t>
+            </a:r>
+            <a:r>
+              <a:rPr lang="en" dirty="0" smtClean="0"/>
+              <a:t>list?</a:t>
+            </a:r>
+            <a:endParaRPr lang="en" dirty="0"/>
           </a:p>
           <a:p>
             <a:pPr marL="457200" lvl="0" indent="-419100" rtl="0">
@@ -24413,7 +25796,7 @@
               <a:buNone/>
             </a:pPr>
             <a:r>
-              <a:rPr lang="en" sz="6800" b="0" dirty="0">
+              <a:rPr lang="en" sz="6800" b="0" dirty="0" smtClean="0">
                 <a:solidFill>
                   <a:srgbClr val="FF0000"/>
                 </a:solidFill>
@@ -24422,8 +25805,17 @@
                 <a:cs typeface="Yanone Kaffeesatz Bold"/>
                 <a:sym typeface="Ubuntu"/>
               </a:rPr>
-              <a:t>Hash</a:t>
-            </a:r>
+              <a:t>Dictionary</a:t>
+            </a:r>
+            <a:endParaRPr lang="en" sz="6800" b="0" dirty="0">
+              <a:solidFill>
+                <a:srgbClr val="FF0000"/>
+              </a:solidFill>
+              <a:latin typeface="Yanone Kaffeesatz Bold"/>
+              <a:ea typeface="Ubuntu"/>
+              <a:cs typeface="Yanone Kaffeesatz Bold"/>
+              <a:sym typeface="Ubuntu"/>
+            </a:endParaRPr>
           </a:p>
         </p:txBody>
       </p:sp>
@@ -24465,31 +25857,43 @@
             </a:pPr>
             <a:r>
               <a:rPr lang="en" dirty="0"/>
-              <a:t>In a hash, we can refer to a </a:t>
-            </a:r>
-            <a:r>
-              <a:rPr lang="en" dirty="0">
+              <a:t>In </a:t>
+            </a:r>
+            <a:r>
+              <a:rPr lang="en" dirty="0" smtClean="0"/>
+              <a:t>a dict, </a:t>
+            </a:r>
+            <a:r>
+              <a:rPr lang="en" dirty="0"/>
+              <a:t>we can </a:t>
+            </a:r>
+            <a:r>
+              <a:rPr lang="en" dirty="0" smtClean="0"/>
+              <a:t>associate an </a:t>
+            </a:r>
+            <a:r>
+              <a:rPr lang="en" dirty="0" smtClean="0">
                 <a:solidFill>
                   <a:srgbClr val="7F7F7F"/>
                 </a:solidFill>
               </a:rPr>
-              <a:t>member</a:t>
+              <a:t>item</a:t>
+            </a:r>
+            <a:r>
+              <a:rPr lang="en" dirty="0" smtClean="0"/>
+              <a:t> with another value instead </a:t>
             </a:r>
             <a:r>
               <a:rPr lang="en" dirty="0"/>
-              <a:t> by a </a:t>
-            </a:r>
-            <a:r>
-              <a:rPr lang="en" dirty="0">
-                <a:solidFill>
-                  <a:srgbClr val="7F7F7F"/>
-                </a:solidFill>
-              </a:rPr>
-              <a:t>keyword</a:t>
+              <a:t>of </a:t>
+            </a:r>
+            <a:r>
+              <a:rPr lang="en" dirty="0" smtClean="0"/>
+              <a:t>just a </a:t>
             </a:r>
             <a:r>
               <a:rPr lang="en" dirty="0"/>
-              <a:t> instead of a number</a:t>
+              <a:t>number</a:t>
             </a:r>
           </a:p>
           <a:p>
@@ -24506,7 +25910,15 @@
             </a:pPr>
             <a:r>
               <a:rPr lang="en" dirty="0"/>
-              <a:t>Each member is a pair</a:t>
+              <a:t>Each </a:t>
+            </a:r>
+            <a:r>
+              <a:rPr lang="en" dirty="0" smtClean="0"/>
+              <a:t>item is </a:t>
+            </a:r>
+            <a:r>
+              <a:rPr lang="en" dirty="0"/>
+              <a:t>a pair</a:t>
             </a:r>
           </a:p>
           <a:p>
@@ -24535,8 +25947,21 @@
                 <a:ea typeface="Open Sans"/>
                 <a:cs typeface="Open Sans"/>
               </a:rPr>
-              <a:t>: address of the hash member</a:t>
-            </a:r>
+              <a:t>: address of the </a:t>
+            </a:r>
+            <a:r>
+              <a:rPr lang="en" dirty="0" smtClean="0">
+                <a:latin typeface="Open Sans"/>
+                <a:ea typeface="Open Sans"/>
+                <a:cs typeface="Open Sans"/>
+              </a:rPr>
+              <a:t>dict member</a:t>
+            </a:r>
+            <a:endParaRPr lang="en" dirty="0">
+              <a:latin typeface="Open Sans"/>
+              <a:ea typeface="Open Sans"/>
+              <a:cs typeface="Open Sans"/>
+            </a:endParaRPr>
           </a:p>
           <a:p>
             <a:pPr marL="914400" lvl="1" indent="-381000" rtl="0">
@@ -24615,8 +26040,13 @@
             </a:pPr>
             <a:r>
               <a:rPr lang="en" dirty="0"/>
-              <a:t>Other names for a hash:</a:t>
-            </a:r>
+              <a:t>Other names for a </a:t>
+            </a:r>
+            <a:r>
+              <a:rPr lang="en" dirty="0" smtClean="0"/>
+              <a:t>dictionary:</a:t>
+            </a:r>
+            <a:endParaRPr lang="en" dirty="0"/>
           </a:p>
           <a:p>
             <a:pPr marL="914400" lvl="1" indent="-381000" rtl="0">
@@ -24631,7 +26061,7 @@
               <a:buChar char="o"/>
             </a:pPr>
             <a:r>
-              <a:rPr lang="en" dirty="0">
+              <a:rPr lang="en" dirty="0" smtClean="0">
                 <a:solidFill>
                   <a:srgbClr val="7F7F7F"/>
                 </a:solidFill>
@@ -24640,8 +26070,17 @@
                 <a:cs typeface="Menlo Regular"/>
                 <a:sym typeface="Courier New"/>
               </a:rPr>
-              <a:t>dictionary</a:t>
-            </a:r>
+              <a:t>hash</a:t>
+            </a:r>
+            <a:endParaRPr lang="en" dirty="0">
+              <a:solidFill>
+                <a:srgbClr val="7F7F7F"/>
+              </a:solidFill>
+              <a:latin typeface="Menlo Regular"/>
+              <a:ea typeface="Courier New"/>
+              <a:cs typeface="Menlo Regular"/>
+              <a:sym typeface="Courier New"/>
+            </a:endParaRPr>
           </a:p>
           <a:p>
             <a:pPr marL="914400" lvl="1" indent="-381000" rtl="0">
@@ -24771,7 +26210,7 @@
               <a:buNone/>
             </a:pPr>
             <a:r>
-              <a:rPr lang="en" sz="6800" b="0" dirty="0">
+              <a:rPr lang="en" sz="6800" b="0" dirty="0" smtClean="0">
                 <a:solidFill>
                   <a:srgbClr val="FF0000"/>
                 </a:solidFill>
@@ -24780,8 +26219,17 @@
                 <a:cs typeface="Yanone Kaffeesatz Bold"/>
                 <a:sym typeface="Ubuntu"/>
               </a:rPr>
-              <a:t>Hash Syntax</a:t>
-            </a:r>
+              <a:t>Dict Syntax</a:t>
+            </a:r>
+            <a:endParaRPr lang="en" sz="6800" b="0" dirty="0">
+              <a:solidFill>
+                <a:srgbClr val="FF0000"/>
+              </a:solidFill>
+              <a:latin typeface="Yanone Kaffeesatz Bold"/>
+              <a:ea typeface="Ubuntu"/>
+              <a:cs typeface="Yanone Kaffeesatz Bold"/>
+              <a:sym typeface="Ubuntu"/>
+            </a:endParaRPr>
           </a:p>
         </p:txBody>
       </p:sp>
@@ -24849,7 +26297,7 @@
                 <a:latin typeface="Menlo Regular"/>
                 <a:cs typeface="Menlo Regular"/>
               </a:rPr>
-              <a:t>{}</a:t>
+              <a:t>{ }</a:t>
             </a:r>
             <a:endParaRPr lang="en" dirty="0">
               <a:solidFill>
@@ -24926,14 +26374,17 @@
                   <a:srgbClr val="0E72A4"/>
                 </a:solidFill>
                 <a:latin typeface="Menlo Regular"/>
-                <a:cs typeface="Menlo Regular"/>
                 <a:sym typeface="Courier New"/>
               </a:rPr>
-              <a:t>=&gt;</a:t>
+              <a:t>:</a:t>
+            </a:r>
+            <a:r>
+              <a:rPr lang="en" dirty="0" smtClean="0"/>
+              <a:t> (a colon) </a:t>
             </a:r>
             <a:r>
               <a:rPr lang="en" dirty="0"/>
-              <a:t> (the rocket) to point to its </a:t>
+              <a:t>to point to its </a:t>
             </a:r>
             <a:r>
               <a:rPr lang="en" i="1" dirty="0">
@@ -24966,6 +26417,28 @@
               <a:buNone/>
             </a:pPr>
             <a:r>
+              <a:rPr lang="en" dirty="0" smtClean="0">
+                <a:solidFill>
+                  <a:schemeClr val="tx1"/>
+                </a:solidFill>
+                <a:latin typeface="Menlo Regular"/>
+                <a:cs typeface="Menlo Regular"/>
+                <a:sym typeface="Courier New"/>
+              </a:rPr>
+              <a:t>&gt;&gt;&gt;</a:t>
+            </a:r>
+            <a:r>
+              <a:rPr lang="en" dirty="0" smtClean="0">
+                <a:solidFill>
+                  <a:srgbClr val="0E72A4"/>
+                </a:solidFill>
+                <a:latin typeface="Menlo Regular"/>
+                <a:cs typeface="Menlo Regular"/>
+                <a:sym typeface="Courier New"/>
+              </a:rPr>
+              <a:t> </a:t>
+            </a:r>
+            <a:r>
               <a:rPr lang="en" dirty="0">
                 <a:solidFill>
                   <a:srgbClr val="0E72A4"/>
@@ -24974,7 +26447,7 @@
                 <a:cs typeface="Menlo Regular"/>
                 <a:sym typeface="Courier New"/>
               </a:rPr>
-              <a:t>&gt; </a:t>
+              <a:t>states =</a:t>
             </a:r>
             <a:r>
               <a:rPr lang="en" dirty="0">
@@ -24985,7 +26458,7 @@
                 <a:cs typeface="Menlo Regular"/>
                 <a:sym typeface="Courier New"/>
               </a:rPr>
-              <a:t>states = {</a:t>
+              <a:t> {</a:t>
             </a:r>
             <a:r>
               <a:rPr lang="en" dirty="0">
@@ -24996,7 +26469,18 @@
                 <a:cs typeface="Menlo Regular"/>
                 <a:sym typeface="Courier New"/>
               </a:rPr>
-              <a:t>"VA"</a:t>
+              <a:t>"</a:t>
+            </a:r>
+            <a:r>
+              <a:rPr lang="en" dirty="0" smtClean="0">
+                <a:solidFill>
+                  <a:srgbClr val="D20035"/>
+                </a:solidFill>
+                <a:latin typeface="Menlo Regular"/>
+                <a:cs typeface="Menlo Regular"/>
+                <a:sym typeface="Courier New"/>
+              </a:rPr>
+              <a:t>VA“</a:t>
             </a:r>
             <a:r>
               <a:rPr lang="en" dirty="0">
@@ -25007,7 +26491,18 @@
                 <a:cs typeface="Menlo Regular"/>
                 <a:sym typeface="Courier New"/>
               </a:rPr>
-              <a:t> =&gt; </a:t>
+              <a:t>:</a:t>
+            </a:r>
+            <a:r>
+              <a:rPr lang="en" dirty="0" smtClean="0">
+                <a:solidFill>
+                  <a:srgbClr val="000000"/>
+                </a:solidFill>
+                <a:latin typeface="Menlo Regular"/>
+                <a:cs typeface="Menlo Regular"/>
+                <a:sym typeface="Courier New"/>
+              </a:rPr>
+              <a:t> </a:t>
             </a:r>
             <a:r>
               <a:rPr lang="en" dirty="0">
@@ -25051,67 +26546,113 @@
                 <a:cs typeface="Menlo Regular"/>
                 <a:sym typeface="Courier New"/>
               </a:rPr>
-              <a:t>"MD" </a:t>
+              <a:t>"</a:t>
+            </a:r>
+            <a:r>
+              <a:rPr lang="en" dirty="0" smtClean="0">
+                <a:solidFill>
+                  <a:srgbClr val="D20035"/>
+                </a:solidFill>
+                <a:latin typeface="Menlo Regular"/>
+                <a:cs typeface="Menlo Regular"/>
+                <a:sym typeface="Courier New"/>
+              </a:rPr>
+              <a:t>MD“: "</a:t>
             </a:r>
             <a:r>
               <a:rPr lang="en" dirty="0">
                 <a:solidFill>
+                  <a:srgbClr val="D20035"/>
+                </a:solidFill>
+                <a:latin typeface="Menlo Regular"/>
+                <a:cs typeface="Menlo Regular"/>
+                <a:sym typeface="Courier New"/>
+              </a:rPr>
+              <a:t>Maryland</a:t>
+            </a:r>
+            <a:r>
+              <a:rPr lang="en" dirty="0" smtClean="0">
+                <a:solidFill>
+                  <a:srgbClr val="D20035"/>
+                </a:solidFill>
+                <a:latin typeface="Menlo Regular"/>
+                <a:cs typeface="Menlo Regular"/>
+                <a:sym typeface="Courier New"/>
+              </a:rPr>
+              <a:t>"</a:t>
+            </a:r>
+            <a:r>
+              <a:rPr lang="en" dirty="0" smtClean="0">
+                <a:solidFill>
                   <a:srgbClr val="000000"/>
                 </a:solidFill>
                 <a:latin typeface="Menlo Regular"/>
                 <a:cs typeface="Menlo Regular"/>
                 <a:sym typeface="Courier New"/>
               </a:rPr>
-              <a:t>=&gt;</a:t>
+              <a:t>}</a:t>
+            </a:r>
+          </a:p>
+          <a:p>
+            <a:pPr marL="38100">
+              <a:buNone/>
+            </a:pPr>
+            <a:r>
+              <a:rPr lang="en" dirty="0" smtClean="0">
+                <a:solidFill>
+                  <a:srgbClr val="000000"/>
+                </a:solidFill>
+                <a:latin typeface="Menlo Regular"/>
+                <a:cs typeface="Menlo Regular"/>
+                <a:sym typeface="Courier New"/>
+              </a:rPr>
+              <a:t>&gt;&gt;&gt; </a:t>
+            </a:r>
+            <a:r>
+              <a:rPr lang="en" dirty="0" smtClean="0">
+                <a:solidFill>
+                  <a:srgbClr val="0E72A4"/>
+                </a:solidFill>
+                <a:latin typeface="Menlo Regular"/>
+                <a:cs typeface="Menlo Regular"/>
+                <a:sym typeface="Courier New"/>
+              </a:rPr>
+              <a:t>states</a:t>
+            </a:r>
+            <a:endParaRPr lang="en" dirty="0">
+              <a:solidFill>
+                <a:srgbClr val="0E72A4"/>
+              </a:solidFill>
+              <a:latin typeface="Menlo Regular"/>
+              <a:cs typeface="Menlo Regular"/>
+              <a:sym typeface="Courier New"/>
+            </a:endParaRPr>
+          </a:p>
+          <a:p>
+            <a:pPr marL="38100">
+              <a:buNone/>
+            </a:pPr>
+            <a:r>
+              <a:rPr lang="en" dirty="0" smtClean="0">
+                <a:solidFill>
+                  <a:schemeClr val="tx1"/>
+                </a:solidFill>
+                <a:latin typeface="Menlo Regular"/>
+                <a:cs typeface="Menlo Regular"/>
+                <a:sym typeface="Courier New"/>
+              </a:rPr>
+              <a:t>{"</a:t>
             </a:r>
             <a:r>
               <a:rPr lang="en" dirty="0">
                 <a:solidFill>
-                  <a:srgbClr val="0E72A4"/>
+                  <a:schemeClr val="tx1"/>
                 </a:solidFill>
                 <a:latin typeface="Menlo Regular"/>
                 <a:cs typeface="Menlo Regular"/>
                 <a:sym typeface="Courier New"/>
               </a:rPr>
-              <a:t> </a:t>
-            </a:r>
-            <a:r>
-              <a:rPr lang="en" dirty="0">
-                <a:solidFill>
-                  <a:srgbClr val="D20035"/>
-                </a:solidFill>
-                <a:latin typeface="Menlo Regular"/>
-                <a:cs typeface="Menlo Regular"/>
-                <a:sym typeface="Courier New"/>
-              </a:rPr>
-              <a:t>"Maryland"</a:t>
-            </a:r>
-            <a:r>
-              <a:rPr lang="en" dirty="0">
-                <a:solidFill>
-                  <a:srgbClr val="000000"/>
-                </a:solidFill>
-                <a:latin typeface="Menlo Regular"/>
-                <a:cs typeface="Menlo Regular"/>
-                <a:sym typeface="Courier New"/>
-              </a:rPr>
-              <a:t>}</a:t>
-            </a:r>
-          </a:p>
-          <a:p>
-            <a:pPr marL="38100">
-              <a:buNone/>
-            </a:pPr>
-            <a:r>
-              <a:rPr lang="en" dirty="0">
-                <a:solidFill>
-                  <a:srgbClr val="0E72A4"/>
-                </a:solidFill>
-                <a:latin typeface="Menlo Regular"/>
-                <a:cs typeface="Menlo Regular"/>
-                <a:sym typeface="Courier New"/>
-              </a:rPr>
-              <a:t>=&gt; {"VA" =&gt; "Virginia", "MD" =&gt; "Maryland"}</a:t>
+              <a:t>VA" =&gt; "Virginia", "MD" =&gt; "Maryland"}</a:t>
             </a:r>
           </a:p>
         </p:txBody>
@@ -25234,7 +26775,11 @@
             </a:pPr>
             <a:r>
               <a:rPr lang="en" dirty="0"/>
-              <a:t>Define a hash named </a:t>
+              <a:t>Define a </a:t>
+            </a:r>
+            <a:r>
+              <a:rPr lang="en" dirty="0" smtClean="0"/>
+              <a:t>dict named </a:t>
             </a:r>
             <a:r>
               <a:rPr lang="en" dirty="0">
@@ -25428,7 +26973,7 @@
               <a:buNone/>
             </a:pPr>
             <a:r>
-              <a:rPr lang="en" sz="6800" b="0" dirty="0">
+              <a:rPr lang="en" sz="6800" b="0" dirty="0" smtClean="0">
                 <a:solidFill>
                   <a:srgbClr val="FF0000"/>
                 </a:solidFill>
@@ -25437,29 +26982,17 @@
                 <a:cs typeface="Yanone Kaffeesatz Bold"/>
                 <a:sym typeface="Ubuntu"/>
               </a:rPr>
-              <a:t>Hash</a:t>
-            </a:r>
-            <a:r>
-              <a:rPr lang="en" dirty="0">
-                <a:latin typeface="Ubuntu"/>
-                <a:ea typeface="Ubuntu"/>
-                <a:cs typeface="Ubuntu"/>
-                <a:sym typeface="Ubuntu"/>
-              </a:rPr>
-              <a:t> </a:t>
-            </a:r>
-            <a:r>
-              <a:rPr lang="en" sz="6800" b="0" dirty="0">
-                <a:solidFill>
-                  <a:srgbClr val="FF0000"/>
-                </a:solidFill>
-                <a:latin typeface="Yanone Kaffeesatz Bold"/>
-                <a:ea typeface="Ubuntu"/>
-                <a:cs typeface="Yanone Kaffeesatz Bold"/>
-                <a:sym typeface="Ubuntu"/>
-              </a:rPr>
-              <a:t>Indexing</a:t>
-            </a:r>
+              <a:t>Dict Indexing</a:t>
+            </a:r>
+            <a:endParaRPr lang="en" sz="6800" b="0" dirty="0">
+              <a:solidFill>
+                <a:srgbClr val="FF0000"/>
+              </a:solidFill>
+              <a:latin typeface="Yanone Kaffeesatz Bold"/>
+              <a:ea typeface="Ubuntu"/>
+              <a:cs typeface="Yanone Kaffeesatz Bold"/>
+              <a:sym typeface="Ubuntu"/>
+            </a:endParaRPr>
           </a:p>
         </p:txBody>
       </p:sp>
@@ -25605,8 +27138,53 @@
                 <a:ea typeface="Open Sans"/>
                 <a:cs typeface="Open Sans"/>
               </a:rPr>
-              <a:t>need to be unique</a:t>
-            </a:r>
+              <a:t>need to be </a:t>
+            </a:r>
+            <a:r>
+              <a:rPr lang="en" dirty="0" smtClean="0">
+                <a:latin typeface="Open Sans"/>
+                <a:ea typeface="Open Sans"/>
+                <a:cs typeface="Open Sans"/>
+              </a:rPr>
+              <a:t>unique</a:t>
+            </a:r>
+          </a:p>
+          <a:p>
+            <a:pPr marL="914400" lvl="1" indent="-381000" rtl="0">
+              <a:lnSpc>
+                <a:spcPct val="130000"/>
+              </a:lnSpc>
+              <a:spcBef>
+                <a:spcPts val="0"/>
+              </a:spcBef>
+              <a:buClr>
+                <a:schemeClr val="dk1"/>
+              </a:buClr>
+              <a:buSzPct val="80000"/>
+              <a:buFont typeface="Courier New"/>
+              <a:buChar char="o"/>
+            </a:pPr>
+            <a:r>
+              <a:rPr lang="en" dirty="0" smtClean="0">
+                <a:latin typeface="Open Sans"/>
+                <a:ea typeface="Open Sans"/>
+                <a:cs typeface="Open Sans"/>
+              </a:rPr>
+              <a:t>Place key in </a:t>
+            </a:r>
+            <a:r>
+              <a:rPr lang="en" b="1" dirty="0" smtClean="0">
+                <a:latin typeface="Open Sans"/>
+                <a:ea typeface="Open Sans"/>
+                <a:cs typeface="Open Sans"/>
+              </a:rPr>
+              <a:t>brackets</a:t>
+            </a:r>
+            <a:endParaRPr lang="en" b="1" dirty="0">
+              <a:latin typeface="Open Sans"/>
+              <a:ea typeface="Open Sans"/>
+              <a:cs typeface="Open Sans"/>
+            </a:endParaRPr>
           </a:p>
           <a:p>
             <a:pPr lvl="0" rtl="0">
@@ -25625,6 +27203,28 @@
               <a:buNone/>
             </a:pPr>
             <a:r>
+              <a:rPr lang="en" dirty="0" smtClean="0">
+                <a:solidFill>
+                  <a:schemeClr val="tx1"/>
+                </a:solidFill>
+                <a:latin typeface="Menlo Regular"/>
+                <a:cs typeface="Menlo Regular"/>
+                <a:sym typeface="Courier New"/>
+              </a:rPr>
+              <a:t>&gt;&gt;&gt; </a:t>
+            </a:r>
+            <a:r>
+              <a:rPr lang="en" dirty="0" smtClean="0">
+                <a:solidFill>
+                  <a:srgbClr val="0E72A4"/>
+                </a:solidFill>
+                <a:latin typeface="Menlo Regular"/>
+                <a:cs typeface="Menlo Regular"/>
+                <a:sym typeface="Courier New"/>
+              </a:rPr>
+              <a:t>states</a:t>
+            </a:r>
+            <a:r>
               <a:rPr lang="en" dirty="0">
                 <a:solidFill>
                   <a:srgbClr val="0E72A4"/>
@@ -25633,7 +27233,7 @@
                 <a:cs typeface="Menlo Regular"/>
                 <a:sym typeface="Courier New"/>
               </a:rPr>
-              <a:t>states["MD"]</a:t>
+              <a:t>["MD"]</a:t>
             </a:r>
           </a:p>
           <a:p>
@@ -25644,7 +27244,7 @@
               <a:buNone/>
             </a:pPr>
             <a:r>
-              <a:rPr lang="en" dirty="0">
+              <a:rPr lang="en" dirty="0" smtClean="0">
                 <a:solidFill>
                   <a:srgbClr val="0E72A4"/>
                 </a:solidFill>
@@ -25652,8 +27252,38 @@
                 <a:cs typeface="Menlo Regular"/>
                 <a:sym typeface="Courier New"/>
               </a:rPr>
-              <a:t>=&gt; "Maryland"</a:t>
-            </a:r>
+              <a:t>‘</a:t>
+            </a:r>
+            <a:r>
+              <a:rPr lang="en" dirty="0" smtClean="0">
+                <a:solidFill>
+                  <a:srgbClr val="0E72A4"/>
+                </a:solidFill>
+                <a:latin typeface="Menlo Regular"/>
+                <a:cs typeface="Menlo Regular"/>
+                <a:sym typeface="Courier New"/>
+              </a:rPr>
+              <a:t>Maryland</a:t>
+            </a:r>
+            <a:r>
+              <a:rPr lang="en" dirty="0" smtClean="0">
+                <a:solidFill>
+                  <a:srgbClr val="0E72A4"/>
+                </a:solidFill>
+                <a:latin typeface="Menlo Regular"/>
+                <a:cs typeface="Menlo Regular"/>
+                <a:sym typeface="Courier New"/>
+              </a:rPr>
+              <a:t>’</a:t>
+            </a:r>
+            <a:endParaRPr lang="en" dirty="0">
+              <a:solidFill>
+                <a:srgbClr val="0E72A4"/>
+              </a:solidFill>
+              <a:latin typeface="Menlo Regular"/>
+              <a:cs typeface="Menlo Regular"/>
+              <a:sym typeface="Courier New"/>
+            </a:endParaRPr>
           </a:p>
         </p:txBody>
       </p:sp>
@@ -25778,10 +27408,57 @@
             <a:r>
               <a:rPr lang="en-US" dirty="0">
                 <a:solidFill>
+                  <a:schemeClr val="tx1"/>
+                </a:solidFill>
+              </a:rPr>
+              <a:t>For lists:</a:t>
+            </a:r>
+          </a:p>
+          <a:p>
+            <a:pPr marL="38100" lvl="0">
+              <a:buNone/>
+            </a:pPr>
+            <a:endParaRPr lang="en-US" dirty="0">
+              <a:solidFill>
+                <a:srgbClr val="0E72A4"/>
+              </a:solidFill>
+            </a:endParaRPr>
+          </a:p>
+          <a:p>
+            <a:pPr marL="38100" lvl="0">
+              <a:buNone/>
+            </a:pPr>
+            <a:r>
+              <a:rPr lang="en-US" dirty="0" smtClean="0">
+                <a:solidFill>
+                  <a:schemeClr val="tx1"/>
+                </a:solidFill>
+              </a:rPr>
+              <a:t>&gt;&gt;&gt; </a:t>
+            </a:r>
+            <a:r>
+              <a:rPr lang="en-US" dirty="0" smtClean="0">
+                <a:solidFill>
                   <a:srgbClr val="0E72A4"/>
                 </a:solidFill>
               </a:rPr>
-              <a:t>hash["key"] = 2</a:t>
+              <a:t>instructors = [“</a:t>
+            </a:r>
+            <a:r>
+              <a:rPr lang="en-US" dirty="0">
+                <a:solidFill>
+                  <a:srgbClr val="0E72A4"/>
+                </a:solidFill>
+              </a:rPr>
+              <a:t>Brandon”, “Ethan</a:t>
+            </a:r>
+            <a:r>
+              <a:rPr lang="en-US" dirty="0" smtClean="0">
+                <a:solidFill>
+                  <a:srgbClr val="0E72A4"/>
+                </a:solidFill>
+              </a:rPr>
+              <a:t>”]</a:t>
             </a:r>
           </a:p>
           <a:p>
@@ -25789,30 +27466,145 @@
               <a:buNone/>
             </a:pPr>
             <a:r>
+              <a:rPr lang="en-US" dirty="0" smtClean="0">
+                <a:solidFill>
+                  <a:schemeClr val="tx1"/>
+                </a:solidFill>
+              </a:rPr>
+              <a:t>&gt;&gt;&gt;</a:t>
+            </a:r>
+            <a:r>
+              <a:rPr lang="en-US" dirty="0" smtClean="0">
+                <a:solidFill>
+                  <a:srgbClr val="0E72A4"/>
+                </a:solidFill>
+              </a:rPr>
+              <a:t> </a:t>
+            </a:r>
+            <a:r>
+              <a:rPr lang="en-US" dirty="0" err="1" smtClean="0">
+                <a:solidFill>
+                  <a:srgbClr val="0E72A4"/>
+                </a:solidFill>
+              </a:rPr>
+              <a:t>instructors.append</a:t>
+            </a:r>
+            <a:r>
+              <a:rPr lang="en-US" dirty="0" smtClean="0">
+                <a:solidFill>
+                  <a:srgbClr val="0E72A4"/>
+                </a:solidFill>
+              </a:rPr>
+              <a:t>(“Wayne”)</a:t>
+            </a:r>
+            <a:endParaRPr lang="en" dirty="0">
+              <a:solidFill>
+                <a:srgbClr val="0E72A4"/>
+              </a:solidFill>
+            </a:endParaRPr>
+          </a:p>
+          <a:p>
+            <a:pPr marL="38100" lvl="0">
+              <a:buNone/>
+            </a:pPr>
+            <a:endParaRPr lang="en-US" dirty="0">
+              <a:solidFill>
+                <a:srgbClr val="0E72A4"/>
+              </a:solidFill>
+            </a:endParaRPr>
+          </a:p>
+          <a:p>
+            <a:pPr marL="38100" lvl="0">
+              <a:buNone/>
+            </a:pPr>
+            <a:r>
+              <a:rPr lang="en-US" dirty="0" smtClean="0">
+                <a:solidFill>
+                  <a:schemeClr val="tx1"/>
+                </a:solidFill>
+              </a:rPr>
+              <a:t>For dictionaries:</a:t>
+            </a:r>
+          </a:p>
+          <a:p>
+            <a:pPr marL="38100" lvl="0">
+              <a:buNone/>
+            </a:pPr>
+            <a:endParaRPr lang="en-US" dirty="0" smtClean="0">
+              <a:solidFill>
+                <a:srgbClr val="0E72A4"/>
+              </a:solidFill>
+            </a:endParaRPr>
+          </a:p>
+          <a:p>
+            <a:pPr marL="38100" lvl="0">
+              <a:buNone/>
+            </a:pPr>
+            <a:r>
+              <a:rPr lang="en-US" dirty="0" smtClean="0">
+                <a:solidFill>
+                  <a:schemeClr val="tx1"/>
+                </a:solidFill>
+              </a:rPr>
+              <a:t>&gt;&gt;&gt; </a:t>
+            </a:r>
+            <a:r>
+              <a:rPr lang="en-US" dirty="0" err="1" smtClean="0">
+                <a:solidFill>
+                  <a:srgbClr val="0E72A4"/>
+                </a:solidFill>
+              </a:rPr>
+              <a:t>m</a:t>
+            </a:r>
+            <a:r>
+              <a:rPr lang="en-US" dirty="0" err="1" smtClean="0">
+                <a:solidFill>
+                  <a:srgbClr val="0E72A4"/>
+                </a:solidFill>
+              </a:rPr>
+              <a:t>y_info</a:t>
+            </a:r>
+            <a:r>
+              <a:rPr lang="en-US" dirty="0" smtClean="0">
+                <a:solidFill>
+                  <a:srgbClr val="0E72A4"/>
+                </a:solidFill>
+              </a:rPr>
+              <a:t>[“</a:t>
+            </a:r>
+            <a:r>
+              <a:rPr lang="en-US" dirty="0" err="1" smtClean="0">
+                <a:solidFill>
+                  <a:srgbClr val="0E72A4"/>
+                </a:solidFill>
+              </a:rPr>
+              <a:t>favorite_instructor</a:t>
+            </a:r>
+            <a:r>
+              <a:rPr lang="en-US" dirty="0" smtClean="0">
+                <a:solidFill>
+                  <a:srgbClr val="0E72A4"/>
+                </a:solidFill>
+              </a:rPr>
+              <a:t>”] </a:t>
+            </a:r>
+            <a:r>
               <a:rPr lang="en-US" dirty="0">
                 <a:solidFill>
                   <a:srgbClr val="0E72A4"/>
                 </a:solidFill>
               </a:rPr>
-              <a:t>array[3] = "</a:t>
-            </a:r>
-            <a:r>
-              <a:rPr lang="en-US" dirty="0" err="1">
+              <a:t>= </a:t>
+            </a:r>
+            <a:r>
+              <a:rPr lang="en-US" dirty="0" smtClean="0">
                 <a:solidFill>
                   <a:srgbClr val="0E72A4"/>
                 </a:solidFill>
               </a:rPr>
-              <a:t>wayne</a:t>
-            </a:r>
-            <a:r>
-              <a:rPr lang="en-US" dirty="0">
-                <a:solidFill>
-                  <a:srgbClr val="0E72A4"/>
-                </a:solidFill>
-              </a:rPr>
-              <a:t>"</a:t>
-            </a:r>
-            <a:endParaRPr lang="en" dirty="0">
+              <a:t>“Ethan”</a:t>
+            </a:r>
+            <a:endParaRPr lang="en-US" dirty="0">
               <a:solidFill>
                 <a:srgbClr val="0E72A4"/>
               </a:solidFill>
@@ -25974,7 +27766,15 @@
             </a:r>
             <a:r>
               <a:rPr lang="en" dirty="0"/>
-              <a:t> hash and give it the same value as your </a:t>
+              <a:t> </a:t>
+            </a:r>
+            <a:r>
+              <a:rPr lang="en" dirty="0" smtClean="0"/>
+              <a:t>dict and </a:t>
+            </a:r>
+            <a:r>
+              <a:rPr lang="en" dirty="0"/>
+              <a:t>give it the same value as your </a:t>
             </a:r>
             <a:r>
               <a:rPr lang="en" dirty="0">
@@ -26024,7 +27824,7 @@
               <a:t> key to your </a:t>
             </a:r>
             <a:r>
-              <a:rPr lang="en" dirty="0">
+              <a:rPr lang="en" dirty="0" smtClean="0">
                 <a:solidFill>
                   <a:srgbClr val="0E72A4"/>
                 </a:solidFill>
@@ -26032,11 +27832,26 @@
                 <a:cs typeface="Menlo Regular"/>
                 <a:sym typeface="Courier New"/>
               </a:rPr>
-              <a:t>my_info</a:t>
+              <a:t>my_info </a:t>
+            </a:r>
+            <a:r>
+              <a:rPr lang="en" dirty="0" smtClean="0">
+                <a:solidFill>
+                  <a:schemeClr val="tx1"/>
+                </a:solidFill>
+                <a:latin typeface="Menlo Regular"/>
+                <a:cs typeface="Menlo Regular"/>
+                <a:sym typeface="Courier New"/>
+              </a:rPr>
+              <a:t>dict</a:t>
+            </a:r>
+            <a:r>
+              <a:rPr lang="en" dirty="0" smtClean="0"/>
+              <a:t>. </a:t>
             </a:r>
             <a:r>
               <a:rPr lang="en" dirty="0"/>
-              <a:t> hash. What happens?</a:t>
+              <a:t>What happens?</a:t>
             </a:r>
           </a:p>
         </p:txBody>
@@ -26205,7 +28020,23 @@
                 <a:ea typeface="Open Sans"/>
                 <a:cs typeface="Open Sans"/>
               </a:rPr>
-              <a:t>Objects (like strings, integers, and hashes) are </a:t>
+              <a:t>Objects (like strings, integers, and </a:t>
+            </a:r>
+            <a:r>
+              <a:rPr lang="en" dirty="0" smtClean="0">
+                <a:latin typeface="Open Sans"/>
+                <a:ea typeface="Open Sans"/>
+                <a:cs typeface="Open Sans"/>
+              </a:rPr>
+              <a:t>dictionaries) </a:t>
+            </a:r>
+            <a:r>
+              <a:rPr lang="en" dirty="0">
+                <a:latin typeface="Open Sans"/>
+                <a:ea typeface="Open Sans"/>
+                <a:cs typeface="Open Sans"/>
+              </a:rPr>
+              <a:t>are </a:t>
             </a:r>
             <a:r>
               <a:rPr lang="en" b="1" dirty="0">
@@ -26399,19 +28230,52 @@
                 <a:ea typeface="Open Sans"/>
                 <a:cs typeface="Open Sans"/>
               </a:rPr>
-              <a:t>See String's methods </a:t>
-            </a:r>
-            <a:r>
-              <a:rPr lang="en" dirty="0">
-                <a:solidFill>
-                  <a:srgbClr val="0E72A4"/>
-                </a:solidFill>
+              <a:t>See String's </a:t>
+            </a:r>
+            <a:r>
+              <a:rPr lang="en" dirty="0" smtClean="0">
                 <a:latin typeface="Open Sans"/>
                 <a:ea typeface="Open Sans"/>
                 <a:cs typeface="Open Sans"/>
               </a:rPr>
-              <a:t>http://www.ruby-doc.org/core-2.1.2/String.html</a:t>
-            </a:r>
+              <a:t>methods </a:t>
+            </a:r>
+            <a:r>
+              <a:rPr lang="en-US" dirty="0">
+                <a:latin typeface="Open Sans"/>
+                <a:ea typeface="Open Sans"/>
+                <a:cs typeface="Open Sans"/>
+                <a:hlinkClick r:id="rId3"/>
+              </a:rPr>
+              <a:t>https://</a:t>
+            </a:r>
+            <a:r>
+              <a:rPr lang="en-US" dirty="0" smtClean="0">
+                <a:latin typeface="Open Sans"/>
+                <a:ea typeface="Open Sans"/>
+                <a:cs typeface="Open Sans"/>
+                <a:hlinkClick r:id="rId3"/>
+              </a:rPr>
+              <a:t>docs.python.org/3/library/stdtypes.html#string-methods</a:t>
+            </a:r>
+            <a:endParaRPr lang="en-US" dirty="0" smtClean="0">
+              <a:latin typeface="Open Sans"/>
+              <a:ea typeface="Open Sans"/>
+              <a:cs typeface="Open Sans"/>
+            </a:endParaRPr>
+          </a:p>
+          <a:p>
+            <a:pPr marL="914400" lvl="1" indent="-381000">
+              <a:buSzPct val="80000"/>
+            </a:pPr>
+            <a:endParaRPr lang="en" dirty="0">
+              <a:solidFill>
+                <a:srgbClr val="0E72A4"/>
+              </a:solidFill>
+              <a:latin typeface="Open Sans"/>
+              <a:ea typeface="Open Sans"/>
+              <a:cs typeface="Open Sans"/>
+            </a:endParaRPr>
           </a:p>
         </p:txBody>
       </p:sp>
@@ -26719,7 +28583,15 @@
             </a:r>
             <a:r>
               <a:rPr lang="en" dirty="0"/>
-              <a:t>value "Ruby is cool"</a:t>
+              <a:t>value </a:t>
+            </a:r>
+            <a:r>
+              <a:rPr lang="en" dirty="0" smtClean="0"/>
+              <a:t>“Python is </a:t>
+            </a:r>
+            <a:r>
+              <a:rPr lang="en" dirty="0"/>
+              <a:t>cool"</a:t>
             </a:r>
           </a:p>
           <a:p>
@@ -26754,7 +28626,15 @@
             </a:r>
             <a:r>
               <a:rPr lang="en" dirty="0"/>
-              <a:t> variable to that it is now "LOOC IS YBUR" and assign it to another variable </a:t>
+              <a:t> variable to that it is now </a:t>
+            </a:r>
+            <a:r>
+              <a:rPr lang="en" dirty="0" smtClean="0"/>
+              <a:t>“PYTHON IS COOL" </a:t>
+            </a:r>
+            <a:r>
+              <a:rPr lang="en" dirty="0"/>
+              <a:t>and assign it to another variable </a:t>
             </a:r>
             <a:r>
               <a:rPr lang="en" dirty="0" smtClean="0"/>
@@ -26809,30 +28689,18 @@
                 <a:ea typeface="Open Sans"/>
                 <a:cs typeface="Open Sans"/>
               </a:rPr>
-              <a:t>: look at the String methods "</a:t>
-            </a:r>
-            <a:r>
-              <a:rPr lang="en" dirty="0">
-                <a:solidFill>
-                  <a:srgbClr val="0E72A4"/>
-                </a:solidFill>
-                <a:latin typeface="Menlo Regular"/>
-                <a:ea typeface="Open Sans"/>
-                <a:cs typeface="Menlo Regular"/>
-                <a:sym typeface="Courier New"/>
-              </a:rPr>
-              <a:t>upcase</a:t>
-            </a:r>
-            <a:r>
-              <a:rPr lang="en" dirty="0">
+              <a:t>: look at the String </a:t>
+            </a:r>
+            <a:r>
+              <a:rPr lang="en" dirty="0" smtClean="0">
                 <a:latin typeface="Open Sans"/>
                 <a:ea typeface="Open Sans"/>
                 <a:cs typeface="Open Sans"/>
               </a:rPr>
-              <a:t>" and "</a:t>
-            </a:r>
-            <a:r>
-              <a:rPr lang="en" dirty="0">
+              <a:t>method "</a:t>
+            </a:r>
+            <a:r>
+              <a:rPr lang="en" dirty="0" smtClean="0">
                 <a:solidFill>
                   <a:srgbClr val="0E72A4"/>
                 </a:solidFill>
@@ -26841,16 +28709,21 @@
                 <a:cs typeface="Menlo Regular"/>
                 <a:sym typeface="Courier New"/>
               </a:rPr>
-              <a:t>reverse</a:t>
-            </a:r>
-            <a:r>
-              <a:rPr lang="en" dirty="0">
+              <a:t>upper</a:t>
+            </a:r>
+            <a:r>
+              <a:rPr lang="en" dirty="0" smtClean="0">
                 <a:latin typeface="Open Sans"/>
                 <a:ea typeface="Open Sans"/>
-                <a:cs typeface="Open Sans"/>
-              </a:rPr>
-              <a:t>"</a:t>
-            </a:r>
+                <a:cs typeface="Menlo Regular"/>
+              </a:rPr>
+              <a:t>”</a:t>
+            </a:r>
+            <a:endParaRPr lang="en" dirty="0">
+              <a:latin typeface="Open Sans"/>
+              <a:ea typeface="Open Sans"/>
+              <a:cs typeface="Open Sans"/>
+            </a:endParaRPr>
           </a:p>
           <a:p>
             <a:pPr>
@@ -27006,13 +28879,26 @@
                   <a:srgbClr val="0E72A4"/>
                 </a:solidFill>
                 <a:latin typeface="Menlo Regular"/>
-                <a:cs typeface="Menlo Regular"/>
-              </a:rPr>
-              <a:t>true</a:t>
+              </a:rPr>
+              <a:t>T</a:t>
+            </a:r>
+            <a:r>
+              <a:rPr lang="en" sz="2400" dirty="0" smtClean="0">
+                <a:solidFill>
+                  <a:srgbClr val="0E72A4"/>
+                </a:solidFill>
+                <a:latin typeface="Menlo Regular"/>
+                <a:cs typeface="Menlo Regular"/>
+              </a:rPr>
+              <a:t>rue</a:t>
+            </a:r>
+            <a:r>
+              <a:rPr lang="en" dirty="0" smtClean="0"/>
+              <a:t> </a:t>
             </a:r>
             <a:r>
               <a:rPr lang="en" dirty="0"/>
-              <a:t> or </a:t>
+              <a:t>or </a:t>
             </a:r>
             <a:r>
               <a:rPr lang="en" sz="2400" dirty="0">
@@ -27020,10 +28906,26 @@
                   <a:srgbClr val="0E72A4"/>
                 </a:solidFill>
                 <a:latin typeface="Menlo Regular"/>
-                <a:cs typeface="Menlo Regular"/>
-              </a:rPr>
-              <a:t>false</a:t>
-            </a:r>
+              </a:rPr>
+              <a:t>F</a:t>
+            </a:r>
+            <a:r>
+              <a:rPr lang="en" sz="2400" dirty="0" smtClean="0">
+                <a:solidFill>
+                  <a:srgbClr val="0E72A4"/>
+                </a:solidFill>
+                <a:latin typeface="Menlo Regular"/>
+                <a:cs typeface="Menlo Regular"/>
+              </a:rPr>
+              <a:t>alse</a:t>
+            </a:r>
+            <a:endParaRPr lang="en" sz="2400" dirty="0">
+              <a:solidFill>
+                <a:srgbClr val="0E72A4"/>
+              </a:solidFill>
+              <a:latin typeface="Menlo Regular"/>
+              <a:cs typeface="Menlo Regular"/>
+            </a:endParaRPr>
           </a:p>
           <a:p>
             <a:pPr lvl="0" rtl="0">
@@ -27042,6 +28944,28 @@
               <a:buNone/>
             </a:pPr>
             <a:r>
+              <a:rPr lang="en" sz="2400" dirty="0" smtClean="0">
+                <a:solidFill>
+                  <a:schemeClr val="tx1"/>
+                </a:solidFill>
+                <a:latin typeface="Menlo Regular"/>
+                <a:cs typeface="Menlo Regular"/>
+                <a:sym typeface="Courier New"/>
+              </a:rPr>
+              <a:t>&gt;&gt;&gt;</a:t>
+            </a:r>
+            <a:r>
+              <a:rPr lang="en" sz="2400" dirty="0" smtClean="0">
+                <a:solidFill>
+                  <a:srgbClr val="0E72A4"/>
+                </a:solidFill>
+                <a:latin typeface="Menlo Regular"/>
+                <a:cs typeface="Menlo Regular"/>
+                <a:sym typeface="Courier New"/>
+              </a:rPr>
+              <a:t> </a:t>
+            </a:r>
+            <a:r>
               <a:rPr lang="en" sz="2400" dirty="0">
                 <a:solidFill>
                   <a:srgbClr val="0E72A4"/>
@@ -27050,7 +28974,7 @@
                 <a:cs typeface="Menlo Regular"/>
                 <a:sym typeface="Courier New"/>
               </a:rPr>
-              <a:t>&gt; 1 + 1 == 2</a:t>
+              <a:t>1 + 1 == 2</a:t>
             </a:r>
           </a:p>
           <a:p>
@@ -27061,6 +28985,55 @@
               <a:buNone/>
             </a:pPr>
             <a:r>
+              <a:rPr lang="en" sz="2400" dirty="0" smtClean="0">
+                <a:solidFill>
+                  <a:schemeClr val="tx1"/>
+                </a:solidFill>
+                <a:latin typeface="Menlo Regular"/>
+                <a:cs typeface="Menlo Regular"/>
+                <a:sym typeface="Courier New"/>
+              </a:rPr>
+              <a:t>True</a:t>
+            </a:r>
+            <a:endParaRPr lang="en" sz="2400" dirty="0">
+              <a:solidFill>
+                <a:schemeClr val="tx1"/>
+              </a:solidFill>
+              <a:latin typeface="Menlo Regular"/>
+              <a:cs typeface="Menlo Regular"/>
+              <a:sym typeface="Courier New"/>
+            </a:endParaRPr>
+          </a:p>
+          <a:p>
+            <a:pPr lvl="0" rtl="0">
+              <a:spcBef>
+                <a:spcPts val="0"/>
+              </a:spcBef>
+              <a:buNone/>
+            </a:pPr>
+            <a:r>
+              <a:rPr lang="en" sz="2400" dirty="0" smtClean="0">
+                <a:solidFill>
+                  <a:schemeClr val="tx1"/>
+                </a:solidFill>
+                <a:latin typeface="Menlo Regular"/>
+                <a:cs typeface="Menlo Regular"/>
+                <a:sym typeface="Courier New"/>
+              </a:rPr>
+              <a:t>&gt;&gt;&gt;</a:t>
+            </a:r>
+            <a:r>
+              <a:rPr lang="en" sz="2400" dirty="0" smtClean="0">
+                <a:solidFill>
+                  <a:srgbClr val="0E72A4"/>
+                </a:solidFill>
+                <a:latin typeface="Menlo Regular"/>
+                <a:cs typeface="Menlo Regular"/>
+                <a:sym typeface="Courier New"/>
+              </a:rPr>
+              <a:t> </a:t>
+            </a:r>
+            <a:r>
               <a:rPr lang="en" sz="2400" dirty="0">
                 <a:solidFill>
                   <a:srgbClr val="0E72A4"/>
@@ -27069,7 +29042,7 @@
                 <a:cs typeface="Menlo Regular"/>
                 <a:sym typeface="Courier New"/>
               </a:rPr>
-              <a:t>true</a:t>
+              <a:t>1 + 1 == 0</a:t>
             </a:r>
           </a:p>
           <a:p>
@@ -27082,33 +29055,33 @@
             <a:r>
               <a:rPr lang="en" sz="2400" dirty="0">
                 <a:solidFill>
-                  <a:srgbClr val="0E72A4"/>
+                  <a:schemeClr val="tx1"/>
                 </a:solidFill>
                 <a:latin typeface="Menlo Regular"/>
                 <a:cs typeface="Menlo Regular"/>
                 <a:sym typeface="Courier New"/>
               </a:rPr>
-              <a:t>&gt; 1 + 1 == 0</a:t>
-            </a:r>
-          </a:p>
-          <a:p>
-            <a:pPr lvl="0" rtl="0">
-              <a:spcBef>
-                <a:spcPts val="0"/>
-              </a:spcBef>
-              <a:buNone/>
-            </a:pPr>
-            <a:r>
-              <a:rPr lang="en" sz="2400" dirty="0">
-                <a:solidFill>
-                  <a:srgbClr val="0E72A4"/>
+              <a:t>F</a:t>
+            </a:r>
+            <a:r>
+              <a:rPr lang="en" sz="2400" dirty="0" smtClean="0">
+                <a:solidFill>
+                  <a:schemeClr val="tx1"/>
                 </a:solidFill>
                 <a:latin typeface="Menlo Regular"/>
                 <a:cs typeface="Menlo Regular"/>
                 <a:sym typeface="Courier New"/>
               </a:rPr>
-              <a:t>=&gt; false</a:t>
-            </a:r>
+              <a:t>alse</a:t>
+            </a:r>
+            <a:endParaRPr lang="en" sz="2400" dirty="0">
+              <a:solidFill>
+                <a:schemeClr val="tx1"/>
+              </a:solidFill>
+              <a:latin typeface="Menlo Regular"/>
+              <a:cs typeface="Menlo Regular"/>
+              <a:sym typeface="Courier New"/>
+            </a:endParaRPr>
           </a:p>
           <a:p>
             <a:pPr lvl="0" rtl="0">
@@ -27435,7 +29408,7 @@
               <a:buNone/>
             </a:pPr>
             <a:r>
-              <a:rPr lang="en" sz="6800" dirty="0">
+              <a:rPr lang="en" sz="4800" dirty="0">
                 <a:solidFill>
                   <a:srgbClr val="FF0000"/>
                 </a:solidFill>
@@ -27447,7 +29420,7 @@
               <a:t>Sometimes</a:t>
             </a:r>
             <a:r>
-              <a:rPr lang="en" dirty="0">
+              <a:rPr lang="en" sz="2800" dirty="0">
                 <a:latin typeface="Ubuntu"/>
                 <a:ea typeface="Ubuntu"/>
                 <a:cs typeface="Ubuntu"/>
@@ -27456,7 +29429,7 @@
               <a:t> </a:t>
             </a:r>
             <a:r>
-              <a:rPr lang="en" sz="6800" dirty="0">
+              <a:rPr lang="en" sz="4800" dirty="0">
                 <a:solidFill>
                   <a:srgbClr val="FF0000"/>
                 </a:solidFill>
@@ -27468,7 +29441,7 @@
               <a:t>there</a:t>
             </a:r>
             <a:r>
-              <a:rPr lang="en" sz="4266" dirty="0">
+              <a:rPr lang="en" sz="2800" dirty="0">
                 <a:solidFill>
                   <a:srgbClr val="000000"/>
                 </a:solidFill>
@@ -27480,7 +29453,7 @@
               <a:t> </a:t>
             </a:r>
             <a:r>
-              <a:rPr lang="en" sz="6800" dirty="0">
+              <a:rPr lang="en" sz="4800" dirty="0">
                 <a:solidFill>
                   <a:srgbClr val="FF0000"/>
                 </a:solidFill>
@@ -27510,7 +29483,7 @@
         </p:blipFill>
         <p:spPr>
           <a:xfrm>
-            <a:off x="640079" y="1371600"/>
+            <a:off x="753363" y="1379666"/>
             <a:ext cx="7705912" cy="4993425"/>
           </a:xfrm>
           <a:prstGeom prst="rect">
@@ -27585,7 +29558,7 @@
               <a:buNone/>
             </a:pPr>
             <a:r>
-              <a:rPr lang="en" sz="6800" dirty="0">
+              <a:rPr lang="en" sz="5400" dirty="0">
                 <a:solidFill>
                   <a:srgbClr val="FF0000"/>
                 </a:solidFill>
@@ -27611,8 +29584,8 @@
         </p:nvSpPr>
         <p:spPr>
           <a:xfrm>
-            <a:off x="274319" y="1645919"/>
-            <a:ext cx="8663939" cy="5006339"/>
+            <a:off x="703811" y="1493519"/>
+            <a:ext cx="7165572" cy="5006339"/>
           </a:xfrm>
           <a:prstGeom prst="rect">
             <a:avLst/>
@@ -28139,7 +30112,7 @@
               <a:buNone/>
             </a:pPr>
             <a:r>
-              <a:rPr lang="en" sz="2133" dirty="0">
+              <a:rPr lang="en" sz="2133" dirty="0" smtClean="0">
                 <a:solidFill>
                   <a:srgbClr val="000000"/>
                 </a:solidFill>
@@ -28148,7 +30121,7 @@
                 <a:cs typeface="Menlo Regular"/>
                 <a:sym typeface="courier new"/>
               </a:rPr>
-              <a:t>&gt; </a:t>
+              <a:t>&gt;&gt;&gt; </a:t>
             </a:r>
             <a:r>
               <a:rPr lang="en" sz="2133" b="1" dirty="0">
@@ -28186,7 +30159,7 @@
               <a:buNone/>
             </a:pPr>
             <a:r>
-              <a:rPr lang="en" sz="2133" dirty="0">
+              <a:rPr lang="en" sz="2133" dirty="0" smtClean="0">
                 <a:solidFill>
                   <a:srgbClr val="000000"/>
                 </a:solidFill>
@@ -28195,8 +30168,17 @@
                 <a:cs typeface="Menlo Regular"/>
                 <a:sym typeface="courier new"/>
               </a:rPr>
-              <a:t>=&gt; 7</a:t>
-            </a:r>
+              <a:t> 7</a:t>
+            </a:r>
+            <a:endParaRPr lang="en" sz="2133" dirty="0">
+              <a:solidFill>
+                <a:srgbClr val="000000"/>
+              </a:solidFill>
+              <a:latin typeface="Menlo Regular"/>
+              <a:ea typeface="Menlo Regular"/>
+              <a:cs typeface="Menlo Regular"/>
+              <a:sym typeface="courier new"/>
+            </a:endParaRPr>
           </a:p>
           <a:p>
             <a:pPr rtl="0">
@@ -28232,7 +30214,16 @@
               <a:buNone/>
             </a:pPr>
             <a:r>
-              <a:rPr lang="en" sz="2133" dirty="0">
+              <a:rPr lang="en" sz="2133" dirty="0" smtClean="0">
+                <a:latin typeface="Menlo Regular"/>
+                <a:ea typeface="Menlo Regular"/>
+                <a:cs typeface="Menlo Regular"/>
+                <a:sym typeface="courier new"/>
+              </a:rPr>
+              <a:t>&gt;&gt;&gt;</a:t>
+            </a:r>
+            <a:r>
+              <a:rPr lang="en" sz="2133" dirty="0" smtClean="0">
                 <a:solidFill>
                   <a:srgbClr val="000000"/>
                 </a:solidFill>
@@ -28241,7 +30232,7 @@
                 <a:cs typeface="Menlo Regular"/>
                 <a:sym typeface="courier new"/>
               </a:rPr>
-              <a:t>&gt; </a:t>
+              <a:t> </a:t>
             </a:r>
             <a:r>
               <a:rPr lang="en" sz="2133" b="1" dirty="0">
@@ -28267,7 +30258,16 @@
               <a:buNone/>
             </a:pPr>
             <a:r>
-              <a:rPr lang="en" sz="2133" dirty="0">
+              <a:rPr lang="en" sz="2133" dirty="0" smtClean="0">
+                <a:latin typeface="Menlo Regular"/>
+                <a:ea typeface="Menlo Regular"/>
+                <a:cs typeface="Menlo Regular"/>
+                <a:sym typeface="courier new"/>
+              </a:rPr>
+              <a:t> </a:t>
+            </a:r>
+            <a:r>
+              <a:rPr lang="en" sz="2133" dirty="0" smtClean="0">
                 <a:solidFill>
                   <a:srgbClr val="000000"/>
                 </a:solidFill>
@@ -28276,8 +30276,17 @@
                 <a:cs typeface="Menlo Regular"/>
                 <a:sym typeface="courier new"/>
               </a:rPr>
-              <a:t>=&gt; 15</a:t>
-            </a:r>
+              <a:t>15</a:t>
+            </a:r>
+            <a:endParaRPr lang="en" sz="2133" dirty="0">
+              <a:solidFill>
+                <a:srgbClr val="000000"/>
+              </a:solidFill>
+              <a:latin typeface="Menlo Regular"/>
+              <a:ea typeface="Menlo Regular"/>
+              <a:cs typeface="Menlo Regular"/>
+              <a:sym typeface="courier new"/>
+            </a:endParaRPr>
           </a:p>
           <a:p>
             <a:pPr rtl="0">
@@ -28313,7 +30322,7 @@
               <a:buNone/>
             </a:pPr>
             <a:r>
-              <a:rPr lang="en" sz="2133" dirty="0">
+              <a:rPr lang="en" sz="2133" dirty="0" smtClean="0">
                 <a:solidFill>
                   <a:srgbClr val="000000"/>
                 </a:solidFill>
@@ -28322,7 +30331,7 @@
                 <a:cs typeface="Menlo Regular"/>
                 <a:sym typeface="courier new"/>
               </a:rPr>
-              <a:t>&gt; </a:t>
+              <a:t>&gt;&gt;&gt; </a:t>
             </a:r>
             <a:r>
               <a:rPr lang="en" sz="2133" b="1" dirty="0">
@@ -28360,6 +30369,18 @@
               </a:rPr>
             </a:br>
             <a:r>
+              <a:rPr lang="en" sz="2133" dirty="0" smtClean="0">
+                <a:solidFill>
+                  <a:srgbClr val="000000"/>
+                </a:solidFill>
+                <a:latin typeface="Menlo Regular"/>
+                <a:ea typeface="Menlo Regular"/>
+                <a:cs typeface="Menlo Regular"/>
+                <a:sym typeface="courier new"/>
+              </a:rPr>
+              <a:t> </a:t>
+            </a:r>
+            <a:r>
               <a:rPr lang="en" sz="2133" dirty="0">
                 <a:solidFill>
                   <a:srgbClr val="000000"/>
@@ -28369,7 +30390,7 @@
                 <a:cs typeface="Menlo Regular"/>
                 <a:sym typeface="courier new"/>
               </a:rPr>
-              <a:t>=&gt; "hi there!"</a:t>
+              <a:t>"hi there!"</a:t>
             </a:r>
           </a:p>
           <a:p>
@@ -28406,7 +30427,7 @@
               <a:buNone/>
             </a:pPr>
             <a:r>
-              <a:rPr lang="en" sz="2133" dirty="0">
+              <a:rPr lang="en" sz="2133" dirty="0" smtClean="0">
                 <a:solidFill>
                   <a:srgbClr val="000000"/>
                 </a:solidFill>
@@ -28415,7 +30436,7 @@
                 <a:cs typeface="Menlo Regular"/>
                 <a:sym typeface="courier new"/>
               </a:rPr>
-              <a:t>&gt; </a:t>
+              <a:t>&gt;&gt;&gt; </a:t>
             </a:r>
             <a:r>
               <a:rPr lang="en" sz="2133" b="1" dirty="0">
@@ -28441,6 +30462,18 @@
               <a:buNone/>
             </a:pPr>
             <a:r>
+              <a:rPr lang="en" sz="2133" dirty="0" smtClean="0">
+                <a:solidFill>
+                  <a:srgbClr val="000000"/>
+                </a:solidFill>
+                <a:latin typeface="Menlo Regular"/>
+                <a:ea typeface="Menlo Regular"/>
+                <a:cs typeface="Menlo Regular"/>
+                <a:sym typeface="courier new"/>
+              </a:rPr>
+              <a:t> </a:t>
+            </a:r>
+            <a:r>
               <a:rPr lang="en" sz="2133" dirty="0">
                 <a:solidFill>
                   <a:srgbClr val="000000"/>
@@ -28450,7 +30483,7 @@
                 <a:cs typeface="Menlo Regular"/>
                 <a:sym typeface="courier new"/>
               </a:rPr>
-              <a:t>=&gt; ["kiwi", "strawberry", "plum", "lychee"]</a:t>
+              <a:t>["kiwi", "strawberry", "plum", "lychee"]</a:t>
             </a:r>
           </a:p>
           <a:p>
@@ -28487,7 +30520,7 @@
               <a:buNone/>
             </a:pPr>
             <a:r>
-              <a:rPr lang="en" sz="2133" dirty="0">
+              <a:rPr lang="en" sz="2133" dirty="0" smtClean="0">
                 <a:solidFill>
                   <a:srgbClr val="000000"/>
                 </a:solidFill>
@@ -28496,10 +30529,10 @@
                 <a:cs typeface="Menlo Regular"/>
                 <a:sym typeface="courier new"/>
               </a:rPr>
-              <a:t>&gt; </a:t>
-            </a:r>
-            <a:r>
-              <a:rPr lang="en" sz="2133" b="1" dirty="0">
+              <a:t>&gt;&gt;&gt; </a:t>
+            </a:r>
+            <a:r>
+              <a:rPr lang="en" sz="2133" b="1" dirty="0" smtClean="0">
                 <a:solidFill>
                   <a:srgbClr val="0B5394"/>
                 </a:solidFill>
@@ -28508,8 +30541,17 @@
                 <a:cs typeface="Menlo Regular"/>
                 <a:sym typeface="courier new"/>
               </a:rPr>
-              <a:t>fruits = fruits - ["lychee"]</a:t>
-            </a:r>
+              <a:t>fruits.remove("lychee“)</a:t>
+            </a:r>
+            <a:endParaRPr lang="en" sz="2133" b="1" dirty="0">
+              <a:solidFill>
+                <a:srgbClr val="0B5394"/>
+              </a:solidFill>
+              <a:latin typeface="Menlo Regular"/>
+              <a:ea typeface="Menlo Regular"/>
+              <a:cs typeface="Menlo Regular"/>
+              <a:sym typeface="courier new"/>
+            </a:endParaRPr>
           </a:p>
           <a:p>
             <a:pPr rtl="0">
@@ -28523,6 +30565,15 @@
             </a:pPr>
             <a:r>
               <a:rPr lang="en" sz="2133" dirty="0">
+                <a:latin typeface="Menlo Regular"/>
+                <a:ea typeface="Menlo Regular"/>
+                <a:cs typeface="Menlo Regular"/>
+                <a:sym typeface="courier new"/>
+              </a:rPr>
+              <a:t> </a:t>
+            </a:r>
+            <a:r>
+              <a:rPr lang="en" sz="2133" dirty="0" smtClean="0">
                 <a:solidFill>
                   <a:srgbClr val="000000"/>
                 </a:solidFill>
@@ -28531,7 +30582,19 @@
                 <a:cs typeface="Menlo Regular"/>
                 <a:sym typeface="courier new"/>
               </a:rPr>
-              <a:t>=&gt; ["kiwi", "strawberry", "plum"]</a:t>
+              <a:t>["</a:t>
+            </a:r>
+            <a:r>
+              <a:rPr lang="en" sz="2133" dirty="0">
+                <a:solidFill>
+                  <a:srgbClr val="000000"/>
+                </a:solidFill>
+                <a:latin typeface="Menlo Regular"/>
+                <a:ea typeface="Menlo Regular"/>
+                <a:cs typeface="Menlo Regular"/>
+                <a:sym typeface="courier new"/>
+              </a:rPr>
+              <a:t>kiwi", "strawberry", "plum"]</a:t>
             </a:r>
           </a:p>
           <a:p>
@@ -28682,19 +30745,23 @@
             </a:pPr>
             <a:r>
               <a:rPr lang="en" dirty="0"/>
-              <a:t>Create an </a:t>
-            </a:r>
-            <a:r>
-              <a:rPr lang="en" dirty="0">
+              <a:t>Create </a:t>
+            </a:r>
+            <a:r>
+              <a:rPr lang="en" dirty="0" smtClean="0"/>
+              <a:t>a </a:t>
+            </a:r>
+            <a:r>
+              <a:rPr lang="en" dirty="0" smtClean="0">
                 <a:solidFill>
                   <a:schemeClr val="bg2"/>
                 </a:solidFill>
               </a:rPr>
-              <a:t>array</a:t>
-            </a:r>
-            <a:r>
-              <a:rPr lang="en" dirty="0"/>
-              <a:t> named </a:t>
+              <a:t>list </a:t>
+            </a:r>
+            <a:r>
+              <a:rPr lang="en" dirty="0" smtClean="0"/>
+              <a:t>named </a:t>
             </a:r>
             <a:r>
               <a:rPr lang="en" sz="2400" dirty="0">
@@ -28729,7 +30796,7 @@
               <a:t>Using the </a:t>
             </a:r>
             <a:r>
-              <a:rPr lang="en" sz="2400" dirty="0">
+              <a:rPr lang="en" sz="2400" dirty="0" smtClean="0">
                 <a:solidFill>
                   <a:srgbClr val="0E72A4"/>
                 </a:solidFill>
@@ -28740,8 +30807,16 @@
               <a:t>vegetables</a:t>
             </a:r>
             <a:r>
+              <a:rPr lang="en" dirty="0" smtClean="0"/>
+              <a:t> list, </a:t>
+            </a:r>
+            <a:r>
               <a:rPr lang="en" dirty="0"/>
-              <a:t> array, create an array named </a:t>
+              <a:t>create </a:t>
+            </a:r>
+            <a:r>
+              <a:rPr lang="en" dirty="0" smtClean="0"/>
+              <a:t>a list named </a:t>
             </a:r>
             <a:r>
               <a:rPr lang="en" sz="2400" dirty="0">
@@ -28777,7 +30852,15 @@
             </a:r>
             <a:r>
               <a:rPr lang="en" dirty="0"/>
-              <a:t>: can you use the first two arrays to create a new array named </a:t>
+              <a:t>: can you use the first two </a:t>
+            </a:r>
+            <a:r>
+              <a:rPr lang="en" dirty="0" smtClean="0"/>
+              <a:t>lists to </a:t>
+            </a:r>
+            <a:r>
+              <a:rPr lang="en" dirty="0"/>
+              <a:t>create a new array named </a:t>
             </a:r>
             <a:r>
               <a:rPr lang="en" sz="2400" dirty="0">
@@ -29145,10 +31228,10 @@
                 <a:cs typeface="Open Sans"/>
                 <a:sym typeface="Open Sans"/>
               </a:rPr>
-              <a:t>    math operators</a:t>
-            </a:r>
-            <a:r>
-              <a:rPr lang="en" sz="2200" b="1" dirty="0">
+              <a:t>    </a:t>
+            </a:r>
+            <a:r>
+              <a:rPr lang="en" sz="2200" b="0" dirty="0" smtClean="0">
                 <a:solidFill>
                   <a:srgbClr val="000000"/>
                 </a:solidFill>
@@ -29157,7 +31240,7 @@
                 <a:cs typeface="Open Sans"/>
                 <a:sym typeface="Open Sans"/>
               </a:rPr>
-              <a:t> </a:t>
+              <a:t>	math </a:t>
             </a:r>
             <a:r>
               <a:rPr lang="en" sz="2200" b="0" dirty="0">
@@ -29169,18 +31252,7 @@
                 <a:cs typeface="Open Sans"/>
                 <a:sym typeface="Open Sans"/>
               </a:rPr>
-              <a:t>(</a:t>
-            </a:r>
-            <a:r>
-              <a:rPr lang="en" sz="2400" dirty="0">
-                <a:solidFill>
-                  <a:srgbClr val="0E72A4"/>
-                </a:solidFill>
-                <a:latin typeface="Menlo Regular"/>
-                <a:cs typeface="Menlo Regular"/>
-                <a:sym typeface="Open Sans"/>
-              </a:rPr>
-              <a:t>+</a:t>
+              <a:t>operators</a:t>
             </a:r>
             <a:r>
               <a:rPr lang="en" sz="2200" b="1" dirty="0">
@@ -29204,6 +31276,41 @@
                 <a:cs typeface="Open Sans"/>
                 <a:sym typeface="Open Sans"/>
               </a:rPr>
+              <a:t>(</a:t>
+            </a:r>
+            <a:r>
+              <a:rPr lang="en" sz="2400" dirty="0">
+                <a:solidFill>
+                  <a:srgbClr val="0E72A4"/>
+                </a:solidFill>
+                <a:latin typeface="Menlo Regular"/>
+                <a:cs typeface="Menlo Regular"/>
+                <a:sym typeface="Open Sans"/>
+              </a:rPr>
+              <a:t>+</a:t>
+            </a:r>
+            <a:r>
+              <a:rPr lang="en" sz="2200" b="1" dirty="0">
+                <a:solidFill>
+                  <a:srgbClr val="000000"/>
+                </a:solidFill>
+                <a:latin typeface="Open Sans"/>
+                <a:ea typeface="Open Sans"/>
+                <a:cs typeface="Open Sans"/>
+                <a:sym typeface="Open Sans"/>
+              </a:rPr>
+              <a:t> </a:t>
+            </a:r>
+            <a:r>
+              <a:rPr lang="en" sz="2200" b="0" dirty="0">
+                <a:solidFill>
+                  <a:srgbClr val="000000"/>
+                </a:solidFill>
+                <a:latin typeface="Open Sans"/>
+                <a:ea typeface="Open Sans"/>
+                <a:cs typeface="Open Sans"/>
+                <a:sym typeface="Open Sans"/>
+              </a:rPr>
               <a:t>also means concatenation)</a:t>
             </a:r>
           </a:p>
@@ -29354,7 +31461,7 @@
                 <a:cs typeface="Open Sans"/>
                 <a:sym typeface="Open Sans"/>
               </a:rPr>
-              <a:t>                   </a:t>
+              <a:t>                  </a:t>
             </a:r>
             <a:r>
               <a:rPr lang="en-US" sz="2200" b="0" dirty="0" smtClean="0">
@@ -29390,8 +31497,65 @@
                 <a:cs typeface="Open Sans"/>
                 <a:sym typeface="Open Sans"/>
               </a:rPr>
-              <a:t>, then assignment</a:t>
-            </a:r>
+              <a:t>, then </a:t>
+            </a:r>
+            <a:r>
+              <a:rPr lang="en" sz="2200" b="0" dirty="0" smtClean="0">
+                <a:solidFill>
+                  <a:srgbClr val="000000"/>
+                </a:solidFill>
+                <a:latin typeface="Open Sans"/>
+                <a:ea typeface="Open Sans"/>
+                <a:cs typeface="Open Sans"/>
+                <a:sym typeface="Open Sans"/>
+              </a:rPr>
+              <a:t>assignment (</a:t>
+            </a:r>
+            <a:r>
+              <a:rPr lang="en" sz="2200" b="0" dirty="0" smtClean="0">
+                <a:solidFill>
+                  <a:srgbClr val="0E72A4"/>
+                </a:solidFill>
+                <a:latin typeface="Open Sans"/>
+                <a:ea typeface="Open Sans"/>
+                <a:cs typeface="Open Sans"/>
+                <a:sym typeface="Open Sans"/>
+              </a:rPr>
+              <a:t>x += y </a:t>
+            </a:r>
+            <a:r>
+              <a:rPr lang="en" sz="2200" b="0" dirty="0" smtClean="0">
+                <a:solidFill>
+                  <a:srgbClr val="000000"/>
+                </a:solidFill>
+                <a:latin typeface="Open Sans"/>
+                <a:ea typeface="Open Sans"/>
+                <a:cs typeface="Open Sans"/>
+                <a:sym typeface="Open Sans"/>
+              </a:rPr>
+              <a:t>vs. </a:t>
+            </a:r>
+            <a:r>
+              <a:rPr lang="en" sz="2200" b="0" dirty="0" smtClean="0">
+                <a:solidFill>
+                  <a:srgbClr val="0E72A4"/>
+                </a:solidFill>
+                <a:latin typeface="Open Sans"/>
+                <a:ea typeface="Open Sans"/>
+                <a:cs typeface="Open Sans"/>
+                <a:sym typeface="Open Sans"/>
+              </a:rPr>
+              <a:t>x = x + y)</a:t>
+            </a:r>
+            <a:endParaRPr lang="en" sz="2200" b="0" dirty="0">
+              <a:solidFill>
+                <a:srgbClr val="0E72A4"/>
+              </a:solidFill>
+              <a:latin typeface="Open Sans"/>
+              <a:ea typeface="Open Sans"/>
+              <a:cs typeface="Open Sans"/>
+              <a:sym typeface="Open Sans"/>
+            </a:endParaRPr>
           </a:p>
           <a:p>
             <a:pPr rtl="0">
@@ -29403,7 +31567,55 @@
               </a:spcBef>
               <a:buNone/>
             </a:pPr>
-            <a:endParaRPr sz="2200" b="1" dirty="0">
+            <a:r>
+              <a:rPr lang="en" sz="2200" dirty="0">
+                <a:solidFill>
+                  <a:srgbClr val="000000"/>
+                </a:solidFill>
+                <a:latin typeface="Open Sans"/>
+                <a:ea typeface="Open Sans"/>
+                <a:cs typeface="Open Sans"/>
+                <a:sym typeface="Open Sans"/>
+              </a:rPr>
+              <a:t> </a:t>
+            </a:r>
+          </a:p>
+          <a:p>
+            <a:pPr rtl="0">
+              <a:lnSpc>
+                <a:spcPct val="100000"/>
+              </a:lnSpc>
+              <a:spcBef>
+                <a:spcPts val="0"/>
+              </a:spcBef>
+              <a:buNone/>
+            </a:pPr>
+            <a:r>
+              <a:rPr lang="en" sz="2400" dirty="0" smtClean="0">
+                <a:solidFill>
+                  <a:srgbClr val="0E72A4"/>
+                </a:solidFill>
+                <a:latin typeface="Menlo Regular"/>
+                <a:cs typeface="Menlo Regular"/>
+                <a:sym typeface="Open Sans"/>
+              </a:rPr>
+              <a:t>**</a:t>
+            </a:r>
+            <a:r>
+              <a:rPr lang="en" sz="2200" dirty="0">
+                <a:cs typeface="Menlo Regular"/>
+                <a:sym typeface="Open Sans"/>
+              </a:rPr>
+              <a:t>	</a:t>
+            </a:r>
+            <a:r>
+              <a:rPr lang="en" sz="2200" dirty="0" smtClean="0">
+                <a:cs typeface="Menlo Regular"/>
+                <a:sym typeface="Open Sans"/>
+              </a:rPr>
+              <a:t>	exponent</a:t>
+            </a:r>
+            <a:endParaRPr lang="en" sz="2200" b="0" dirty="0">
               <a:solidFill>
                 <a:srgbClr val="000000"/>
               </a:solidFill>
@@ -29424,18 +31636,7 @@
               <a:buNone/>
             </a:pPr>
             <a:r>
-              <a:rPr lang="en" sz="2400" dirty="0">
-                <a:solidFill>
-                  <a:srgbClr val="0E72A4"/>
-                </a:solidFill>
-                <a:latin typeface="Menlo Regular"/>
-                <a:cs typeface="Menlo Regular"/>
-                <a:sym typeface="Open Sans"/>
-              </a:rPr>
-              <a:t>||</a:t>
-            </a:r>
-            <a:r>
-              <a:rPr lang="en" sz="2200" b="0" dirty="0">
+              <a:rPr lang="en" sz="2200" dirty="0">
                 <a:solidFill>
                   <a:srgbClr val="000000"/>
                 </a:solidFill>
@@ -29444,7 +31645,7 @@
                 <a:cs typeface="Open Sans"/>
                 <a:sym typeface="Open Sans"/>
               </a:rPr>
-              <a:t>                    or</a:t>
+              <a:t> </a:t>
             </a:r>
           </a:p>
           <a:p>
@@ -29458,7 +31659,18 @@
               <a:buNone/>
             </a:pPr>
             <a:r>
-              <a:rPr lang="en" sz="2200" dirty="0">
+              <a:rPr lang="en" sz="2400" dirty="0">
+                <a:solidFill>
+                  <a:srgbClr val="0E72A4"/>
+                </a:solidFill>
+                <a:latin typeface="Menlo Regular"/>
+                <a:cs typeface="Menlo Regular"/>
+                <a:sym typeface="Open Sans"/>
+              </a:rPr>
+              <a:t>==</a:t>
+            </a:r>
+            <a:r>
+              <a:rPr lang="en" sz="2200" b="0" dirty="0">
                 <a:solidFill>
                   <a:srgbClr val="000000"/>
                 </a:solidFill>
@@ -29467,6 +31679,30 @@
                 <a:cs typeface="Open Sans"/>
                 <a:sym typeface="Open Sans"/>
               </a:rPr>
+              <a:t>                   </a:t>
+            </a:r>
+            <a:r>
+              <a:rPr lang="en" sz="2200" b="0" dirty="0" smtClean="0">
+                <a:solidFill>
+                  <a:srgbClr val="000000"/>
+                </a:solidFill>
+                <a:latin typeface="Open Sans"/>
+                <a:ea typeface="Open Sans"/>
+                <a:cs typeface="Open Sans"/>
+                <a:sym typeface="Open Sans"/>
+              </a:rPr>
+              <a:t>equal</a:t>
+            </a:r>
+            <a:r>
+              <a:rPr lang="en" sz="2200" b="0" dirty="0">
+                <a:solidFill>
+                  <a:srgbClr val="000000"/>
+                </a:solidFill>
+                <a:latin typeface="Open Sans"/>
+                <a:ea typeface="Open Sans"/>
+                <a:cs typeface="Open Sans"/>
+                <a:sym typeface="Open Sans"/>
+              </a:rPr>
               <a:t> </a:t>
             </a:r>
           </a:p>
@@ -29481,18 +31717,7 @@
               <a:buNone/>
             </a:pPr>
             <a:r>
-              <a:rPr lang="en" sz="2400" dirty="0">
-                <a:solidFill>
-                  <a:srgbClr val="0E72A4"/>
-                </a:solidFill>
-                <a:latin typeface="Menlo Regular"/>
-                <a:cs typeface="Menlo Regular"/>
-                <a:sym typeface="Open Sans"/>
-              </a:rPr>
-              <a:t>&amp;&amp;</a:t>
-            </a:r>
-            <a:r>
-              <a:rPr lang="en" sz="2200" b="0" dirty="0">
+              <a:rPr lang="en" sz="2200" dirty="0">
                 <a:solidFill>
                   <a:srgbClr val="000000"/>
                 </a:solidFill>
@@ -29501,7 +31726,7 @@
                 <a:cs typeface="Open Sans"/>
                 <a:sym typeface="Open Sans"/>
               </a:rPr>
-              <a:t>                    and</a:t>
+              <a:t> </a:t>
             </a:r>
           </a:p>
           <a:p>
@@ -29515,7 +31740,18 @@
               <a:buNone/>
             </a:pPr>
             <a:r>
-              <a:rPr lang="en" sz="2200" dirty="0">
+              <a:rPr lang="en" sz="2400" dirty="0">
+                <a:solidFill>
+                  <a:srgbClr val="0E72A4"/>
+                </a:solidFill>
+                <a:latin typeface="Menlo Regular"/>
+                <a:cs typeface="Menlo Regular"/>
+                <a:sym typeface="Open Sans"/>
+              </a:rPr>
+              <a:t>!=</a:t>
+            </a:r>
+            <a:r>
+              <a:rPr lang="en" sz="2200" b="0" dirty="0">
                 <a:solidFill>
                   <a:srgbClr val="000000"/>
                 </a:solidFill>
@@ -29524,7 +31760,7 @@
                 <a:cs typeface="Open Sans"/>
                 <a:sym typeface="Open Sans"/>
               </a:rPr>
-              <a:t> </a:t>
+              <a:t>                    not equal </a:t>
             </a:r>
           </a:p>
           <a:p>
@@ -29537,133 +31773,54 @@
               </a:spcBef>
               <a:buNone/>
             </a:pPr>
-            <a:r>
-              <a:rPr lang="en" sz="2400" dirty="0">
-                <a:solidFill>
-                  <a:srgbClr val="0E72A4"/>
-                </a:solidFill>
-                <a:latin typeface="Menlo Regular"/>
-                <a:cs typeface="Menlo Regular"/>
-                <a:sym typeface="Open Sans"/>
-              </a:rPr>
-              <a:t>==</a:t>
-            </a:r>
-            <a:r>
-              <a:rPr lang="en" sz="2200" b="0" dirty="0">
-                <a:solidFill>
-                  <a:srgbClr val="000000"/>
-                </a:solidFill>
-                <a:latin typeface="Open Sans"/>
-                <a:ea typeface="Open Sans"/>
-                <a:cs typeface="Open Sans"/>
-                <a:sym typeface="Open Sans"/>
-              </a:rPr>
-              <a:t>                   </a:t>
-            </a:r>
-            <a:r>
-              <a:rPr lang="en-US" sz="2200" b="0" dirty="0" smtClean="0">
-                <a:solidFill>
-                  <a:srgbClr val="000000"/>
-                </a:solidFill>
-                <a:latin typeface="Open Sans"/>
-                <a:ea typeface="Open Sans"/>
-                <a:cs typeface="Open Sans"/>
-                <a:sym typeface="Open Sans"/>
-              </a:rPr>
-              <a:t>	</a:t>
-            </a:r>
-            <a:r>
-              <a:rPr lang="en" sz="2200" b="0" dirty="0" smtClean="0">
-                <a:solidFill>
-                  <a:srgbClr val="000000"/>
-                </a:solidFill>
-                <a:latin typeface="Open Sans"/>
-                <a:ea typeface="Open Sans"/>
-                <a:cs typeface="Open Sans"/>
-                <a:sym typeface="Open Sans"/>
-              </a:rPr>
-              <a:t>equal</a:t>
-            </a:r>
-            <a:r>
-              <a:rPr lang="en" sz="2200" b="0" dirty="0">
-                <a:solidFill>
-                  <a:srgbClr val="000000"/>
-                </a:solidFill>
-                <a:latin typeface="Open Sans"/>
-                <a:ea typeface="Open Sans"/>
-                <a:cs typeface="Open Sans"/>
-                <a:sym typeface="Open Sans"/>
-              </a:rPr>
-              <a:t> </a:t>
-            </a:r>
-          </a:p>
-          <a:p>
-            <a:pPr rtl="0">
-              <a:lnSpc>
-                <a:spcPct val="100000"/>
-              </a:lnSpc>
-              <a:spcBef>
-                <a:spcPts val="0"/>
-              </a:spcBef>
-              <a:buNone/>
-            </a:pPr>
-            <a:r>
-              <a:rPr lang="en" sz="2200" dirty="0">
-                <a:solidFill>
-                  <a:srgbClr val="000000"/>
-                </a:solidFill>
-                <a:latin typeface="Open Sans"/>
-                <a:ea typeface="Open Sans"/>
-                <a:cs typeface="Open Sans"/>
-                <a:sym typeface="Open Sans"/>
-              </a:rPr>
-              <a:t> </a:t>
-            </a:r>
-          </a:p>
-          <a:p>
-            <a:pPr rtl="0">
-              <a:lnSpc>
-                <a:spcPct val="100000"/>
-              </a:lnSpc>
-              <a:spcBef>
-                <a:spcPts val="0"/>
-              </a:spcBef>
-              <a:buNone/>
-            </a:pPr>
-            <a:r>
-              <a:rPr lang="en" sz="2400" dirty="0">
-                <a:solidFill>
-                  <a:srgbClr val="0E72A4"/>
-                </a:solidFill>
-                <a:latin typeface="Menlo Regular"/>
-                <a:cs typeface="Menlo Regular"/>
-                <a:sym typeface="Open Sans"/>
-              </a:rPr>
-              <a:t>!=</a:t>
-            </a:r>
-            <a:r>
-              <a:rPr lang="en" sz="2200" b="0" dirty="0">
-                <a:solidFill>
-                  <a:srgbClr val="000000"/>
-                </a:solidFill>
-                <a:latin typeface="Open Sans"/>
-                <a:ea typeface="Open Sans"/>
-                <a:cs typeface="Open Sans"/>
-                <a:sym typeface="Open Sans"/>
-              </a:rPr>
-              <a:t>                    not equal </a:t>
-            </a:r>
-          </a:p>
-          <a:p>
-            <a:pPr rtl="0">
-              <a:lnSpc>
-                <a:spcPct val="100000"/>
-              </a:lnSpc>
-              <a:spcBef>
-                <a:spcPts val="0"/>
-              </a:spcBef>
-              <a:buNone/>
-            </a:pPr>
+            <a:endParaRPr lang="en-US" sz="2666" b="1" dirty="0" smtClean="0">
+              <a:solidFill>
+                <a:srgbClr val="000000"/>
+              </a:solidFill>
+              <a:latin typeface="trebuchet ms"/>
+              <a:ea typeface="trebuchet ms"/>
+              <a:cs typeface="trebuchet ms"/>
+              <a:sym typeface="trebuchet ms"/>
+            </a:endParaRPr>
+          </a:p>
+          <a:p>
+            <a:r>
+              <a:rPr lang="en-US" sz="2000" b="1" dirty="0" smtClean="0">
+                <a:latin typeface="trebuchet ms"/>
+                <a:ea typeface="trebuchet ms"/>
+                <a:cs typeface="trebuchet ms"/>
+                <a:sym typeface="trebuchet ms"/>
+              </a:rPr>
+              <a:t>For more operators: </a:t>
+            </a:r>
+            <a:r>
+              <a:rPr lang="en-US" sz="2000" b="1" dirty="0">
+                <a:latin typeface="trebuchet ms"/>
+                <a:ea typeface="trebuchet ms"/>
+                <a:cs typeface="trebuchet ms"/>
+                <a:sym typeface="trebuchet ms"/>
+                <a:hlinkClick r:id="rId3"/>
+              </a:rPr>
+              <a:t>https://</a:t>
+            </a:r>
+            <a:r>
+              <a:rPr lang="en-US" sz="2000" b="1" dirty="0" smtClean="0">
+                <a:latin typeface="trebuchet ms"/>
+                <a:ea typeface="trebuchet ms"/>
+                <a:cs typeface="trebuchet ms"/>
+                <a:sym typeface="trebuchet ms"/>
+                <a:hlinkClick r:id="rId3"/>
+              </a:rPr>
+              <a:t>www.tutorialspoint.com/python/python_basic_operators.htm</a:t>
+            </a:r>
+            <a:endParaRPr lang="en-US" sz="2000" b="1" dirty="0" smtClean="0">
+              <a:latin typeface="trebuchet ms"/>
+              <a:ea typeface="trebuchet ms"/>
+              <a:cs typeface="trebuchet ms"/>
+              <a:sym typeface="trebuchet ms"/>
+            </a:endParaRPr>
+          </a:p>
+          <a:p>
             <a:endParaRPr sz="2666" b="1" dirty="0">
               <a:solidFill>
                 <a:srgbClr val="000000"/>
@@ -29799,7 +31956,7 @@
               <a:buNone/>
             </a:pPr>
             <a:r>
-              <a:rPr lang="en" sz="6800" dirty="0">
+              <a:rPr lang="en" sz="5400" dirty="0">
                 <a:solidFill>
                   <a:srgbClr val="FF0000"/>
                 </a:solidFill>
@@ -29850,6 +32007,30 @@
             <a:r>
               <a:rPr lang="en" sz="2400" dirty="0" smtClean="0">
                 <a:solidFill>
+                  <a:schemeClr val="tx1"/>
+                </a:solidFill>
+                <a:latin typeface="Menlo Regular"/>
+                <a:ea typeface="Courier New"/>
+                <a:cs typeface="Menlo Regular"/>
+                <a:sym typeface="Courier New"/>
+              </a:rPr>
+              <a:t>&gt;&gt;&gt;</a:t>
+            </a:r>
+            <a:r>
+              <a:rPr lang="en" sz="2400" dirty="0" smtClean="0">
+                <a:solidFill>
+                  <a:srgbClr val="D20035"/>
+                </a:solidFill>
+                <a:latin typeface="Menlo Regular"/>
+                <a:ea typeface="Courier New"/>
+                <a:cs typeface="Menlo Regular"/>
+                <a:sym typeface="Courier New"/>
+              </a:rPr>
+              <a:t> </a:t>
+            </a:r>
+            <a:r>
+              <a:rPr lang="en" sz="2400" dirty="0" smtClean="0">
+                <a:solidFill>
                   <a:srgbClr val="0E72A4"/>
                 </a:solidFill>
                 <a:latin typeface="Menlo Regular"/>
@@ -29857,7 +32038,7 @@
                 <a:cs typeface="Menlo Regular"/>
                 <a:sym typeface="Courier New"/>
               </a:rPr>
-              <a:t>puts </a:t>
+              <a:t>print</a:t>
             </a:r>
             <a:r>
               <a:rPr lang="en" sz="2400" dirty="0" smtClean="0">
@@ -29869,8 +32050,17 @@
                 <a:cs typeface="Menlo Regular"/>
                 <a:sym typeface="Courier New"/>
               </a:rPr>
-              <a:t>"Doctor Who"</a:t>
-            </a:r>
+              <a:t>("Doctor Who“)</a:t>
+            </a:r>
+            <a:endParaRPr lang="en" sz="2400" dirty="0" smtClean="0">
+              <a:solidFill>
+                <a:srgbClr val="D20035"/>
+              </a:solidFill>
+              <a:latin typeface="Menlo Regular"/>
+              <a:ea typeface="Courier New"/>
+              <a:cs typeface="Menlo Regular"/>
+              <a:sym typeface="Courier New"/>
+            </a:endParaRPr>
           </a:p>
           <a:p>
             <a:pPr rtl="0">
@@ -29903,13 +32093,37 @@
               <a:buNone/>
             </a:pPr>
             <a:r>
+              <a:rPr lang="en" sz="2400" dirty="0" smtClean="0">
+                <a:latin typeface="Menlo Regular"/>
+                <a:ea typeface="Courier New"/>
+                <a:cs typeface="Menlo Regular"/>
+                <a:sym typeface="Courier New"/>
+              </a:rPr>
+              <a:t>&gt;&gt;&gt; </a:t>
+            </a:r>
+            <a:r>
+              <a:rPr lang="en" sz="2400" dirty="0" smtClean="0">
+                <a:solidFill>
+                  <a:srgbClr val="0E72A4"/>
+                </a:solidFill>
+                <a:latin typeface="Menlo Regular"/>
+                <a:ea typeface="Courier New"/>
+                <a:cs typeface="Menlo Regular"/>
+                <a:sym typeface="Courier New"/>
+              </a:rPr>
+              <a:t>doctors </a:t>
+            </a:r>
+            <a:r>
               <a:rPr lang="en" sz="2400" dirty="0">
+                <a:solidFill>
+                  <a:srgbClr val="0E72A4"/>
+                </a:solidFill>
                 <a:latin typeface="Menlo Regular"/>
                 <a:ea typeface="Courier New"/>
                 <a:cs typeface="Menlo Regular"/>
                 <a:sym typeface="Courier New"/>
               </a:rPr>
-              <a:t>doctors = [</a:t>
+              <a:t>= [</a:t>
             </a:r>
             <a:r>
               <a:rPr lang="en" sz="2400" dirty="0" smtClean="0">
@@ -29989,6 +32203,27 @@
               <a:buNone/>
             </a:pPr>
             <a:r>
+              <a:rPr lang="en-US" sz="2400" dirty="0" smtClean="0">
+                <a:latin typeface="Menlo Regular"/>
+                <a:ea typeface="Courier New"/>
+                <a:cs typeface="Menlo Regular"/>
+                <a:sym typeface="Courier New"/>
+              </a:rPr>
+              <a:t>&gt;&gt;&gt; </a:t>
+            </a:r>
+            <a:r>
+              <a:rPr lang="en-US" sz="2400" dirty="0" smtClean="0">
+                <a:solidFill>
+                  <a:srgbClr val="0E72A4"/>
+                </a:solidFill>
+                <a:latin typeface="Menlo Regular"/>
+                <a:ea typeface="Courier New"/>
+                <a:cs typeface="Menlo Regular"/>
+                <a:sym typeface="Courier New"/>
+              </a:rPr>
+              <a:t>p</a:t>
+            </a:r>
+            <a:r>
               <a:rPr lang="en" sz="2400" dirty="0" smtClean="0">
                 <a:solidFill>
                   <a:srgbClr val="0E72A4"/>
@@ -29998,37 +32233,7 @@
                 <a:cs typeface="Menlo Regular"/>
                 <a:sym typeface="Courier New"/>
               </a:rPr>
-              <a:t>puts </a:t>
-            </a:r>
-            <a:r>
-              <a:rPr lang="en" sz="2400" dirty="0" smtClean="0">
-                <a:latin typeface="Menlo Regular"/>
-                <a:ea typeface="Courier New"/>
-                <a:cs typeface="Menlo Regular"/>
-                <a:sym typeface="Courier New"/>
-              </a:rPr>
-              <a:t>doctors[</a:t>
-            </a:r>
-            <a:r>
-              <a:rPr lang="en" sz="2400" dirty="0" smtClean="0">
-                <a:solidFill>
-                  <a:srgbClr val="0E72A4"/>
-                </a:solidFill>
-                <a:latin typeface="Menlo Regular"/>
-                <a:ea typeface="Courier New"/>
-                <a:cs typeface="Menlo Regular"/>
-                <a:sym typeface="Courier New"/>
-              </a:rPr>
-              <a:t>0</a:t>
-            </a:r>
-            <a:r>
-              <a:rPr lang="en" sz="2400" dirty="0" smtClean="0">
-                <a:latin typeface="Menlo Regular"/>
-                <a:ea typeface="Courier New"/>
-                <a:cs typeface="Menlo Regular"/>
-                <a:sym typeface="Courier New"/>
-              </a:rPr>
-              <a:t>]</a:t>
+              <a:t>rint(doctors[0])</a:t>
             </a:r>
           </a:p>
           <a:p>
@@ -30041,9 +32246,9 @@
               </a:spcBef>
               <a:buNone/>
             </a:pPr>
-            <a:endParaRPr sz="2400" dirty="0" smtClean="0">
+            <a:endParaRPr lang="en" sz="2400" dirty="0" smtClean="0">
               <a:solidFill>
-                <a:srgbClr val="0E72A4"/>
+                <a:schemeClr val="tx1"/>
               </a:solidFill>
               <a:latin typeface="Menlo Regular"/>
               <a:ea typeface="Courier New"/>
@@ -30071,7 +32276,31 @@
                 <a:cs typeface="Menlo Regular"/>
                 <a:sym typeface="Courier New"/>
               </a:rPr>
-              <a:t>best_episode = </a:t>
+              <a:t>&gt;&gt;&gt; </a:t>
+            </a:r>
+            <a:r>
+              <a:rPr lang="en" sz="2400" dirty="0" smtClean="0">
+                <a:solidFill>
+                  <a:schemeClr val="tx1"/>
+                </a:solidFill>
+                <a:latin typeface="Menlo Regular"/>
+                <a:ea typeface="Courier New"/>
+                <a:cs typeface="Menlo Regular"/>
+                <a:sym typeface="Courier New"/>
+              </a:rPr>
+              <a:t>best_episode </a:t>
+            </a:r>
+            <a:r>
+              <a:rPr lang="en" sz="2400" dirty="0" smtClean="0">
+                <a:solidFill>
+                  <a:schemeClr val="tx1"/>
+                </a:solidFill>
+                <a:latin typeface="Menlo Regular"/>
+                <a:ea typeface="Courier New"/>
+                <a:cs typeface="Menlo Regular"/>
+                <a:sym typeface="Courier New"/>
+              </a:rPr>
+              <a:t>= </a:t>
             </a:r>
             <a:r>
               <a:rPr lang="en" sz="2400" dirty="0" smtClean="0">
@@ -30099,6 +32328,18 @@
             <a:r>
               <a:rPr lang="en" sz="2400" dirty="0" smtClean="0">
                 <a:solidFill>
+                  <a:schemeClr val="tx1"/>
+                </a:solidFill>
+                <a:latin typeface="Menlo Regular"/>
+                <a:ea typeface="Courier New"/>
+                <a:cs typeface="Menlo Regular"/>
+                <a:sym typeface="Courier New"/>
+              </a:rPr>
+              <a:t>&gt;&gt;&gt;</a:t>
+            </a:r>
+            <a:r>
+              <a:rPr lang="en" sz="2400" dirty="0" smtClean="0">
+                <a:solidFill>
                   <a:srgbClr val="0E72A4"/>
                 </a:solidFill>
                 <a:latin typeface="Menlo Regular"/>
@@ -30106,11 +32347,53 @@
                 <a:cs typeface="Menlo Regular"/>
                 <a:sym typeface="Courier New"/>
               </a:rPr>
-              <a:t> </a:t>
-            </a:r>
-          </a:p>
-          <a:p>
-            <a:pPr lvl="0" rtl="0">
+              <a:t> print(</a:t>
+            </a:r>
+            <a:r>
+              <a:rPr lang="en" sz="2400" dirty="0" smtClean="0">
+                <a:solidFill>
+                  <a:srgbClr val="D20035"/>
+                </a:solidFill>
+                <a:latin typeface="Menlo Regular"/>
+                <a:ea typeface="Courier New"/>
+                <a:cs typeface="Menlo Regular"/>
+                <a:sym typeface="Courier New"/>
+              </a:rPr>
+              <a:t>"My </a:t>
+            </a:r>
+            <a:r>
+              <a:rPr lang="en" sz="2400" dirty="0" smtClean="0">
+                <a:solidFill>
+                  <a:srgbClr val="D20035"/>
+                </a:solidFill>
+                <a:latin typeface="Menlo Regular"/>
+                <a:ea typeface="Courier New"/>
+                <a:cs typeface="Menlo Regular"/>
+                <a:sym typeface="Courier New"/>
+              </a:rPr>
+              <a:t>favorite episode is " </a:t>
+            </a:r>
+            <a:r>
+              <a:rPr lang="en" sz="2400" dirty="0" smtClean="0">
+                <a:latin typeface="Menlo Regular"/>
+                <a:ea typeface="Courier New"/>
+                <a:cs typeface="Menlo Regular"/>
+                <a:sym typeface="Courier New"/>
+              </a:rPr>
+              <a:t>+ </a:t>
+            </a:r>
+            <a:r>
+              <a:rPr lang="en" sz="2400" dirty="0" smtClean="0">
+                <a:latin typeface="Menlo Regular"/>
+                <a:ea typeface="Courier New"/>
+                <a:cs typeface="Menlo Regular"/>
+                <a:sym typeface="Courier New"/>
+              </a:rPr>
+              <a:t>best_episode)</a:t>
+            </a:r>
+          </a:p>
+          <a:p>
+            <a:pPr rtl="0">
               <a:lnSpc>
                 <a:spcPct val="100000"/>
               </a:lnSpc>
@@ -30119,54 +32402,7 @@
               </a:spcBef>
               <a:buNone/>
             </a:pPr>
-            <a:r>
-              <a:rPr lang="en" sz="2400" dirty="0" smtClean="0">
-                <a:solidFill>
-                  <a:srgbClr val="0E72A4"/>
-                </a:solidFill>
-                <a:latin typeface="Menlo Regular"/>
-                <a:ea typeface="Courier New"/>
-                <a:cs typeface="Menlo Regular"/>
-                <a:sym typeface="Courier New"/>
-              </a:rPr>
-              <a:t>puts </a:t>
-            </a:r>
-            <a:r>
-              <a:rPr lang="en" sz="2400" dirty="0" smtClean="0">
-                <a:solidFill>
-                  <a:srgbClr val="D20035"/>
-                </a:solidFill>
-                <a:latin typeface="Menlo Regular"/>
-                <a:ea typeface="Courier New"/>
-                <a:cs typeface="Menlo Regular"/>
-                <a:sym typeface="Courier New"/>
-              </a:rPr>
-              <a:t>"My favorite episode is " </a:t>
-            </a:r>
-            <a:r>
-              <a:rPr lang="en" sz="2400" dirty="0" smtClean="0">
-                <a:latin typeface="Menlo Regular"/>
-                <a:ea typeface="Courier New"/>
-                <a:cs typeface="Menlo Regular"/>
-                <a:sym typeface="Courier New"/>
-              </a:rPr>
-              <a:t>+ best_episode</a:t>
-            </a:r>
-          </a:p>
-          <a:p>
-            <a:pPr lvl="0" rtl="0">
-              <a:lnSpc>
-                <a:spcPct val="100000"/>
-              </a:lnSpc>
-              <a:spcBef>
-                <a:spcPts val="0"/>
-              </a:spcBef>
-              <a:buNone/>
-            </a:pPr>
-            <a:endParaRPr sz="2400" dirty="0" smtClean="0">
-              <a:solidFill>
-                <a:srgbClr val="0E72A4"/>
-              </a:solidFill>
+            <a:endParaRPr lang="en" sz="2400" dirty="0" smtClean="0">
               <a:latin typeface="Menlo Regular"/>
               <a:ea typeface="Courier New"/>
               <a:cs typeface="Menlo Regular"/>
@@ -30186,6 +32422,18 @@
             <a:r>
               <a:rPr lang="en" sz="2400" dirty="0" smtClean="0">
                 <a:solidFill>
+                  <a:schemeClr val="tx1"/>
+                </a:solidFill>
+                <a:latin typeface="Menlo Regular"/>
+                <a:ea typeface="Courier New"/>
+                <a:cs typeface="Menlo Regular"/>
+                <a:sym typeface="Courier New"/>
+              </a:rPr>
+              <a:t>&gt;&gt;&gt;</a:t>
+            </a:r>
+            <a:r>
+              <a:rPr lang="en" sz="2400" dirty="0" smtClean="0">
+                <a:solidFill>
                   <a:srgbClr val="0E72A4"/>
                 </a:solidFill>
                 <a:latin typeface="Menlo Regular"/>
@@ -30193,7 +32441,7 @@
                 <a:cs typeface="Menlo Regular"/>
                 <a:sym typeface="Courier New"/>
               </a:rPr>
-              <a:t>puts </a:t>
+              <a:t> print(</a:t>
             </a:r>
             <a:r>
               <a:rPr lang="en" sz="2400" dirty="0" smtClean="0">
@@ -30205,15 +32453,27 @@
                 <a:cs typeface="Menlo Regular"/>
                 <a:sym typeface="Courier New"/>
               </a:rPr>
-              <a:t>"My favorite Doctor is " </a:t>
+              <a:t>"My </a:t>
             </a:r>
             <a:r>
               <a:rPr lang="en" sz="2400" dirty="0" smtClean="0">
+                <a:solidFill>
+                  <a:srgbClr val="D20035"/>
+                </a:solidFill>
                 <a:latin typeface="Menlo Regular"/>
                 <a:ea typeface="Courier New"/>
                 <a:cs typeface="Menlo Regular"/>
                 <a:sym typeface="Courier New"/>
               </a:rPr>
+              <a:t>favorite Doctor is " </a:t>
+            </a:r>
+            <a:r>
+              <a:rPr lang="en" sz="2400" dirty="0" smtClean="0">
+                <a:latin typeface="Menlo Regular"/>
+                <a:ea typeface="Courier New"/>
+                <a:cs typeface="Menlo Regular"/>
+                <a:sym typeface="Courier New"/>
+              </a:rPr>
               <a:t>+ doctors[</a:t>
             </a:r>
             <a:r>
@@ -30235,7 +32495,7 @@
                 <a:cs typeface="Menlo Regular"/>
                 <a:sym typeface="Courier New"/>
               </a:rPr>
-              <a:t>]</a:t>
+              <a:t>])</a:t>
             </a:r>
             <a:endParaRPr lang="en" sz="2400" dirty="0">
               <a:latin typeface="Menlo Regular"/>
@@ -30674,7 +32934,23 @@
                   <a:srgbClr val="000000"/>
                 </a:solidFill>
               </a:rPr>
-              <a:t>Store your street address, city, state, and zip code in variables (or even better, a hash!), then print them in the usual format:</a:t>
+              <a:t>Store your street address, city, state, and zip code in variables (or even better, a </a:t>
+            </a:r>
+            <a:r>
+              <a:rPr lang="en" sz="2400" dirty="0" smtClean="0">
+                <a:solidFill>
+                  <a:srgbClr val="000000"/>
+                </a:solidFill>
+              </a:rPr>
+              <a:t>dictionary!), </a:t>
+            </a:r>
+            <a:r>
+              <a:rPr lang="en" sz="2400" dirty="0">
+                <a:solidFill>
+                  <a:srgbClr val="000000"/>
+                </a:solidFill>
+              </a:rPr>
+              <a:t>then print them in the usual format:</a:t>
             </a:r>
           </a:p>
           <a:p>
@@ -30969,7 +33245,7 @@
               <a:t>   </a:t>
             </a:r>
             <a:r>
-              <a:rPr lang="en" sz="2200" dirty="0">
+              <a:rPr lang="en" sz="2200" dirty="0" smtClean="0">
                 <a:solidFill>
                   <a:srgbClr val="D20035"/>
                 </a:solidFill>
@@ -30978,10 +33254,10 @@
                 <a:cs typeface="Menlo Regular"/>
                 <a:sym typeface="Courier New"/>
               </a:rPr>
-              <a:t>'name'</a:t>
-            </a:r>
-            <a:r>
-              <a:rPr lang="en" sz="2200" dirty="0">
+              <a:t>'name‘</a:t>
+            </a:r>
+            <a:r>
+              <a:rPr lang="en" sz="2200" dirty="0" smtClean="0">
                 <a:solidFill>
                   <a:srgbClr val="000000"/>
                 </a:solidFill>
@@ -30990,7 +33266,19 @@
                 <a:cs typeface="Menlo Regular"/>
                 <a:sym typeface="Courier New"/>
               </a:rPr>
-              <a:t> =&gt; </a:t>
+              <a:t>:</a:t>
+            </a:r>
+            <a:r>
+              <a:rPr lang="en" sz="2200" dirty="0" smtClean="0">
+                <a:solidFill>
+                  <a:srgbClr val="000000"/>
+                </a:solidFill>
+                <a:latin typeface="Menlo Regular"/>
+                <a:ea typeface="Courier New"/>
+                <a:cs typeface="Menlo Regular"/>
+                <a:sym typeface="Courier New"/>
+              </a:rPr>
+              <a:t> ‘</a:t>
             </a:r>
             <a:r>
               <a:rPr lang="en-US" sz="2200" dirty="0" smtClean="0">
@@ -31002,7 +33290,19 @@
                 <a:cs typeface="Menlo Regular"/>
                 <a:sym typeface="Courier New"/>
               </a:rPr>
-              <a:t>Ethan Reed</a:t>
+              <a:t>Ethan </a:t>
+            </a:r>
+            <a:r>
+              <a:rPr lang="en-US" sz="2200" dirty="0" smtClean="0">
+                <a:solidFill>
+                  <a:srgbClr val="D20035"/>
+                </a:solidFill>
+                <a:latin typeface="Menlo Regular"/>
+                <a:ea typeface="Courier New"/>
+                <a:cs typeface="Menlo Regular"/>
+                <a:sym typeface="Courier New"/>
+              </a:rPr>
+              <a:t>Reed</a:t>
             </a:r>
             <a:r>
               <a:rPr lang="en" sz="2200" dirty="0" smtClean="0">
@@ -31058,6 +33358,42 @@
               <a:t>   </a:t>
             </a:r>
             <a:r>
+              <a:rPr lang="en" sz="2200" dirty="0" smtClean="0">
+                <a:solidFill>
+                  <a:srgbClr val="D20035"/>
+                </a:solidFill>
+                <a:latin typeface="Menlo Regular"/>
+                <a:ea typeface="Courier New"/>
+                <a:cs typeface="Menlo Regular"/>
+                <a:sym typeface="Courier New"/>
+              </a:rPr>
+              <a:t>'street‘</a:t>
+            </a:r>
+            <a:r>
+              <a:rPr lang="en" sz="2200" dirty="0" smtClean="0">
+                <a:solidFill>
+                  <a:srgbClr val="000000"/>
+                </a:solidFill>
+                <a:latin typeface="Menlo Regular"/>
+                <a:ea typeface="Courier New"/>
+                <a:cs typeface="Menlo Regular"/>
+                <a:sym typeface="Courier New"/>
+              </a:rPr>
+              <a:t>:</a:t>
+            </a:r>
+            <a:r>
+              <a:rPr lang="en" sz="2200" dirty="0" smtClean="0">
+                <a:solidFill>
+                  <a:srgbClr val="000000"/>
+                </a:solidFill>
+                <a:latin typeface="Menlo Regular"/>
+                <a:ea typeface="Courier New"/>
+                <a:cs typeface="Menlo Regular"/>
+                <a:sym typeface="Courier New"/>
+              </a:rPr>
+              <a:t> </a:t>
+            </a:r>
+            <a:r>
               <a:rPr lang="en" sz="2200" dirty="0">
                 <a:solidFill>
                   <a:srgbClr val="D20035"/>
@@ -31067,7 +33403,7 @@
                 <a:cs typeface="Menlo Regular"/>
                 <a:sym typeface="Courier New"/>
               </a:rPr>
-              <a:t>'street'</a:t>
+              <a:t>'123 My Street'</a:t>
             </a:r>
             <a:r>
               <a:rPr lang="en" sz="2200" dirty="0">
@@ -31079,11 +33415,31 @@
                 <a:cs typeface="Menlo Regular"/>
                 <a:sym typeface="Courier New"/>
               </a:rPr>
-              <a:t> =&gt; </a:t>
-            </a:r>
+              <a:t>,</a:t>
+            </a:r>
+          </a:p>
+          <a:p>
+            <a:pPr lvl="0" rtl="0">
+              <a:spcBef>
+                <a:spcPts val="0"/>
+              </a:spcBef>
+              <a:buNone/>
+            </a:pPr>
             <a:r>
               <a:rPr lang="en" sz="2200" dirty="0">
                 <a:solidFill>
+                  <a:srgbClr val="000000"/>
+                </a:solidFill>
+                <a:latin typeface="Menlo Regular"/>
+                <a:ea typeface="Courier New"/>
+                <a:cs typeface="Menlo Regular"/>
+                <a:sym typeface="Courier New"/>
+              </a:rPr>
+              <a:t>   </a:t>
+            </a:r>
+            <a:r>
+              <a:rPr lang="en" sz="2200" dirty="0" smtClean="0">
+                <a:solidFill>
                   <a:srgbClr val="D20035"/>
                 </a:solidFill>
                 <a:latin typeface="Menlo Regular"/>
@@ -31091,10 +33447,10 @@
                 <a:cs typeface="Menlo Regular"/>
                 <a:sym typeface="Courier New"/>
               </a:rPr>
-              <a:t>'123 My Street'</a:t>
-            </a:r>
-            <a:r>
-              <a:rPr lang="en" sz="2200" dirty="0">
+              <a:t>'city‘</a:t>
+            </a:r>
+            <a:r>
+              <a:rPr lang="en" sz="2200" dirty="0" smtClean="0">
                 <a:solidFill>
                   <a:srgbClr val="000000"/>
                 </a:solidFill>
@@ -31103,18 +33459,10 @@
                 <a:cs typeface="Menlo Regular"/>
                 <a:sym typeface="Courier New"/>
               </a:rPr>
-              <a:t>,</a:t>
-            </a:r>
-          </a:p>
-          <a:p>
-            <a:pPr lvl="0" rtl="0">
-              <a:spcBef>
-                <a:spcPts val="0"/>
-              </a:spcBef>
-              <a:buNone/>
-            </a:pPr>
-            <a:r>
-              <a:rPr lang="en" sz="2200" dirty="0">
+              <a:t>:</a:t>
+            </a:r>
+            <a:r>
+              <a:rPr lang="en" sz="2200" dirty="0" smtClean="0">
                 <a:solidFill>
                   <a:srgbClr val="000000"/>
                 </a:solidFill>
@@ -31123,31 +33471,7 @@
                 <a:cs typeface="Menlo Regular"/>
                 <a:sym typeface="Courier New"/>
               </a:rPr>
-              <a:t>   </a:t>
-            </a:r>
-            <a:r>
-              <a:rPr lang="en" sz="2200" dirty="0">
-                <a:solidFill>
-                  <a:srgbClr val="D20035"/>
-                </a:solidFill>
-                <a:latin typeface="Menlo Regular"/>
-                <a:ea typeface="Courier New"/>
-                <a:cs typeface="Menlo Regular"/>
-                <a:sym typeface="Courier New"/>
-              </a:rPr>
-              <a:t>'city'</a:t>
-            </a:r>
-            <a:r>
-              <a:rPr lang="en" sz="2200" dirty="0">
-                <a:solidFill>
-                  <a:srgbClr val="000000"/>
-                </a:solidFill>
-                <a:latin typeface="Menlo Regular"/>
-                <a:ea typeface="Courier New"/>
-                <a:cs typeface="Menlo Regular"/>
-                <a:sym typeface="Courier New"/>
-              </a:rPr>
-              <a:t> =&gt; </a:t>
+              <a:t> </a:t>
             </a:r>
             <a:r>
               <a:rPr lang="en-US" sz="2200" dirty="0" smtClean="0">
@@ -31215,6 +33539,42 @@
               <a:t>   </a:t>
             </a:r>
             <a:r>
+              <a:rPr lang="en" sz="2200" dirty="0" smtClean="0">
+                <a:solidFill>
+                  <a:srgbClr val="D20035"/>
+                </a:solidFill>
+                <a:latin typeface="Menlo Regular"/>
+                <a:ea typeface="Courier New"/>
+                <a:cs typeface="Menlo Regular"/>
+                <a:sym typeface="Courier New"/>
+              </a:rPr>
+              <a:t>'state‘</a:t>
+            </a:r>
+            <a:r>
+              <a:rPr lang="en" sz="2200" dirty="0" smtClean="0">
+                <a:solidFill>
+                  <a:srgbClr val="000000"/>
+                </a:solidFill>
+                <a:latin typeface="Menlo Regular"/>
+                <a:ea typeface="Courier New"/>
+                <a:cs typeface="Menlo Regular"/>
+                <a:sym typeface="Courier New"/>
+              </a:rPr>
+              <a:t>:</a:t>
+            </a:r>
+            <a:r>
+              <a:rPr lang="en" sz="2200" dirty="0" smtClean="0">
+                <a:solidFill>
+                  <a:srgbClr val="000000"/>
+                </a:solidFill>
+                <a:latin typeface="Menlo Regular"/>
+                <a:ea typeface="Courier New"/>
+                <a:cs typeface="Menlo Regular"/>
+                <a:sym typeface="Courier New"/>
+              </a:rPr>
+              <a:t> </a:t>
+            </a:r>
+            <a:r>
               <a:rPr lang="en" sz="2200" dirty="0">
                 <a:solidFill>
                   <a:srgbClr val="D20035"/>
@@ -31224,7 +33584,7 @@
                 <a:cs typeface="Menlo Regular"/>
                 <a:sym typeface="Courier New"/>
               </a:rPr>
-              <a:t>'state'</a:t>
+              <a:t>'VA'</a:t>
             </a:r>
             <a:r>
               <a:rPr lang="en" sz="2200" dirty="0">
@@ -31236,11 +33596,31 @@
                 <a:cs typeface="Menlo Regular"/>
                 <a:sym typeface="Courier New"/>
               </a:rPr>
-              <a:t> =&gt; </a:t>
-            </a:r>
+              <a:t>,</a:t>
+            </a:r>
+          </a:p>
+          <a:p>
+            <a:pPr lvl="0" rtl="0">
+              <a:spcBef>
+                <a:spcPts val="0"/>
+              </a:spcBef>
+              <a:buNone/>
+            </a:pPr>
             <a:r>
               <a:rPr lang="en" sz="2200" dirty="0">
                 <a:solidFill>
+                  <a:srgbClr val="000000"/>
+                </a:solidFill>
+                <a:latin typeface="Menlo Regular"/>
+                <a:ea typeface="Courier New"/>
+                <a:cs typeface="Menlo Regular"/>
+                <a:sym typeface="Courier New"/>
+              </a:rPr>
+              <a:t>   </a:t>
+            </a:r>
+            <a:r>
+              <a:rPr lang="en" sz="2200" dirty="0" smtClean="0">
+                <a:solidFill>
                   <a:srgbClr val="D20035"/>
                 </a:solidFill>
                 <a:latin typeface="Menlo Regular"/>
@@ -31248,10 +33628,10 @@
                 <a:cs typeface="Menlo Regular"/>
                 <a:sym typeface="Courier New"/>
               </a:rPr>
-              <a:t>'VA'</a:t>
-            </a:r>
-            <a:r>
-              <a:rPr lang="en" sz="2200" dirty="0">
+              <a:t>'zip‘</a:t>
+            </a:r>
+            <a:r>
+              <a:rPr lang="en" sz="2200" dirty="0" smtClean="0">
                 <a:solidFill>
                   <a:srgbClr val="000000"/>
                 </a:solidFill>
@@ -31260,18 +33640,10 @@
                 <a:cs typeface="Menlo Regular"/>
                 <a:sym typeface="Courier New"/>
               </a:rPr>
-              <a:t>,</a:t>
-            </a:r>
-          </a:p>
-          <a:p>
-            <a:pPr lvl="0" rtl="0">
-              <a:spcBef>
-                <a:spcPts val="0"/>
-              </a:spcBef>
-              <a:buNone/>
-            </a:pPr>
-            <a:r>
-              <a:rPr lang="en" sz="2200" dirty="0">
+              <a:t>: </a:t>
+            </a:r>
+            <a:r>
+              <a:rPr lang="en" sz="2200" dirty="0" smtClean="0">
                 <a:solidFill>
                   <a:srgbClr val="000000"/>
                 </a:solidFill>
@@ -31280,31 +33652,7 @@
                 <a:cs typeface="Menlo Regular"/>
                 <a:sym typeface="Courier New"/>
               </a:rPr>
-              <a:t>   </a:t>
-            </a:r>
-            <a:r>
-              <a:rPr lang="en" sz="2200" dirty="0">
-                <a:solidFill>
-                  <a:srgbClr val="D20035"/>
-                </a:solidFill>
-                <a:latin typeface="Menlo Regular"/>
-                <a:ea typeface="Courier New"/>
-                <a:cs typeface="Menlo Regular"/>
-                <a:sym typeface="Courier New"/>
-              </a:rPr>
-              <a:t>'zip'</a:t>
-            </a:r>
-            <a:r>
-              <a:rPr lang="en" sz="2200" dirty="0">
-                <a:solidFill>
-                  <a:srgbClr val="000000"/>
-                </a:solidFill>
-                <a:latin typeface="Menlo Regular"/>
-                <a:ea typeface="Courier New"/>
-                <a:cs typeface="Menlo Regular"/>
-                <a:sym typeface="Courier New"/>
-              </a:rPr>
-              <a:t> =&gt; </a:t>
+              <a:t>‘</a:t>
             </a:r>
             <a:r>
               <a:rPr lang="en-US" sz="2200" dirty="0" smtClean="0">
@@ -31385,8 +33733,109 @@
               <a:buNone/>
             </a:pPr>
             <a:r>
+              <a:rPr lang="en-US" sz="2200" dirty="0" smtClean="0">
+                <a:solidFill>
+                  <a:srgbClr val="0E72A4"/>
+                </a:solidFill>
+                <a:latin typeface="Menlo Regular"/>
+                <a:ea typeface="Courier New"/>
+                <a:cs typeface="Menlo Regular"/>
+                <a:sym typeface="Courier New"/>
+              </a:rPr>
+              <a:t>print</a:t>
+            </a:r>
+            <a:r>
+              <a:rPr lang="en-US" sz="2200" dirty="0" smtClean="0">
+                <a:solidFill>
+                  <a:srgbClr val="000000"/>
+                </a:solidFill>
+                <a:latin typeface="Menlo Regular"/>
+                <a:ea typeface="Courier New"/>
+                <a:cs typeface="Menlo Regular"/>
+                <a:sym typeface="Courier New"/>
+              </a:rPr>
+              <a:t>(</a:t>
+            </a:r>
+            <a:r>
+              <a:rPr lang="en" sz="2200" dirty="0" smtClean="0">
+                <a:solidFill>
+                  <a:srgbClr val="000000"/>
+                </a:solidFill>
+                <a:latin typeface="Menlo Regular"/>
+                <a:ea typeface="Courier New"/>
+                <a:cs typeface="Menlo Regular"/>
+                <a:sym typeface="Courier New"/>
+              </a:rPr>
+              <a:t>address</a:t>
+            </a:r>
+            <a:r>
               <a:rPr lang="en" sz="2200" dirty="0">
                 <a:solidFill>
+                  <a:srgbClr val="000000"/>
+                </a:solidFill>
+                <a:latin typeface="Menlo Regular"/>
+                <a:ea typeface="Courier New"/>
+                <a:cs typeface="Menlo Regular"/>
+                <a:sym typeface="Courier New"/>
+              </a:rPr>
+              <a:t>[</a:t>
+            </a:r>
+            <a:r>
+              <a:rPr lang="en" sz="2200" dirty="0">
+                <a:solidFill>
+                  <a:srgbClr val="D20035"/>
+                </a:solidFill>
+                <a:latin typeface="Menlo Regular"/>
+                <a:ea typeface="Courier New"/>
+                <a:cs typeface="Menlo Regular"/>
+                <a:sym typeface="Courier New"/>
+              </a:rPr>
+              <a:t>'name</a:t>
+            </a:r>
+            <a:r>
+              <a:rPr lang="en" sz="2200" dirty="0" smtClean="0">
+                <a:solidFill>
+                  <a:srgbClr val="D20035"/>
+                </a:solidFill>
+                <a:latin typeface="Menlo Regular"/>
+                <a:ea typeface="Courier New"/>
+                <a:cs typeface="Menlo Regular"/>
+                <a:sym typeface="Courier New"/>
+              </a:rPr>
+              <a:t>'</a:t>
+            </a:r>
+            <a:r>
+              <a:rPr lang="en" sz="2200" dirty="0" smtClean="0">
+                <a:solidFill>
+                  <a:srgbClr val="000000"/>
+                </a:solidFill>
+                <a:latin typeface="Menlo Regular"/>
+                <a:ea typeface="Courier New"/>
+                <a:cs typeface="Menlo Regular"/>
+                <a:sym typeface="Courier New"/>
+              </a:rPr>
+              <a:t>])</a:t>
+            </a:r>
+            <a:endParaRPr lang="en" sz="2200" dirty="0">
+              <a:solidFill>
+                <a:srgbClr val="000000"/>
+              </a:solidFill>
+              <a:latin typeface="Menlo Regular"/>
+              <a:ea typeface="Courier New"/>
+              <a:cs typeface="Menlo Regular"/>
+              <a:sym typeface="Courier New"/>
+            </a:endParaRPr>
+          </a:p>
+          <a:p>
+            <a:pPr lvl="0" rtl="0">
+              <a:spcBef>
+                <a:spcPts val="0"/>
+              </a:spcBef>
+              <a:buNone/>
+            </a:pPr>
+            <a:r>
+              <a:rPr lang="en-US" sz="2200" dirty="0">
+                <a:solidFill>
                   <a:srgbClr val="0E72A4"/>
                 </a:solidFill>
                 <a:latin typeface="Menlo Regular"/>
@@ -31394,7 +33843,31 @@
                 <a:cs typeface="Menlo Regular"/>
                 <a:sym typeface="Courier New"/>
               </a:rPr>
-              <a:t>puts</a:t>
+              <a:t>p</a:t>
+            </a:r>
+            <a:r>
+              <a:rPr lang="en" sz="2200" dirty="0" smtClean="0">
+                <a:solidFill>
+                  <a:srgbClr val="0E72A4"/>
+                </a:solidFill>
+                <a:latin typeface="Menlo Regular"/>
+                <a:ea typeface="Courier New"/>
+                <a:cs typeface="Menlo Regular"/>
+                <a:sym typeface="Courier New"/>
+              </a:rPr>
+              <a:t>rint</a:t>
+            </a:r>
+            <a:r>
+              <a:rPr lang="en" sz="2200" dirty="0" smtClean="0">
+                <a:solidFill>
+                  <a:srgbClr val="000000"/>
+                </a:solidFill>
+                <a:latin typeface="Menlo Regular"/>
+                <a:ea typeface="Courier New"/>
+                <a:cs typeface="Menlo Regular"/>
+                <a:sym typeface="Courier New"/>
+              </a:rPr>
+              <a:t>(address</a:t>
             </a:r>
             <a:r>
               <a:rPr lang="en" sz="2200" dirty="0">
@@ -31406,7 +33879,7 @@
                 <a:cs typeface="Menlo Regular"/>
                 <a:sym typeface="Courier New"/>
               </a:rPr>
-              <a:t> address[</a:t>
+              <a:t>[</a:t>
             </a:r>
             <a:r>
               <a:rPr lang="en" sz="2200" dirty="0">
@@ -31418,7 +33891,84 @@
                 <a:cs typeface="Menlo Regular"/>
                 <a:sym typeface="Courier New"/>
               </a:rPr>
-              <a:t>'name'</a:t>
+              <a:t>'street</a:t>
+            </a:r>
+            <a:r>
+              <a:rPr lang="en" sz="2200" dirty="0" smtClean="0">
+                <a:solidFill>
+                  <a:srgbClr val="D20035"/>
+                </a:solidFill>
+                <a:latin typeface="Menlo Regular"/>
+                <a:ea typeface="Courier New"/>
+                <a:cs typeface="Menlo Regular"/>
+                <a:sym typeface="Courier New"/>
+              </a:rPr>
+              <a:t>'</a:t>
+            </a:r>
+            <a:r>
+              <a:rPr lang="en" sz="2200" dirty="0" smtClean="0">
+                <a:solidFill>
+                  <a:srgbClr val="000000"/>
+                </a:solidFill>
+                <a:latin typeface="Menlo Regular"/>
+                <a:ea typeface="Courier New"/>
+                <a:cs typeface="Menlo Regular"/>
+                <a:sym typeface="Courier New"/>
+              </a:rPr>
+              <a:t>])</a:t>
+            </a:r>
+            <a:endParaRPr lang="en" sz="2200" dirty="0">
+              <a:solidFill>
+                <a:srgbClr val="000000"/>
+              </a:solidFill>
+              <a:latin typeface="Menlo Regular"/>
+              <a:ea typeface="Courier New"/>
+              <a:cs typeface="Menlo Regular"/>
+              <a:sym typeface="Courier New"/>
+            </a:endParaRPr>
+          </a:p>
+          <a:p>
+            <a:pPr lvl="0" rtl="0">
+              <a:spcBef>
+                <a:spcPts val="0"/>
+              </a:spcBef>
+              <a:buNone/>
+            </a:pPr>
+            <a:r>
+              <a:rPr lang="en-US" sz="2200" dirty="0" err="1" smtClean="0">
+                <a:solidFill>
+                  <a:srgbClr val="0E72A4"/>
+                </a:solidFill>
+                <a:latin typeface="Menlo Regular"/>
+                <a:ea typeface="Courier New"/>
+                <a:cs typeface="Menlo Regular"/>
+                <a:sym typeface="Courier New"/>
+              </a:rPr>
+              <a:t>pr</a:t>
+            </a:r>
+            <a:r>
+              <a:rPr lang="en" sz="2200" dirty="0" smtClean="0">
+                <a:solidFill>
+                  <a:srgbClr val="0E72A4"/>
+                </a:solidFill>
+                <a:latin typeface="Menlo Regular"/>
+                <a:ea typeface="Courier New"/>
+                <a:cs typeface="Menlo Regular"/>
+                <a:sym typeface="Courier New"/>
+              </a:rPr>
+              <a:t>int</a:t>
+            </a:r>
+            <a:r>
+              <a:rPr lang="en" sz="2200" dirty="0" smtClean="0">
+                <a:solidFill>
+                  <a:srgbClr val="000000"/>
+                </a:solidFill>
+                <a:latin typeface="Menlo Regular"/>
+                <a:ea typeface="Courier New"/>
+                <a:cs typeface="Menlo Regular"/>
+                <a:sym typeface="Courier New"/>
+              </a:rPr>
+              <a:t>(address</a:t>
             </a:r>
             <a:r>
               <a:rPr lang="en" sz="2200" dirty="0">
@@ -31430,27 +33980,19 @@
                 <a:cs typeface="Menlo Regular"/>
                 <a:sym typeface="Courier New"/>
               </a:rPr>
-              <a:t>]</a:t>
-            </a:r>
-          </a:p>
-          <a:p>
-            <a:pPr lvl="0" rtl="0">
-              <a:spcBef>
-                <a:spcPts val="0"/>
-              </a:spcBef>
-              <a:buNone/>
-            </a:pPr>
+              <a:t>[</a:t>
+            </a:r>
             <a:r>
               <a:rPr lang="en" sz="2200" dirty="0">
                 <a:solidFill>
-                  <a:srgbClr val="0E72A4"/>
+                  <a:srgbClr val="D20035"/>
                 </a:solidFill>
                 <a:latin typeface="Menlo Regular"/>
                 <a:ea typeface="Courier New"/>
                 <a:cs typeface="Menlo Regular"/>
                 <a:sym typeface="Courier New"/>
               </a:rPr>
-              <a:t>puts</a:t>
+              <a:t>'city'</a:t>
             </a:r>
             <a:r>
               <a:rPr lang="en" sz="2200" dirty="0">
@@ -31462,7 +34004,7 @@
                 <a:cs typeface="Menlo Regular"/>
                 <a:sym typeface="Courier New"/>
               </a:rPr>
-              <a:t> address[</a:t>
+              <a:t>] + </a:t>
             </a:r>
             <a:r>
               <a:rPr lang="en" sz="2200" dirty="0">
@@ -31474,7 +34016,7 @@
                 <a:cs typeface="Menlo Regular"/>
                 <a:sym typeface="Courier New"/>
               </a:rPr>
-              <a:t>'street'</a:t>
+              <a:t>', ' </a:t>
             </a:r>
             <a:r>
               <a:rPr lang="en" sz="2200" dirty="0">
@@ -31486,27 +34028,19 @@
                 <a:cs typeface="Menlo Regular"/>
                 <a:sym typeface="Courier New"/>
               </a:rPr>
-              <a:t>]</a:t>
-            </a:r>
-          </a:p>
-          <a:p>
-            <a:pPr lvl="0" rtl="0">
-              <a:spcBef>
-                <a:spcPts val="0"/>
-              </a:spcBef>
-              <a:buNone/>
-            </a:pPr>
+              <a:t>+ address[</a:t>
+            </a:r>
             <a:r>
               <a:rPr lang="en" sz="2200" dirty="0">
                 <a:solidFill>
-                  <a:srgbClr val="0E72A4"/>
+                  <a:srgbClr val="D20035"/>
                 </a:solidFill>
                 <a:latin typeface="Menlo Regular"/>
                 <a:ea typeface="Courier New"/>
                 <a:cs typeface="Menlo Regular"/>
                 <a:sym typeface="Courier New"/>
               </a:rPr>
-              <a:t>puts</a:t>
+              <a:t>'state'</a:t>
             </a:r>
             <a:r>
               <a:rPr lang="en" sz="2200" dirty="0">
@@ -31518,7 +34052,7 @@
                 <a:cs typeface="Menlo Regular"/>
                 <a:sym typeface="Courier New"/>
               </a:rPr>
-              <a:t> address[</a:t>
+              <a:t>] + ' ' + address[</a:t>
             </a:r>
             <a:r>
               <a:rPr lang="en" sz="2200" dirty="0">
@@ -31530,10 +34064,22 @@
                 <a:cs typeface="Menlo Regular"/>
                 <a:sym typeface="Courier New"/>
               </a:rPr>
-              <a:t>'city'</a:t>
-            </a:r>
-            <a:r>
-              <a:rPr lang="en" sz="2200" dirty="0">
+              <a:t>'zip</a:t>
+            </a:r>
+            <a:r>
+              <a:rPr lang="en" sz="2200" dirty="0" smtClean="0">
+                <a:solidFill>
+                  <a:srgbClr val="D20035"/>
+                </a:solidFill>
+                <a:latin typeface="Menlo Regular"/>
+                <a:ea typeface="Courier New"/>
+                <a:cs typeface="Menlo Regular"/>
+                <a:sym typeface="Courier New"/>
+              </a:rPr>
+              <a:t>'</a:t>
+            </a:r>
+            <a:r>
+              <a:rPr lang="en" sz="2200" dirty="0" smtClean="0">
                 <a:solidFill>
                   <a:srgbClr val="000000"/>
                 </a:solidFill>
@@ -31542,80 +34088,17 @@
                 <a:cs typeface="Menlo Regular"/>
                 <a:sym typeface="Courier New"/>
               </a:rPr>
-              <a:t>] + </a:t>
-            </a:r>
-            <a:r>
-              <a:rPr lang="en" sz="2200" dirty="0">
-                <a:solidFill>
-                  <a:srgbClr val="D20035"/>
-                </a:solidFill>
-                <a:latin typeface="Menlo Regular"/>
-                <a:ea typeface="Courier New"/>
-                <a:cs typeface="Menlo Regular"/>
-                <a:sym typeface="Courier New"/>
-              </a:rPr>
-              <a:t>', ' </a:t>
-            </a:r>
-            <a:r>
-              <a:rPr lang="en" sz="2200" dirty="0">
-                <a:solidFill>
-                  <a:srgbClr val="000000"/>
-                </a:solidFill>
-                <a:latin typeface="Menlo Regular"/>
-                <a:ea typeface="Courier New"/>
-                <a:cs typeface="Menlo Regular"/>
-                <a:sym typeface="Courier New"/>
-              </a:rPr>
-              <a:t>+ address[</a:t>
-            </a:r>
-            <a:r>
-              <a:rPr lang="en" sz="2200" dirty="0">
-                <a:solidFill>
-                  <a:srgbClr val="D20035"/>
-                </a:solidFill>
-                <a:latin typeface="Menlo Regular"/>
-                <a:ea typeface="Courier New"/>
-                <a:cs typeface="Menlo Regular"/>
-                <a:sym typeface="Courier New"/>
-              </a:rPr>
-              <a:t>'state'</a:t>
-            </a:r>
-            <a:r>
-              <a:rPr lang="en" sz="2200" dirty="0">
-                <a:solidFill>
-                  <a:srgbClr val="000000"/>
-                </a:solidFill>
-                <a:latin typeface="Menlo Regular"/>
-                <a:ea typeface="Courier New"/>
-                <a:cs typeface="Menlo Regular"/>
-                <a:sym typeface="Courier New"/>
-              </a:rPr>
-              <a:t>] + ' ' + address[</a:t>
-            </a:r>
-            <a:r>
-              <a:rPr lang="en" sz="2200" dirty="0">
-                <a:solidFill>
-                  <a:srgbClr val="D20035"/>
-                </a:solidFill>
-                <a:latin typeface="Menlo Regular"/>
-                <a:ea typeface="Courier New"/>
-                <a:cs typeface="Menlo Regular"/>
-                <a:sym typeface="Courier New"/>
-              </a:rPr>
-              <a:t>'zip'</a:t>
-            </a:r>
-            <a:r>
-              <a:rPr lang="en" sz="2200" dirty="0">
-                <a:solidFill>
-                  <a:srgbClr val="000000"/>
-                </a:solidFill>
-                <a:latin typeface="Menlo Regular"/>
-                <a:ea typeface="Courier New"/>
-                <a:cs typeface="Menlo Regular"/>
-                <a:sym typeface="Courier New"/>
-              </a:rPr>
-              <a:t>]</a:t>
-            </a:r>
+              <a:t>])</a:t>
+            </a:r>
+            <a:endParaRPr lang="en" sz="2200" dirty="0">
+              <a:solidFill>
+                <a:srgbClr val="000000"/>
+              </a:solidFill>
+              <a:latin typeface="Menlo Regular"/>
+              <a:ea typeface="Courier New"/>
+              <a:cs typeface="Menlo Regular"/>
+              <a:sym typeface="Courier New"/>
+            </a:endParaRPr>
           </a:p>
           <a:p>
             <a:pPr>
@@ -32276,19 +34759,19 @@
               <a:buNone/>
             </a:pPr>
             <a:r>
-              <a:rPr lang="en" sz="1800" dirty="0">
-                <a:solidFill>
-                  <a:srgbClr val="0E72A4"/>
+              <a:rPr lang="en-US" sz="1800" dirty="0" smtClean="0">
+                <a:solidFill>
+                  <a:srgbClr val="000000"/>
                 </a:solidFill>
                 <a:latin typeface="Menlo Regular"/>
                 <a:ea typeface="Courier New"/>
                 <a:cs typeface="Menlo Regular"/>
                 <a:sym typeface="Courier New"/>
               </a:rPr>
-              <a:t>puts</a:t>
-            </a:r>
-            <a:r>
-              <a:rPr lang="en" sz="1800" dirty="0">
+              <a:t>p</a:t>
+            </a:r>
+            <a:r>
+              <a:rPr lang="en" sz="1800" dirty="0" smtClean="0">
                 <a:solidFill>
                   <a:srgbClr val="000000"/>
                 </a:solidFill>
@@ -32297,10 +34780,10 @@
                 <a:cs typeface="Menlo Regular"/>
                 <a:sym typeface="Courier New"/>
               </a:rPr>
-              <a:t> sec/</a:t>
-            </a:r>
-            <a:r>
-              <a:rPr lang="en" sz="1800" dirty="0">
+              <a:t>rint(sec/</a:t>
+            </a:r>
+            <a:r>
+              <a:rPr lang="en" sz="1800" dirty="0" smtClean="0">
                 <a:solidFill>
                   <a:srgbClr val="118987"/>
                 </a:solidFill>
@@ -32312,7 +34795,7 @@
               <a:t>60</a:t>
             </a:r>
             <a:r>
-              <a:rPr lang="en" sz="1800" dirty="0">
+              <a:rPr lang="en" sz="1800" dirty="0" smtClean="0">
                 <a:solidFill>
                   <a:srgbClr val="000000"/>
                 </a:solidFill>
@@ -32324,7 +34807,7 @@
               <a:t>/</a:t>
             </a:r>
             <a:r>
-              <a:rPr lang="en" sz="1800" dirty="0">
+              <a:rPr lang="en" sz="1800" dirty="0" smtClean="0">
                 <a:solidFill>
                   <a:srgbClr val="118987"/>
                 </a:solidFill>
@@ -32336,7 +34819,7 @@
               <a:t>60</a:t>
             </a:r>
             <a:r>
-              <a:rPr lang="en" sz="1800" dirty="0">
+              <a:rPr lang="en" sz="1800" dirty="0" smtClean="0">
                 <a:solidFill>
                   <a:srgbClr val="000000"/>
                 </a:solidFill>
@@ -32348,7 +34831,7 @@
               <a:t>/</a:t>
             </a:r>
             <a:r>
-              <a:rPr lang="en" sz="1800" dirty="0">
+              <a:rPr lang="en" sz="1800" dirty="0" smtClean="0">
                 <a:solidFill>
                   <a:srgbClr val="118987"/>
                 </a:solidFill>
@@ -32360,7 +34843,7 @@
               <a:t>24</a:t>
             </a:r>
             <a:r>
-              <a:rPr lang="en" sz="1800" dirty="0">
+              <a:rPr lang="en" sz="1800" dirty="0" smtClean="0">
                 <a:solidFill>
                   <a:srgbClr val="000000"/>
                 </a:solidFill>
@@ -32372,7 +34855,7 @@
               <a:t>/</a:t>
             </a:r>
             <a:r>
-              <a:rPr lang="en" sz="1800" dirty="0">
+              <a:rPr lang="en" sz="1800" dirty="0" smtClean="0">
                 <a:solidFill>
                   <a:srgbClr val="118987"/>
                 </a:solidFill>
@@ -32381,8 +34864,17 @@
                 <a:cs typeface="Menlo Regular"/>
                 <a:sym typeface="Courier New"/>
               </a:rPr>
-              <a:t>365</a:t>
-            </a:r>
+              <a:t>365)</a:t>
+            </a:r>
+            <a:endParaRPr lang="en" sz="1800" dirty="0">
+              <a:solidFill>
+                <a:srgbClr val="118987"/>
+              </a:solidFill>
+              <a:latin typeface="Menlo Regular"/>
+              <a:ea typeface="Courier New"/>
+              <a:cs typeface="Menlo Regular"/>
+              <a:sym typeface="Courier New"/>
+            </a:endParaRPr>
           </a:p>
         </p:txBody>
       </p:sp>

--- a/2017/python/B Done - ish/Python Programming Concepts I.pptx
+++ b/2017/python/B Done - ish/Python Programming Concepts I.pptx
@@ -6,7 +6,7 @@
     <p:sldMasterId id="2147483660" r:id="rId2"/>
   </p:sldMasterIdLst>
   <p:notesMasterIdLst>
-    <p:notesMasterId r:id="rId78"/>
+    <p:notesMasterId r:id="rId77"/>
   </p:notesMasterIdLst>
   <p:sldIdLst>
     <p:sldId id="256" r:id="rId3"/>
@@ -43,47 +43,46 @@
     <p:sldId id="280" r:id="rId34"/>
     <p:sldId id="330" r:id="rId35"/>
     <p:sldId id="334" r:id="rId36"/>
-    <p:sldId id="335" r:id="rId37"/>
-    <p:sldId id="281" r:id="rId38"/>
-    <p:sldId id="282" r:id="rId39"/>
-    <p:sldId id="283" r:id="rId40"/>
-    <p:sldId id="331" r:id="rId41"/>
-    <p:sldId id="284" r:id="rId42"/>
-    <p:sldId id="285" r:id="rId43"/>
-    <p:sldId id="286" r:id="rId44"/>
-    <p:sldId id="287" r:id="rId45"/>
-    <p:sldId id="288" r:id="rId46"/>
-    <p:sldId id="289" r:id="rId47"/>
-    <p:sldId id="290" r:id="rId48"/>
-    <p:sldId id="291" r:id="rId49"/>
-    <p:sldId id="292" r:id="rId50"/>
-    <p:sldId id="293" r:id="rId51"/>
-    <p:sldId id="294" r:id="rId52"/>
-    <p:sldId id="295" r:id="rId53"/>
-    <p:sldId id="296" r:id="rId54"/>
-    <p:sldId id="297" r:id="rId55"/>
-    <p:sldId id="298" r:id="rId56"/>
-    <p:sldId id="299" r:id="rId57"/>
-    <p:sldId id="300" r:id="rId58"/>
-    <p:sldId id="336" r:id="rId59"/>
-    <p:sldId id="301" r:id="rId60"/>
-    <p:sldId id="302" r:id="rId61"/>
-    <p:sldId id="303" r:id="rId62"/>
-    <p:sldId id="304" r:id="rId63"/>
-    <p:sldId id="305" r:id="rId64"/>
-    <p:sldId id="306" r:id="rId65"/>
-    <p:sldId id="307" r:id="rId66"/>
-    <p:sldId id="308" r:id="rId67"/>
-    <p:sldId id="309" r:id="rId68"/>
-    <p:sldId id="337" r:id="rId69"/>
-    <p:sldId id="310" r:id="rId70"/>
-    <p:sldId id="311" r:id="rId71"/>
-    <p:sldId id="312" r:id="rId72"/>
-    <p:sldId id="313" r:id="rId73"/>
-    <p:sldId id="314" r:id="rId74"/>
-    <p:sldId id="315" r:id="rId75"/>
-    <p:sldId id="316" r:id="rId76"/>
-    <p:sldId id="317" r:id="rId77"/>
+    <p:sldId id="281" r:id="rId37"/>
+    <p:sldId id="282" r:id="rId38"/>
+    <p:sldId id="283" r:id="rId39"/>
+    <p:sldId id="331" r:id="rId40"/>
+    <p:sldId id="284" r:id="rId41"/>
+    <p:sldId id="285" r:id="rId42"/>
+    <p:sldId id="286" r:id="rId43"/>
+    <p:sldId id="287" r:id="rId44"/>
+    <p:sldId id="288" r:id="rId45"/>
+    <p:sldId id="289" r:id="rId46"/>
+    <p:sldId id="290" r:id="rId47"/>
+    <p:sldId id="291" r:id="rId48"/>
+    <p:sldId id="292" r:id="rId49"/>
+    <p:sldId id="293" r:id="rId50"/>
+    <p:sldId id="294" r:id="rId51"/>
+    <p:sldId id="295" r:id="rId52"/>
+    <p:sldId id="296" r:id="rId53"/>
+    <p:sldId id="297" r:id="rId54"/>
+    <p:sldId id="298" r:id="rId55"/>
+    <p:sldId id="299" r:id="rId56"/>
+    <p:sldId id="300" r:id="rId57"/>
+    <p:sldId id="336" r:id="rId58"/>
+    <p:sldId id="301" r:id="rId59"/>
+    <p:sldId id="302" r:id="rId60"/>
+    <p:sldId id="303" r:id="rId61"/>
+    <p:sldId id="304" r:id="rId62"/>
+    <p:sldId id="305" r:id="rId63"/>
+    <p:sldId id="306" r:id="rId64"/>
+    <p:sldId id="307" r:id="rId65"/>
+    <p:sldId id="308" r:id="rId66"/>
+    <p:sldId id="309" r:id="rId67"/>
+    <p:sldId id="337" r:id="rId68"/>
+    <p:sldId id="310" r:id="rId69"/>
+    <p:sldId id="311" r:id="rId70"/>
+    <p:sldId id="312" r:id="rId71"/>
+    <p:sldId id="313" r:id="rId72"/>
+    <p:sldId id="314" r:id="rId73"/>
+    <p:sldId id="315" r:id="rId74"/>
+    <p:sldId id="316" r:id="rId75"/>
+    <p:sldId id="317" r:id="rId76"/>
   </p:sldIdLst>
   <p:sldSz cx="9144000" cy="6858000" type="screen4x3"/>
   <p:notesSz cx="6858000" cy="9144000"/>
@@ -17727,11 +17726,7 @@
             </a:pPr>
             <a:r>
               <a:rPr lang="en-US" dirty="0" smtClean="0"/>
-              <a:t>When running Python in terminal, </a:t>
-            </a:r>
-            <a:r>
-              <a:rPr lang="en-US" dirty="0" smtClean="0"/>
-              <a:t>terminal commands won’t work</a:t>
+              <a:t>When running Python in terminal, terminal commands won’t work</a:t>
             </a:r>
             <a:endParaRPr lang="en" dirty="0"/>
           </a:p>
@@ -20318,144 +20313,6 @@
   <p:cSld>
     <p:spTree>
       <p:nvGrpSpPr>
-        <p:cNvPr id="1" name=""/>
-        <p:cNvGrpSpPr/>
-        <p:nvPr/>
-      </p:nvGrpSpPr>
-      <p:grpSpPr>
-        <a:xfrm>
-          <a:off x="0" y="0"/>
-          <a:ext cx="0" cy="0"/>
-          <a:chOff x="0" y="0"/>
-          <a:chExt cx="0" cy="0"/>
-        </a:xfrm>
-      </p:grpSpPr>
-      <p:sp>
-        <p:nvSpPr>
-          <p:cNvPr id="2" name="Title 1"/>
-          <p:cNvSpPr>
-            <a:spLocks noGrp="1"/>
-          </p:cNvSpPr>
-          <p:nvPr>
-            <p:ph type="title"/>
-          </p:nvPr>
-        </p:nvSpPr>
-        <p:spPr/>
-        <p:txBody>
-          <a:bodyPr/>
-          <a:lstStyle/>
-          <a:p>
-            <a:r>
-              <a:rPr lang="en-US" sz="6600" dirty="0" smtClean="0">
-                <a:solidFill>
-                  <a:srgbClr val="FF0000"/>
-                </a:solidFill>
-                <a:latin typeface="Yanone Kaffeesatz Bold"/>
-                <a:cs typeface="Yanone Kaffeesatz Bold"/>
-              </a:rPr>
-              <a:t>Errors cont.</a:t>
-            </a:r>
-            <a:endParaRPr lang="en-US" sz="6600" dirty="0">
-              <a:solidFill>
-                <a:srgbClr val="FF0000"/>
-              </a:solidFill>
-              <a:latin typeface="Yanone Kaffeesatz Bold"/>
-              <a:cs typeface="Yanone Kaffeesatz Bold"/>
-            </a:endParaRPr>
-          </a:p>
-        </p:txBody>
-      </p:sp>
-      <p:pic>
-        <p:nvPicPr>
-          <p:cNvPr id="5" name="Picture 4" descr="Screen Shot 2016-06-03 at 2.08.59 PM.png"/>
-          <p:cNvPicPr>
-            <a:picLocks noChangeAspect="1"/>
-          </p:cNvPicPr>
-          <p:nvPr/>
-        </p:nvPicPr>
-        <p:blipFill>
-          <a:blip r:embed="rId2">
-            <a:extLst>
-              <a:ext uri="{28A0092B-C50C-407E-A947-70E740481C1C}">
-                <a14:useLocalDpi xmlns:a14="http://schemas.microsoft.com/office/drawing/2010/main" val="0"/>
-              </a:ext>
-            </a:extLst>
-          </a:blip>
-          <a:stretch>
-            <a:fillRect/>
-          </a:stretch>
-        </p:blipFill>
-        <p:spPr>
-          <a:xfrm>
-            <a:off x="0" y="1734505"/>
-            <a:ext cx="9144000" cy="1945532"/>
-          </a:xfrm>
-          <a:prstGeom prst="rect">
-            <a:avLst/>
-          </a:prstGeom>
-        </p:spPr>
-      </p:pic>
-      <p:sp>
-        <p:nvSpPr>
-          <p:cNvPr id="7" name="TextBox 6"/>
-          <p:cNvSpPr txBox="1"/>
-          <p:nvPr/>
-        </p:nvSpPr>
-        <p:spPr>
-          <a:xfrm>
-            <a:off x="457200" y="4375424"/>
-            <a:ext cx="8168873" cy="1323439"/>
-          </a:xfrm>
-          <a:prstGeom prst="rect">
-            <a:avLst/>
-          </a:prstGeom>
-          <a:noFill/>
-        </p:spPr>
-        <p:txBody>
-          <a:bodyPr wrap="none" rtlCol="0">
-            <a:spAutoFit/>
-          </a:bodyPr>
-          <a:lstStyle/>
-          <a:p>
-            <a:r>
-              <a:rPr lang="en-US" sz="4000" dirty="0" smtClean="0"/>
-              <a:t>If it doesn’t seem to be responding </a:t>
-            </a:r>
-          </a:p>
-          <a:p>
-            <a:r>
-              <a:rPr lang="en-US" sz="4000" dirty="0" smtClean="0"/>
-              <a:t>you can always control + d</a:t>
-            </a:r>
-            <a:endParaRPr lang="en-US" sz="4000" dirty="0"/>
-          </a:p>
-        </p:txBody>
-      </p:sp>
-    </p:spTree>
-    <p:extLst>
-      <p:ext uri="{BB962C8B-B14F-4D97-AF65-F5344CB8AC3E}">
-        <p14:creationId xmlns:p14="http://schemas.microsoft.com/office/powerpoint/2010/main" val="1863564825"/>
-      </p:ext>
-    </p:extLst>
-  </p:cSld>
-  <p:clrMapOvr>
-    <a:masterClrMapping/>
-  </p:clrMapOvr>
-  <p:timing>
-    <p:tnLst>
-      <p:par>
-        <p:cTn id="1" dur="indefinite" restart="never" nodeType="tmRoot"/>
-      </p:par>
-    </p:tnLst>
-  </p:timing>
-</p:sld>
-</file>
-
-<file path=ppt/slides/slide36.xml><?xml version="1.0" encoding="utf-8"?>
-<p:sld xmlns:a="http://schemas.openxmlformats.org/drawingml/2006/main" xmlns:r="http://schemas.openxmlformats.org/officeDocument/2006/relationships" xmlns:p="http://schemas.openxmlformats.org/presentationml/2006/main">
-  <p:cSld>
-    <p:spTree>
-      <p:nvGrpSpPr>
         <p:cNvPr id="1" name="Shape 197"/>
         <p:cNvGrpSpPr/>
         <p:nvPr/>
@@ -20575,7 +20432,7 @@
 </p:sld>
 </file>
 
-<file path=ppt/slides/slide37.xml><?xml version="1.0" encoding="utf-8"?>
+<file path=ppt/slides/slide36.xml><?xml version="1.0" encoding="utf-8"?>
 <p:sld xmlns:a="http://schemas.openxmlformats.org/drawingml/2006/main" xmlns:r="http://schemas.openxmlformats.org/officeDocument/2006/relationships" xmlns:p="http://schemas.openxmlformats.org/presentationml/2006/main">
   <p:cSld>
     <p:spTree>
@@ -20776,6 +20633,172 @@
           </a:ln>
         </p:spPr>
       </p:pic>
+    </p:spTree>
+  </p:cSld>
+  <p:clrMapOvr>
+    <a:masterClrMapping/>
+  </p:clrMapOvr>
+  <p:transition spd="slow">
+    <p:cut/>
+  </p:transition>
+  <p:timing>
+    <p:tnLst>
+      <p:par>
+        <p:cTn id="1" dur="indefinite" restart="never" nodeType="tmRoot"/>
+      </p:par>
+    </p:tnLst>
+  </p:timing>
+</p:sld>
+</file>
+
+<file path=ppt/slides/slide37.xml><?xml version="1.0" encoding="utf-8"?>
+<p:sld xmlns:a="http://schemas.openxmlformats.org/drawingml/2006/main" xmlns:r="http://schemas.openxmlformats.org/officeDocument/2006/relationships" xmlns:p="http://schemas.openxmlformats.org/presentationml/2006/main">
+  <p:cSld>
+    <p:spTree>
+      <p:nvGrpSpPr>
+        <p:cNvPr id="1" name="Shape 210"/>
+        <p:cNvGrpSpPr/>
+        <p:nvPr/>
+      </p:nvGrpSpPr>
+      <p:grpSpPr>
+        <a:xfrm>
+          <a:off x="0" y="0"/>
+          <a:ext cx="0" cy="0"/>
+          <a:chOff x="0" y="0"/>
+          <a:chExt cx="0" cy="0"/>
+        </a:xfrm>
+      </p:grpSpPr>
+      <p:sp>
+        <p:nvSpPr>
+          <p:cNvPr id="211" name="Shape 211"/>
+          <p:cNvSpPr txBox="1">
+            <a:spLocks noGrp="1"/>
+          </p:cNvSpPr>
+          <p:nvPr>
+            <p:ph type="title"/>
+          </p:nvPr>
+        </p:nvSpPr>
+        <p:spPr>
+          <a:xfrm>
+            <a:off x="280169" y="280417"/>
+            <a:ext cx="8664952" cy="996794"/>
+          </a:xfrm>
+          <a:prstGeom prst="rect">
+            <a:avLst/>
+          </a:prstGeom>
+        </p:spPr>
+        <p:txBody>
+          <a:bodyPr lIns="38100" tIns="38100" rIns="38100" bIns="38100" anchor="t" anchorCtr="0">
+            <a:noAutofit/>
+          </a:bodyPr>
+          <a:lstStyle/>
+          <a:p>
+            <a:pPr rtl="0">
+              <a:lnSpc>
+                <a:spcPct val="100000"/>
+              </a:lnSpc>
+              <a:spcBef>
+                <a:spcPts val="0"/>
+              </a:spcBef>
+              <a:buNone/>
+            </a:pPr>
+            <a:r>
+              <a:rPr lang="en" sz="6800" dirty="0">
+                <a:solidFill>
+                  <a:srgbClr val="FF0000"/>
+                </a:solidFill>
+                <a:latin typeface="Yanone Kaffeesatz Bold"/>
+                <a:ea typeface="Ubuntu"/>
+                <a:cs typeface="Yanone Kaffeesatz Bold"/>
+                <a:sym typeface="Ubuntu"/>
+              </a:rPr>
+              <a:t>Types of ducks</a:t>
+            </a:r>
+          </a:p>
+        </p:txBody>
+      </p:sp>
+      <p:sp>
+        <p:nvSpPr>
+          <p:cNvPr id="212" name="Shape 212"/>
+          <p:cNvSpPr txBox="1">
+            <a:spLocks noGrp="1"/>
+          </p:cNvSpPr>
+          <p:nvPr>
+            <p:ph type="body" idx="1"/>
+          </p:nvPr>
+        </p:nvSpPr>
+        <p:spPr>
+          <a:xfrm>
+            <a:off x="274319" y="2801035"/>
+            <a:ext cx="8663939" cy="3851223"/>
+          </a:xfrm>
+          <a:prstGeom prst="rect">
+            <a:avLst/>
+          </a:prstGeom>
+        </p:spPr>
+        <p:txBody>
+          <a:bodyPr lIns="38100" tIns="38100" rIns="38100" bIns="38100" anchor="t" anchorCtr="0">
+            <a:noAutofit/>
+          </a:bodyPr>
+          <a:lstStyle/>
+          <a:p>
+            <a:r>
+              <a:rPr lang="en" sz="6000" dirty="0">
+                <a:solidFill>
+                  <a:srgbClr val="0E72A4"/>
+                </a:solidFill>
+                <a:latin typeface="Ubuntu"/>
+                <a:ea typeface="Ubuntu"/>
+                <a:cs typeface="Ubuntu"/>
+                <a:sym typeface="Ubuntu"/>
+              </a:rPr>
+              <a:t>standard types: </a:t>
+            </a:r>
+            <a:endParaRPr lang="en-US" sz="6000" dirty="0" smtClean="0">
+              <a:solidFill>
+                <a:srgbClr val="0E72A4"/>
+              </a:solidFill>
+              <a:latin typeface="Ubuntu"/>
+              <a:ea typeface="Ubuntu"/>
+              <a:cs typeface="Ubuntu"/>
+              <a:sym typeface="Ubuntu"/>
+            </a:endParaRPr>
+          </a:p>
+          <a:p>
+            <a:pPr algn="r"/>
+            <a:r>
+              <a:rPr lang="en" sz="6000" dirty="0" smtClean="0">
+                <a:solidFill>
+                  <a:srgbClr val="D20035"/>
+                </a:solidFill>
+                <a:latin typeface="Ubuntu"/>
+                <a:ea typeface="Ubuntu"/>
+                <a:cs typeface="Ubuntu"/>
+                <a:sym typeface="Ubuntu"/>
+              </a:rPr>
+              <a:t>numbers </a:t>
+            </a:r>
+            <a:r>
+              <a:rPr lang="en" sz="6000" dirty="0">
+                <a:solidFill>
+                  <a:srgbClr val="D20035"/>
+                </a:solidFill>
+                <a:latin typeface="Ubuntu"/>
+                <a:ea typeface="Ubuntu"/>
+                <a:cs typeface="Ubuntu"/>
+                <a:sym typeface="Ubuntu"/>
+              </a:rPr>
+              <a:t>&amp; letters</a:t>
+            </a:r>
+            <a:endParaRPr lang="en" sz="6000" dirty="0">
+              <a:solidFill>
+                <a:srgbClr val="D20035"/>
+              </a:solidFill>
+              <a:sym typeface="Open Sans"/>
+            </a:endParaRPr>
+          </a:p>
+        </p:txBody>
+      </p:sp>
     </p:spTree>
   </p:cSld>
   <p:clrMapOvr>
@@ -20846,172 +20869,6 @@
               <a:buNone/>
             </a:pPr>
             <a:r>
-              <a:rPr lang="en" sz="6800" dirty="0">
-                <a:solidFill>
-                  <a:srgbClr val="FF0000"/>
-                </a:solidFill>
-                <a:latin typeface="Yanone Kaffeesatz Bold"/>
-                <a:ea typeface="Ubuntu"/>
-                <a:cs typeface="Yanone Kaffeesatz Bold"/>
-                <a:sym typeface="Ubuntu"/>
-              </a:rPr>
-              <a:t>Types of ducks</a:t>
-            </a:r>
-          </a:p>
-        </p:txBody>
-      </p:sp>
-      <p:sp>
-        <p:nvSpPr>
-          <p:cNvPr id="212" name="Shape 212"/>
-          <p:cNvSpPr txBox="1">
-            <a:spLocks noGrp="1"/>
-          </p:cNvSpPr>
-          <p:nvPr>
-            <p:ph type="body" idx="1"/>
-          </p:nvPr>
-        </p:nvSpPr>
-        <p:spPr>
-          <a:xfrm>
-            <a:off x="274319" y="2801035"/>
-            <a:ext cx="8663939" cy="3851223"/>
-          </a:xfrm>
-          <a:prstGeom prst="rect">
-            <a:avLst/>
-          </a:prstGeom>
-        </p:spPr>
-        <p:txBody>
-          <a:bodyPr lIns="38100" tIns="38100" rIns="38100" bIns="38100" anchor="t" anchorCtr="0">
-            <a:noAutofit/>
-          </a:bodyPr>
-          <a:lstStyle/>
-          <a:p>
-            <a:r>
-              <a:rPr lang="en" sz="6000" dirty="0">
-                <a:solidFill>
-                  <a:srgbClr val="0E72A4"/>
-                </a:solidFill>
-                <a:latin typeface="Ubuntu"/>
-                <a:ea typeface="Ubuntu"/>
-                <a:cs typeface="Ubuntu"/>
-                <a:sym typeface="Ubuntu"/>
-              </a:rPr>
-              <a:t>standard types: </a:t>
-            </a:r>
-            <a:endParaRPr lang="en-US" sz="6000" dirty="0" smtClean="0">
-              <a:solidFill>
-                <a:srgbClr val="0E72A4"/>
-              </a:solidFill>
-              <a:latin typeface="Ubuntu"/>
-              <a:ea typeface="Ubuntu"/>
-              <a:cs typeface="Ubuntu"/>
-              <a:sym typeface="Ubuntu"/>
-            </a:endParaRPr>
-          </a:p>
-          <a:p>
-            <a:pPr algn="r"/>
-            <a:r>
-              <a:rPr lang="en" sz="6000" dirty="0" smtClean="0">
-                <a:solidFill>
-                  <a:srgbClr val="D20035"/>
-                </a:solidFill>
-                <a:latin typeface="Ubuntu"/>
-                <a:ea typeface="Ubuntu"/>
-                <a:cs typeface="Ubuntu"/>
-                <a:sym typeface="Ubuntu"/>
-              </a:rPr>
-              <a:t>numbers </a:t>
-            </a:r>
-            <a:r>
-              <a:rPr lang="en" sz="6000" dirty="0">
-                <a:solidFill>
-                  <a:srgbClr val="D20035"/>
-                </a:solidFill>
-                <a:latin typeface="Ubuntu"/>
-                <a:ea typeface="Ubuntu"/>
-                <a:cs typeface="Ubuntu"/>
-                <a:sym typeface="Ubuntu"/>
-              </a:rPr>
-              <a:t>&amp; letters</a:t>
-            </a:r>
-            <a:endParaRPr lang="en" sz="6000" dirty="0">
-              <a:solidFill>
-                <a:srgbClr val="D20035"/>
-              </a:solidFill>
-              <a:sym typeface="Open Sans"/>
-            </a:endParaRPr>
-          </a:p>
-        </p:txBody>
-      </p:sp>
-    </p:spTree>
-  </p:cSld>
-  <p:clrMapOvr>
-    <a:masterClrMapping/>
-  </p:clrMapOvr>
-  <p:transition spd="slow">
-    <p:cut/>
-  </p:transition>
-  <p:timing>
-    <p:tnLst>
-      <p:par>
-        <p:cTn id="1" dur="indefinite" restart="never" nodeType="tmRoot"/>
-      </p:par>
-    </p:tnLst>
-  </p:timing>
-</p:sld>
-</file>
-
-<file path=ppt/slides/slide39.xml><?xml version="1.0" encoding="utf-8"?>
-<p:sld xmlns:a="http://schemas.openxmlformats.org/drawingml/2006/main" xmlns:r="http://schemas.openxmlformats.org/officeDocument/2006/relationships" xmlns:p="http://schemas.openxmlformats.org/presentationml/2006/main">
-  <p:cSld>
-    <p:spTree>
-      <p:nvGrpSpPr>
-        <p:cNvPr id="1" name="Shape 210"/>
-        <p:cNvGrpSpPr/>
-        <p:nvPr/>
-      </p:nvGrpSpPr>
-      <p:grpSpPr>
-        <a:xfrm>
-          <a:off x="0" y="0"/>
-          <a:ext cx="0" cy="0"/>
-          <a:chOff x="0" y="0"/>
-          <a:chExt cx="0" cy="0"/>
-        </a:xfrm>
-      </p:grpSpPr>
-      <p:sp>
-        <p:nvSpPr>
-          <p:cNvPr id="211" name="Shape 211"/>
-          <p:cNvSpPr txBox="1">
-            <a:spLocks noGrp="1"/>
-          </p:cNvSpPr>
-          <p:nvPr>
-            <p:ph type="title"/>
-          </p:nvPr>
-        </p:nvSpPr>
-        <p:spPr>
-          <a:xfrm>
-            <a:off x="280169" y="280417"/>
-            <a:ext cx="8664952" cy="996794"/>
-          </a:xfrm>
-          <a:prstGeom prst="rect">
-            <a:avLst/>
-          </a:prstGeom>
-        </p:spPr>
-        <p:txBody>
-          <a:bodyPr lIns="38100" tIns="38100" rIns="38100" bIns="38100" anchor="t" anchorCtr="0">
-            <a:noAutofit/>
-          </a:bodyPr>
-          <a:lstStyle/>
-          <a:p>
-            <a:pPr rtl="0">
-              <a:lnSpc>
-                <a:spcPct val="100000"/>
-              </a:lnSpc>
-              <a:spcBef>
-                <a:spcPts val="0"/>
-              </a:spcBef>
-              <a:buNone/>
-            </a:pPr>
-            <a:r>
               <a:rPr lang="en-US" sz="6800" dirty="0" smtClean="0">
                 <a:solidFill>
                   <a:srgbClr val="FF0000"/>
@@ -21388,88 +21245,7 @@
 </p:sld>
 </file>
 
-<file path=ppt/slides/slide4.xml><?xml version="1.0" encoding="utf-8"?>
-<p:sld xmlns:a="http://schemas.openxmlformats.org/drawingml/2006/main" xmlns:r="http://schemas.openxmlformats.org/officeDocument/2006/relationships" xmlns:p="http://schemas.openxmlformats.org/presentationml/2006/main">
-  <p:cSld>
-    <p:spTree>
-      <p:nvGrpSpPr>
-        <p:cNvPr id="1" name=""/>
-        <p:cNvGrpSpPr/>
-        <p:nvPr/>
-      </p:nvGrpSpPr>
-      <p:grpSpPr>
-        <a:xfrm>
-          <a:off x="0" y="0"/>
-          <a:ext cx="0" cy="0"/>
-          <a:chOff x="0" y="0"/>
-          <a:chExt cx="0" cy="0"/>
-        </a:xfrm>
-      </p:grpSpPr>
-      <p:sp>
-        <p:nvSpPr>
-          <p:cNvPr id="2" name="Title 1"/>
-          <p:cNvSpPr>
-            <a:spLocks noGrp="1"/>
-          </p:cNvSpPr>
-          <p:nvPr>
-            <p:ph type="title"/>
-          </p:nvPr>
-        </p:nvSpPr>
-        <p:spPr>
-          <a:xfrm>
-            <a:off x="457200" y="600638"/>
-            <a:ext cx="8229600" cy="1799340"/>
-          </a:xfrm>
-        </p:spPr>
-        <p:txBody>
-          <a:bodyPr/>
-          <a:lstStyle/>
-          <a:p>
-            <a:r>
-              <a:rPr lang="en-US" sz="6000" dirty="0" smtClean="0">
-                <a:solidFill>
-                  <a:srgbClr val="FF0000"/>
-                </a:solidFill>
-                <a:latin typeface="Yanone Kaffeesatz Bold"/>
-                <a:cs typeface="Yanone Kaffeesatz Bold"/>
-              </a:rPr>
-              <a:t>Digital Humanities Programming</a:t>
-            </a:r>
-            <a:r>
-              <a:rPr lang="en" sz="6000" dirty="0" smtClean="0">
-                <a:solidFill>
-                  <a:srgbClr val="FF0000"/>
-                </a:solidFill>
-                <a:latin typeface="Yanone Kaffeesatz Bold"/>
-                <a:cs typeface="Yanone Kaffeesatz Bold"/>
-              </a:rPr>
-              <a:t>?</a:t>
-            </a:r>
-            <a:endParaRPr lang="en-US" sz="6000" dirty="0"/>
-          </a:p>
-        </p:txBody>
-      </p:sp>
-    </p:spTree>
-    <p:extLst>
-      <p:ext uri="{BB962C8B-B14F-4D97-AF65-F5344CB8AC3E}">
-        <p14:creationId xmlns:p14="http://schemas.microsoft.com/office/powerpoint/2010/main" val="145261807"/>
-      </p:ext>
-    </p:extLst>
-  </p:cSld>
-  <p:clrMapOvr>
-    <a:masterClrMapping/>
-  </p:clrMapOvr>
-  <p:timing>
-    <p:tnLst>
-      <p:par>
-        <p:cTn id="1" dur="indefinite" restart="never" nodeType="tmRoot"/>
-      </p:par>
-    </p:tnLst>
-  </p:timing>
-</p:sld>
-</file>
-
-<file path=ppt/slides/slide40.xml><?xml version="1.0" encoding="utf-8"?>
+<file path=ppt/slides/slide39.xml><?xml version="1.0" encoding="utf-8"?>
 <p:sld xmlns:a="http://schemas.openxmlformats.org/drawingml/2006/main" xmlns:r="http://schemas.openxmlformats.org/officeDocument/2006/relationships" xmlns:p="http://schemas.openxmlformats.org/presentationml/2006/main">
   <p:cSld>
     <p:spTree>
@@ -21681,16 +21457,7 @@
                 <a:cs typeface="Menlo Regular"/>
                 <a:sym typeface="Courier New"/>
               </a:rPr>
-              <a:t>‘</a:t>
-            </a:r>
-            <a:r>
-              <a:rPr lang="en" dirty="0" smtClean="0">
-                <a:latin typeface="Menlo Regular"/>
-                <a:ea typeface="Courier New"/>
-                <a:cs typeface="Menlo Regular"/>
-                <a:sym typeface="Courier New"/>
-              </a:rPr>
-              <a:t>Single </a:t>
+              <a:t>‘Single </a:t>
             </a:r>
             <a:r>
               <a:rPr lang="en" dirty="0">
@@ -21943,7 +21710,88 @@
 </p:sld>
 </file>
 
-<file path=ppt/slides/slide41.xml><?xml version="1.0" encoding="utf-8"?>
+<file path=ppt/slides/slide4.xml><?xml version="1.0" encoding="utf-8"?>
+<p:sld xmlns:a="http://schemas.openxmlformats.org/drawingml/2006/main" xmlns:r="http://schemas.openxmlformats.org/officeDocument/2006/relationships" xmlns:p="http://schemas.openxmlformats.org/presentationml/2006/main">
+  <p:cSld>
+    <p:spTree>
+      <p:nvGrpSpPr>
+        <p:cNvPr id="1" name=""/>
+        <p:cNvGrpSpPr/>
+        <p:nvPr/>
+      </p:nvGrpSpPr>
+      <p:grpSpPr>
+        <a:xfrm>
+          <a:off x="0" y="0"/>
+          <a:ext cx="0" cy="0"/>
+          <a:chOff x="0" y="0"/>
+          <a:chExt cx="0" cy="0"/>
+        </a:xfrm>
+      </p:grpSpPr>
+      <p:sp>
+        <p:nvSpPr>
+          <p:cNvPr id="2" name="Title 1"/>
+          <p:cNvSpPr>
+            <a:spLocks noGrp="1"/>
+          </p:cNvSpPr>
+          <p:nvPr>
+            <p:ph type="title"/>
+          </p:nvPr>
+        </p:nvSpPr>
+        <p:spPr>
+          <a:xfrm>
+            <a:off x="457200" y="600638"/>
+            <a:ext cx="8229600" cy="1799340"/>
+          </a:xfrm>
+        </p:spPr>
+        <p:txBody>
+          <a:bodyPr/>
+          <a:lstStyle/>
+          <a:p>
+            <a:r>
+              <a:rPr lang="en-US" sz="6000" dirty="0" smtClean="0">
+                <a:solidFill>
+                  <a:srgbClr val="FF0000"/>
+                </a:solidFill>
+                <a:latin typeface="Yanone Kaffeesatz Bold"/>
+                <a:cs typeface="Yanone Kaffeesatz Bold"/>
+              </a:rPr>
+              <a:t>Digital Humanities Programming</a:t>
+            </a:r>
+            <a:r>
+              <a:rPr lang="en" sz="6000" dirty="0" smtClean="0">
+                <a:solidFill>
+                  <a:srgbClr val="FF0000"/>
+                </a:solidFill>
+                <a:latin typeface="Yanone Kaffeesatz Bold"/>
+                <a:cs typeface="Yanone Kaffeesatz Bold"/>
+              </a:rPr>
+              <a:t>?</a:t>
+            </a:r>
+            <a:endParaRPr lang="en-US" sz="6000" dirty="0"/>
+          </a:p>
+        </p:txBody>
+      </p:sp>
+    </p:spTree>
+    <p:extLst>
+      <p:ext uri="{BB962C8B-B14F-4D97-AF65-F5344CB8AC3E}">
+        <p14:creationId xmlns:p14="http://schemas.microsoft.com/office/powerpoint/2010/main" val="145261807"/>
+      </p:ext>
+    </p:extLst>
+  </p:cSld>
+  <p:clrMapOvr>
+    <a:masterClrMapping/>
+  </p:clrMapOvr>
+  <p:timing>
+    <p:tnLst>
+      <p:par>
+        <p:cTn id="1" dur="indefinite" restart="never" nodeType="tmRoot"/>
+      </p:par>
+    </p:tnLst>
+  </p:timing>
+</p:sld>
+</file>
+
+<file path=ppt/slides/slide40.xml><?xml version="1.0" encoding="utf-8"?>
 <p:sld xmlns:a="http://schemas.openxmlformats.org/drawingml/2006/main" xmlns:r="http://schemas.openxmlformats.org/officeDocument/2006/relationships" xmlns:p="http://schemas.openxmlformats.org/presentationml/2006/main">
   <p:cSld>
     <p:spTree>
@@ -22150,7 +21998,7 @@
 </p:sld>
 </file>
 
-<file path=ppt/slides/slide42.xml><?xml version="1.0" encoding="utf-8"?>
+<file path=ppt/slides/slide41.xml><?xml version="1.0" encoding="utf-8"?>
 <p:sld xmlns:a="http://schemas.openxmlformats.org/drawingml/2006/main" xmlns:r="http://schemas.openxmlformats.org/officeDocument/2006/relationships" xmlns:p="http://schemas.openxmlformats.org/presentationml/2006/main">
   <p:cSld>
     <p:spTree>
@@ -22375,7 +22223,7 @@
 </p:sld>
 </file>
 
-<file path=ppt/slides/slide43.xml><?xml version="1.0" encoding="utf-8"?>
+<file path=ppt/slides/slide42.xml><?xml version="1.0" encoding="utf-8"?>
 <p:sld xmlns:a="http://schemas.openxmlformats.org/drawingml/2006/main" xmlns:r="http://schemas.openxmlformats.org/officeDocument/2006/relationships" xmlns:p="http://schemas.openxmlformats.org/presentationml/2006/main">
   <p:cSld>
     <p:spTree>
@@ -22643,7 +22491,7 @@
 </p:sld>
 </file>
 
-<file path=ppt/slides/slide44.xml><?xml version="1.0" encoding="utf-8"?>
+<file path=ppt/slides/slide43.xml><?xml version="1.0" encoding="utf-8"?>
 <p:sld xmlns:a="http://schemas.openxmlformats.org/drawingml/2006/main" xmlns:r="http://schemas.openxmlformats.org/officeDocument/2006/relationships" xmlns:p="http://schemas.openxmlformats.org/presentationml/2006/main">
   <p:cSld>
     <p:spTree>
@@ -22831,7 +22679,7 @@
 </p:sld>
 </file>
 
-<file path=ppt/slides/slide45.xml><?xml version="1.0" encoding="utf-8"?>
+<file path=ppt/slides/slide44.xml><?xml version="1.0" encoding="utf-8"?>
 <p:sld xmlns:a="http://schemas.openxmlformats.org/drawingml/2006/main" xmlns:r="http://schemas.openxmlformats.org/officeDocument/2006/relationships" xmlns:p="http://schemas.openxmlformats.org/presentationml/2006/main">
   <p:cSld>
     <p:spTree>
@@ -23140,7 +22988,7 @@
 </p:sld>
 </file>
 
-<file path=ppt/slides/slide46.xml><?xml version="1.0" encoding="utf-8"?>
+<file path=ppt/slides/slide45.xml><?xml version="1.0" encoding="utf-8"?>
 <p:sld xmlns:a="http://schemas.openxmlformats.org/drawingml/2006/main" xmlns:r="http://schemas.openxmlformats.org/officeDocument/2006/relationships" xmlns:p="http://schemas.openxmlformats.org/presentationml/2006/main">
   <p:cSld>
     <p:spTree>
@@ -23398,31 +23246,7 @@
                   <a:schemeClr val="bg2"/>
                 </a:solidFill>
               </a:rPr>
-              <a:t>If you tr</a:t>
-            </a:r>
-            <a:r>
-              <a:rPr lang="en-US" sz="3600" dirty="0" smtClean="0">
-                <a:solidFill>
-                  <a:schemeClr val="bg2"/>
-                </a:solidFill>
-              </a:rPr>
-              <a:t>y these </a:t>
-            </a:r>
-            <a:r>
-              <a:rPr lang="en-US" sz="3600" dirty="0" smtClean="0">
-                <a:solidFill>
-                  <a:schemeClr val="bg2"/>
-                </a:solidFill>
-              </a:rPr>
-              <a:t>in Python 2.7, why </a:t>
-            </a:r>
-            <a:r>
-              <a:rPr lang="en-US" sz="3600" dirty="0" smtClean="0">
-                <a:solidFill>
-                  <a:schemeClr val="bg2"/>
-                </a:solidFill>
-              </a:rPr>
-              <a:t>does </a:t>
+              <a:t>If you try these in Python 2.7, why does </a:t>
             </a:r>
             <a:r>
               <a:rPr lang="en" sz="3600" dirty="0" smtClean="0">
@@ -23461,7 +23285,7 @@
 </p:sld>
 </file>
 
-<file path=ppt/slides/slide47.xml><?xml version="1.0" encoding="utf-8"?>
+<file path=ppt/slides/slide46.xml><?xml version="1.0" encoding="utf-8"?>
 <p:sld xmlns:a="http://schemas.openxmlformats.org/drawingml/2006/main" xmlns:r="http://schemas.openxmlformats.org/officeDocument/2006/relationships" xmlns:p="http://schemas.openxmlformats.org/presentationml/2006/main">
   <p:cSld>
     <p:spTree>
@@ -23602,7 +23426,7 @@
 </p:sld>
 </file>
 
-<file path=ppt/slides/slide48.xml><?xml version="1.0" encoding="utf-8"?>
+<file path=ppt/slides/slide47.xml><?xml version="1.0" encoding="utf-8"?>
 <p:sld xmlns:a="http://schemas.openxmlformats.org/drawingml/2006/main" xmlns:r="http://schemas.openxmlformats.org/officeDocument/2006/relationships" xmlns:p="http://schemas.openxmlformats.org/presentationml/2006/main">
   <p:cSld>
     <p:spTree>
@@ -23957,7 +23781,7 @@
 </p:sld>
 </file>
 
-<file path=ppt/slides/slide49.xml><?xml version="1.0" encoding="utf-8"?>
+<file path=ppt/slides/slide48.xml><?xml version="1.0" encoding="utf-8"?>
 <p:sld xmlns:a="http://schemas.openxmlformats.org/drawingml/2006/main" xmlns:r="http://schemas.openxmlformats.org/officeDocument/2006/relationships" xmlns:p="http://schemas.openxmlformats.org/presentationml/2006/main">
   <p:cSld>
     <p:spTree>
@@ -24300,23 +24124,43 @@
                 <a:cs typeface="Menlo Regular"/>
                 <a:sym typeface="Courier New"/>
               </a:rPr>
-              <a:t>"plum</a:t>
+              <a:t>"plum"</a:t>
             </a:r>
             <a:r>
               <a:rPr lang="en" sz="2400" dirty="0" smtClean="0">
                 <a:solidFill>
-                  <a:srgbClr val="D80035"/>
+                  <a:srgbClr val="0E72A4"/>
                 </a:solidFill>
                 <a:latin typeface="Menlo Regular"/>
                 <a:ea typeface="Courier New"/>
                 <a:cs typeface="Menlo Regular"/>
                 <a:sym typeface="Courier New"/>
               </a:rPr>
-              <a:t>"</a:t>
-            </a:r>
+              <a:t>]</a:t>
+            </a:r>
+          </a:p>
+          <a:p>
+            <a:pPr lvl="0" rtl="0">
+              <a:spcBef>
+                <a:spcPts val="0"/>
+              </a:spcBef>
+              <a:buNone/>
+            </a:pPr>
             <a:r>
               <a:rPr lang="en" sz="2400" dirty="0" smtClean="0">
                 <a:solidFill>
+                  <a:srgbClr val="000000"/>
+                </a:solidFill>
+                <a:latin typeface="Menlo Regular"/>
+                <a:ea typeface="Courier New"/>
+                <a:cs typeface="Menlo Regular"/>
+                <a:sym typeface="Courier New"/>
+              </a:rPr>
+              <a:t>&gt;&gt;&gt; </a:t>
+            </a:r>
+            <a:r>
+              <a:rPr lang="en" sz="2400" dirty="0" smtClean="0">
+                <a:solidFill>
                   <a:srgbClr val="0E72A4"/>
                 </a:solidFill>
                 <a:latin typeface="Menlo Regular"/>
@@ -24324,11 +24168,11 @@
                 <a:cs typeface="Menlo Regular"/>
                 <a:sym typeface="Courier New"/>
               </a:rPr>
-              <a:t>]</a:t>
-            </a:r>
-          </a:p>
-          <a:p>
-            <a:pPr lvl="0" rtl="0">
+              <a:t>fruits</a:t>
+            </a:r>
+          </a:p>
+          <a:p>
+            <a:pPr lvl="0">
               <a:spcBef>
                 <a:spcPts val="0"/>
               </a:spcBef>
@@ -24344,159 +24188,7 @@
                 <a:cs typeface="Menlo Regular"/>
                 <a:sym typeface="Courier New"/>
               </a:rPr>
-              <a:t>&gt;&gt;&gt; </a:t>
-            </a:r>
-            <a:r>
-              <a:rPr lang="en" sz="2400" dirty="0" smtClean="0">
-                <a:solidFill>
-                  <a:srgbClr val="0E72A4"/>
-                </a:solidFill>
-                <a:latin typeface="Menlo Regular"/>
-                <a:ea typeface="Courier New"/>
-                <a:cs typeface="Menlo Regular"/>
-                <a:sym typeface="Courier New"/>
-              </a:rPr>
-              <a:t>fruits</a:t>
-            </a:r>
-          </a:p>
-          <a:p>
-            <a:pPr lvl="0">
-              <a:spcBef>
-                <a:spcPts val="0"/>
-              </a:spcBef>
-              <a:buNone/>
-            </a:pPr>
-            <a:r>
-              <a:rPr lang="en" sz="2400" dirty="0" smtClean="0">
-                <a:solidFill>
-                  <a:srgbClr val="000000"/>
-                </a:solidFill>
-                <a:latin typeface="Menlo Regular"/>
-                <a:ea typeface="Courier New"/>
-                <a:cs typeface="Menlo Regular"/>
-                <a:sym typeface="Courier New"/>
-              </a:rPr>
-              <a:t>[‘kiwi</a:t>
-            </a:r>
-            <a:r>
-              <a:rPr lang="en" sz="2400" dirty="0" smtClean="0">
-                <a:solidFill>
-                  <a:srgbClr val="000000"/>
-                </a:solidFill>
-                <a:latin typeface="Menlo Regular"/>
-                <a:ea typeface="Courier New"/>
-                <a:cs typeface="Menlo Regular"/>
-                <a:sym typeface="Courier New"/>
-              </a:rPr>
-              <a:t>’</a:t>
-            </a:r>
-            <a:r>
-              <a:rPr lang="en" sz="2400" dirty="0" smtClean="0">
-                <a:solidFill>
-                  <a:srgbClr val="000000"/>
-                </a:solidFill>
-                <a:latin typeface="Menlo Regular"/>
-                <a:ea typeface="Courier New"/>
-                <a:cs typeface="Menlo Regular"/>
-                <a:sym typeface="Courier New"/>
-              </a:rPr>
-              <a:t>, </a:t>
-            </a:r>
-            <a:r>
-              <a:rPr lang="en" sz="2400" dirty="0" smtClean="0">
-                <a:solidFill>
-                  <a:srgbClr val="000000"/>
-                </a:solidFill>
-                <a:latin typeface="Menlo Regular"/>
-                <a:ea typeface="Courier New"/>
-                <a:cs typeface="Menlo Regular"/>
-                <a:sym typeface="Courier New"/>
-              </a:rPr>
-              <a:t>‘</a:t>
-            </a:r>
-            <a:r>
-              <a:rPr lang="en" sz="2400" dirty="0" smtClean="0">
-                <a:solidFill>
-                  <a:srgbClr val="000000"/>
-                </a:solidFill>
-                <a:latin typeface="Menlo Regular"/>
-                <a:ea typeface="Courier New"/>
-                <a:cs typeface="Menlo Regular"/>
-                <a:sym typeface="Courier New"/>
-              </a:rPr>
-              <a:t>strawberry</a:t>
-            </a:r>
-            <a:r>
-              <a:rPr lang="en" sz="2400" dirty="0" smtClean="0">
-                <a:solidFill>
-                  <a:srgbClr val="000000"/>
-                </a:solidFill>
-                <a:latin typeface="Menlo Regular"/>
-                <a:ea typeface="Courier New"/>
-                <a:cs typeface="Menlo Regular"/>
-                <a:sym typeface="Courier New"/>
-              </a:rPr>
-              <a:t>’</a:t>
-            </a:r>
-            <a:r>
-              <a:rPr lang="en" sz="2400" dirty="0" smtClean="0">
-                <a:solidFill>
-                  <a:srgbClr val="000000"/>
-                </a:solidFill>
-                <a:latin typeface="Menlo Regular"/>
-                <a:ea typeface="Courier New"/>
-                <a:cs typeface="Menlo Regular"/>
-                <a:sym typeface="Courier New"/>
-              </a:rPr>
-              <a:t>, </a:t>
-            </a:r>
-            <a:r>
-              <a:rPr lang="en" sz="2400" dirty="0" smtClean="0">
-                <a:solidFill>
-                  <a:srgbClr val="000000"/>
-                </a:solidFill>
-                <a:latin typeface="Menlo Regular"/>
-                <a:ea typeface="Courier New"/>
-                <a:cs typeface="Menlo Regular"/>
-                <a:sym typeface="Courier New"/>
-              </a:rPr>
-              <a:t>‘</a:t>
-            </a:r>
-            <a:r>
-              <a:rPr lang="en" sz="2400" dirty="0" smtClean="0">
-                <a:solidFill>
-                  <a:srgbClr val="000000"/>
-                </a:solidFill>
-                <a:latin typeface="Menlo Regular"/>
-                <a:ea typeface="Courier New"/>
-                <a:cs typeface="Menlo Regular"/>
-                <a:sym typeface="Courier New"/>
-              </a:rPr>
-              <a:t>plum</a:t>
-            </a:r>
-            <a:r>
-              <a:rPr lang="en" sz="2400" dirty="0" smtClean="0">
-                <a:solidFill>
-                  <a:srgbClr val="000000"/>
-                </a:solidFill>
-                <a:latin typeface="Menlo Regular"/>
-                <a:ea typeface="Courier New"/>
-                <a:cs typeface="Menlo Regular"/>
-                <a:sym typeface="Courier New"/>
-              </a:rPr>
-              <a:t>’</a:t>
-            </a:r>
-            <a:r>
-              <a:rPr lang="en" sz="2400" dirty="0" smtClean="0">
-                <a:solidFill>
-                  <a:srgbClr val="000000"/>
-                </a:solidFill>
-                <a:latin typeface="Menlo Regular"/>
-                <a:ea typeface="Courier New"/>
-                <a:cs typeface="Menlo Regular"/>
-                <a:sym typeface="Courier New"/>
-              </a:rPr>
-              <a:t>]</a:t>
+              <a:t>[‘kiwi’, ‘strawberry’, ‘plum’]</a:t>
             </a:r>
             <a:endParaRPr lang="en" sz="2400" dirty="0">
               <a:solidFill>
@@ -24507,6 +24199,168 @@
               <a:cs typeface="Menlo Regular"/>
               <a:sym typeface="Courier New"/>
             </a:endParaRPr>
+          </a:p>
+        </p:txBody>
+      </p:sp>
+    </p:spTree>
+  </p:cSld>
+  <p:clrMapOvr>
+    <a:masterClrMapping/>
+  </p:clrMapOvr>
+  <p:transition spd="slow">
+    <p:cut/>
+  </p:transition>
+  <p:timing>
+    <p:tnLst>
+      <p:par>
+        <p:cTn id="1" dur="indefinite" restart="never" nodeType="tmRoot"/>
+      </p:par>
+    </p:tnLst>
+  </p:timing>
+</p:sld>
+</file>
+
+<file path=ppt/slides/slide49.xml><?xml version="1.0" encoding="utf-8"?>
+<p:sld xmlns:a="http://schemas.openxmlformats.org/drawingml/2006/main" xmlns:r="http://schemas.openxmlformats.org/officeDocument/2006/relationships" xmlns:p="http://schemas.openxmlformats.org/presentationml/2006/main">
+  <p:cSld>
+    <p:spTree>
+      <p:nvGrpSpPr>
+        <p:cNvPr id="1" name="Shape 277"/>
+        <p:cNvGrpSpPr/>
+        <p:nvPr/>
+      </p:nvGrpSpPr>
+      <p:grpSpPr>
+        <a:xfrm>
+          <a:off x="0" y="0"/>
+          <a:ext cx="0" cy="0"/>
+          <a:chOff x="0" y="0"/>
+          <a:chExt cx="0" cy="0"/>
+        </a:xfrm>
+      </p:grpSpPr>
+      <p:sp>
+        <p:nvSpPr>
+          <p:cNvPr id="278" name="Shape 278"/>
+          <p:cNvSpPr txBox="1">
+            <a:spLocks noGrp="1"/>
+          </p:cNvSpPr>
+          <p:nvPr>
+            <p:ph type="title"/>
+          </p:nvPr>
+        </p:nvSpPr>
+        <p:spPr>
+          <a:xfrm>
+            <a:off x="457200" y="274637"/>
+            <a:ext cx="8229600" cy="1143000"/>
+          </a:xfrm>
+          <a:prstGeom prst="rect">
+            <a:avLst/>
+          </a:prstGeom>
+        </p:spPr>
+        <p:txBody>
+          <a:bodyPr lIns="91425" tIns="91425" rIns="91425" bIns="91425" anchor="b" anchorCtr="0">
+            <a:noAutofit/>
+          </a:bodyPr>
+          <a:lstStyle/>
+          <a:p>
+            <a:pPr>
+              <a:spcBef>
+                <a:spcPts val="0"/>
+              </a:spcBef>
+              <a:buNone/>
+            </a:pPr>
+            <a:r>
+              <a:rPr lang="en" sz="6800" b="0" dirty="0">
+                <a:solidFill>
+                  <a:srgbClr val="FF0000"/>
+                </a:solidFill>
+                <a:latin typeface="Yanone Kaffeesatz Bold"/>
+                <a:ea typeface="Ubuntu"/>
+                <a:cs typeface="Yanone Kaffeesatz Bold"/>
+                <a:sym typeface="Ubuntu"/>
+              </a:rPr>
+              <a:t>Exercise</a:t>
+            </a:r>
+          </a:p>
+        </p:txBody>
+      </p:sp>
+      <p:sp>
+        <p:nvSpPr>
+          <p:cNvPr id="279" name="Shape 279"/>
+          <p:cNvSpPr txBox="1">
+            <a:spLocks noGrp="1"/>
+          </p:cNvSpPr>
+          <p:nvPr>
+            <p:ph type="body" idx="1"/>
+          </p:nvPr>
+        </p:nvSpPr>
+        <p:spPr>
+          <a:xfrm>
+            <a:off x="457200" y="1600200"/>
+            <a:ext cx="8229600" cy="4967700"/>
+          </a:xfrm>
+          <a:prstGeom prst="rect">
+            <a:avLst/>
+          </a:prstGeom>
+        </p:spPr>
+        <p:txBody>
+          <a:bodyPr lIns="91425" tIns="91425" rIns="91425" bIns="91425" anchor="t" anchorCtr="0">
+            <a:noAutofit/>
+          </a:bodyPr>
+          <a:lstStyle/>
+          <a:p>
+            <a:pPr marL="457200" lvl="0" indent="-419100" rtl="0">
+              <a:spcBef>
+                <a:spcPts val="0"/>
+              </a:spcBef>
+              <a:buClr>
+                <a:schemeClr val="dk1"/>
+              </a:buClr>
+              <a:buSzPct val="100000"/>
+              <a:buFont typeface="Arial"/>
+              <a:buChar char="●"/>
+            </a:pPr>
+            <a:r>
+              <a:rPr lang="en" dirty="0"/>
+              <a:t>Make your own </a:t>
+            </a:r>
+            <a:r>
+              <a:rPr lang="en" dirty="0" smtClean="0"/>
+              <a:t>list named </a:t>
+            </a:r>
+            <a:r>
+              <a:rPr lang="en" dirty="0">
+                <a:solidFill>
+                  <a:srgbClr val="0E72A4"/>
+                </a:solidFill>
+                <a:latin typeface="Courier New"/>
+                <a:ea typeface="Courier New"/>
+                <a:cs typeface="Courier New"/>
+                <a:sym typeface="Courier New"/>
+              </a:rPr>
+              <a:t>grocery_list</a:t>
+            </a:r>
+          </a:p>
+          <a:p>
+            <a:pPr marL="457200" lvl="0" indent="-419100">
+              <a:spcBef>
+                <a:spcPts val="0"/>
+              </a:spcBef>
+              <a:buClr>
+                <a:schemeClr val="dk1"/>
+              </a:buClr>
+              <a:buSzPct val="100000"/>
+              <a:buFont typeface="Arial"/>
+              <a:buChar char="●"/>
+            </a:pPr>
+            <a:r>
+              <a:rPr lang="en" dirty="0"/>
+              <a:t>Include at least 5 items in your grocery list in </a:t>
+            </a:r>
+            <a:r>
+              <a:rPr lang="en" dirty="0" smtClean="0"/>
+              <a:t>the list</a:t>
+            </a:r>
+            <a:endParaRPr lang="en" dirty="0"/>
           </a:p>
         </p:txBody>
       </p:sp>
@@ -24786,168 +24640,6 @@
   <p:cSld>
     <p:spTree>
       <p:nvGrpSpPr>
-        <p:cNvPr id="1" name="Shape 277"/>
-        <p:cNvGrpSpPr/>
-        <p:nvPr/>
-      </p:nvGrpSpPr>
-      <p:grpSpPr>
-        <a:xfrm>
-          <a:off x="0" y="0"/>
-          <a:ext cx="0" cy="0"/>
-          <a:chOff x="0" y="0"/>
-          <a:chExt cx="0" cy="0"/>
-        </a:xfrm>
-      </p:grpSpPr>
-      <p:sp>
-        <p:nvSpPr>
-          <p:cNvPr id="278" name="Shape 278"/>
-          <p:cNvSpPr txBox="1">
-            <a:spLocks noGrp="1"/>
-          </p:cNvSpPr>
-          <p:nvPr>
-            <p:ph type="title"/>
-          </p:nvPr>
-        </p:nvSpPr>
-        <p:spPr>
-          <a:xfrm>
-            <a:off x="457200" y="274637"/>
-            <a:ext cx="8229600" cy="1143000"/>
-          </a:xfrm>
-          <a:prstGeom prst="rect">
-            <a:avLst/>
-          </a:prstGeom>
-        </p:spPr>
-        <p:txBody>
-          <a:bodyPr lIns="91425" tIns="91425" rIns="91425" bIns="91425" anchor="b" anchorCtr="0">
-            <a:noAutofit/>
-          </a:bodyPr>
-          <a:lstStyle/>
-          <a:p>
-            <a:pPr>
-              <a:spcBef>
-                <a:spcPts val="0"/>
-              </a:spcBef>
-              <a:buNone/>
-            </a:pPr>
-            <a:r>
-              <a:rPr lang="en" sz="6800" b="0" dirty="0">
-                <a:solidFill>
-                  <a:srgbClr val="FF0000"/>
-                </a:solidFill>
-                <a:latin typeface="Yanone Kaffeesatz Bold"/>
-                <a:ea typeface="Ubuntu"/>
-                <a:cs typeface="Yanone Kaffeesatz Bold"/>
-                <a:sym typeface="Ubuntu"/>
-              </a:rPr>
-              <a:t>Exercise</a:t>
-            </a:r>
-          </a:p>
-        </p:txBody>
-      </p:sp>
-      <p:sp>
-        <p:nvSpPr>
-          <p:cNvPr id="279" name="Shape 279"/>
-          <p:cNvSpPr txBox="1">
-            <a:spLocks noGrp="1"/>
-          </p:cNvSpPr>
-          <p:nvPr>
-            <p:ph type="body" idx="1"/>
-          </p:nvPr>
-        </p:nvSpPr>
-        <p:spPr>
-          <a:xfrm>
-            <a:off x="457200" y="1600200"/>
-            <a:ext cx="8229600" cy="4967700"/>
-          </a:xfrm>
-          <a:prstGeom prst="rect">
-            <a:avLst/>
-          </a:prstGeom>
-        </p:spPr>
-        <p:txBody>
-          <a:bodyPr lIns="91425" tIns="91425" rIns="91425" bIns="91425" anchor="t" anchorCtr="0">
-            <a:noAutofit/>
-          </a:bodyPr>
-          <a:lstStyle/>
-          <a:p>
-            <a:pPr marL="457200" lvl="0" indent="-419100" rtl="0">
-              <a:spcBef>
-                <a:spcPts val="0"/>
-              </a:spcBef>
-              <a:buClr>
-                <a:schemeClr val="dk1"/>
-              </a:buClr>
-              <a:buSzPct val="100000"/>
-              <a:buFont typeface="Arial"/>
-              <a:buChar char="●"/>
-            </a:pPr>
-            <a:r>
-              <a:rPr lang="en" dirty="0"/>
-              <a:t>Make your own </a:t>
-            </a:r>
-            <a:r>
-              <a:rPr lang="en" dirty="0" smtClean="0"/>
-              <a:t>list named </a:t>
-            </a:r>
-            <a:r>
-              <a:rPr lang="en" dirty="0">
-                <a:solidFill>
-                  <a:srgbClr val="0E72A4"/>
-                </a:solidFill>
-                <a:latin typeface="Courier New"/>
-                <a:ea typeface="Courier New"/>
-                <a:cs typeface="Courier New"/>
-                <a:sym typeface="Courier New"/>
-              </a:rPr>
-              <a:t>grocery_list</a:t>
-            </a:r>
-          </a:p>
-          <a:p>
-            <a:pPr marL="457200" lvl="0" indent="-419100">
-              <a:spcBef>
-                <a:spcPts val="0"/>
-              </a:spcBef>
-              <a:buClr>
-                <a:schemeClr val="dk1"/>
-              </a:buClr>
-              <a:buSzPct val="100000"/>
-              <a:buFont typeface="Arial"/>
-              <a:buChar char="●"/>
-            </a:pPr>
-            <a:r>
-              <a:rPr lang="en" dirty="0"/>
-              <a:t>Include at least 5 items in your grocery list in </a:t>
-            </a:r>
-            <a:r>
-              <a:rPr lang="en" dirty="0" smtClean="0"/>
-              <a:t>the list</a:t>
-            </a:r>
-            <a:endParaRPr lang="en" dirty="0"/>
-          </a:p>
-        </p:txBody>
-      </p:sp>
-    </p:spTree>
-  </p:cSld>
-  <p:clrMapOvr>
-    <a:masterClrMapping/>
-  </p:clrMapOvr>
-  <p:transition spd="slow">
-    <p:cut/>
-  </p:transition>
-  <p:timing>
-    <p:tnLst>
-      <p:par>
-        <p:cTn id="1" dur="indefinite" restart="never" nodeType="tmRoot"/>
-      </p:par>
-    </p:tnLst>
-  </p:timing>
-</p:sld>
-</file>
-
-<file path=ppt/slides/slide51.xml><?xml version="1.0" encoding="utf-8"?>
-<p:sld xmlns:a="http://schemas.openxmlformats.org/drawingml/2006/main" xmlns:r="http://schemas.openxmlformats.org/officeDocument/2006/relationships" xmlns:p="http://schemas.openxmlformats.org/presentationml/2006/main">
-  <p:cSld>
-    <p:spTree>
-      <p:nvGrpSpPr>
         <p:cNvPr id="1" name="Shape 283"/>
         <p:cNvGrpSpPr/>
         <p:nvPr/>
@@ -25203,72 +24895,36 @@
                 <a:cs typeface="Menlo Regular"/>
                 <a:sym typeface="Courier New"/>
               </a:rPr>
-              <a:t> </a:t>
-            </a:r>
+              <a:t> fruits[0</a:t>
+            </a:r>
+            <a:r>
+              <a:rPr lang="en-US" dirty="0" smtClean="0">
+                <a:solidFill>
+                  <a:srgbClr val="0E72A4"/>
+                </a:solidFill>
+                <a:latin typeface="Menlo Regular"/>
+                <a:ea typeface="Courier New"/>
+                <a:cs typeface="Menlo Regular"/>
+                <a:sym typeface="Courier New"/>
+              </a:rPr>
+              <a:t>]</a:t>
+            </a:r>
+          </a:p>
+          <a:p>
+            <a:pPr lvl="0">
+              <a:buNone/>
+            </a:pPr>
             <a:r>
               <a:rPr lang="en" dirty="0" smtClean="0">
                 <a:solidFill>
-                  <a:srgbClr val="0E72A4"/>
+                  <a:schemeClr val="tx1"/>
                 </a:solidFill>
                 <a:latin typeface="Menlo Regular"/>
                 <a:ea typeface="Courier New"/>
                 <a:cs typeface="Menlo Regular"/>
                 <a:sym typeface="Courier New"/>
               </a:rPr>
-              <a:t>fruits[0</a:t>
-            </a:r>
-            <a:r>
-              <a:rPr lang="en-US" dirty="0" smtClean="0">
-                <a:solidFill>
-                  <a:srgbClr val="0E72A4"/>
-                </a:solidFill>
-                <a:latin typeface="Menlo Regular"/>
-                <a:ea typeface="Courier New"/>
-                <a:cs typeface="Menlo Regular"/>
-                <a:sym typeface="Courier New"/>
-              </a:rPr>
-              <a:t>]</a:t>
-            </a:r>
-          </a:p>
-          <a:p>
-            <a:pPr lvl="0">
-              <a:buNone/>
-            </a:pPr>
-            <a:r>
-              <a:rPr lang="en" dirty="0" smtClean="0">
-                <a:solidFill>
-                  <a:schemeClr val="tx1"/>
-                </a:solidFill>
-                <a:latin typeface="Menlo Regular"/>
-                <a:ea typeface="Courier New"/>
-                <a:cs typeface="Menlo Regular"/>
-                <a:sym typeface="Courier New"/>
-              </a:rPr>
-              <a:t>‘</a:t>
-            </a:r>
-            <a:r>
-              <a:rPr lang="en" dirty="0" smtClean="0">
-                <a:solidFill>
-                  <a:schemeClr val="tx1"/>
-                </a:solidFill>
-                <a:latin typeface="Menlo Regular"/>
-                <a:ea typeface="Courier New"/>
-                <a:cs typeface="Menlo Regular"/>
-                <a:sym typeface="Courier New"/>
-              </a:rPr>
-              <a:t>kiwi</a:t>
-            </a:r>
-            <a:r>
-              <a:rPr lang="en" dirty="0" smtClean="0">
-                <a:solidFill>
-                  <a:schemeClr val="tx1"/>
-                </a:solidFill>
-                <a:latin typeface="Menlo Regular"/>
-                <a:ea typeface="Courier New"/>
-                <a:cs typeface="Menlo Regular"/>
-                <a:sym typeface="Courier New"/>
-              </a:rPr>
-              <a:t>’</a:t>
+              <a:t>‘kiwi’</a:t>
             </a:r>
             <a:endParaRPr lang="en" dirty="0">
               <a:solidFill>
@@ -25341,31 +24997,7 @@
                 <a:cs typeface="Menlo Regular"/>
                 <a:sym typeface="Courier New"/>
               </a:rPr>
-              <a:t>‘</a:t>
-            </a:r>
-            <a:r>
-              <a:rPr lang="en" dirty="0" smtClean="0">
-                <a:solidFill>
-                  <a:schemeClr val="tx1"/>
-                </a:solidFill>
-                <a:latin typeface="Menlo Regular"/>
-                <a:ea typeface="Courier New"/>
-                <a:cs typeface="Menlo Regular"/>
-                <a:sym typeface="Courier New"/>
-              </a:rPr>
-              <a:t>strawberry</a:t>
-            </a:r>
-            <a:r>
-              <a:rPr lang="en" dirty="0" smtClean="0">
-                <a:solidFill>
-                  <a:schemeClr val="tx1"/>
-                </a:solidFill>
-                <a:latin typeface="Menlo Regular"/>
-                <a:ea typeface="Courier New"/>
-                <a:cs typeface="Menlo Regular"/>
-                <a:sym typeface="Courier New"/>
-              </a:rPr>
-              <a:t>’</a:t>
+              <a:t>‘strawberry’</a:t>
             </a:r>
             <a:endParaRPr lang="en" dirty="0">
               <a:solidFill>
@@ -25438,31 +25070,7 @@
                 <a:cs typeface="Menlo Regular"/>
                 <a:sym typeface="Courier New"/>
               </a:rPr>
-              <a:t>‘</a:t>
-            </a:r>
-            <a:r>
-              <a:rPr lang="en" dirty="0" smtClean="0">
-                <a:solidFill>
-                  <a:schemeClr val="tx1"/>
-                </a:solidFill>
-                <a:latin typeface="Menlo Regular"/>
-                <a:ea typeface="Courier New"/>
-                <a:cs typeface="Menlo Regular"/>
-                <a:sym typeface="Courier New"/>
-              </a:rPr>
-              <a:t>plum</a:t>
-            </a:r>
-            <a:r>
-              <a:rPr lang="en" dirty="0" smtClean="0">
-                <a:solidFill>
-                  <a:schemeClr val="tx1"/>
-                </a:solidFill>
-                <a:latin typeface="Menlo Regular"/>
-                <a:ea typeface="Courier New"/>
-                <a:cs typeface="Menlo Regular"/>
-                <a:sym typeface="Courier New"/>
-              </a:rPr>
-              <a:t>’</a:t>
+              <a:t>‘plum’</a:t>
             </a:r>
             <a:endParaRPr lang="en" dirty="0">
               <a:solidFill>
@@ -25494,7 +25102,7 @@
 </p:sld>
 </file>
 
-<file path=ppt/slides/slide52.xml><?xml version="1.0" encoding="utf-8"?>
+<file path=ppt/slides/slide51.xml><?xml version="1.0" encoding="utf-8"?>
 <p:sld xmlns:a="http://schemas.openxmlformats.org/drawingml/2006/main" xmlns:r="http://schemas.openxmlformats.org/officeDocument/2006/relationships" xmlns:p="http://schemas.openxmlformats.org/presentationml/2006/main">
   <p:cSld>
     <p:spTree>
@@ -25747,7 +25355,7 @@
 </p:sld>
 </file>
 
-<file path=ppt/slides/slide53.xml><?xml version="1.0" encoding="utf-8"?>
+<file path=ppt/slides/slide52.xml><?xml version="1.0" encoding="utf-8"?>
 <p:sld xmlns:a="http://schemas.openxmlformats.org/drawingml/2006/main" xmlns:r="http://schemas.openxmlformats.org/officeDocument/2006/relationships" xmlns:p="http://schemas.openxmlformats.org/presentationml/2006/main">
   <p:cSld>
     <p:spTree>
@@ -26161,7 +25769,7 @@
 </p:sld>
 </file>
 
-<file path=ppt/slides/slide54.xml><?xml version="1.0" encoding="utf-8"?>
+<file path=ppt/slides/slide53.xml><?xml version="1.0" encoding="utf-8"?>
 <p:sld xmlns:a="http://schemas.openxmlformats.org/drawingml/2006/main" xmlns:r="http://schemas.openxmlformats.org/officeDocument/2006/relationships" xmlns:p="http://schemas.openxmlformats.org/presentationml/2006/main">
   <p:cSld>
     <p:spTree>
@@ -26675,7 +26283,7 @@
 </p:sld>
 </file>
 
-<file path=ppt/slides/slide55.xml><?xml version="1.0" encoding="utf-8"?>
+<file path=ppt/slides/slide54.xml><?xml version="1.0" encoding="utf-8"?>
 <p:sld xmlns:a="http://schemas.openxmlformats.org/drawingml/2006/main" xmlns:r="http://schemas.openxmlformats.org/officeDocument/2006/relationships" xmlns:p="http://schemas.openxmlformats.org/presentationml/2006/main">
   <p:cSld>
     <p:spTree>
@@ -26924,7 +26532,7 @@
 </p:sld>
 </file>
 
-<file path=ppt/slides/slide56.xml><?xml version="1.0" encoding="utf-8"?>
+<file path=ppt/slides/slide55.xml><?xml version="1.0" encoding="utf-8"?>
 <p:sld xmlns:a="http://schemas.openxmlformats.org/drawingml/2006/main" xmlns:r="http://schemas.openxmlformats.org/officeDocument/2006/relationships" xmlns:p="http://schemas.openxmlformats.org/presentationml/2006/main">
   <p:cSld>
     <p:spTree>
@@ -27252,29 +26860,7 @@
                 <a:cs typeface="Menlo Regular"/>
                 <a:sym typeface="Courier New"/>
               </a:rPr>
-              <a:t>‘</a:t>
-            </a:r>
-            <a:r>
-              <a:rPr lang="en" dirty="0" smtClean="0">
-                <a:solidFill>
-                  <a:srgbClr val="0E72A4"/>
-                </a:solidFill>
-                <a:latin typeface="Menlo Regular"/>
-                <a:cs typeface="Menlo Regular"/>
-                <a:sym typeface="Courier New"/>
-              </a:rPr>
-              <a:t>Maryland</a:t>
-            </a:r>
-            <a:r>
-              <a:rPr lang="en" dirty="0" smtClean="0">
-                <a:solidFill>
-                  <a:srgbClr val="0E72A4"/>
-                </a:solidFill>
-                <a:latin typeface="Menlo Regular"/>
-                <a:cs typeface="Menlo Regular"/>
-                <a:sym typeface="Courier New"/>
-              </a:rPr>
-              <a:t>’</a:t>
+              <a:t>‘Maryland’</a:t>
             </a:r>
             <a:endParaRPr lang="en" dirty="0">
               <a:solidFill>
@@ -27305,7 +26891,7 @@
 </p:sld>
 </file>
 
-<file path=ppt/slides/slide57.xml><?xml version="1.0" encoding="utf-8"?>
+<file path=ppt/slides/slide56.xml><?xml version="1.0" encoding="utf-8"?>
 <p:sld xmlns:a="http://schemas.openxmlformats.org/drawingml/2006/main" xmlns:r="http://schemas.openxmlformats.org/officeDocument/2006/relationships" xmlns:p="http://schemas.openxmlformats.org/presentationml/2006/main">
   <p:cSld>
     <p:spTree>
@@ -27554,15 +27140,7 @@
                   <a:srgbClr val="0E72A4"/>
                 </a:solidFill>
               </a:rPr>
-              <a:t>m</a:t>
-            </a:r>
-            <a:r>
-              <a:rPr lang="en-US" dirty="0" err="1" smtClean="0">
-                <a:solidFill>
-                  <a:srgbClr val="0E72A4"/>
-                </a:solidFill>
-              </a:rPr>
-              <a:t>y_info</a:t>
+              <a:t>my_info</a:t>
             </a:r>
             <a:r>
               <a:rPr lang="en-US" dirty="0" smtClean="0">
@@ -27635,7 +27213,7 @@
 </p:sld>
 </file>
 
-<file path=ppt/slides/slide58.xml><?xml version="1.0" encoding="utf-8"?>
+<file path=ppt/slides/slide57.xml><?xml version="1.0" encoding="utf-8"?>
 <p:sld xmlns:a="http://schemas.openxmlformats.org/drawingml/2006/main" xmlns:r="http://schemas.openxmlformats.org/officeDocument/2006/relationships" xmlns:p="http://schemas.openxmlformats.org/presentationml/2006/main">
   <p:cSld>
     <p:spTree>
@@ -27874,7 +27452,7 @@
 </p:sld>
 </file>
 
-<file path=ppt/slides/slide59.xml><?xml version="1.0" encoding="utf-8"?>
+<file path=ppt/slides/slide58.xml><?xml version="1.0" encoding="utf-8"?>
 <p:sld xmlns:a="http://schemas.openxmlformats.org/drawingml/2006/main" xmlns:r="http://schemas.openxmlformats.org/officeDocument/2006/relationships" xmlns:p="http://schemas.openxmlformats.org/presentationml/2006/main">
   <p:cSld>
     <p:spTree>
@@ -28276,6 +27854,316 @@
               <a:ea typeface="Open Sans"/>
               <a:cs typeface="Open Sans"/>
             </a:endParaRPr>
+          </a:p>
+        </p:txBody>
+      </p:sp>
+    </p:spTree>
+  </p:cSld>
+  <p:clrMapOvr>
+    <a:masterClrMapping/>
+  </p:clrMapOvr>
+  <p:transition spd="slow">
+    <p:cut/>
+  </p:transition>
+  <p:timing>
+    <p:tnLst>
+      <p:par>
+        <p:cTn id="1" dur="indefinite" restart="never" nodeType="tmRoot"/>
+      </p:par>
+    </p:tnLst>
+  </p:timing>
+</p:sld>
+</file>
+
+<file path=ppt/slides/slide59.xml><?xml version="1.0" encoding="utf-8"?>
+<p:sld xmlns:a="http://schemas.openxmlformats.org/drawingml/2006/main" xmlns:r="http://schemas.openxmlformats.org/officeDocument/2006/relationships" xmlns:p="http://schemas.openxmlformats.org/presentationml/2006/main">
+  <p:cSld>
+    <p:spTree>
+      <p:nvGrpSpPr>
+        <p:cNvPr id="1" name="Shape 331"/>
+        <p:cNvGrpSpPr/>
+        <p:nvPr/>
+      </p:nvGrpSpPr>
+      <p:grpSpPr>
+        <a:xfrm>
+          <a:off x="0" y="0"/>
+          <a:ext cx="0" cy="0"/>
+          <a:chOff x="0" y="0"/>
+          <a:chExt cx="0" cy="0"/>
+        </a:xfrm>
+      </p:grpSpPr>
+      <p:sp>
+        <p:nvSpPr>
+          <p:cNvPr id="332" name="Shape 332"/>
+          <p:cNvSpPr txBox="1">
+            <a:spLocks noGrp="1"/>
+          </p:cNvSpPr>
+          <p:nvPr>
+            <p:ph type="title"/>
+          </p:nvPr>
+        </p:nvSpPr>
+        <p:spPr>
+          <a:xfrm>
+            <a:off x="457200" y="274637"/>
+            <a:ext cx="8229600" cy="1143000"/>
+          </a:xfrm>
+          <a:prstGeom prst="rect">
+            <a:avLst/>
+          </a:prstGeom>
+        </p:spPr>
+        <p:txBody>
+          <a:bodyPr lIns="91425" tIns="91425" rIns="91425" bIns="91425" anchor="b" anchorCtr="0">
+            <a:noAutofit/>
+          </a:bodyPr>
+          <a:lstStyle/>
+          <a:p>
+            <a:pPr>
+              <a:spcBef>
+                <a:spcPts val="0"/>
+              </a:spcBef>
+              <a:buNone/>
+            </a:pPr>
+            <a:r>
+              <a:rPr lang="en" sz="6800" b="0" dirty="0">
+                <a:solidFill>
+                  <a:srgbClr val="FF0000"/>
+                </a:solidFill>
+                <a:latin typeface="Yanone Kaffeesatz Bold"/>
+                <a:ea typeface="Ubuntu"/>
+                <a:cs typeface="Yanone Kaffeesatz Bold"/>
+                <a:sym typeface="Ubuntu"/>
+              </a:rPr>
+              <a:t>Exercise</a:t>
+            </a:r>
+          </a:p>
+        </p:txBody>
+      </p:sp>
+      <p:sp>
+        <p:nvSpPr>
+          <p:cNvPr id="333" name="Shape 333"/>
+          <p:cNvSpPr txBox="1">
+            <a:spLocks noGrp="1"/>
+          </p:cNvSpPr>
+          <p:nvPr>
+            <p:ph type="body" idx="1"/>
+          </p:nvPr>
+        </p:nvSpPr>
+        <p:spPr>
+          <a:xfrm>
+            <a:off x="457200" y="1600200"/>
+            <a:ext cx="8229600" cy="4967700"/>
+          </a:xfrm>
+          <a:prstGeom prst="rect">
+            <a:avLst/>
+          </a:prstGeom>
+        </p:spPr>
+        <p:txBody>
+          <a:bodyPr lIns="91425" tIns="91425" rIns="91425" bIns="91425" anchor="t" anchorCtr="0">
+            <a:noAutofit/>
+          </a:bodyPr>
+          <a:lstStyle/>
+          <a:p>
+            <a:pPr marL="457200" lvl="0" indent="-419100" rtl="0">
+              <a:lnSpc>
+                <a:spcPct val="120000"/>
+              </a:lnSpc>
+              <a:spcBef>
+                <a:spcPts val="0"/>
+              </a:spcBef>
+              <a:buClr>
+                <a:schemeClr val="dk1"/>
+              </a:buClr>
+              <a:buSzPct val="100000"/>
+              <a:buFont typeface="Arial"/>
+              <a:buChar char="●"/>
+            </a:pPr>
+            <a:r>
+              <a:rPr lang="en" dirty="0"/>
+              <a:t>Create a </a:t>
+            </a:r>
+            <a:r>
+              <a:rPr lang="en" b="1" dirty="0"/>
+              <a:t>String</a:t>
+            </a:r>
+            <a:r>
+              <a:rPr lang="en" dirty="0"/>
+              <a:t> variable named </a:t>
+            </a:r>
+            <a:r>
+              <a:rPr lang="en" sz="2400" dirty="0">
+                <a:solidFill>
+                  <a:srgbClr val="0E72A4"/>
+                </a:solidFill>
+                <a:latin typeface="Menlo Regular"/>
+                <a:cs typeface="Menlo Regular"/>
+                <a:sym typeface="Courier New"/>
+              </a:rPr>
+              <a:t>old_string</a:t>
+            </a:r>
+            <a:r>
+              <a:rPr lang="en" dirty="0"/>
+              <a:t> and assign </a:t>
+            </a:r>
+            <a:r>
+              <a:rPr lang="en-US" dirty="0" smtClean="0"/>
+              <a:t>it </a:t>
+            </a:r>
+            <a:r>
+              <a:rPr lang="en" dirty="0" smtClean="0"/>
+              <a:t>the </a:t>
+            </a:r>
+            <a:r>
+              <a:rPr lang="en" dirty="0"/>
+              <a:t>value </a:t>
+            </a:r>
+            <a:r>
+              <a:rPr lang="en" dirty="0" smtClean="0"/>
+              <a:t>“Python is </a:t>
+            </a:r>
+            <a:r>
+              <a:rPr lang="en" dirty="0"/>
+              <a:t>cool"</a:t>
+            </a:r>
+          </a:p>
+          <a:p>
+            <a:pPr marL="457200" lvl="0" indent="-419100" rtl="0">
+              <a:lnSpc>
+                <a:spcPct val="120000"/>
+              </a:lnSpc>
+              <a:spcBef>
+                <a:spcPts val="0"/>
+              </a:spcBef>
+              <a:buClr>
+                <a:schemeClr val="dk1"/>
+              </a:buClr>
+              <a:buSzPct val="100000"/>
+              <a:buFont typeface="Arial"/>
+              <a:buChar char="●"/>
+            </a:pPr>
+            <a:r>
+              <a:rPr lang="en" dirty="0"/>
+              <a:t>Use String methods to modify the </a:t>
+            </a:r>
+            <a:r>
+              <a:rPr lang="en" sz="2400" dirty="0">
+                <a:solidFill>
+                  <a:srgbClr val="0E72A4"/>
+                </a:solidFill>
+                <a:latin typeface="Menlo Regular"/>
+                <a:cs typeface="Menlo Regular"/>
+                <a:sym typeface="Courier New"/>
+              </a:rPr>
+              <a:t>old_string</a:t>
+            </a:r>
+            <a:r>
+              <a:rPr lang="en" dirty="0"/>
+              <a:t> variable to that it is now </a:t>
+            </a:r>
+            <a:r>
+              <a:rPr lang="en" dirty="0" smtClean="0"/>
+              <a:t>“PYTHON IS COOL" </a:t>
+            </a:r>
+            <a:r>
+              <a:rPr lang="en" dirty="0"/>
+              <a:t>and assign it to another variable </a:t>
+            </a:r>
+            <a:r>
+              <a:rPr lang="en" dirty="0" smtClean="0"/>
+              <a:t>name</a:t>
+            </a:r>
+            <a:r>
+              <a:rPr lang="en-US" dirty="0" smtClean="0"/>
+              <a:t>d</a:t>
+            </a:r>
+            <a:r>
+              <a:rPr lang="en" dirty="0" smtClean="0"/>
+              <a:t> </a:t>
+            </a:r>
+            <a:r>
+              <a:rPr lang="en" sz="2400" dirty="0">
+                <a:solidFill>
+                  <a:srgbClr val="0E72A4"/>
+                </a:solidFill>
+                <a:latin typeface="Menlo Regular"/>
+                <a:cs typeface="Menlo Regular"/>
+                <a:sym typeface="Courier New"/>
+              </a:rPr>
+              <a:t>new_string</a:t>
+            </a:r>
+          </a:p>
+          <a:p>
+            <a:pPr marL="914400" lvl="1" indent="-381000" rtl="0">
+              <a:lnSpc>
+                <a:spcPct val="120000"/>
+              </a:lnSpc>
+              <a:spcBef>
+                <a:spcPts val="0"/>
+              </a:spcBef>
+              <a:buClr>
+                <a:schemeClr val="dk1"/>
+              </a:buClr>
+              <a:buSzPct val="80000"/>
+              <a:buFont typeface="Courier New"/>
+              <a:buChar char="o"/>
+            </a:pPr>
+            <a:r>
+              <a:rPr lang="en" b="1" dirty="0">
+                <a:latin typeface="Open Sans"/>
+                <a:ea typeface="Open Sans"/>
+                <a:cs typeface="Open Sans"/>
+              </a:rPr>
+              <a:t>Hint</a:t>
+            </a:r>
+            <a:r>
+              <a:rPr lang="en" dirty="0">
+                <a:latin typeface="Open Sans"/>
+                <a:ea typeface="Open Sans"/>
+                <a:cs typeface="Open Sans"/>
+              </a:rPr>
+              <a:t>: look at the String </a:t>
+            </a:r>
+            <a:r>
+              <a:rPr lang="en" dirty="0" smtClean="0">
+                <a:latin typeface="Open Sans"/>
+                <a:ea typeface="Open Sans"/>
+                <a:cs typeface="Open Sans"/>
+              </a:rPr>
+              <a:t>method "</a:t>
+            </a:r>
+            <a:r>
+              <a:rPr lang="en" dirty="0" smtClean="0">
+                <a:solidFill>
+                  <a:srgbClr val="0E72A4"/>
+                </a:solidFill>
+                <a:latin typeface="Menlo Regular"/>
+                <a:ea typeface="Open Sans"/>
+                <a:cs typeface="Menlo Regular"/>
+                <a:sym typeface="Courier New"/>
+              </a:rPr>
+              <a:t>upper</a:t>
+            </a:r>
+            <a:r>
+              <a:rPr lang="en" dirty="0" smtClean="0">
+                <a:latin typeface="Open Sans"/>
+                <a:ea typeface="Open Sans"/>
+                <a:cs typeface="Menlo Regular"/>
+              </a:rPr>
+              <a:t>”</a:t>
+            </a:r>
+            <a:endParaRPr lang="en" dirty="0">
+              <a:latin typeface="Open Sans"/>
+              <a:ea typeface="Open Sans"/>
+              <a:cs typeface="Open Sans"/>
+            </a:endParaRPr>
+          </a:p>
+          <a:p>
+            <a:pPr>
+              <a:spcBef>
+                <a:spcPts val="0"/>
+              </a:spcBef>
+              <a:buNone/>
+            </a:pPr>
+            <a:endParaRPr dirty="0"/>
           </a:p>
         </p:txBody>
       </p:sp>
@@ -28449,316 +28337,6 @@
   <p:cSld>
     <p:spTree>
       <p:nvGrpSpPr>
-        <p:cNvPr id="1" name="Shape 331"/>
-        <p:cNvGrpSpPr/>
-        <p:nvPr/>
-      </p:nvGrpSpPr>
-      <p:grpSpPr>
-        <a:xfrm>
-          <a:off x="0" y="0"/>
-          <a:ext cx="0" cy="0"/>
-          <a:chOff x="0" y="0"/>
-          <a:chExt cx="0" cy="0"/>
-        </a:xfrm>
-      </p:grpSpPr>
-      <p:sp>
-        <p:nvSpPr>
-          <p:cNvPr id="332" name="Shape 332"/>
-          <p:cNvSpPr txBox="1">
-            <a:spLocks noGrp="1"/>
-          </p:cNvSpPr>
-          <p:nvPr>
-            <p:ph type="title"/>
-          </p:nvPr>
-        </p:nvSpPr>
-        <p:spPr>
-          <a:xfrm>
-            <a:off x="457200" y="274637"/>
-            <a:ext cx="8229600" cy="1143000"/>
-          </a:xfrm>
-          <a:prstGeom prst="rect">
-            <a:avLst/>
-          </a:prstGeom>
-        </p:spPr>
-        <p:txBody>
-          <a:bodyPr lIns="91425" tIns="91425" rIns="91425" bIns="91425" anchor="b" anchorCtr="0">
-            <a:noAutofit/>
-          </a:bodyPr>
-          <a:lstStyle/>
-          <a:p>
-            <a:pPr>
-              <a:spcBef>
-                <a:spcPts val="0"/>
-              </a:spcBef>
-              <a:buNone/>
-            </a:pPr>
-            <a:r>
-              <a:rPr lang="en" sz="6800" b="0" dirty="0">
-                <a:solidFill>
-                  <a:srgbClr val="FF0000"/>
-                </a:solidFill>
-                <a:latin typeface="Yanone Kaffeesatz Bold"/>
-                <a:ea typeface="Ubuntu"/>
-                <a:cs typeface="Yanone Kaffeesatz Bold"/>
-                <a:sym typeface="Ubuntu"/>
-              </a:rPr>
-              <a:t>Exercise</a:t>
-            </a:r>
-          </a:p>
-        </p:txBody>
-      </p:sp>
-      <p:sp>
-        <p:nvSpPr>
-          <p:cNvPr id="333" name="Shape 333"/>
-          <p:cNvSpPr txBox="1">
-            <a:spLocks noGrp="1"/>
-          </p:cNvSpPr>
-          <p:nvPr>
-            <p:ph type="body" idx="1"/>
-          </p:nvPr>
-        </p:nvSpPr>
-        <p:spPr>
-          <a:xfrm>
-            <a:off x="457200" y="1600200"/>
-            <a:ext cx="8229600" cy="4967700"/>
-          </a:xfrm>
-          <a:prstGeom prst="rect">
-            <a:avLst/>
-          </a:prstGeom>
-        </p:spPr>
-        <p:txBody>
-          <a:bodyPr lIns="91425" tIns="91425" rIns="91425" bIns="91425" anchor="t" anchorCtr="0">
-            <a:noAutofit/>
-          </a:bodyPr>
-          <a:lstStyle/>
-          <a:p>
-            <a:pPr marL="457200" lvl="0" indent="-419100" rtl="0">
-              <a:lnSpc>
-                <a:spcPct val="120000"/>
-              </a:lnSpc>
-              <a:spcBef>
-                <a:spcPts val="0"/>
-              </a:spcBef>
-              <a:buClr>
-                <a:schemeClr val="dk1"/>
-              </a:buClr>
-              <a:buSzPct val="100000"/>
-              <a:buFont typeface="Arial"/>
-              <a:buChar char="●"/>
-            </a:pPr>
-            <a:r>
-              <a:rPr lang="en" dirty="0"/>
-              <a:t>Create a </a:t>
-            </a:r>
-            <a:r>
-              <a:rPr lang="en" b="1" dirty="0"/>
-              <a:t>String</a:t>
-            </a:r>
-            <a:r>
-              <a:rPr lang="en" dirty="0"/>
-              <a:t> variable named </a:t>
-            </a:r>
-            <a:r>
-              <a:rPr lang="en" sz="2400" dirty="0">
-                <a:solidFill>
-                  <a:srgbClr val="0E72A4"/>
-                </a:solidFill>
-                <a:latin typeface="Menlo Regular"/>
-                <a:cs typeface="Menlo Regular"/>
-                <a:sym typeface="Courier New"/>
-              </a:rPr>
-              <a:t>old_string</a:t>
-            </a:r>
-            <a:r>
-              <a:rPr lang="en" dirty="0"/>
-              <a:t> and assign </a:t>
-            </a:r>
-            <a:r>
-              <a:rPr lang="en-US" dirty="0" smtClean="0"/>
-              <a:t>it </a:t>
-            </a:r>
-            <a:r>
-              <a:rPr lang="en" dirty="0" smtClean="0"/>
-              <a:t>the </a:t>
-            </a:r>
-            <a:r>
-              <a:rPr lang="en" dirty="0"/>
-              <a:t>value </a:t>
-            </a:r>
-            <a:r>
-              <a:rPr lang="en" dirty="0" smtClean="0"/>
-              <a:t>“Python is </a:t>
-            </a:r>
-            <a:r>
-              <a:rPr lang="en" dirty="0"/>
-              <a:t>cool"</a:t>
-            </a:r>
-          </a:p>
-          <a:p>
-            <a:pPr marL="457200" lvl="0" indent="-419100" rtl="0">
-              <a:lnSpc>
-                <a:spcPct val="120000"/>
-              </a:lnSpc>
-              <a:spcBef>
-                <a:spcPts val="0"/>
-              </a:spcBef>
-              <a:buClr>
-                <a:schemeClr val="dk1"/>
-              </a:buClr>
-              <a:buSzPct val="100000"/>
-              <a:buFont typeface="Arial"/>
-              <a:buChar char="●"/>
-            </a:pPr>
-            <a:r>
-              <a:rPr lang="en" dirty="0"/>
-              <a:t>Use String methods to modify the </a:t>
-            </a:r>
-            <a:r>
-              <a:rPr lang="en" sz="2400" dirty="0">
-                <a:solidFill>
-                  <a:srgbClr val="0E72A4"/>
-                </a:solidFill>
-                <a:latin typeface="Menlo Regular"/>
-                <a:cs typeface="Menlo Regular"/>
-                <a:sym typeface="Courier New"/>
-              </a:rPr>
-              <a:t>old_string</a:t>
-            </a:r>
-            <a:r>
-              <a:rPr lang="en" dirty="0"/>
-              <a:t> variable to that it is now </a:t>
-            </a:r>
-            <a:r>
-              <a:rPr lang="en" dirty="0" smtClean="0"/>
-              <a:t>“PYTHON IS COOL" </a:t>
-            </a:r>
-            <a:r>
-              <a:rPr lang="en" dirty="0"/>
-              <a:t>and assign it to another variable </a:t>
-            </a:r>
-            <a:r>
-              <a:rPr lang="en" dirty="0" smtClean="0"/>
-              <a:t>name</a:t>
-            </a:r>
-            <a:r>
-              <a:rPr lang="en-US" dirty="0" smtClean="0"/>
-              <a:t>d</a:t>
-            </a:r>
-            <a:r>
-              <a:rPr lang="en" dirty="0" smtClean="0"/>
-              <a:t> </a:t>
-            </a:r>
-            <a:r>
-              <a:rPr lang="en" sz="2400" dirty="0">
-                <a:solidFill>
-                  <a:srgbClr val="0E72A4"/>
-                </a:solidFill>
-                <a:latin typeface="Menlo Regular"/>
-                <a:cs typeface="Menlo Regular"/>
-                <a:sym typeface="Courier New"/>
-              </a:rPr>
-              <a:t>new_string</a:t>
-            </a:r>
-          </a:p>
-          <a:p>
-            <a:pPr marL="914400" lvl="1" indent="-381000" rtl="0">
-              <a:lnSpc>
-                <a:spcPct val="120000"/>
-              </a:lnSpc>
-              <a:spcBef>
-                <a:spcPts val="0"/>
-              </a:spcBef>
-              <a:buClr>
-                <a:schemeClr val="dk1"/>
-              </a:buClr>
-              <a:buSzPct val="80000"/>
-              <a:buFont typeface="Courier New"/>
-              <a:buChar char="o"/>
-            </a:pPr>
-            <a:r>
-              <a:rPr lang="en" b="1" dirty="0">
-                <a:latin typeface="Open Sans"/>
-                <a:ea typeface="Open Sans"/>
-                <a:cs typeface="Open Sans"/>
-              </a:rPr>
-              <a:t>Hint</a:t>
-            </a:r>
-            <a:r>
-              <a:rPr lang="en" dirty="0">
-                <a:latin typeface="Open Sans"/>
-                <a:ea typeface="Open Sans"/>
-                <a:cs typeface="Open Sans"/>
-              </a:rPr>
-              <a:t>: look at the String </a:t>
-            </a:r>
-            <a:r>
-              <a:rPr lang="en" dirty="0" smtClean="0">
-                <a:latin typeface="Open Sans"/>
-                <a:ea typeface="Open Sans"/>
-                <a:cs typeface="Open Sans"/>
-              </a:rPr>
-              <a:t>method "</a:t>
-            </a:r>
-            <a:r>
-              <a:rPr lang="en" dirty="0" smtClean="0">
-                <a:solidFill>
-                  <a:srgbClr val="0E72A4"/>
-                </a:solidFill>
-                <a:latin typeface="Menlo Regular"/>
-                <a:ea typeface="Open Sans"/>
-                <a:cs typeface="Menlo Regular"/>
-                <a:sym typeface="Courier New"/>
-              </a:rPr>
-              <a:t>upper</a:t>
-            </a:r>
-            <a:r>
-              <a:rPr lang="en" dirty="0" smtClean="0">
-                <a:latin typeface="Open Sans"/>
-                <a:ea typeface="Open Sans"/>
-                <a:cs typeface="Menlo Regular"/>
-              </a:rPr>
-              <a:t>”</a:t>
-            </a:r>
-            <a:endParaRPr lang="en" dirty="0">
-              <a:latin typeface="Open Sans"/>
-              <a:ea typeface="Open Sans"/>
-              <a:cs typeface="Open Sans"/>
-            </a:endParaRPr>
-          </a:p>
-          <a:p>
-            <a:pPr>
-              <a:spcBef>
-                <a:spcPts val="0"/>
-              </a:spcBef>
-              <a:buNone/>
-            </a:pPr>
-            <a:endParaRPr dirty="0"/>
-          </a:p>
-        </p:txBody>
-      </p:sp>
-    </p:spTree>
-  </p:cSld>
-  <p:clrMapOvr>
-    <a:masterClrMapping/>
-  </p:clrMapOvr>
-  <p:transition spd="slow">
-    <p:cut/>
-  </p:transition>
-  <p:timing>
-    <p:tnLst>
-      <p:par>
-        <p:cTn id="1" dur="indefinite" restart="never" nodeType="tmRoot"/>
-      </p:par>
-    </p:tnLst>
-  </p:timing>
-</p:sld>
-</file>
-
-<file path=ppt/slides/slide61.xml><?xml version="1.0" encoding="utf-8"?>
-<p:sld xmlns:a="http://schemas.openxmlformats.org/drawingml/2006/main" xmlns:r="http://schemas.openxmlformats.org/officeDocument/2006/relationships" xmlns:p="http://schemas.openxmlformats.org/presentationml/2006/main">
-  <p:cSld>
-    <p:spTree>
-      <p:nvGrpSpPr>
         <p:cNvPr id="1" name="Shape 337"/>
         <p:cNvGrpSpPr/>
         <p:nvPr/>
@@ -29131,7 +28709,7 @@
 </p:sld>
 </file>
 
-<file path=ppt/slides/slide62.xml><?xml version="1.0" encoding="utf-8"?>
+<file path=ppt/slides/slide61.xml><?xml version="1.0" encoding="utf-8"?>
 <p:sld xmlns:a="http://schemas.openxmlformats.org/drawingml/2006/main" xmlns:r="http://schemas.openxmlformats.org/officeDocument/2006/relationships" xmlns:p="http://schemas.openxmlformats.org/presentationml/2006/main">
   <p:cSld>
     <p:spTree>
@@ -29356,7 +28934,7 @@
 </p:sld>
 </file>
 
-<file path=ppt/slides/slide63.xml><?xml version="1.0" encoding="utf-8"?>
+<file path=ppt/slides/slide62.xml><?xml version="1.0" encoding="utf-8"?>
 <p:sld xmlns:a="http://schemas.openxmlformats.org/drawingml/2006/main" xmlns:r="http://schemas.openxmlformats.org/officeDocument/2006/relationships" xmlns:p="http://schemas.openxmlformats.org/presentationml/2006/main">
   <p:cSld>
     <p:spTree>
@@ -29506,7 +29084,7 @@
 </p:sld>
 </file>
 
-<file path=ppt/slides/slide64.xml><?xml version="1.0" encoding="utf-8"?>
+<file path=ppt/slides/slide63.xml><?xml version="1.0" encoding="utf-8"?>
 <p:sld xmlns:a="http://schemas.openxmlformats.org/drawingml/2006/main" xmlns:r="http://schemas.openxmlformats.org/officeDocument/2006/relationships" xmlns:p="http://schemas.openxmlformats.org/presentationml/2006/main">
   <p:cSld>
     <p:spTree>
@@ -29943,7 +29521,7 @@
 </p:sld>
 </file>
 
-<file path=ppt/slides/slide65.xml><?xml version="1.0" encoding="utf-8"?>
+<file path=ppt/slides/slide64.xml><?xml version="1.0" encoding="utf-8"?>
 <p:sld xmlns:a="http://schemas.openxmlformats.org/drawingml/2006/main" xmlns:r="http://schemas.openxmlformats.org/officeDocument/2006/relationships" xmlns:p="http://schemas.openxmlformats.org/presentationml/2006/main">
   <p:cSld>
     <p:spTree>
@@ -30644,7 +30222,7 @@
 </p:sld>
 </file>
 
-<file path=ppt/slides/slide66.xml><?xml version="1.0" encoding="utf-8"?>
+<file path=ppt/slides/slide65.xml><?xml version="1.0" encoding="utf-8"?>
 <p:sld xmlns:a="http://schemas.openxmlformats.org/drawingml/2006/main" xmlns:r="http://schemas.openxmlformats.org/officeDocument/2006/relationships" xmlns:p="http://schemas.openxmlformats.org/presentationml/2006/main">
   <p:cSld>
     <p:spTree>
@@ -30891,7 +30469,7 @@
 </p:sld>
 </file>
 
-<file path=ppt/slides/slide67.xml><?xml version="1.0" encoding="utf-8"?>
+<file path=ppt/slides/slide66.xml><?xml version="1.0" encoding="utf-8"?>
 <p:sld xmlns:a="http://schemas.openxmlformats.org/drawingml/2006/main" xmlns:r="http://schemas.openxmlformats.org/officeDocument/2006/relationships" xmlns:p="http://schemas.openxmlformats.org/presentationml/2006/main">
   <p:cSld>
     <p:spTree>
@@ -30924,7 +30502,7 @@
           <a:lstStyle/>
           <a:p>
             <a:r>
-              <a:rPr lang="en-US" sz="6600" dirty="0" smtClean="0">
+              <a:rPr lang="en-US" sz="5000" dirty="0" smtClean="0">
                 <a:solidFill>
                   <a:srgbClr val="FF0000"/>
                 </a:solidFill>
@@ -30933,7 +30511,7 @@
               </a:rPr>
               <a:t>Spacing and Legibility</a:t>
             </a:r>
-            <a:endParaRPr lang="en-US" sz="6600" dirty="0">
+            <a:endParaRPr lang="en-US" sz="5000" dirty="0">
               <a:solidFill>
                 <a:srgbClr val="FF0000"/>
               </a:solidFill>
@@ -31063,7 +30641,7 @@
 </p:sld>
 </file>
 
-<file path=ppt/slides/slide68.xml><?xml version="1.0" encoding="utf-8"?>
+<file path=ppt/slides/slide67.xml><?xml version="1.0" encoding="utf-8"?>
 <p:sld xmlns:a="http://schemas.openxmlformats.org/drawingml/2006/main" xmlns:r="http://schemas.openxmlformats.org/officeDocument/2006/relationships" xmlns:p="http://schemas.openxmlformats.org/presentationml/2006/main">
   <p:cSld>
     <p:spTree>
@@ -31904,7 +31482,7 @@
 </p:sld>
 </file>
 
-<file path=ppt/slides/slide69.xml><?xml version="1.0" encoding="utf-8"?>
+<file path=ppt/slides/slide68.xml><?xml version="1.0" encoding="utf-8"?>
 <p:sld xmlns:a="http://schemas.openxmlformats.org/drawingml/2006/main" xmlns:r="http://schemas.openxmlformats.org/officeDocument/2006/relationships" xmlns:p="http://schemas.openxmlformats.org/presentationml/2006/main">
   <p:cSld>
     <p:spTree>
@@ -32052,15 +31630,6 @@
               </a:rPr>
               <a:t>("Doctor Who“)</a:t>
             </a:r>
-            <a:endParaRPr lang="en" sz="2400" dirty="0" smtClean="0">
-              <a:solidFill>
-                <a:srgbClr val="D20035"/>
-              </a:solidFill>
-              <a:latin typeface="Menlo Regular"/>
-              <a:ea typeface="Courier New"/>
-              <a:cs typeface="Menlo Regular"/>
-              <a:sym typeface="Courier New"/>
-            </a:endParaRPr>
           </a:p>
           <a:p>
             <a:pPr rtl="0">
@@ -32276,31 +31845,7 @@
                 <a:cs typeface="Menlo Regular"/>
                 <a:sym typeface="Courier New"/>
               </a:rPr>
-              <a:t>&gt;&gt;&gt; </a:t>
-            </a:r>
-            <a:r>
-              <a:rPr lang="en" sz="2400" dirty="0" smtClean="0">
-                <a:solidFill>
-                  <a:schemeClr val="tx1"/>
-                </a:solidFill>
-                <a:latin typeface="Menlo Regular"/>
-                <a:ea typeface="Courier New"/>
-                <a:cs typeface="Menlo Regular"/>
-                <a:sym typeface="Courier New"/>
-              </a:rPr>
-              <a:t>best_episode </a:t>
-            </a:r>
-            <a:r>
-              <a:rPr lang="en" sz="2400" dirty="0" smtClean="0">
-                <a:solidFill>
-                  <a:schemeClr val="tx1"/>
-                </a:solidFill>
-                <a:latin typeface="Menlo Regular"/>
-                <a:ea typeface="Courier New"/>
-                <a:cs typeface="Menlo Regular"/>
-                <a:sym typeface="Courier New"/>
-              </a:rPr>
-              <a:t>= </a:t>
+              <a:t>&gt;&gt;&gt; best_episode = </a:t>
             </a:r>
             <a:r>
               <a:rPr lang="en" sz="2400" dirty="0" smtClean="0">
@@ -32359,37 +31904,16 @@
                 <a:cs typeface="Menlo Regular"/>
                 <a:sym typeface="Courier New"/>
               </a:rPr>
-              <a:t>"My </a:t>
+              <a:t>"My favorite episode is " </a:t>
             </a:r>
             <a:r>
               <a:rPr lang="en" sz="2400" dirty="0" smtClean="0">
-                <a:solidFill>
-                  <a:srgbClr val="D20035"/>
-                </a:solidFill>
                 <a:latin typeface="Menlo Regular"/>
                 <a:ea typeface="Courier New"/>
                 <a:cs typeface="Menlo Regular"/>
                 <a:sym typeface="Courier New"/>
               </a:rPr>
-              <a:t>favorite episode is " </a:t>
-            </a:r>
-            <a:r>
-              <a:rPr lang="en" sz="2400" dirty="0" smtClean="0">
-                <a:latin typeface="Menlo Regular"/>
-                <a:ea typeface="Courier New"/>
-                <a:cs typeface="Menlo Regular"/>
-                <a:sym typeface="Courier New"/>
-              </a:rPr>
-              <a:t>+ </a:t>
-            </a:r>
-            <a:r>
-              <a:rPr lang="en" sz="2400" dirty="0" smtClean="0">
-                <a:latin typeface="Menlo Regular"/>
-                <a:ea typeface="Courier New"/>
-                <a:cs typeface="Menlo Regular"/>
-                <a:sym typeface="Courier New"/>
-              </a:rPr>
-              <a:t>best_episode)</a:t>
+              <a:t>+ best_episode)</a:t>
             </a:r>
           </a:p>
           <a:p>
@@ -32453,51 +31977,345 @@
                 <a:cs typeface="Menlo Regular"/>
                 <a:sym typeface="Courier New"/>
               </a:rPr>
-              <a:t>"My </a:t>
+              <a:t>"My favorite Doctor is " </a:t>
             </a:r>
             <a:r>
               <a:rPr lang="en" sz="2400" dirty="0" smtClean="0">
-                <a:solidFill>
-                  <a:srgbClr val="D20035"/>
-                </a:solidFill>
                 <a:latin typeface="Menlo Regular"/>
                 <a:ea typeface="Courier New"/>
                 <a:cs typeface="Menlo Regular"/>
                 <a:sym typeface="Courier New"/>
               </a:rPr>
-              <a:t>favorite Doctor is " </a:t>
+              <a:t>+ doctors[</a:t>
             </a:r>
             <a:r>
               <a:rPr lang="en" sz="2400" dirty="0" smtClean="0">
+                <a:solidFill>
+                  <a:srgbClr val="0E72A4"/>
+                </a:solidFill>
                 <a:latin typeface="Menlo Regular"/>
                 <a:ea typeface="Courier New"/>
                 <a:cs typeface="Menlo Regular"/>
                 <a:sym typeface="Courier New"/>
               </a:rPr>
-              <a:t>+ doctors[</a:t>
+              <a:t>1</a:t>
             </a:r>
             <a:r>
               <a:rPr lang="en" sz="2400" dirty="0" smtClean="0">
-                <a:solidFill>
-                  <a:srgbClr val="0E72A4"/>
-                </a:solidFill>
                 <a:latin typeface="Menlo Regular"/>
                 <a:ea typeface="Courier New"/>
                 <a:cs typeface="Menlo Regular"/>
                 <a:sym typeface="Courier New"/>
               </a:rPr>
+              <a:t>])</a:t>
+            </a:r>
+            <a:endParaRPr lang="en" sz="2400" dirty="0">
+              <a:latin typeface="Menlo Regular"/>
+              <a:ea typeface="Courier New"/>
+              <a:cs typeface="Menlo Regular"/>
+              <a:sym typeface="Courier New"/>
+            </a:endParaRPr>
+          </a:p>
+        </p:txBody>
+      </p:sp>
+    </p:spTree>
+  </p:cSld>
+  <p:clrMapOvr>
+    <a:masterClrMapping/>
+  </p:clrMapOvr>
+  <p:transition spd="slow">
+    <p:cut/>
+  </p:transition>
+</p:sld>
+</file>
+
+<file path=ppt/slides/slide69.xml><?xml version="1.0" encoding="utf-8"?>
+<p:sld xmlns:a="http://schemas.openxmlformats.org/drawingml/2006/main" xmlns:r="http://schemas.openxmlformats.org/officeDocument/2006/relationships" xmlns:p="http://schemas.openxmlformats.org/presentationml/2006/main">
+  <p:cSld>
+    <p:spTree>
+      <p:nvGrpSpPr>
+        <p:cNvPr id="1" name="Shape 385"/>
+        <p:cNvGrpSpPr/>
+        <p:nvPr/>
+      </p:nvGrpSpPr>
+      <p:grpSpPr>
+        <a:xfrm>
+          <a:off x="0" y="0"/>
+          <a:ext cx="0" cy="0"/>
+          <a:chOff x="0" y="0"/>
+          <a:chExt cx="0" cy="0"/>
+        </a:xfrm>
+      </p:grpSpPr>
+      <p:sp>
+        <p:nvSpPr>
+          <p:cNvPr id="386" name="Shape 386"/>
+          <p:cNvSpPr txBox="1">
+            <a:spLocks noGrp="1"/>
+          </p:cNvSpPr>
+          <p:nvPr>
+            <p:ph type="title"/>
+          </p:nvPr>
+        </p:nvSpPr>
+        <p:spPr>
+          <a:xfrm>
+            <a:off x="457200" y="274637"/>
+            <a:ext cx="8229600" cy="1143000"/>
+          </a:xfrm>
+          <a:prstGeom prst="rect">
+            <a:avLst/>
+          </a:prstGeom>
+        </p:spPr>
+        <p:txBody>
+          <a:bodyPr lIns="91425" tIns="91425" rIns="91425" bIns="91425" anchor="b" anchorCtr="0">
+            <a:noAutofit/>
+          </a:bodyPr>
+          <a:lstStyle/>
+          <a:p>
+            <a:pPr>
+              <a:spcBef>
+                <a:spcPts val="0"/>
+              </a:spcBef>
+              <a:buNone/>
+            </a:pPr>
+            <a:r>
+              <a:rPr lang="en" sz="6800" b="0" dirty="0">
+                <a:solidFill>
+                  <a:srgbClr val="FF0000"/>
+                </a:solidFill>
+                <a:latin typeface="Yanone Kaffeesatz Bold"/>
+                <a:ea typeface="Ubuntu"/>
+                <a:cs typeface="Yanone Kaffeesatz Bold"/>
+              </a:rPr>
+              <a:t>Code </a:t>
+            </a:r>
+            <a:r>
+              <a:rPr lang="en-US" sz="6800" b="0" dirty="0" smtClean="0">
+                <a:solidFill>
+                  <a:srgbClr val="FF0000"/>
+                </a:solidFill>
+                <a:latin typeface="Yanone Kaffeesatz Bold"/>
+                <a:ea typeface="Ubuntu"/>
+                <a:cs typeface="Yanone Kaffeesatz Bold"/>
+              </a:rPr>
+              <a:t>Exercise </a:t>
+            </a:r>
+            <a:r>
+              <a:rPr lang="en" sz="6800" b="0" dirty="0" smtClean="0">
+                <a:solidFill>
+                  <a:srgbClr val="FF0000"/>
+                </a:solidFill>
+                <a:latin typeface="Yanone Kaffeesatz Bold"/>
+                <a:ea typeface="Ubuntu"/>
+                <a:cs typeface="Yanone Kaffeesatz Bold"/>
+              </a:rPr>
               <a:t>1</a:t>
             </a:r>
+            <a:endParaRPr lang="en" sz="6800" b="0" dirty="0">
+              <a:solidFill>
+                <a:srgbClr val="FF0000"/>
+              </a:solidFill>
+              <a:latin typeface="Yanone Kaffeesatz Bold"/>
+              <a:ea typeface="Ubuntu"/>
+              <a:cs typeface="Yanone Kaffeesatz Bold"/>
+            </a:endParaRPr>
+          </a:p>
+        </p:txBody>
+      </p:sp>
+      <p:sp>
+        <p:nvSpPr>
+          <p:cNvPr id="387" name="Shape 387"/>
+          <p:cNvSpPr txBox="1">
+            <a:spLocks noGrp="1"/>
+          </p:cNvSpPr>
+          <p:nvPr>
+            <p:ph type="body" idx="1"/>
+          </p:nvPr>
+        </p:nvSpPr>
+        <p:spPr>
+          <a:xfrm>
+            <a:off x="457200" y="1600200"/>
+            <a:ext cx="8229600" cy="4967700"/>
+          </a:xfrm>
+          <a:prstGeom prst="rect">
+            <a:avLst/>
+          </a:prstGeom>
+        </p:spPr>
+        <p:txBody>
+          <a:bodyPr lIns="91425" tIns="91425" rIns="91425" bIns="91425" anchor="t" anchorCtr="0">
+            <a:noAutofit/>
+          </a:bodyPr>
+          <a:lstStyle/>
+          <a:p>
+            <a:pPr lvl="0" rtl="0">
+              <a:spcBef>
+                <a:spcPts val="0"/>
+              </a:spcBef>
+              <a:buNone/>
+            </a:pPr>
+            <a:r>
+              <a:rPr lang="en" sz="2400" dirty="0">
+                <a:solidFill>
+                  <a:srgbClr val="000000"/>
+                </a:solidFill>
+              </a:rPr>
+              <a:t>Store your street address, city, state, and zip code in variables (or even better, a </a:t>
+            </a:r>
             <a:r>
               <a:rPr lang="en" sz="2400" dirty="0" smtClean="0">
+                <a:solidFill>
+                  <a:srgbClr val="000000"/>
+                </a:solidFill>
+              </a:rPr>
+              <a:t>dictionary!), </a:t>
+            </a:r>
+            <a:r>
+              <a:rPr lang="en" sz="2400" dirty="0">
+                <a:solidFill>
+                  <a:srgbClr val="000000"/>
+                </a:solidFill>
+              </a:rPr>
+              <a:t>then print them in the usual format:</a:t>
+            </a:r>
+          </a:p>
+          <a:p>
+            <a:pPr lvl="0" rtl="0">
+              <a:spcBef>
+                <a:spcPts val="0"/>
+              </a:spcBef>
+              <a:buNone/>
+            </a:pPr>
+            <a:endParaRPr sz="2400" dirty="0">
+              <a:solidFill>
+                <a:schemeClr val="bg2">
+                  <a:lumMod val="50000"/>
+                </a:schemeClr>
+              </a:solidFill>
+            </a:endParaRPr>
+          </a:p>
+          <a:p>
+            <a:pPr lvl="0" rtl="0">
+              <a:spcBef>
+                <a:spcPts val="0"/>
+              </a:spcBef>
+              <a:buNone/>
+            </a:pPr>
+            <a:r>
+              <a:rPr lang="en-US" sz="2400" dirty="0" smtClean="0">
+                <a:solidFill>
+                  <a:schemeClr val="bg2">
+                    <a:lumMod val="50000"/>
+                  </a:schemeClr>
+                </a:solidFill>
                 <a:latin typeface="Menlo Regular"/>
                 <a:ea typeface="Courier New"/>
                 <a:cs typeface="Menlo Regular"/>
                 <a:sym typeface="Courier New"/>
               </a:rPr>
-              <a:t>])</a:t>
+              <a:t>Brandon Walsh</a:t>
             </a:r>
             <a:endParaRPr lang="en" sz="2400" dirty="0">
+              <a:solidFill>
+                <a:schemeClr val="bg2">
+                  <a:lumMod val="50000"/>
+                </a:schemeClr>
+              </a:solidFill>
+              <a:latin typeface="Menlo Regular"/>
+              <a:ea typeface="Courier New"/>
+              <a:cs typeface="Menlo Regular"/>
+              <a:sym typeface="Courier New"/>
+            </a:endParaRPr>
+          </a:p>
+          <a:p>
+            <a:pPr lvl="0" rtl="0">
+              <a:spcBef>
+                <a:spcPts val="0"/>
+              </a:spcBef>
+              <a:buNone/>
+            </a:pPr>
+            <a:r>
+              <a:rPr lang="en" sz="2400" dirty="0">
+                <a:solidFill>
+                  <a:schemeClr val="bg2">
+                    <a:lumMod val="50000"/>
+                  </a:schemeClr>
+                </a:solidFill>
+                <a:latin typeface="Menlo Regular"/>
+                <a:ea typeface="Courier New"/>
+                <a:cs typeface="Menlo Regular"/>
+                <a:sym typeface="Courier New"/>
+              </a:rPr>
+              <a:t>123 My Street</a:t>
+            </a:r>
+          </a:p>
+          <a:p>
+            <a:pPr>
+              <a:spcBef>
+                <a:spcPts val="0"/>
+              </a:spcBef>
+              <a:buNone/>
+            </a:pPr>
+            <a:r>
+              <a:rPr lang="en-US" sz="2400" dirty="0" smtClean="0">
+                <a:solidFill>
+                  <a:schemeClr val="bg2">
+                    <a:lumMod val="50000"/>
+                  </a:schemeClr>
+                </a:solidFill>
+                <a:latin typeface="Menlo Regular"/>
+                <a:ea typeface="Courier New"/>
+                <a:cs typeface="Menlo Regular"/>
+                <a:sym typeface="Courier New"/>
+              </a:rPr>
+              <a:t>Charlottesville</a:t>
+            </a:r>
+            <a:r>
+              <a:rPr lang="en" sz="2400" dirty="0" smtClean="0">
+                <a:solidFill>
+                  <a:schemeClr val="bg2">
+                    <a:lumMod val="50000"/>
+                  </a:schemeClr>
+                </a:solidFill>
+                <a:latin typeface="Menlo Regular"/>
+                <a:ea typeface="Courier New"/>
+                <a:cs typeface="Menlo Regular"/>
+                <a:sym typeface="Courier New"/>
+              </a:rPr>
+              <a:t>, </a:t>
+            </a:r>
+            <a:r>
+              <a:rPr lang="en" sz="2400" dirty="0">
+                <a:solidFill>
+                  <a:schemeClr val="bg2">
+                    <a:lumMod val="50000"/>
+                  </a:schemeClr>
+                </a:solidFill>
+                <a:latin typeface="Menlo Regular"/>
+                <a:ea typeface="Courier New"/>
+                <a:cs typeface="Menlo Regular"/>
+                <a:sym typeface="Courier New"/>
+              </a:rPr>
+              <a:t>VA </a:t>
+            </a:r>
+            <a:r>
+              <a:rPr lang="en-US" sz="2400" dirty="0" smtClean="0">
+                <a:solidFill>
+                  <a:schemeClr val="bg2">
+                    <a:lumMod val="50000"/>
+                  </a:schemeClr>
+                </a:solidFill>
+                <a:latin typeface="Menlo Regular"/>
+                <a:ea typeface="Courier New"/>
+                <a:cs typeface="Menlo Regular"/>
+                <a:sym typeface="Courier New"/>
+              </a:rPr>
+              <a:t>22903</a:t>
+            </a:r>
+            <a:endParaRPr lang="en" sz="2400" dirty="0">
+              <a:solidFill>
+                <a:schemeClr val="bg2">
+                  <a:lumMod val="50000"/>
+                </a:schemeClr>
+              </a:solidFill>
               <a:latin typeface="Menlo Regular"/>
               <a:ea typeface="Courier New"/>
               <a:cs typeface="Menlo Regular"/>
@@ -32810,312 +32628,6 @@
   <p:cSld>
     <p:spTree>
       <p:nvGrpSpPr>
-        <p:cNvPr id="1" name="Shape 385"/>
-        <p:cNvGrpSpPr/>
-        <p:nvPr/>
-      </p:nvGrpSpPr>
-      <p:grpSpPr>
-        <a:xfrm>
-          <a:off x="0" y="0"/>
-          <a:ext cx="0" cy="0"/>
-          <a:chOff x="0" y="0"/>
-          <a:chExt cx="0" cy="0"/>
-        </a:xfrm>
-      </p:grpSpPr>
-      <p:sp>
-        <p:nvSpPr>
-          <p:cNvPr id="386" name="Shape 386"/>
-          <p:cNvSpPr txBox="1">
-            <a:spLocks noGrp="1"/>
-          </p:cNvSpPr>
-          <p:nvPr>
-            <p:ph type="title"/>
-          </p:nvPr>
-        </p:nvSpPr>
-        <p:spPr>
-          <a:xfrm>
-            <a:off x="457200" y="274637"/>
-            <a:ext cx="8229600" cy="1143000"/>
-          </a:xfrm>
-          <a:prstGeom prst="rect">
-            <a:avLst/>
-          </a:prstGeom>
-        </p:spPr>
-        <p:txBody>
-          <a:bodyPr lIns="91425" tIns="91425" rIns="91425" bIns="91425" anchor="b" anchorCtr="0">
-            <a:noAutofit/>
-          </a:bodyPr>
-          <a:lstStyle/>
-          <a:p>
-            <a:pPr>
-              <a:spcBef>
-                <a:spcPts val="0"/>
-              </a:spcBef>
-              <a:buNone/>
-            </a:pPr>
-            <a:r>
-              <a:rPr lang="en" sz="6800" b="0" dirty="0">
-                <a:solidFill>
-                  <a:srgbClr val="FF0000"/>
-                </a:solidFill>
-                <a:latin typeface="Yanone Kaffeesatz Bold"/>
-                <a:ea typeface="Ubuntu"/>
-                <a:cs typeface="Yanone Kaffeesatz Bold"/>
-              </a:rPr>
-              <a:t>Code </a:t>
-            </a:r>
-            <a:r>
-              <a:rPr lang="en-US" sz="6800" b="0" dirty="0" smtClean="0">
-                <a:solidFill>
-                  <a:srgbClr val="FF0000"/>
-                </a:solidFill>
-                <a:latin typeface="Yanone Kaffeesatz Bold"/>
-                <a:ea typeface="Ubuntu"/>
-                <a:cs typeface="Yanone Kaffeesatz Bold"/>
-              </a:rPr>
-              <a:t>Exercise </a:t>
-            </a:r>
-            <a:r>
-              <a:rPr lang="en" sz="6800" b="0" dirty="0" smtClean="0">
-                <a:solidFill>
-                  <a:srgbClr val="FF0000"/>
-                </a:solidFill>
-                <a:latin typeface="Yanone Kaffeesatz Bold"/>
-                <a:ea typeface="Ubuntu"/>
-                <a:cs typeface="Yanone Kaffeesatz Bold"/>
-              </a:rPr>
-              <a:t>1</a:t>
-            </a:r>
-            <a:endParaRPr lang="en" sz="6800" b="0" dirty="0">
-              <a:solidFill>
-                <a:srgbClr val="FF0000"/>
-              </a:solidFill>
-              <a:latin typeface="Yanone Kaffeesatz Bold"/>
-              <a:ea typeface="Ubuntu"/>
-              <a:cs typeface="Yanone Kaffeesatz Bold"/>
-            </a:endParaRPr>
-          </a:p>
-        </p:txBody>
-      </p:sp>
-      <p:sp>
-        <p:nvSpPr>
-          <p:cNvPr id="387" name="Shape 387"/>
-          <p:cNvSpPr txBox="1">
-            <a:spLocks noGrp="1"/>
-          </p:cNvSpPr>
-          <p:nvPr>
-            <p:ph type="body" idx="1"/>
-          </p:nvPr>
-        </p:nvSpPr>
-        <p:spPr>
-          <a:xfrm>
-            <a:off x="457200" y="1600200"/>
-            <a:ext cx="8229600" cy="4967700"/>
-          </a:xfrm>
-          <a:prstGeom prst="rect">
-            <a:avLst/>
-          </a:prstGeom>
-        </p:spPr>
-        <p:txBody>
-          <a:bodyPr lIns="91425" tIns="91425" rIns="91425" bIns="91425" anchor="t" anchorCtr="0">
-            <a:noAutofit/>
-          </a:bodyPr>
-          <a:lstStyle/>
-          <a:p>
-            <a:pPr lvl="0" rtl="0">
-              <a:spcBef>
-                <a:spcPts val="0"/>
-              </a:spcBef>
-              <a:buNone/>
-            </a:pPr>
-            <a:r>
-              <a:rPr lang="en" sz="2400" dirty="0">
-                <a:solidFill>
-                  <a:srgbClr val="000000"/>
-                </a:solidFill>
-              </a:rPr>
-              <a:t>Store your street address, city, state, and zip code in variables (or even better, a </a:t>
-            </a:r>
-            <a:r>
-              <a:rPr lang="en" sz="2400" dirty="0" smtClean="0">
-                <a:solidFill>
-                  <a:srgbClr val="000000"/>
-                </a:solidFill>
-              </a:rPr>
-              <a:t>dictionary!), </a:t>
-            </a:r>
-            <a:r>
-              <a:rPr lang="en" sz="2400" dirty="0">
-                <a:solidFill>
-                  <a:srgbClr val="000000"/>
-                </a:solidFill>
-              </a:rPr>
-              <a:t>then print them in the usual format:</a:t>
-            </a:r>
-          </a:p>
-          <a:p>
-            <a:pPr lvl="0" rtl="0">
-              <a:spcBef>
-                <a:spcPts val="0"/>
-              </a:spcBef>
-              <a:buNone/>
-            </a:pPr>
-            <a:endParaRPr sz="2400" dirty="0">
-              <a:solidFill>
-                <a:schemeClr val="bg2">
-                  <a:lumMod val="50000"/>
-                </a:schemeClr>
-              </a:solidFill>
-            </a:endParaRPr>
-          </a:p>
-          <a:p>
-            <a:pPr lvl="0" rtl="0">
-              <a:spcBef>
-                <a:spcPts val="0"/>
-              </a:spcBef>
-              <a:buNone/>
-            </a:pPr>
-            <a:r>
-              <a:rPr lang="en-US" sz="2400" dirty="0" smtClean="0">
-                <a:solidFill>
-                  <a:schemeClr val="bg2">
-                    <a:lumMod val="50000"/>
-                  </a:schemeClr>
-                </a:solidFill>
-                <a:latin typeface="Menlo Regular"/>
-                <a:ea typeface="Courier New"/>
-                <a:cs typeface="Menlo Regular"/>
-                <a:sym typeface="Courier New"/>
-              </a:rPr>
-              <a:t>Brandon Walsh</a:t>
-            </a:r>
-            <a:endParaRPr lang="en" sz="2400" dirty="0">
-              <a:solidFill>
-                <a:schemeClr val="bg2">
-                  <a:lumMod val="50000"/>
-                </a:schemeClr>
-              </a:solidFill>
-              <a:latin typeface="Menlo Regular"/>
-              <a:ea typeface="Courier New"/>
-              <a:cs typeface="Menlo Regular"/>
-              <a:sym typeface="Courier New"/>
-            </a:endParaRPr>
-          </a:p>
-          <a:p>
-            <a:pPr lvl="0" rtl="0">
-              <a:spcBef>
-                <a:spcPts val="0"/>
-              </a:spcBef>
-              <a:buNone/>
-            </a:pPr>
-            <a:r>
-              <a:rPr lang="en" sz="2400" dirty="0">
-                <a:solidFill>
-                  <a:schemeClr val="bg2">
-                    <a:lumMod val="50000"/>
-                  </a:schemeClr>
-                </a:solidFill>
-                <a:latin typeface="Menlo Regular"/>
-                <a:ea typeface="Courier New"/>
-                <a:cs typeface="Menlo Regular"/>
-                <a:sym typeface="Courier New"/>
-              </a:rPr>
-              <a:t>123 My Street</a:t>
-            </a:r>
-          </a:p>
-          <a:p>
-            <a:pPr>
-              <a:spcBef>
-                <a:spcPts val="0"/>
-              </a:spcBef>
-              <a:buNone/>
-            </a:pPr>
-            <a:r>
-              <a:rPr lang="en-US" sz="2400" dirty="0" smtClean="0">
-                <a:solidFill>
-                  <a:schemeClr val="bg2">
-                    <a:lumMod val="50000"/>
-                  </a:schemeClr>
-                </a:solidFill>
-                <a:latin typeface="Menlo Regular"/>
-                <a:ea typeface="Courier New"/>
-                <a:cs typeface="Menlo Regular"/>
-                <a:sym typeface="Courier New"/>
-              </a:rPr>
-              <a:t>Charlottesville</a:t>
-            </a:r>
-            <a:r>
-              <a:rPr lang="en" sz="2400" dirty="0" smtClean="0">
-                <a:solidFill>
-                  <a:schemeClr val="bg2">
-                    <a:lumMod val="50000"/>
-                  </a:schemeClr>
-                </a:solidFill>
-                <a:latin typeface="Menlo Regular"/>
-                <a:ea typeface="Courier New"/>
-                <a:cs typeface="Menlo Regular"/>
-                <a:sym typeface="Courier New"/>
-              </a:rPr>
-              <a:t>, </a:t>
-            </a:r>
-            <a:r>
-              <a:rPr lang="en" sz="2400" dirty="0">
-                <a:solidFill>
-                  <a:schemeClr val="bg2">
-                    <a:lumMod val="50000"/>
-                  </a:schemeClr>
-                </a:solidFill>
-                <a:latin typeface="Menlo Regular"/>
-                <a:ea typeface="Courier New"/>
-                <a:cs typeface="Menlo Regular"/>
-                <a:sym typeface="Courier New"/>
-              </a:rPr>
-              <a:t>VA </a:t>
-            </a:r>
-            <a:r>
-              <a:rPr lang="en-US" sz="2400" dirty="0" smtClean="0">
-                <a:solidFill>
-                  <a:schemeClr val="bg2">
-                    <a:lumMod val="50000"/>
-                  </a:schemeClr>
-                </a:solidFill>
-                <a:latin typeface="Menlo Regular"/>
-                <a:ea typeface="Courier New"/>
-                <a:cs typeface="Menlo Regular"/>
-                <a:sym typeface="Courier New"/>
-              </a:rPr>
-              <a:t>22903</a:t>
-            </a:r>
-            <a:endParaRPr lang="en" sz="2400" dirty="0">
-              <a:solidFill>
-                <a:schemeClr val="bg2">
-                  <a:lumMod val="50000"/>
-                </a:schemeClr>
-              </a:solidFill>
-              <a:latin typeface="Menlo Regular"/>
-              <a:ea typeface="Courier New"/>
-              <a:cs typeface="Menlo Regular"/>
-              <a:sym typeface="Courier New"/>
-            </a:endParaRPr>
-          </a:p>
-        </p:txBody>
-      </p:sp>
-    </p:spTree>
-  </p:cSld>
-  <p:clrMapOvr>
-    <a:masterClrMapping/>
-  </p:clrMapOvr>
-  <p:transition spd="slow">
-    <p:cut/>
-  </p:transition>
-</p:sld>
-</file>
-
-<file path=ppt/slides/slide71.xml><?xml version="1.0" encoding="utf-8"?>
-<p:sld xmlns:a="http://schemas.openxmlformats.org/drawingml/2006/main" xmlns:r="http://schemas.openxmlformats.org/officeDocument/2006/relationships" xmlns:p="http://schemas.openxmlformats.org/presentationml/2006/main">
-  <p:cSld>
-    <p:spTree>
-      <p:nvGrpSpPr>
         <p:cNvPr id="1" name="Shape 391"/>
         <p:cNvGrpSpPr/>
         <p:nvPr/>
@@ -33266,43 +32778,19 @@
                 <a:cs typeface="Menlo Regular"/>
                 <a:sym typeface="Courier New"/>
               </a:rPr>
-              <a:t>:</a:t>
-            </a:r>
-            <a:r>
-              <a:rPr lang="en" sz="2200" dirty="0" smtClean="0">
-                <a:solidFill>
-                  <a:srgbClr val="000000"/>
+              <a:t>: ‘</a:t>
+            </a:r>
+            <a:r>
+              <a:rPr lang="en-US" sz="2200" dirty="0" smtClean="0">
+                <a:solidFill>
+                  <a:srgbClr val="D20035"/>
                 </a:solidFill>
                 <a:latin typeface="Menlo Regular"/>
                 <a:ea typeface="Courier New"/>
                 <a:cs typeface="Menlo Regular"/>
                 <a:sym typeface="Courier New"/>
               </a:rPr>
-              <a:t> ‘</a:t>
-            </a:r>
-            <a:r>
-              <a:rPr lang="en-US" sz="2200" dirty="0" smtClean="0">
-                <a:solidFill>
-                  <a:srgbClr val="D20035"/>
-                </a:solidFill>
-                <a:latin typeface="Menlo Regular"/>
-                <a:ea typeface="Courier New"/>
-                <a:cs typeface="Menlo Regular"/>
-                <a:sym typeface="Courier New"/>
-              </a:rPr>
-              <a:t>Ethan </a:t>
-            </a:r>
-            <a:r>
-              <a:rPr lang="en-US" sz="2200" dirty="0" smtClean="0">
-                <a:solidFill>
-                  <a:srgbClr val="D20035"/>
-                </a:solidFill>
-                <a:latin typeface="Menlo Regular"/>
-                <a:ea typeface="Courier New"/>
-                <a:cs typeface="Menlo Regular"/>
-                <a:sym typeface="Courier New"/>
-              </a:rPr>
-              <a:t>Reed</a:t>
+              <a:t>Ethan Reed</a:t>
             </a:r>
             <a:r>
               <a:rPr lang="en" sz="2200" dirty="0" smtClean="0">
@@ -33379,11 +32867,67 @@
                 <a:cs typeface="Menlo Regular"/>
                 <a:sym typeface="Courier New"/>
               </a:rPr>
-              <a:t>:</a:t>
+              <a:t>: </a:t>
+            </a:r>
+            <a:r>
+              <a:rPr lang="en" sz="2200" dirty="0">
+                <a:solidFill>
+                  <a:srgbClr val="D20035"/>
+                </a:solidFill>
+                <a:latin typeface="Menlo Regular"/>
+                <a:ea typeface="Courier New"/>
+                <a:cs typeface="Menlo Regular"/>
+                <a:sym typeface="Courier New"/>
+              </a:rPr>
+              <a:t>'123 My Street'</a:t>
+            </a:r>
+            <a:r>
+              <a:rPr lang="en" sz="2200" dirty="0">
+                <a:solidFill>
+                  <a:srgbClr val="000000"/>
+                </a:solidFill>
+                <a:latin typeface="Menlo Regular"/>
+                <a:ea typeface="Courier New"/>
+                <a:cs typeface="Menlo Regular"/>
+                <a:sym typeface="Courier New"/>
+              </a:rPr>
+              <a:t>,</a:t>
+            </a:r>
+          </a:p>
+          <a:p>
+            <a:pPr lvl="0" rtl="0">
+              <a:spcBef>
+                <a:spcPts val="0"/>
+              </a:spcBef>
+              <a:buNone/>
+            </a:pPr>
+            <a:r>
+              <a:rPr lang="en" sz="2200" dirty="0">
+                <a:solidFill>
+                  <a:srgbClr val="000000"/>
+                </a:solidFill>
+                <a:latin typeface="Menlo Regular"/>
+                <a:ea typeface="Courier New"/>
+                <a:cs typeface="Menlo Regular"/>
+                <a:sym typeface="Courier New"/>
+              </a:rPr>
+              <a:t>   </a:t>
             </a:r>
             <a:r>
               <a:rPr lang="en" sz="2200" dirty="0" smtClean="0">
                 <a:solidFill>
+                  <a:srgbClr val="D20035"/>
+                </a:solidFill>
+                <a:latin typeface="Menlo Regular"/>
+                <a:ea typeface="Courier New"/>
+                <a:cs typeface="Menlo Regular"/>
+                <a:sym typeface="Courier New"/>
+              </a:rPr>
+              <a:t>'city‘</a:t>
+            </a:r>
+            <a:r>
+              <a:rPr lang="en" sz="2200" dirty="0" smtClean="0">
+                <a:solidFill>
                   <a:srgbClr val="000000"/>
                 </a:solidFill>
                 <a:latin typeface="Menlo Regular"/>
@@ -33391,87 +32935,7 @@
                 <a:cs typeface="Menlo Regular"/>
                 <a:sym typeface="Courier New"/>
               </a:rPr>
-              <a:t> </a:t>
-            </a:r>
-            <a:r>
-              <a:rPr lang="en" sz="2200" dirty="0">
-                <a:solidFill>
-                  <a:srgbClr val="D20035"/>
-                </a:solidFill>
-                <a:latin typeface="Menlo Regular"/>
-                <a:ea typeface="Courier New"/>
-                <a:cs typeface="Menlo Regular"/>
-                <a:sym typeface="Courier New"/>
-              </a:rPr>
-              <a:t>'123 My Street'</a:t>
-            </a:r>
-            <a:r>
-              <a:rPr lang="en" sz="2200" dirty="0">
-                <a:solidFill>
-                  <a:srgbClr val="000000"/>
-                </a:solidFill>
-                <a:latin typeface="Menlo Regular"/>
-                <a:ea typeface="Courier New"/>
-                <a:cs typeface="Menlo Regular"/>
-                <a:sym typeface="Courier New"/>
-              </a:rPr>
-              <a:t>,</a:t>
-            </a:r>
-          </a:p>
-          <a:p>
-            <a:pPr lvl="0" rtl="0">
-              <a:spcBef>
-                <a:spcPts val="0"/>
-              </a:spcBef>
-              <a:buNone/>
-            </a:pPr>
-            <a:r>
-              <a:rPr lang="en" sz="2200" dirty="0">
-                <a:solidFill>
-                  <a:srgbClr val="000000"/>
-                </a:solidFill>
-                <a:latin typeface="Menlo Regular"/>
-                <a:ea typeface="Courier New"/>
-                <a:cs typeface="Menlo Regular"/>
-                <a:sym typeface="Courier New"/>
-              </a:rPr>
-              <a:t>   </a:t>
-            </a:r>
-            <a:r>
-              <a:rPr lang="en" sz="2200" dirty="0" smtClean="0">
-                <a:solidFill>
-                  <a:srgbClr val="D20035"/>
-                </a:solidFill>
-                <a:latin typeface="Menlo Regular"/>
-                <a:ea typeface="Courier New"/>
-                <a:cs typeface="Menlo Regular"/>
-                <a:sym typeface="Courier New"/>
-              </a:rPr>
-              <a:t>'city‘</a:t>
-            </a:r>
-            <a:r>
-              <a:rPr lang="en" sz="2200" dirty="0" smtClean="0">
-                <a:solidFill>
-                  <a:srgbClr val="000000"/>
-                </a:solidFill>
-                <a:latin typeface="Menlo Regular"/>
-                <a:ea typeface="Courier New"/>
-                <a:cs typeface="Menlo Regular"/>
-                <a:sym typeface="Courier New"/>
-              </a:rPr>
-              <a:t>:</a:t>
-            </a:r>
-            <a:r>
-              <a:rPr lang="en" sz="2200" dirty="0" smtClean="0">
-                <a:solidFill>
-                  <a:srgbClr val="000000"/>
-                </a:solidFill>
-                <a:latin typeface="Menlo Regular"/>
-                <a:ea typeface="Courier New"/>
-                <a:cs typeface="Menlo Regular"/>
-                <a:sym typeface="Courier New"/>
-              </a:rPr>
-              <a:t> </a:t>
+              <a:t>: </a:t>
             </a:r>
             <a:r>
               <a:rPr lang="en-US" sz="2200" dirty="0" smtClean="0">
@@ -33560,11 +33024,67 @@
                 <a:cs typeface="Menlo Regular"/>
                 <a:sym typeface="Courier New"/>
               </a:rPr>
-              <a:t>:</a:t>
+              <a:t>: </a:t>
+            </a:r>
+            <a:r>
+              <a:rPr lang="en" sz="2200" dirty="0">
+                <a:solidFill>
+                  <a:srgbClr val="D20035"/>
+                </a:solidFill>
+                <a:latin typeface="Menlo Regular"/>
+                <a:ea typeface="Courier New"/>
+                <a:cs typeface="Menlo Regular"/>
+                <a:sym typeface="Courier New"/>
+              </a:rPr>
+              <a:t>'VA'</a:t>
+            </a:r>
+            <a:r>
+              <a:rPr lang="en" sz="2200" dirty="0">
+                <a:solidFill>
+                  <a:srgbClr val="000000"/>
+                </a:solidFill>
+                <a:latin typeface="Menlo Regular"/>
+                <a:ea typeface="Courier New"/>
+                <a:cs typeface="Menlo Regular"/>
+                <a:sym typeface="Courier New"/>
+              </a:rPr>
+              <a:t>,</a:t>
+            </a:r>
+          </a:p>
+          <a:p>
+            <a:pPr lvl="0" rtl="0">
+              <a:spcBef>
+                <a:spcPts val="0"/>
+              </a:spcBef>
+              <a:buNone/>
+            </a:pPr>
+            <a:r>
+              <a:rPr lang="en" sz="2200" dirty="0">
+                <a:solidFill>
+                  <a:srgbClr val="000000"/>
+                </a:solidFill>
+                <a:latin typeface="Menlo Regular"/>
+                <a:ea typeface="Courier New"/>
+                <a:cs typeface="Menlo Regular"/>
+                <a:sym typeface="Courier New"/>
+              </a:rPr>
+              <a:t>   </a:t>
             </a:r>
             <a:r>
               <a:rPr lang="en" sz="2200" dirty="0" smtClean="0">
                 <a:solidFill>
+                  <a:srgbClr val="D20035"/>
+                </a:solidFill>
+                <a:latin typeface="Menlo Regular"/>
+                <a:ea typeface="Courier New"/>
+                <a:cs typeface="Menlo Regular"/>
+                <a:sym typeface="Courier New"/>
+              </a:rPr>
+              <a:t>'zip‘</a:t>
+            </a:r>
+            <a:r>
+              <a:rPr lang="en" sz="2200" dirty="0" smtClean="0">
+                <a:solidFill>
                   <a:srgbClr val="000000"/>
                 </a:solidFill>
                 <a:latin typeface="Menlo Regular"/>
@@ -33572,87 +33092,7 @@
                 <a:cs typeface="Menlo Regular"/>
                 <a:sym typeface="Courier New"/>
               </a:rPr>
-              <a:t> </a:t>
-            </a:r>
-            <a:r>
-              <a:rPr lang="en" sz="2200" dirty="0">
-                <a:solidFill>
-                  <a:srgbClr val="D20035"/>
-                </a:solidFill>
-                <a:latin typeface="Menlo Regular"/>
-                <a:ea typeface="Courier New"/>
-                <a:cs typeface="Menlo Regular"/>
-                <a:sym typeface="Courier New"/>
-              </a:rPr>
-              <a:t>'VA'</a:t>
-            </a:r>
-            <a:r>
-              <a:rPr lang="en" sz="2200" dirty="0">
-                <a:solidFill>
-                  <a:srgbClr val="000000"/>
-                </a:solidFill>
-                <a:latin typeface="Menlo Regular"/>
-                <a:ea typeface="Courier New"/>
-                <a:cs typeface="Menlo Regular"/>
-                <a:sym typeface="Courier New"/>
-              </a:rPr>
-              <a:t>,</a:t>
-            </a:r>
-          </a:p>
-          <a:p>
-            <a:pPr lvl="0" rtl="0">
-              <a:spcBef>
-                <a:spcPts val="0"/>
-              </a:spcBef>
-              <a:buNone/>
-            </a:pPr>
-            <a:r>
-              <a:rPr lang="en" sz="2200" dirty="0">
-                <a:solidFill>
-                  <a:srgbClr val="000000"/>
-                </a:solidFill>
-                <a:latin typeface="Menlo Regular"/>
-                <a:ea typeface="Courier New"/>
-                <a:cs typeface="Menlo Regular"/>
-                <a:sym typeface="Courier New"/>
-              </a:rPr>
-              <a:t>   </a:t>
-            </a:r>
-            <a:r>
-              <a:rPr lang="en" sz="2200" dirty="0" smtClean="0">
-                <a:solidFill>
-                  <a:srgbClr val="D20035"/>
-                </a:solidFill>
-                <a:latin typeface="Menlo Regular"/>
-                <a:ea typeface="Courier New"/>
-                <a:cs typeface="Menlo Regular"/>
-                <a:sym typeface="Courier New"/>
-              </a:rPr>
-              <a:t>'zip‘</a:t>
-            </a:r>
-            <a:r>
-              <a:rPr lang="en" sz="2200" dirty="0" smtClean="0">
-                <a:solidFill>
-                  <a:srgbClr val="000000"/>
-                </a:solidFill>
-                <a:latin typeface="Menlo Regular"/>
-                <a:ea typeface="Courier New"/>
-                <a:cs typeface="Menlo Regular"/>
-                <a:sym typeface="Courier New"/>
-              </a:rPr>
-              <a:t>: </a:t>
-            </a:r>
-            <a:r>
-              <a:rPr lang="en" sz="2200" dirty="0" smtClean="0">
-                <a:solidFill>
-                  <a:srgbClr val="000000"/>
-                </a:solidFill>
-                <a:latin typeface="Menlo Regular"/>
-                <a:ea typeface="Courier New"/>
-                <a:cs typeface="Menlo Regular"/>
-                <a:sym typeface="Courier New"/>
-              </a:rPr>
-              <a:t>‘</a:t>
+              <a:t>: ‘</a:t>
             </a:r>
             <a:r>
               <a:rPr lang="en-US" sz="2200" dirty="0" smtClean="0">
@@ -34122,7 +33562,7 @@
 </p:sld>
 </file>
 
-<file path=ppt/slides/slide72.xml><?xml version="1.0" encoding="utf-8"?>
+<file path=ppt/slides/slide71.xml><?xml version="1.0" encoding="utf-8"?>
 <p:sld xmlns:a="http://schemas.openxmlformats.org/drawingml/2006/main" xmlns:r="http://schemas.openxmlformats.org/officeDocument/2006/relationships" xmlns:p="http://schemas.openxmlformats.org/presentationml/2006/main">
   <p:cSld>
     <p:spTree>
@@ -34348,7 +33788,7 @@
 </p:sld>
 </file>
 
-<file path=ppt/slides/slide73.xml><?xml version="1.0" encoding="utf-8"?>
+<file path=ppt/slides/slide72.xml><?xml version="1.0" encoding="utf-8"?>
 <p:sld xmlns:a="http://schemas.openxmlformats.org/drawingml/2006/main" xmlns:r="http://schemas.openxmlformats.org/officeDocument/2006/relationships" xmlns:p="http://schemas.openxmlformats.org/presentationml/2006/main">
   <p:cSld>
     <p:spTree>
@@ -34606,7 +34046,7 @@
 </p:sld>
 </file>
 
-<file path=ppt/slides/slide74.xml><?xml version="1.0" encoding="utf-8"?>
+<file path=ppt/slides/slide73.xml><?xml version="1.0" encoding="utf-8"?>
 <p:sld xmlns:a="http://schemas.openxmlformats.org/drawingml/2006/main" xmlns:r="http://schemas.openxmlformats.org/officeDocument/2006/relationships" xmlns:p="http://schemas.openxmlformats.org/presentationml/2006/main">
   <p:cSld>
     <p:spTree>
@@ -34889,7 +34329,7 @@
 </p:sld>
 </file>
 
-<file path=ppt/slides/slide75.xml><?xml version="1.0" encoding="utf-8"?>
+<file path=ppt/slides/slide74.xml><?xml version="1.0" encoding="utf-8"?>
 <p:sld xmlns:a="http://schemas.openxmlformats.org/drawingml/2006/main" xmlns:r="http://schemas.openxmlformats.org/officeDocument/2006/relationships" xmlns:p="http://schemas.openxmlformats.org/presentationml/2006/main">
   <p:cSld>
     <p:spTree>
